--- a/Documentation/PresentationAlpha.pptx
+++ b/Documentation/PresentationAlpha.pptx
@@ -3110,7 +3110,9 @@
         </p:nvSpPr>
         <p:spPr/>
         <p:txBody>
-          <a:bodyPr/>
+          <a:bodyPr>
+            <a:normAutofit fontScale="85000" lnSpcReduction="20000"/>
+          </a:bodyPr>
           <a:lstStyle/>
           <a:p>
             <a:pPr marL="514350" indent="-514350">
@@ -3118,8 +3120,48 @@
               <a:buAutoNum type="arabicPeriod"/>
             </a:pPr>
             <a:r>
-              <a:rPr lang="en-US" dirty="0" smtClean="0"/>
-              <a:t>Rock Throw</a:t>
+              <a:rPr lang="en-US" dirty="0"/>
+              <a:t>Player Walk</a:t>
+            </a:r>
+          </a:p>
+          <a:p>
+            <a:pPr marL="514350" indent="-514350">
+              <a:buFont typeface="+mj-lt"/>
+              <a:buAutoNum type="arabicPeriod"/>
+            </a:pPr>
+            <a:r>
+              <a:rPr lang="en-US" dirty="0"/>
+              <a:t>Player Fade Enter</a:t>
+            </a:r>
+          </a:p>
+          <a:p>
+            <a:pPr marL="514350" indent="-514350">
+              <a:buFont typeface="+mj-lt"/>
+              <a:buAutoNum type="arabicPeriod"/>
+            </a:pPr>
+            <a:r>
+              <a:rPr lang="en-US" dirty="0"/>
+              <a:t>Player Fade Exit</a:t>
+            </a:r>
+          </a:p>
+          <a:p>
+            <a:pPr marL="514350" indent="-514350">
+              <a:buFont typeface="+mj-lt"/>
+              <a:buAutoNum type="arabicPeriod"/>
+            </a:pPr>
+            <a:r>
+              <a:rPr lang="en-US" dirty="0" smtClean="0"/>
+              <a:t>Death Sounds For Everything (Except Skeleton)</a:t>
+            </a:r>
+          </a:p>
+          <a:p>
+            <a:pPr marL="514350" indent="-514350">
+              <a:buFont typeface="+mj-lt"/>
+              <a:buAutoNum type="arabicPeriod"/>
+            </a:pPr>
+            <a:r>
+              <a:rPr lang="en-US" dirty="0" smtClean="0"/>
+              <a:t>Unique Hurt Sounds:</a:t>
             </a:r>
           </a:p>
           <a:p>
@@ -3129,7 +3171,7 @@
             </a:pPr>
             <a:r>
               <a:rPr lang="en-US" dirty="0" smtClean="0"/>
-              <a:t>Throw</a:t>
+              <a:t>Ghost</a:t>
             </a:r>
           </a:p>
           <a:p>
@@ -3139,16 +3181,113 @@
             </a:pPr>
             <a:r>
               <a:rPr lang="en-US" dirty="0" smtClean="0"/>
-              <a:t>Impact</a:t>
-            </a:r>
+              <a:t>Staff Ogre</a:t>
+            </a:r>
+          </a:p>
+          <a:p>
+            <a:pPr marL="971550" lvl="1" indent="-514350">
+              <a:buFont typeface="+mj-lt"/>
+              <a:buAutoNum type="arabicPeriod"/>
+            </a:pPr>
+            <a:r>
+              <a:rPr lang="en-US" dirty="0" smtClean="0"/>
+              <a:t>Animated Golem</a:t>
+            </a:r>
+          </a:p>
+          <a:p>
+            <a:pPr marL="971550" lvl="1" indent="-514350">
+              <a:buFont typeface="+mj-lt"/>
+              <a:buAutoNum type="arabicPeriod"/>
+            </a:pPr>
+            <a:r>
+              <a:rPr lang="en-US" dirty="0" smtClean="0"/>
+              <a:t>The Librarian Boss</a:t>
+            </a:r>
+          </a:p>
+          <a:p>
+            <a:pPr marL="971550" lvl="1" indent="-514350">
+              <a:buFont typeface="+mj-lt"/>
+              <a:buAutoNum type="arabicPeriod"/>
+            </a:pPr>
+            <a:r>
+              <a:rPr lang="en-US" dirty="0" smtClean="0"/>
+              <a:t>Flaming Totem</a:t>
+            </a:r>
+          </a:p>
+          <a:p>
+            <a:pPr marL="971550" lvl="1" indent="-514350">
+              <a:buFont typeface="+mj-lt"/>
+              <a:buAutoNum type="arabicPeriod"/>
+            </a:pPr>
+            <a:r>
+              <a:rPr lang="en-US" dirty="0" smtClean="0"/>
+              <a:t>The Dragon Boss</a:t>
+            </a:r>
+          </a:p>
+          <a:p>
+            <a:pPr marL="971550" lvl="1" indent="-514350">
+              <a:buFont typeface="+mj-lt"/>
+              <a:buAutoNum type="arabicPeriod"/>
+            </a:pPr>
+            <a:r>
+              <a:rPr lang="en-US" dirty="0" smtClean="0"/>
+              <a:t>Each Knight of The Three Knights Boss</a:t>
+            </a:r>
+            <a:endParaRPr lang="en-US" dirty="0" smtClean="0"/>
           </a:p>
           <a:p>
             <a:pPr marL="514350" indent="-514350">
               <a:buFont typeface="+mj-lt"/>
               <a:buAutoNum type="arabicPeriod"/>
             </a:pPr>
-            <a:r>
-              <a:rPr lang="en-US" dirty="0" smtClean="0"/>
+            <a:endParaRPr lang="en-US" dirty="0" smtClean="0"/>
+          </a:p>
+          <a:p>
+            <a:pPr marL="514350" indent="-514350">
+              <a:buFont typeface="+mj-lt"/>
+              <a:buAutoNum type="arabicPeriod"/>
+            </a:pPr>
+            <a:endParaRPr lang="en-US" dirty="0" smtClean="0"/>
+          </a:p>
+          <a:p>
+            <a:pPr marL="514350" indent="-514350">
+              <a:buFont typeface="+mj-lt"/>
+              <a:buAutoNum type="arabicPeriod"/>
+            </a:pPr>
+            <a:endParaRPr lang="en-US" dirty="0" smtClean="0"/>
+          </a:p>
+          <a:p>
+            <a:pPr marL="514350" indent="-514350">
+              <a:buFont typeface="+mj-lt"/>
+              <a:buAutoNum type="arabicPeriod"/>
+            </a:pPr>
+            <a:endParaRPr lang="en-US" dirty="0"/>
+          </a:p>
+        </p:txBody>
+      </p:sp>
+      <p:sp>
+        <p:nvSpPr>
+          <p:cNvPr id="4" name="Content Placeholder 3"/>
+          <p:cNvSpPr>
+            <a:spLocks noGrp="1"/>
+          </p:cNvSpPr>
+          <p:nvPr>
+            <p:ph sz="half" idx="2"/>
+          </p:nvPr>
+        </p:nvSpPr>
+        <p:spPr/>
+        <p:txBody>
+          <a:bodyPr>
+            <a:normAutofit fontScale="85000" lnSpcReduction="20000"/>
+          </a:bodyPr>
+          <a:lstStyle/>
+          <a:p>
+            <a:pPr marL="514350" indent="-514350">
+              <a:buFont typeface="+mj-lt"/>
+              <a:buAutoNum type="arabicPeriod"/>
+            </a:pPr>
+            <a:r>
+              <a:rPr lang="en-US" dirty="0"/>
               <a:t>Arc Lightning</a:t>
             </a:r>
           </a:p>
@@ -3158,8 +3297,12 @@
               <a:buAutoNum type="arabicPeriod"/>
             </a:pPr>
             <a:r>
-              <a:rPr lang="en-US" dirty="0" smtClean="0"/>
-              <a:t>Acid Pool</a:t>
+              <a:rPr lang="en-US" dirty="0"/>
+              <a:t>Acid </a:t>
+            </a:r>
+            <a:r>
+              <a:rPr lang="en-US" dirty="0" smtClean="0"/>
+              <a:t>Pool</a:t>
             </a:r>
           </a:p>
           <a:p>
@@ -3168,50 +3311,95 @@
               <a:buAutoNum type="arabicPeriod"/>
             </a:pPr>
             <a:r>
-              <a:rPr lang="en-US" smtClean="0"/>
-              <a:t>…</a:t>
-            </a:r>
-            <a:endParaRPr lang="en-US" dirty="0" smtClean="0"/>
+              <a:rPr lang="en-US" dirty="0" smtClean="0"/>
+              <a:t>Ring of Fire</a:t>
+            </a:r>
+            <a:endParaRPr lang="en-US" dirty="0"/>
           </a:p>
           <a:p>
             <a:pPr marL="514350" indent="-514350">
               <a:buFont typeface="+mj-lt"/>
               <a:buAutoNum type="arabicPeriod"/>
             </a:pPr>
-            <a:endParaRPr lang="en-US" dirty="0" smtClean="0"/>
-          </a:p>
-          <a:p>
-            <a:pPr marL="514350" indent="-514350">
-              <a:buFont typeface="+mj-lt"/>
-              <a:buAutoNum type="arabicPeriod"/>
-            </a:pPr>
-            <a:endParaRPr lang="en-US" dirty="0" smtClean="0"/>
-          </a:p>
-          <a:p>
-            <a:pPr marL="514350" indent="-514350">
-              <a:buFont typeface="+mj-lt"/>
-              <a:buAutoNum type="arabicPeriod"/>
-            </a:pPr>
-            <a:endParaRPr lang="en-US" dirty="0"/>
-          </a:p>
-        </p:txBody>
-      </p:sp>
-      <p:sp>
-        <p:nvSpPr>
-          <p:cNvPr id="4" name="Content Placeholder 3"/>
-          <p:cNvSpPr>
-            <a:spLocks noGrp="1"/>
-          </p:cNvSpPr>
-          <p:nvPr>
-            <p:ph sz="half" idx="2"/>
-          </p:nvPr>
-        </p:nvSpPr>
-        <p:spPr/>
-        <p:txBody>
-          <a:bodyPr/>
-          <a:lstStyle/>
-          <a:p>
-            <a:endParaRPr lang="en-US"/>
+            <a:r>
+              <a:rPr lang="en-US" dirty="0" smtClean="0"/>
+              <a:t>Attack Sounds:</a:t>
+            </a:r>
+          </a:p>
+          <a:p>
+            <a:pPr marL="971550" lvl="1" indent="-514350">
+              <a:buFont typeface="+mj-lt"/>
+              <a:buAutoNum type="arabicPeriod"/>
+            </a:pPr>
+            <a:r>
+              <a:rPr lang="en-US" dirty="0" smtClean="0"/>
+              <a:t>Giant Skeleton Boss (3 Attacks)</a:t>
+            </a:r>
+          </a:p>
+          <a:p>
+            <a:pPr marL="971550" lvl="1" indent="-514350">
+              <a:buFont typeface="+mj-lt"/>
+              <a:buAutoNum type="arabicPeriod"/>
+            </a:pPr>
+            <a:r>
+              <a:rPr lang="en-US" dirty="0" smtClean="0"/>
+              <a:t>Animated Golem (Throw and Impact)</a:t>
+            </a:r>
+          </a:p>
+          <a:p>
+            <a:pPr marL="971550" lvl="1" indent="-514350">
+              <a:buFont typeface="+mj-lt"/>
+              <a:buAutoNum type="arabicPeriod"/>
+            </a:pPr>
+            <a:r>
+              <a:rPr lang="en-US" dirty="0" smtClean="0"/>
+              <a:t>The Librarian Boss (3 Attacks)</a:t>
+            </a:r>
+          </a:p>
+          <a:p>
+            <a:pPr marL="971550" lvl="1" indent="-514350">
+              <a:buFont typeface="+mj-lt"/>
+              <a:buAutoNum type="arabicPeriod"/>
+            </a:pPr>
+            <a:r>
+              <a:rPr lang="en-US" dirty="0" smtClean="0"/>
+              <a:t>Pyromaniac</a:t>
+            </a:r>
+          </a:p>
+          <a:p>
+            <a:pPr marL="971550" lvl="1" indent="-514350">
+              <a:buFont typeface="+mj-lt"/>
+              <a:buAutoNum type="arabicPeriod"/>
+            </a:pPr>
+            <a:r>
+              <a:rPr lang="en-US" dirty="0" smtClean="0"/>
+              <a:t>Flaming Ghost</a:t>
+            </a:r>
+          </a:p>
+          <a:p>
+            <a:pPr marL="971550" lvl="1" indent="-514350">
+              <a:buFont typeface="+mj-lt"/>
+              <a:buAutoNum type="arabicPeriod"/>
+            </a:pPr>
+            <a:r>
+              <a:rPr lang="en-US" dirty="0" smtClean="0"/>
+              <a:t>The Dragon Boss (3 Attacks)</a:t>
+            </a:r>
+          </a:p>
+          <a:p>
+            <a:pPr marL="971550" lvl="1" indent="-514350">
+              <a:buFont typeface="+mj-lt"/>
+              <a:buAutoNum type="arabicPeriod"/>
+            </a:pPr>
+            <a:r>
+              <a:rPr lang="en-US" dirty="0" smtClean="0"/>
+              <a:t>The Three Knights Boss (3+? </a:t>
+            </a:r>
+            <a:r>
+              <a:rPr lang="en-US" dirty="0" smtClean="0"/>
+              <a:t>Attacks)</a:t>
+            </a:r>
+            <a:endParaRPr lang="en-US" dirty="0"/>
           </a:p>
         </p:txBody>
       </p:sp>

--- a/Documentation/PresentationAlpha.pptx
+++ b/Documentation/PresentationAlpha.pptx
@@ -15,9 +15,6 @@
     <p:sldId id="272" r:id="rId9"/>
     <p:sldId id="273" r:id="rId10"/>
     <p:sldId id="274" r:id="rId11"/>
-    <p:sldId id="264" r:id="rId12"/>
-    <p:sldId id="265" r:id="rId13"/>
-    <p:sldId id="266" r:id="rId14"/>
   </p:sldIdLst>
   <p:sldSz cx="12192000" cy="6858000"/>
   <p:notesSz cx="6858000" cy="9144000"/>
@@ -264,7 +261,7 @@
           <a:p>
             <a:fld id="{5CEF22E0-9ED4-437F-9483-C95BD90B631F}" type="datetimeFigureOut">
               <a:rPr lang="en-US" smtClean="0"/>
-              <a:t>4/10/2017</a:t>
+              <a:t>4/11/2017</a:t>
             </a:fld>
             <a:endParaRPr lang="en-US" dirty="0"/>
           </a:p>
@@ -432,7 +429,7 @@
           <a:p>
             <a:fld id="{5CEF22E0-9ED4-437F-9483-C95BD90B631F}" type="datetimeFigureOut">
               <a:rPr lang="en-US" smtClean="0"/>
-              <a:t>4/10/2017</a:t>
+              <a:t>4/11/2017</a:t>
             </a:fld>
             <a:endParaRPr lang="en-US" dirty="0"/>
           </a:p>
@@ -610,7 +607,7 @@
           <a:p>
             <a:fld id="{5CEF22E0-9ED4-437F-9483-C95BD90B631F}" type="datetimeFigureOut">
               <a:rPr lang="en-US" smtClean="0"/>
-              <a:t>4/10/2017</a:t>
+              <a:t>4/11/2017</a:t>
             </a:fld>
             <a:endParaRPr lang="en-US" dirty="0"/>
           </a:p>
@@ -778,7 +775,7 @@
           <a:p>
             <a:fld id="{5CEF22E0-9ED4-437F-9483-C95BD90B631F}" type="datetimeFigureOut">
               <a:rPr lang="en-US" smtClean="0"/>
-              <a:t>4/10/2017</a:t>
+              <a:t>4/11/2017</a:t>
             </a:fld>
             <a:endParaRPr lang="en-US" dirty="0"/>
           </a:p>
@@ -1023,7 +1020,7 @@
           <a:p>
             <a:fld id="{5CEF22E0-9ED4-437F-9483-C95BD90B631F}" type="datetimeFigureOut">
               <a:rPr lang="en-US" smtClean="0"/>
-              <a:t>4/10/2017</a:t>
+              <a:t>4/11/2017</a:t>
             </a:fld>
             <a:endParaRPr lang="en-US" dirty="0"/>
           </a:p>
@@ -1252,7 +1249,7 @@
           <a:p>
             <a:fld id="{5CEF22E0-9ED4-437F-9483-C95BD90B631F}" type="datetimeFigureOut">
               <a:rPr lang="en-US" smtClean="0"/>
-              <a:t>4/10/2017</a:t>
+              <a:t>4/11/2017</a:t>
             </a:fld>
             <a:endParaRPr lang="en-US" dirty="0"/>
           </a:p>
@@ -1616,7 +1613,7 @@
           <a:p>
             <a:fld id="{5CEF22E0-9ED4-437F-9483-C95BD90B631F}" type="datetimeFigureOut">
               <a:rPr lang="en-US" smtClean="0"/>
-              <a:t>4/10/2017</a:t>
+              <a:t>4/11/2017</a:t>
             </a:fld>
             <a:endParaRPr lang="en-US" dirty="0"/>
           </a:p>
@@ -1733,7 +1730,7 @@
           <a:p>
             <a:fld id="{5CEF22E0-9ED4-437F-9483-C95BD90B631F}" type="datetimeFigureOut">
               <a:rPr lang="en-US" smtClean="0"/>
-              <a:t>4/10/2017</a:t>
+              <a:t>4/11/2017</a:t>
             </a:fld>
             <a:endParaRPr lang="en-US" dirty="0"/>
           </a:p>
@@ -1828,7 +1825,7 @@
           <a:p>
             <a:fld id="{5CEF22E0-9ED4-437F-9483-C95BD90B631F}" type="datetimeFigureOut">
               <a:rPr lang="en-US" smtClean="0"/>
-              <a:t>4/10/2017</a:t>
+              <a:t>4/11/2017</a:t>
             </a:fld>
             <a:endParaRPr lang="en-US" dirty="0"/>
           </a:p>
@@ -2103,7 +2100,7 @@
           <a:p>
             <a:fld id="{5CEF22E0-9ED4-437F-9483-C95BD90B631F}" type="datetimeFigureOut">
               <a:rPr lang="en-US" smtClean="0"/>
-              <a:t>4/10/2017</a:t>
+              <a:t>4/11/2017</a:t>
             </a:fld>
             <a:endParaRPr lang="en-US" dirty="0"/>
           </a:p>
@@ -2355,7 +2352,7 @@
           <a:p>
             <a:fld id="{5CEF22E0-9ED4-437F-9483-C95BD90B631F}" type="datetimeFigureOut">
               <a:rPr lang="en-US" smtClean="0"/>
-              <a:t>4/10/2017</a:t>
+              <a:t>4/11/2017</a:t>
             </a:fld>
             <a:endParaRPr lang="en-US" dirty="0"/>
           </a:p>
@@ -2566,7 +2563,7 @@
           <a:p>
             <a:fld id="{5CEF22E0-9ED4-437F-9483-C95BD90B631F}" type="datetimeFigureOut">
               <a:rPr lang="en-US" smtClean="0"/>
-              <a:t>4/10/2017</a:t>
+              <a:t>4/11/2017</a:t>
             </a:fld>
             <a:endParaRPr lang="en-US" dirty="0"/>
           </a:p>
@@ -3233,7 +3230,6 @@
               <a:rPr lang="en-US" dirty="0" smtClean="0"/>
               <a:t>Each Knight of The Three Knights Boss</a:t>
             </a:r>
-            <a:endParaRPr lang="en-US" dirty="0" smtClean="0"/>
           </a:p>
           <a:p>
             <a:pPr marL="514350" indent="-514350">
@@ -3393,75 +3389,7 @@
             </a:pPr>
             <a:r>
               <a:rPr lang="en-US" dirty="0" smtClean="0"/>
-              <a:t>The Three Knights Boss (3+? </a:t>
-            </a:r>
-            <a:r>
-              <a:rPr lang="en-US" dirty="0" smtClean="0"/>
-              <a:t>Attacks)</a:t>
-            </a:r>
-            <a:endParaRPr lang="en-US" dirty="0"/>
-          </a:p>
-        </p:txBody>
-      </p:sp>
-    </p:spTree>
-    <p:extLst>
-      <p:ext uri="{BB962C8B-B14F-4D97-AF65-F5344CB8AC3E}">
-        <p14:creationId xmlns:p14="http://schemas.microsoft.com/office/powerpoint/2010/main" val="927300595"/>
-      </p:ext>
-    </p:extLst>
-  </p:cSld>
-  <p:clrMapOvr>
-    <a:masterClrMapping/>
-  </p:clrMapOvr>
-</p:sld>
-</file>
-
-<file path=ppt/slides/slide11.xml><?xml version="1.0" encoding="utf-8"?>
-<p:sld xmlns:a="http://schemas.openxmlformats.org/drawingml/2006/main" xmlns:r="http://schemas.openxmlformats.org/officeDocument/2006/relationships" xmlns:p="http://schemas.openxmlformats.org/presentationml/2006/main">
-  <p:cSld>
-    <p:spTree>
-      <p:nvGrpSpPr>
-        <p:cNvPr id="1" name=""/>
-        <p:cNvGrpSpPr/>
-        <p:nvPr/>
-      </p:nvGrpSpPr>
-      <p:grpSpPr>
-        <a:xfrm>
-          <a:off x="0" y="0"/>
-          <a:ext cx="0" cy="0"/>
-          <a:chOff x="0" y="0"/>
-          <a:chExt cx="0" cy="0"/>
-        </a:xfrm>
-      </p:grpSpPr>
-      <p:sp>
-        <p:nvSpPr>
-          <p:cNvPr id="2" name="Title 1"/>
-          <p:cNvSpPr>
-            <a:spLocks noGrp="1"/>
-          </p:cNvSpPr>
-          <p:nvPr>
-            <p:ph type="title"/>
-          </p:nvPr>
-        </p:nvSpPr>
-        <p:spPr/>
-        <p:txBody>
-          <a:bodyPr/>
-          <a:lstStyle/>
-          <a:p>
-            <a:r>
-              <a:rPr lang="en-US" dirty="0"/>
-              <a:t>Area </a:t>
-            </a:r>
-            <a:r>
-              <a:rPr lang="en-US" dirty="0" smtClean="0"/>
-              <a:t>1</a:t>
-            </a:r>
-            <a:br>
-              <a:rPr lang="en-US" dirty="0" smtClean="0"/>
-            </a:br>
-            <a:r>
-              <a:rPr lang="en-US" dirty="0" smtClean="0"/>
-              <a:t>“The Underground Cemetery.”</a:t>
+              <a:t>The Three Knights Boss (3+? Attacks)</a:t>
             </a:r>
             <a:endParaRPr lang="en-US" dirty="0"/>
           </a:p>
@@ -3469,72 +3397,14 @@
       </p:sp>
       <p:pic>
         <p:nvPicPr>
-          <p:cNvPr id="1026" name="Picture 2" descr="https://s-media-cache-ak0.pinimg.com/736x/7e/e5/53/7ee5538a38ab9b0a4b59668504f1d413.jpg"/>
-          <p:cNvPicPr>
-            <a:picLocks noGrp="1" noChangeAspect="1" noChangeArrowheads="1"/>
-          </p:cNvPicPr>
-          <p:nvPr>
-            <p:ph type="pic" idx="1"/>
-          </p:nvPr>
-        </p:nvPicPr>
-        <p:blipFill>
-          <a:blip r:embed="rId2">
-            <a:extLst>
-              <a:ext uri="{28A0092B-C50C-407E-A947-70E740481C1C}">
-                <a14:useLocalDpi xmlns:a14="http://schemas.microsoft.com/office/drawing/2010/main" val="0"/>
-              </a:ext>
-            </a:extLst>
-          </a:blip>
-          <a:srcRect l="12058" r="12058"/>
-          <a:stretch>
-            <a:fillRect/>
-          </a:stretch>
-        </p:blipFill>
-        <p:spPr bwMode="auto">
-          <a:prstGeom prst="rect">
-            <a:avLst/>
-          </a:prstGeom>
-          <a:noFill/>
-          <a:extLst>
-            <a:ext uri="{909E8E84-426E-40DD-AFC4-6F175D3DCCD1}">
-              <a14:hiddenFill xmlns:a14="http://schemas.microsoft.com/office/drawing/2010/main">
-                <a:solidFill>
-                  <a:srgbClr val="FFFFFF"/>
-                </a:solidFill>
-              </a14:hiddenFill>
-            </a:ext>
-          </a:extLst>
-        </p:spPr>
-      </p:pic>
-      <p:sp>
-        <p:nvSpPr>
-          <p:cNvPr id="3" name="Text Placeholder 2"/>
-          <p:cNvSpPr>
-            <a:spLocks noGrp="1"/>
-          </p:cNvSpPr>
-          <p:nvPr>
-            <p:ph type="body" sz="half" idx="2"/>
-          </p:nvPr>
-        </p:nvSpPr>
-        <p:spPr/>
-        <p:txBody>
-          <a:bodyPr/>
-          <a:lstStyle/>
-          <a:p>
-            <a:endParaRPr lang="en-US" dirty="0"/>
-          </a:p>
-        </p:txBody>
-      </p:sp>
-      <p:pic>
-        <p:nvPicPr>
-          <p:cNvPr id="4" name="Picture 3"/>
+          <p:cNvPr id="5" name="Picture 4"/>
           <p:cNvPicPr>
             <a:picLocks noChangeAspect="1"/>
           </p:cNvPicPr>
           <p:nvPr/>
         </p:nvPicPr>
         <p:blipFill>
-          <a:blip r:embed="rId3" cstate="print">
+          <a:blip r:embed="rId2" cstate="print">
             <a:extLst>
               <a:ext uri="{28A0092B-C50C-407E-A947-70E740481C1C}">
                 <a14:useLocalDpi xmlns:a14="http://schemas.microsoft.com/office/drawing/2010/main" val="0"/>
@@ -3558,369 +3428,13 @@
     </p:spTree>
     <p:extLst>
       <p:ext uri="{BB962C8B-B14F-4D97-AF65-F5344CB8AC3E}">
-        <p14:creationId xmlns:p14="http://schemas.microsoft.com/office/powerpoint/2010/main" val="1452065042"/>
+        <p14:creationId xmlns:p14="http://schemas.microsoft.com/office/powerpoint/2010/main" val="927300595"/>
       </p:ext>
     </p:extLst>
   </p:cSld>
   <p:clrMapOvr>
     <a:masterClrMapping/>
   </p:clrMapOvr>
-  <p:timing>
-    <p:tnLst>
-      <p:par>
-        <p:cTn id="1" dur="indefinite" restart="never" nodeType="tmRoot"/>
-      </p:par>
-    </p:tnLst>
-  </p:timing>
-</p:sld>
-</file>
-
-<file path=ppt/slides/slide12.xml><?xml version="1.0" encoding="utf-8"?>
-<p:sld xmlns:a="http://schemas.openxmlformats.org/drawingml/2006/main" xmlns:r="http://schemas.openxmlformats.org/officeDocument/2006/relationships" xmlns:p="http://schemas.openxmlformats.org/presentationml/2006/main">
-  <p:cSld>
-    <p:spTree>
-      <p:nvGrpSpPr>
-        <p:cNvPr id="1" name=""/>
-        <p:cNvGrpSpPr/>
-        <p:nvPr/>
-      </p:nvGrpSpPr>
-      <p:grpSpPr>
-        <a:xfrm>
-          <a:off x="0" y="0"/>
-          <a:ext cx="0" cy="0"/>
-          <a:chOff x="0" y="0"/>
-          <a:chExt cx="0" cy="0"/>
-        </a:xfrm>
-      </p:grpSpPr>
-      <p:sp>
-        <p:nvSpPr>
-          <p:cNvPr id="2" name="Title 1"/>
-          <p:cNvSpPr>
-            <a:spLocks noGrp="1"/>
-          </p:cNvSpPr>
-          <p:nvPr>
-            <p:ph type="title"/>
-          </p:nvPr>
-        </p:nvSpPr>
-        <p:spPr/>
-        <p:txBody>
-          <a:bodyPr/>
-          <a:lstStyle/>
-          <a:p>
-            <a:r>
-              <a:rPr lang="en-US" dirty="0"/>
-              <a:t>Area </a:t>
-            </a:r>
-            <a:r>
-              <a:rPr lang="en-US" dirty="0" smtClean="0"/>
-              <a:t>2 </a:t>
-            </a:r>
-            <a:br>
-              <a:rPr lang="en-US" dirty="0" smtClean="0"/>
-            </a:br>
-            <a:r>
-              <a:rPr lang="en-US" dirty="0" smtClean="0"/>
-              <a:t>“The Living Library”</a:t>
-            </a:r>
-            <a:endParaRPr lang="en-US" dirty="0"/>
-          </a:p>
-        </p:txBody>
-      </p:sp>
-      <p:pic>
-        <p:nvPicPr>
-          <p:cNvPr id="2052" name="Picture 4" descr="https://tse1.mm.bing.net/th?id=OIP.M1017c25152f03c22996c13e9189e12aeo0&amp;pid=15.1&amp;P=0&amp;w=301&amp;h=170"/>
-          <p:cNvPicPr>
-            <a:picLocks noGrp="1" noChangeAspect="1" noChangeArrowheads="1"/>
-          </p:cNvPicPr>
-          <p:nvPr>
-            <p:ph type="pic" idx="1"/>
-          </p:nvPr>
-        </p:nvPicPr>
-        <p:blipFill>
-          <a:blip r:embed="rId2">
-            <a:extLst>
-              <a:ext uri="{28A0092B-C50C-407E-A947-70E740481C1C}">
-                <a14:useLocalDpi xmlns:a14="http://schemas.microsoft.com/office/drawing/2010/main" val="0"/>
-              </a:ext>
-            </a:extLst>
-          </a:blip>
-          <a:srcRect l="14539" r="14539"/>
-          <a:stretch>
-            <a:fillRect/>
-          </a:stretch>
-        </p:blipFill>
-        <p:spPr bwMode="auto">
-          <a:prstGeom prst="rect">
-            <a:avLst/>
-          </a:prstGeom>
-          <a:noFill/>
-          <a:extLst>
-            <a:ext uri="{909E8E84-426E-40DD-AFC4-6F175D3DCCD1}">
-              <a14:hiddenFill xmlns:a14="http://schemas.microsoft.com/office/drawing/2010/main">
-                <a:solidFill>
-                  <a:srgbClr val="FFFFFF"/>
-                </a:solidFill>
-              </a14:hiddenFill>
-            </a:ext>
-          </a:extLst>
-        </p:spPr>
-      </p:pic>
-      <p:sp>
-        <p:nvSpPr>
-          <p:cNvPr id="3" name="Text Placeholder 2"/>
-          <p:cNvSpPr>
-            <a:spLocks noGrp="1"/>
-          </p:cNvSpPr>
-          <p:nvPr>
-            <p:ph type="body" sz="half" idx="2"/>
-          </p:nvPr>
-        </p:nvSpPr>
-        <p:spPr/>
-        <p:txBody>
-          <a:bodyPr/>
-          <a:lstStyle/>
-          <a:p>
-            <a:endParaRPr lang="en-US" dirty="0"/>
-          </a:p>
-        </p:txBody>
-      </p:sp>
-      <p:pic>
-        <p:nvPicPr>
-          <p:cNvPr id="4" name="Picture 3"/>
-          <p:cNvPicPr>
-            <a:picLocks noChangeAspect="1"/>
-          </p:cNvPicPr>
-          <p:nvPr/>
-        </p:nvPicPr>
-        <p:blipFill>
-          <a:blip r:embed="rId3" cstate="print">
-            <a:extLst>
-              <a:ext uri="{28A0092B-C50C-407E-A947-70E740481C1C}">
-                <a14:useLocalDpi xmlns:a14="http://schemas.microsoft.com/office/drawing/2010/main" val="0"/>
-              </a:ext>
-            </a:extLst>
-          </a:blip>
-          <a:stretch>
-            <a:fillRect/>
-          </a:stretch>
-        </p:blipFill>
-        <p:spPr>
-          <a:xfrm>
-            <a:off x="11126825" y="-1"/>
-            <a:ext cx="1065175" cy="612475"/>
-          </a:xfrm>
-          <a:prstGeom prst="rect">
-            <a:avLst/>
-          </a:prstGeom>
-        </p:spPr>
-      </p:pic>
-    </p:spTree>
-    <p:extLst>
-      <p:ext uri="{BB962C8B-B14F-4D97-AF65-F5344CB8AC3E}">
-        <p14:creationId xmlns:p14="http://schemas.microsoft.com/office/powerpoint/2010/main" val="1468101425"/>
-      </p:ext>
-    </p:extLst>
-  </p:cSld>
-  <p:clrMapOvr>
-    <a:masterClrMapping/>
-  </p:clrMapOvr>
-  <p:timing>
-    <p:tnLst>
-      <p:par>
-        <p:cTn id="1" dur="indefinite" restart="never" nodeType="tmRoot"/>
-      </p:par>
-    </p:tnLst>
-  </p:timing>
-</p:sld>
-</file>
-
-<file path=ppt/slides/slide13.xml><?xml version="1.0" encoding="utf-8"?>
-<p:sld xmlns:a="http://schemas.openxmlformats.org/drawingml/2006/main" xmlns:r="http://schemas.openxmlformats.org/officeDocument/2006/relationships" xmlns:p="http://schemas.openxmlformats.org/presentationml/2006/main">
-  <p:cSld>
-    <p:spTree>
-      <p:nvGrpSpPr>
-        <p:cNvPr id="1" name=""/>
-        <p:cNvGrpSpPr/>
-        <p:nvPr/>
-      </p:nvGrpSpPr>
-      <p:grpSpPr>
-        <a:xfrm>
-          <a:off x="0" y="0"/>
-          <a:ext cx="0" cy="0"/>
-          <a:chOff x="0" y="0"/>
-          <a:chExt cx="0" cy="0"/>
-        </a:xfrm>
-      </p:grpSpPr>
-      <p:sp>
-        <p:nvSpPr>
-          <p:cNvPr id="2" name="Title 1"/>
-          <p:cNvSpPr>
-            <a:spLocks noGrp="1"/>
-          </p:cNvSpPr>
-          <p:nvPr>
-            <p:ph type="title"/>
-          </p:nvPr>
-        </p:nvSpPr>
-        <p:spPr/>
-        <p:txBody>
-          <a:bodyPr/>
-          <a:lstStyle/>
-          <a:p>
-            <a:r>
-              <a:rPr lang="en-US" dirty="0"/>
-              <a:t>Area </a:t>
-            </a:r>
-            <a:r>
-              <a:rPr lang="en-US" dirty="0" smtClean="0"/>
-              <a:t>3</a:t>
-            </a:r>
-            <a:br>
-              <a:rPr lang="en-US" dirty="0" smtClean="0"/>
-            </a:br>
-            <a:r>
-              <a:rPr lang="en-US" dirty="0" smtClean="0"/>
-              <a:t>“The Volcanic Wasteland”</a:t>
-            </a:r>
-            <a:endParaRPr lang="en-US" dirty="0"/>
-          </a:p>
-        </p:txBody>
-      </p:sp>
-      <p:pic>
-        <p:nvPicPr>
-          <p:cNvPr id="3074" name="Picture 2" descr="https://www.gamedevmarket.net/media/get/cc_7f0a519d7087723dc3febcc1bad09c20aa18f6d5.jpg"/>
-          <p:cNvPicPr>
-            <a:picLocks noGrp="1" noChangeAspect="1" noChangeArrowheads="1"/>
-          </p:cNvPicPr>
-          <p:nvPr>
-            <p:ph type="pic" idx="1"/>
-          </p:nvPr>
-        </p:nvPicPr>
-        <p:blipFill>
-          <a:blip r:embed="rId2">
-            <a:extLst>
-              <a:ext uri="{BEBA8EAE-BF5A-486C-A8C5-ECC9F3942E4B}">
-                <a14:imgProps xmlns:a14="http://schemas.microsoft.com/office/drawing/2010/main">
-                  <a14:imgLayer r:embed="rId3">
-                    <a14:imgEffect>
-                      <a14:backgroundRemoval t="7250" b="90000" l="10429" r="82143">
-                        <a14:foregroundMark x1="54143" y1="81750" x2="81857" y2="81750"/>
-                        <a14:foregroundMark x1="82143" y1="81000" x2="81571" y2="52250"/>
-                        <a14:foregroundMark x1="81714" y1="52250" x2="81000" y2="7250"/>
-                        <a14:foregroundMark x1="81143" y1="7000" x2="15143" y2="7500"/>
-                        <a14:foregroundMark x1="15286" y1="8000" x2="15429" y2="79000"/>
-                        <a14:foregroundMark x1="15429" y1="79250" x2="54143" y2="82000"/>
-                        <a14:foregroundMark x1="15286" y1="9000" x2="26143" y2="21000"/>
-                        <a14:foregroundMark x1="19143" y1="14250" x2="18714" y2="36250"/>
-                        <a14:foregroundMark x1="27429" y1="60750" x2="30143" y2="64000"/>
-                        <a14:foregroundMark x1="28714" y1="57500" x2="29857" y2="62500"/>
-                        <a14:foregroundMark x1="30000" y1="58250" x2="29000" y2="63000"/>
-                        <a14:foregroundMark x1="16571" y1="53000" x2="23000" y2="76500"/>
-                        <a14:foregroundMark x1="65000" y1="15000" x2="80429" y2="14500"/>
-                        <a14:foregroundMark x1="56000" y1="24750" x2="58571" y2="27750"/>
-                        <a14:foregroundMark x1="67571" y1="22750" x2="67714" y2="27250"/>
-                        <a14:backgroundMark x1="43857" y1="84000" x2="60429" y2="83750"/>
-                        <a14:backgroundMark x1="42286" y1="82250" x2="60429" y2="82500"/>
-                        <a14:backgroundMark x1="63571" y1="83500" x2="82429" y2="82250"/>
-                        <a14:backgroundMark x1="62143" y1="83000" x2="81857" y2="82000"/>
-                        <a14:backgroundMark x1="13857" y1="65750" x2="14429" y2="89000"/>
-                        <a14:backgroundMark x1="14429" y1="56750" x2="14714" y2="38500"/>
-                      </a14:backgroundRemoval>
-                    </a14:imgEffect>
-                  </a14:imgLayer>
-                </a14:imgProps>
-              </a:ext>
-              <a:ext uri="{28A0092B-C50C-407E-A947-70E740481C1C}">
-                <a14:useLocalDpi xmlns:a14="http://schemas.microsoft.com/office/drawing/2010/main" val="0"/>
-              </a:ext>
-            </a:extLst>
-          </a:blip>
-          <a:srcRect l="13816" r="13816"/>
-          <a:stretch>
-            <a:fillRect/>
-          </a:stretch>
-        </p:blipFill>
-        <p:spPr bwMode="auto">
-          <a:prstGeom prst="rect">
-            <a:avLst/>
-          </a:prstGeom>
-          <a:noFill/>
-          <a:extLst>
-            <a:ext uri="{909E8E84-426E-40DD-AFC4-6F175D3DCCD1}">
-              <a14:hiddenFill xmlns:a14="http://schemas.microsoft.com/office/drawing/2010/main">
-                <a:solidFill>
-                  <a:srgbClr val="FFFFFF"/>
-                </a:solidFill>
-              </a14:hiddenFill>
-            </a:ext>
-          </a:extLst>
-        </p:spPr>
-      </p:pic>
-      <p:sp>
-        <p:nvSpPr>
-          <p:cNvPr id="3" name="Text Placeholder 2"/>
-          <p:cNvSpPr>
-            <a:spLocks noGrp="1"/>
-          </p:cNvSpPr>
-          <p:nvPr>
-            <p:ph type="body" sz="half" idx="2"/>
-          </p:nvPr>
-        </p:nvSpPr>
-        <p:spPr/>
-        <p:txBody>
-          <a:bodyPr/>
-          <a:lstStyle/>
-          <a:p>
-            <a:endParaRPr lang="en-US" dirty="0"/>
-          </a:p>
-        </p:txBody>
-      </p:sp>
-      <p:pic>
-        <p:nvPicPr>
-          <p:cNvPr id="4" name="Picture 3"/>
-          <p:cNvPicPr>
-            <a:picLocks noChangeAspect="1"/>
-          </p:cNvPicPr>
-          <p:nvPr/>
-        </p:nvPicPr>
-        <p:blipFill>
-          <a:blip r:embed="rId4" cstate="print">
-            <a:extLst>
-              <a:ext uri="{28A0092B-C50C-407E-A947-70E740481C1C}">
-                <a14:useLocalDpi xmlns:a14="http://schemas.microsoft.com/office/drawing/2010/main" val="0"/>
-              </a:ext>
-            </a:extLst>
-          </a:blip>
-          <a:stretch>
-            <a:fillRect/>
-          </a:stretch>
-        </p:blipFill>
-        <p:spPr>
-          <a:xfrm>
-            <a:off x="11126825" y="-1"/>
-            <a:ext cx="1065175" cy="612475"/>
-          </a:xfrm>
-          <a:prstGeom prst="rect">
-            <a:avLst/>
-          </a:prstGeom>
-        </p:spPr>
-      </p:pic>
-    </p:spTree>
-    <p:extLst>
-      <p:ext uri="{BB962C8B-B14F-4D97-AF65-F5344CB8AC3E}">
-        <p14:creationId xmlns:p14="http://schemas.microsoft.com/office/powerpoint/2010/main" val="1603510201"/>
-      </p:ext>
-    </p:extLst>
-  </p:cSld>
-  <p:clrMapOvr>
-    <a:masterClrMapping/>
-  </p:clrMapOvr>
-  <p:timing>
-    <p:tnLst>
-      <p:par>
-        <p:cTn id="1" dur="indefinite" restart="never" nodeType="tmRoot"/>
-      </p:par>
-    </p:tnLst>
-  </p:timing>
 </p:sld>
 </file>
 
@@ -4070,6 +3584,20 @@
 <file path=ppt/slides/slide3.xml><?xml version="1.0" encoding="utf-8"?>
 <p:sld xmlns:a="http://schemas.openxmlformats.org/drawingml/2006/main" xmlns:r="http://schemas.openxmlformats.org/officeDocument/2006/relationships" xmlns:p="http://schemas.openxmlformats.org/presentationml/2006/main">
   <p:cSld>
+    <p:bg>
+      <p:bgPr>
+        <a:blipFill dpi="0" rotWithShape="1">
+          <a:blip r:embed="rId2">
+            <a:lum/>
+          </a:blip>
+          <a:srcRect/>
+          <a:stretch>
+            <a:fillRect t="-39000" b="-39000"/>
+          </a:stretch>
+        </a:blipFill>
+        <a:effectLst/>
+      </p:bgPr>
+    </p:bg>
     <p:spTree>
       <p:nvGrpSpPr>
         <p:cNvPr id="1" name=""/>
@@ -4094,16 +3622,31 @@
             <p:ph type="title"/>
           </p:nvPr>
         </p:nvSpPr>
-        <p:spPr/>
-        <p:txBody>
-          <a:bodyPr/>
-          <a:lstStyle/>
-          <a:p>
-            <a:r>
-              <a:rPr lang="en-US" dirty="0" smtClean="0"/>
+        <p:spPr>
+          <a:xfrm>
+            <a:off x="1400175" y="463398"/>
+            <a:ext cx="10515600" cy="1325563"/>
+          </a:xfrm>
+        </p:spPr>
+        <p:txBody>
+          <a:bodyPr/>
+          <a:lstStyle/>
+          <a:p>
+            <a:r>
+              <a:rPr lang="en-US" dirty="0" smtClean="0">
+                <a:solidFill>
+                  <a:srgbClr val="FFFF00"/>
+                </a:solidFill>
+                <a:latin typeface="Edwardian Script ITC" panose="030303020407070D0804" pitchFamily="66" charset="0"/>
+              </a:rPr>
               <a:t>New Scripts, Mechanics &amp; Features</a:t>
             </a:r>
-            <a:endParaRPr lang="en-US" dirty="0"/>
+            <a:endParaRPr lang="en-US" dirty="0">
+              <a:solidFill>
+                <a:srgbClr val="FFFF00"/>
+              </a:solidFill>
+              <a:latin typeface="Edwardian Script ITC" panose="030303020407070D0804" pitchFamily="66" charset="0"/>
+            </a:endParaRPr>
           </a:p>
         </p:txBody>
       </p:sp>
@@ -4117,10 +3660,15 @@
             <p:ph sz="half" idx="1"/>
           </p:nvPr>
         </p:nvSpPr>
-        <p:spPr/>
+        <p:spPr>
+          <a:xfrm>
+            <a:off x="1552575" y="1825625"/>
+            <a:ext cx="5181600" cy="4351338"/>
+          </a:xfrm>
+        </p:spPr>
         <p:txBody>
           <a:bodyPr>
-            <a:normAutofit fontScale="92500" lnSpcReduction="10000"/>
+            <a:normAutofit/>
           </a:bodyPr>
           <a:lstStyle/>
           <a:p>
@@ -4129,9 +3677,22 @@
               <a:buAutoNum type="arabicPeriod"/>
             </a:pPr>
             <a:r>
-              <a:rPr lang="en-US" dirty="0" smtClean="0"/>
-              <a:t>Random Generation of Rooms</a:t>
-            </a:r>
+              <a:rPr lang="en-US" sz="2000" dirty="0" smtClean="0">
+                <a:solidFill>
+                  <a:srgbClr val="FFFF00"/>
+                </a:solidFill>
+                <a:latin typeface="Times New Roman" panose="02020603050405020304" pitchFamily="18" charset="0"/>
+                <a:cs typeface="Times New Roman" panose="02020603050405020304" pitchFamily="18" charset="0"/>
+              </a:rPr>
+              <a:t>Room Generation</a:t>
+            </a:r>
+            <a:endParaRPr lang="en-US" sz="2000" dirty="0" smtClean="0">
+              <a:solidFill>
+                <a:srgbClr val="FFFF00"/>
+              </a:solidFill>
+              <a:latin typeface="Times New Roman" panose="02020603050405020304" pitchFamily="18" charset="0"/>
+              <a:cs typeface="Times New Roman" panose="02020603050405020304" pitchFamily="18" charset="0"/>
+            </a:endParaRPr>
           </a:p>
           <a:p>
             <a:pPr marL="514350" indent="-514350">
@@ -4139,116 +3700,111 @@
               <a:buAutoNum type="arabicPeriod"/>
             </a:pPr>
             <a:r>
-              <a:rPr lang="en-US" dirty="0" smtClean="0"/>
+              <a:rPr lang="en-US" sz="2000" dirty="0" smtClean="0">
+                <a:solidFill>
+                  <a:srgbClr val="FFFF00"/>
+                </a:solidFill>
+                <a:latin typeface="Times New Roman" panose="02020603050405020304" pitchFamily="18" charset="0"/>
+                <a:cs typeface="Times New Roman" panose="02020603050405020304" pitchFamily="18" charset="0"/>
+              </a:rPr>
               <a:t>New Player Spells</a:t>
             </a:r>
           </a:p>
           <a:p>
+            <a:pPr marL="514350" indent="-514350">
+              <a:buFont typeface="+mj-lt"/>
+              <a:buAutoNum type="arabicPeriod"/>
+            </a:pPr>
+            <a:r>
+              <a:rPr lang="en-US" sz="2000" dirty="0" smtClean="0">
+                <a:solidFill>
+                  <a:srgbClr val="FFFF00"/>
+                </a:solidFill>
+                <a:latin typeface="Times New Roman" panose="02020603050405020304" pitchFamily="18" charset="0"/>
+                <a:cs typeface="Times New Roman" panose="02020603050405020304" pitchFamily="18" charset="0"/>
+              </a:rPr>
+              <a:t>New </a:t>
+            </a:r>
+            <a:r>
+              <a:rPr lang="en-US" sz="2000" dirty="0" smtClean="0">
+                <a:solidFill>
+                  <a:srgbClr val="FFFF00"/>
+                </a:solidFill>
+                <a:latin typeface="Times New Roman" panose="02020603050405020304" pitchFamily="18" charset="0"/>
+                <a:cs typeface="Times New Roman" panose="02020603050405020304" pitchFamily="18" charset="0"/>
+              </a:rPr>
+              <a:t>Firing Patterns &amp; </a:t>
+            </a:r>
+            <a:r>
+              <a:rPr lang="en-US" sz="2000" dirty="0" smtClean="0">
+                <a:solidFill>
+                  <a:srgbClr val="FFFF00"/>
+                </a:solidFill>
+                <a:latin typeface="Times New Roman" panose="02020603050405020304" pitchFamily="18" charset="0"/>
+                <a:cs typeface="Times New Roman" panose="02020603050405020304" pitchFamily="18" charset="0"/>
+              </a:rPr>
+              <a:t>Mechanics</a:t>
+            </a:r>
+          </a:p>
+          <a:p>
+            <a:pPr marL="514350" indent="-514350">
+              <a:buFont typeface="+mj-lt"/>
+              <a:buAutoNum type="arabicPeriod"/>
+            </a:pPr>
+            <a:r>
+              <a:rPr lang="en-US" sz="2000" dirty="0" smtClean="0">
+                <a:solidFill>
+                  <a:srgbClr val="FFFF00"/>
+                </a:solidFill>
+                <a:latin typeface="Times New Roman" panose="02020603050405020304" pitchFamily="18" charset="0"/>
+                <a:cs typeface="Times New Roman" panose="02020603050405020304" pitchFamily="18" charset="0"/>
+              </a:rPr>
+              <a:t>Bosses</a:t>
+            </a:r>
+            <a:endParaRPr lang="en-US" sz="2000" dirty="0" smtClean="0">
+              <a:solidFill>
+                <a:srgbClr val="FFFF00"/>
+              </a:solidFill>
+              <a:latin typeface="Times New Roman" panose="02020603050405020304" pitchFamily="18" charset="0"/>
+              <a:cs typeface="Times New Roman" panose="02020603050405020304" pitchFamily="18" charset="0"/>
+            </a:endParaRPr>
+          </a:p>
+          <a:p>
+            <a:pPr marL="514350" indent="-514350">
+              <a:buFont typeface="+mj-lt"/>
+              <a:buAutoNum type="arabicPeriod"/>
+            </a:pPr>
+            <a:r>
+              <a:rPr lang="en-US" sz="2000" dirty="0" smtClean="0">
+                <a:solidFill>
+                  <a:srgbClr val="FFFF00"/>
+                </a:solidFill>
+                <a:latin typeface="Times New Roman" panose="02020603050405020304" pitchFamily="18" charset="0"/>
+                <a:cs typeface="Times New Roman" panose="02020603050405020304" pitchFamily="18" charset="0"/>
+              </a:rPr>
+              <a:t>Bug Fixes</a:t>
+            </a:r>
+            <a:endParaRPr lang="en-US" dirty="0"/>
+          </a:p>
+          <a:p>
+            <a:pPr marL="514350" indent="-514350">
+              <a:buFont typeface="+mj-lt"/>
+              <a:buAutoNum type="arabicPeriod"/>
+            </a:pPr>
+            <a:endParaRPr lang="en-US" dirty="0" smtClean="0"/>
+          </a:p>
+          <a:p>
             <a:pPr marL="971550" lvl="1" indent="-514350">
               <a:buFont typeface="+mj-lt"/>
               <a:buAutoNum type="arabicPeriod"/>
             </a:pPr>
-            <a:r>
-              <a:rPr lang="en-US" dirty="0" smtClean="0"/>
-              <a:t>Ice Spear Spell</a:t>
-            </a:r>
-          </a:p>
-          <a:p>
-            <a:pPr marL="971550" lvl="1" indent="-514350">
-              <a:buFont typeface="+mj-lt"/>
-              <a:buAutoNum type="arabicPeriod"/>
-            </a:pPr>
-            <a:r>
-              <a:rPr lang="en-US" dirty="0" smtClean="0"/>
-              <a:t>Seeking Arrow Spell</a:t>
-            </a:r>
+            <a:endParaRPr lang="en-US" dirty="0" smtClean="0"/>
           </a:p>
           <a:p>
             <a:pPr marL="514350" indent="-514350">
               <a:buFont typeface="+mj-lt"/>
               <a:buAutoNum type="arabicPeriod"/>
             </a:pPr>
-            <a:r>
-              <a:rPr lang="en-US" dirty="0" smtClean="0"/>
-              <a:t>New Firing Patterns &amp; Mechanics</a:t>
-            </a:r>
-          </a:p>
-          <a:p>
-            <a:pPr marL="971550" lvl="1" indent="-514350">
-              <a:buFont typeface="+mj-lt"/>
-              <a:buAutoNum type="arabicPeriod"/>
-            </a:pPr>
-            <a:r>
-              <a:rPr lang="en-US" dirty="0" smtClean="0"/>
-              <a:t>Ring Shot Pattern</a:t>
-            </a:r>
-          </a:p>
-          <a:p>
-            <a:pPr marL="971550" lvl="1" indent="-514350">
-              <a:buFont typeface="+mj-lt"/>
-              <a:buAutoNum type="arabicPeriod"/>
-            </a:pPr>
-            <a:r>
-              <a:rPr lang="en-US" dirty="0" smtClean="0"/>
-              <a:t>Spread Shot Pattern</a:t>
-            </a:r>
-          </a:p>
-          <a:p>
-            <a:pPr marL="971550" lvl="1" indent="-514350">
-              <a:buFont typeface="+mj-lt"/>
-              <a:buAutoNum type="arabicPeriod"/>
-            </a:pPr>
-            <a:r>
-              <a:rPr lang="en-US" dirty="0" smtClean="0"/>
-              <a:t>Burst Mechanic</a:t>
-            </a:r>
-          </a:p>
-          <a:p>
-            <a:pPr marL="514350" indent="-514350">
-              <a:buFont typeface="+mj-lt"/>
-              <a:buAutoNum type="arabicPeriod"/>
-            </a:pPr>
-            <a:r>
-              <a:rPr lang="en-US" dirty="0" smtClean="0"/>
-              <a:t>Boss Script </a:t>
-            </a:r>
-          </a:p>
-          <a:p>
-            <a:pPr marL="971550" lvl="1" indent="-514350">
-              <a:buFont typeface="+mj-lt"/>
-              <a:buAutoNum type="arabicPeriod"/>
-            </a:pPr>
-            <a:r>
-              <a:rPr lang="en-US" dirty="0" smtClean="0"/>
-              <a:t>Handles Boss Attack Patterns &amp; Animations</a:t>
-            </a:r>
-          </a:p>
-          <a:p>
-            <a:pPr marL="514350" indent="-514350">
-              <a:buFont typeface="+mj-lt"/>
-              <a:buAutoNum type="arabicPeriod"/>
-            </a:pPr>
-            <a:endParaRPr lang="en-US" dirty="0"/>
-          </a:p>
-          <a:p>
-            <a:pPr marL="514350" indent="-514350">
-              <a:buFont typeface="+mj-lt"/>
-              <a:buAutoNum type="arabicPeriod"/>
-            </a:pPr>
-            <a:endParaRPr lang="en-US" dirty="0" smtClean="0"/>
-          </a:p>
-          <a:p>
-            <a:pPr marL="971550" lvl="1" indent="-514350">
-              <a:buFont typeface="+mj-lt"/>
-              <a:buAutoNum type="arabicPeriod"/>
-            </a:pPr>
-            <a:endParaRPr lang="en-US" dirty="0" smtClean="0"/>
-          </a:p>
-          <a:p>
-            <a:pPr marL="514350" indent="-514350">
-              <a:buFont typeface="+mj-lt"/>
-              <a:buAutoNum type="arabicPeriod"/>
-            </a:pPr>
             <a:endParaRPr lang="en-US" dirty="0"/>
           </a:p>
         </p:txBody>
@@ -4263,10 +3819,15 @@
             <p:ph sz="half" idx="2"/>
           </p:nvPr>
         </p:nvSpPr>
-        <p:spPr/>
+        <p:spPr>
+          <a:xfrm>
+            <a:off x="6734175" y="1825625"/>
+            <a:ext cx="5181600" cy="4351338"/>
+          </a:xfrm>
+        </p:spPr>
         <p:txBody>
           <a:bodyPr>
-            <a:normAutofit fontScale="92500" lnSpcReduction="10000"/>
+            <a:normAutofit/>
           </a:bodyPr>
           <a:lstStyle/>
           <a:p>
@@ -4274,12 +3835,34 @@
               <a:buNone/>
             </a:pPr>
             <a:r>
-              <a:rPr lang="en-US" dirty="0" smtClean="0"/>
-              <a:t>5. Added </a:t>
-            </a:r>
-            <a:r>
-              <a:rPr lang="en-US" dirty="0"/>
-              <a:t>Main Menu</a:t>
+              <a:rPr lang="en-US" sz="2000" dirty="0">
+                <a:solidFill>
+                  <a:srgbClr val="FFFF00"/>
+                </a:solidFill>
+                <a:latin typeface="Times New Roman" panose="02020603050405020304" pitchFamily="18" charset="0"/>
+                <a:cs typeface="Times New Roman" panose="02020603050405020304" pitchFamily="18" charset="0"/>
+              </a:rPr>
+              <a:t>6</a:t>
+            </a:r>
+            <a:r>
+              <a:rPr lang="en-US" sz="2000" dirty="0" smtClean="0">
+                <a:solidFill>
+                  <a:srgbClr val="FFFF00"/>
+                </a:solidFill>
+                <a:latin typeface="Times New Roman" panose="02020603050405020304" pitchFamily="18" charset="0"/>
+                <a:cs typeface="Times New Roman" panose="02020603050405020304" pitchFamily="18" charset="0"/>
+              </a:rPr>
+              <a:t>. Main </a:t>
+            </a:r>
+            <a:r>
+              <a:rPr lang="en-US" sz="2000" dirty="0">
+                <a:solidFill>
+                  <a:srgbClr val="FFFF00"/>
+                </a:solidFill>
+                <a:latin typeface="Times New Roman" panose="02020603050405020304" pitchFamily="18" charset="0"/>
+                <a:cs typeface="Times New Roman" panose="02020603050405020304" pitchFamily="18" charset="0"/>
+              </a:rPr>
+              <a:t>Menu</a:t>
             </a:r>
           </a:p>
           <a:p>
@@ -4287,25 +3870,66 @@
               <a:buNone/>
             </a:pPr>
             <a:r>
-              <a:rPr lang="en-US" dirty="0" smtClean="0"/>
-              <a:t>6. Added </a:t>
-            </a:r>
-            <a:r>
-              <a:rPr lang="en-US" dirty="0"/>
-              <a:t>Tutorial</a:t>
-            </a:r>
+              <a:rPr lang="en-US" sz="2000" dirty="0">
+                <a:solidFill>
+                  <a:srgbClr val="FFFF00"/>
+                </a:solidFill>
+                <a:latin typeface="Times New Roman" panose="02020603050405020304" pitchFamily="18" charset="0"/>
+                <a:cs typeface="Times New Roman" panose="02020603050405020304" pitchFamily="18" charset="0"/>
+              </a:rPr>
+              <a:t>7</a:t>
+            </a:r>
+            <a:r>
+              <a:rPr lang="en-US" sz="2000" dirty="0" smtClean="0">
+                <a:solidFill>
+                  <a:srgbClr val="FFFF00"/>
+                </a:solidFill>
+                <a:latin typeface="Times New Roman" panose="02020603050405020304" pitchFamily="18" charset="0"/>
+                <a:cs typeface="Times New Roman" panose="02020603050405020304" pitchFamily="18" charset="0"/>
+              </a:rPr>
+              <a:t>. Tutorial</a:t>
+            </a:r>
+            <a:endParaRPr lang="en-US" sz="2000" dirty="0">
+              <a:solidFill>
+                <a:srgbClr val="FFFF00"/>
+              </a:solidFill>
+              <a:latin typeface="Times New Roman" panose="02020603050405020304" pitchFamily="18" charset="0"/>
+              <a:cs typeface="Times New Roman" panose="02020603050405020304" pitchFamily="18" charset="0"/>
+            </a:endParaRPr>
           </a:p>
           <a:p>
             <a:pPr marL="0" indent="0">
               <a:buNone/>
             </a:pPr>
             <a:r>
-              <a:rPr lang="en-US" dirty="0" smtClean="0"/>
-              <a:t>7. Added </a:t>
-            </a:r>
-            <a:r>
-              <a:rPr lang="en-US" dirty="0"/>
-              <a:t>Death Menu</a:t>
+              <a:rPr lang="en-US" sz="2000" dirty="0">
+                <a:solidFill>
+                  <a:srgbClr val="FFFF00"/>
+                </a:solidFill>
+                <a:latin typeface="Times New Roman" panose="02020603050405020304" pitchFamily="18" charset="0"/>
+                <a:cs typeface="Times New Roman" panose="02020603050405020304" pitchFamily="18" charset="0"/>
+              </a:rPr>
+              <a:t>8</a:t>
+            </a:r>
+            <a:r>
+              <a:rPr lang="en-US" sz="2000" dirty="0" smtClean="0">
+                <a:solidFill>
+                  <a:srgbClr val="FFFF00"/>
+                </a:solidFill>
+                <a:latin typeface="Times New Roman" panose="02020603050405020304" pitchFamily="18" charset="0"/>
+                <a:cs typeface="Times New Roman" panose="02020603050405020304" pitchFamily="18" charset="0"/>
+              </a:rPr>
+              <a:t>. Death </a:t>
+            </a:r>
+            <a:r>
+              <a:rPr lang="en-US" sz="2000" dirty="0">
+                <a:solidFill>
+                  <a:srgbClr val="FFFF00"/>
+                </a:solidFill>
+                <a:latin typeface="Times New Roman" panose="02020603050405020304" pitchFamily="18" charset="0"/>
+                <a:cs typeface="Times New Roman" panose="02020603050405020304" pitchFamily="18" charset="0"/>
+              </a:rPr>
+              <a:t>Menu</a:t>
             </a:r>
           </a:p>
           <a:p>
@@ -4313,70 +3937,22 @@
               <a:buNone/>
             </a:pPr>
             <a:r>
-              <a:rPr lang="en-US" dirty="0" smtClean="0"/>
-              <a:t>8. Fixes </a:t>
-            </a:r>
-            <a:r>
-              <a:rPr lang="en-US" dirty="0"/>
-              <a:t>to Existing Features</a:t>
-            </a:r>
-          </a:p>
-          <a:p>
-            <a:pPr marL="457200" lvl="1" indent="0">
-              <a:buNone/>
-            </a:pPr>
-            <a:r>
-              <a:rPr lang="en-US" dirty="0" smtClean="0"/>
-              <a:t>1. Fixed </a:t>
-            </a:r>
-            <a:r>
-              <a:rPr lang="en-US" dirty="0"/>
-              <a:t>Exploding Bullet</a:t>
-            </a:r>
-          </a:p>
-          <a:p>
-            <a:pPr marL="457200" lvl="1" indent="0">
-              <a:buNone/>
-            </a:pPr>
-            <a:r>
-              <a:rPr lang="en-US" dirty="0" smtClean="0"/>
-              <a:t>2. Improved </a:t>
-            </a:r>
-            <a:r>
-              <a:rPr lang="en-US" dirty="0"/>
-              <a:t>Spell </a:t>
-            </a:r>
-            <a:r>
-              <a:rPr lang="en-US" dirty="0" smtClean="0"/>
-              <a:t>Switching</a:t>
-            </a:r>
-          </a:p>
-          <a:p>
-            <a:pPr marL="0" indent="0">
-              <a:buNone/>
-            </a:pPr>
-            <a:r>
-              <a:rPr lang="en-US" dirty="0" smtClean="0"/>
-              <a:t>9. Added Music Manager</a:t>
-            </a:r>
-          </a:p>
-          <a:p>
-            <a:pPr marL="0" indent="0">
-              <a:buNone/>
-            </a:pPr>
-            <a:r>
-              <a:rPr lang="en-US" dirty="0" smtClean="0"/>
-              <a:t>10. Implemented Sound Effects</a:t>
-            </a:r>
-          </a:p>
-          <a:p>
-            <a:pPr marL="0" indent="0">
-              <a:buNone/>
-            </a:pPr>
-            <a:r>
-              <a:rPr lang="en-US" dirty="0" smtClean="0"/>
-              <a:t>11. Added Animation Handlers</a:t>
-            </a:r>
+              <a:rPr lang="en-US" sz="2000" dirty="0" smtClean="0">
+                <a:solidFill>
+                  <a:srgbClr val="FFFF00"/>
+                </a:solidFill>
+                <a:latin typeface="Times New Roman" panose="02020603050405020304" pitchFamily="18" charset="0"/>
+                <a:cs typeface="Times New Roman" panose="02020603050405020304" pitchFamily="18" charset="0"/>
+              </a:rPr>
+              <a:t>9. Animations / SFX</a:t>
+            </a:r>
+            <a:endParaRPr lang="en-US" sz="2000" dirty="0" smtClean="0">
+              <a:solidFill>
+                <a:srgbClr val="FFFF00"/>
+              </a:solidFill>
+              <a:latin typeface="Times New Roman" panose="02020603050405020304" pitchFamily="18" charset="0"/>
+              <a:cs typeface="Times New Roman" panose="02020603050405020304" pitchFamily="18" charset="0"/>
+            </a:endParaRPr>
           </a:p>
           <a:p>
             <a:endParaRPr lang="en-US" dirty="0"/>
@@ -4392,7 +3968,7 @@
           <p:nvPr/>
         </p:nvPicPr>
         <p:blipFill>
-          <a:blip r:embed="rId2" cstate="print">
+          <a:blip r:embed="rId3" cstate="print">
             <a:extLst>
               <a:ext uri="{28A0092B-C50C-407E-A947-70E740481C1C}">
                 <a14:useLocalDpi xmlns:a14="http://schemas.microsoft.com/office/drawing/2010/main" val="0"/>
@@ -4655,6 +4231,36 @@
           </a:p>
         </p:txBody>
       </p:sp>
+      <p:pic>
+        <p:nvPicPr>
+          <p:cNvPr id="5" name="Picture 4"/>
+          <p:cNvPicPr>
+            <a:picLocks noChangeAspect="1"/>
+          </p:cNvPicPr>
+          <p:nvPr/>
+        </p:nvPicPr>
+        <p:blipFill>
+          <a:blip r:embed="rId2" cstate="print">
+            <a:extLst>
+              <a:ext uri="{28A0092B-C50C-407E-A947-70E740481C1C}">
+                <a14:useLocalDpi xmlns:a14="http://schemas.microsoft.com/office/drawing/2010/main" val="0"/>
+              </a:ext>
+            </a:extLst>
+          </a:blip>
+          <a:stretch>
+            <a:fillRect/>
+          </a:stretch>
+        </p:blipFill>
+        <p:spPr>
+          <a:xfrm>
+            <a:off x="11126825" y="-1"/>
+            <a:ext cx="1065175" cy="612475"/>
+          </a:xfrm>
+          <a:prstGeom prst="rect">
+            <a:avLst/>
+          </a:prstGeom>
+        </p:spPr>
+      </p:pic>
     </p:spTree>
     <p:extLst>
       <p:ext uri="{BB962C8B-B14F-4D97-AF65-F5344CB8AC3E}">
@@ -4708,6 +4314,36 @@
           </a:p>
         </p:txBody>
       </p:sp>
+      <p:pic>
+        <p:nvPicPr>
+          <p:cNvPr id="3" name="Picture 2"/>
+          <p:cNvPicPr>
+            <a:picLocks noChangeAspect="1"/>
+          </p:cNvPicPr>
+          <p:nvPr/>
+        </p:nvPicPr>
+        <p:blipFill>
+          <a:blip r:embed="rId2" cstate="print">
+            <a:extLst>
+              <a:ext uri="{28A0092B-C50C-407E-A947-70E740481C1C}">
+                <a14:useLocalDpi xmlns:a14="http://schemas.microsoft.com/office/drawing/2010/main" val="0"/>
+              </a:ext>
+            </a:extLst>
+          </a:blip>
+          <a:stretch>
+            <a:fillRect/>
+          </a:stretch>
+        </p:blipFill>
+        <p:spPr>
+          <a:xfrm>
+            <a:off x="11126825" y="-1"/>
+            <a:ext cx="1065175" cy="612475"/>
+          </a:xfrm>
+          <a:prstGeom prst="rect">
+            <a:avLst/>
+          </a:prstGeom>
+        </p:spPr>
+      </p:pic>
     </p:spTree>
     <p:extLst>
       <p:ext uri="{BB962C8B-B14F-4D97-AF65-F5344CB8AC3E}">
@@ -5057,6 +4693,36 @@
           </a:p>
         </p:txBody>
       </p:sp>
+      <p:pic>
+        <p:nvPicPr>
+          <p:cNvPr id="5" name="Picture 4"/>
+          <p:cNvPicPr>
+            <a:picLocks noChangeAspect="1"/>
+          </p:cNvPicPr>
+          <p:nvPr/>
+        </p:nvPicPr>
+        <p:blipFill>
+          <a:blip r:embed="rId2" cstate="print">
+            <a:extLst>
+              <a:ext uri="{28A0092B-C50C-407E-A947-70E740481C1C}">
+                <a14:useLocalDpi xmlns:a14="http://schemas.microsoft.com/office/drawing/2010/main" val="0"/>
+              </a:ext>
+            </a:extLst>
+          </a:blip>
+          <a:stretch>
+            <a:fillRect/>
+          </a:stretch>
+        </p:blipFill>
+        <p:spPr>
+          <a:xfrm>
+            <a:off x="11126825" y="-1"/>
+            <a:ext cx="1065175" cy="612475"/>
+          </a:xfrm>
+          <a:prstGeom prst="rect">
+            <a:avLst/>
+          </a:prstGeom>
+        </p:spPr>
+      </p:pic>
     </p:spTree>
     <p:extLst>
       <p:ext uri="{BB962C8B-B14F-4D97-AF65-F5344CB8AC3E}">
@@ -5129,6 +4795,36 @@
           </a:p>
         </p:txBody>
       </p:sp>
+      <p:pic>
+        <p:nvPicPr>
+          <p:cNvPr id="4" name="Picture 3"/>
+          <p:cNvPicPr>
+            <a:picLocks noChangeAspect="1"/>
+          </p:cNvPicPr>
+          <p:nvPr/>
+        </p:nvPicPr>
+        <p:blipFill>
+          <a:blip r:embed="rId2" cstate="print">
+            <a:extLst>
+              <a:ext uri="{28A0092B-C50C-407E-A947-70E740481C1C}">
+                <a14:useLocalDpi xmlns:a14="http://schemas.microsoft.com/office/drawing/2010/main" val="0"/>
+              </a:ext>
+            </a:extLst>
+          </a:blip>
+          <a:stretch>
+            <a:fillRect/>
+          </a:stretch>
+        </p:blipFill>
+        <p:spPr>
+          <a:xfrm>
+            <a:off x="11126825" y="-1"/>
+            <a:ext cx="1065175" cy="612475"/>
+          </a:xfrm>
+          <a:prstGeom prst="rect">
+            <a:avLst/>
+          </a:prstGeom>
+        </p:spPr>
+      </p:pic>
     </p:spTree>
     <p:extLst>
       <p:ext uri="{BB962C8B-B14F-4D97-AF65-F5344CB8AC3E}">
@@ -5364,6 +5060,36 @@
           </a:p>
         </p:txBody>
       </p:sp>
+      <p:pic>
+        <p:nvPicPr>
+          <p:cNvPr id="8" name="Picture 7"/>
+          <p:cNvPicPr>
+            <a:picLocks noChangeAspect="1"/>
+          </p:cNvPicPr>
+          <p:nvPr/>
+        </p:nvPicPr>
+        <p:blipFill>
+          <a:blip r:embed="rId2" cstate="print">
+            <a:extLst>
+              <a:ext uri="{28A0092B-C50C-407E-A947-70E740481C1C}">
+                <a14:useLocalDpi xmlns:a14="http://schemas.microsoft.com/office/drawing/2010/main" val="0"/>
+              </a:ext>
+            </a:extLst>
+          </a:blip>
+          <a:stretch>
+            <a:fillRect/>
+          </a:stretch>
+        </p:blipFill>
+        <p:spPr>
+          <a:xfrm>
+            <a:off x="11126825" y="-1"/>
+            <a:ext cx="1065175" cy="612475"/>
+          </a:xfrm>
+          <a:prstGeom prst="rect">
+            <a:avLst/>
+          </a:prstGeom>
+        </p:spPr>
+      </p:pic>
     </p:spTree>
     <p:extLst>
       <p:ext uri="{BB962C8B-B14F-4D97-AF65-F5344CB8AC3E}">
@@ -5575,6 +5301,36 @@
           </a:p>
         </p:txBody>
       </p:sp>
+      <p:pic>
+        <p:nvPicPr>
+          <p:cNvPr id="5" name="Picture 4"/>
+          <p:cNvPicPr>
+            <a:picLocks noChangeAspect="1"/>
+          </p:cNvPicPr>
+          <p:nvPr/>
+        </p:nvPicPr>
+        <p:blipFill>
+          <a:blip r:embed="rId2" cstate="print">
+            <a:extLst>
+              <a:ext uri="{28A0092B-C50C-407E-A947-70E740481C1C}">
+                <a14:useLocalDpi xmlns:a14="http://schemas.microsoft.com/office/drawing/2010/main" val="0"/>
+              </a:ext>
+            </a:extLst>
+          </a:blip>
+          <a:stretch>
+            <a:fillRect/>
+          </a:stretch>
+        </p:blipFill>
+        <p:spPr>
+          <a:xfrm>
+            <a:off x="11126825" y="-1"/>
+            <a:ext cx="1065175" cy="612475"/>
+          </a:xfrm>
+          <a:prstGeom prst="rect">
+            <a:avLst/>
+          </a:prstGeom>
+        </p:spPr>
+      </p:pic>
     </p:spTree>
     <p:extLst>
       <p:ext uri="{BB962C8B-B14F-4D97-AF65-F5344CB8AC3E}">

--- a/Documentation/PresentationAlpha.pptx
+++ b/Documentation/PresentationAlpha.pptx
@@ -3108,18 +3108,28 @@
         <p:spPr/>
         <p:txBody>
           <a:bodyPr>
-            <a:normAutofit fontScale="85000" lnSpcReduction="20000"/>
+            <a:normAutofit/>
           </a:bodyPr>
           <a:lstStyle/>
           <a:p>
+            <a:pPr marL="0" indent="0">
+              <a:buNone/>
+            </a:pPr>
+            <a:r>
+              <a:rPr lang="en-US" dirty="0" smtClean="0"/>
+              <a:t>Movement And Hurt Sound Effects</a:t>
+            </a:r>
+          </a:p>
+          <a:p>
             <a:pPr marL="514350" indent="-514350">
               <a:buFont typeface="+mj-lt"/>
               <a:buAutoNum type="arabicPeriod"/>
             </a:pPr>
             <a:r>
-              <a:rPr lang="en-US" dirty="0"/>
-              <a:t>Player Walk</a:t>
-            </a:r>
+              <a:rPr lang="en-US" dirty="0" smtClean="0"/>
+              <a:t>Player Movement Sound Effects</a:t>
+            </a:r>
+            <a:endParaRPr lang="en-US" dirty="0"/>
           </a:p>
           <a:p>
             <a:pPr marL="514350" indent="-514350">
@@ -3127,8 +3137,12 @@
               <a:buAutoNum type="arabicPeriod"/>
             </a:pPr>
             <a:r>
-              <a:rPr lang="en-US" dirty="0"/>
-              <a:t>Player Fade Enter</a:t>
+              <a:rPr lang="en-US" dirty="0" smtClean="0"/>
+              <a:t>Death </a:t>
+            </a:r>
+            <a:r>
+              <a:rPr lang="en-US" dirty="0" smtClean="0"/>
+              <a:t>Sound Effects</a:t>
             </a:r>
           </a:p>
           <a:p>
@@ -3137,8 +3151,8 @@
               <a:buAutoNum type="arabicPeriod"/>
             </a:pPr>
             <a:r>
-              <a:rPr lang="en-US" dirty="0"/>
-              <a:t>Player Fade Exit</a:t>
+              <a:rPr lang="en-US" dirty="0" smtClean="0"/>
+              <a:t>Unique Hurt Sound Effects</a:t>
             </a:r>
           </a:p>
           <a:p>
@@ -3146,250 +3160,68 @@
               <a:buFont typeface="+mj-lt"/>
               <a:buAutoNum type="arabicPeriod"/>
             </a:pPr>
-            <a:r>
-              <a:rPr lang="en-US" dirty="0" smtClean="0"/>
-              <a:t>Death Sounds For Everything (Except Skeleton)</a:t>
-            </a:r>
+            <a:endParaRPr lang="en-US" dirty="0" smtClean="0"/>
           </a:p>
           <a:p>
             <a:pPr marL="514350" indent="-514350">
               <a:buFont typeface="+mj-lt"/>
               <a:buAutoNum type="arabicPeriod"/>
             </a:pPr>
-            <a:r>
-              <a:rPr lang="en-US" dirty="0" smtClean="0"/>
-              <a:t>Unique Hurt Sounds:</a:t>
-            </a:r>
-          </a:p>
-          <a:p>
-            <a:pPr marL="971550" lvl="1" indent="-514350">
-              <a:buFont typeface="+mj-lt"/>
-              <a:buAutoNum type="arabicPeriod"/>
-            </a:pPr>
-            <a:r>
-              <a:rPr lang="en-US" dirty="0" smtClean="0"/>
-              <a:t>Ghost</a:t>
-            </a:r>
-          </a:p>
-          <a:p>
-            <a:pPr marL="971550" lvl="1" indent="-514350">
-              <a:buFont typeface="+mj-lt"/>
-              <a:buAutoNum type="arabicPeriod"/>
-            </a:pPr>
-            <a:r>
-              <a:rPr lang="en-US" dirty="0" smtClean="0"/>
-              <a:t>Staff Ogre</a:t>
-            </a:r>
-          </a:p>
-          <a:p>
-            <a:pPr marL="971550" lvl="1" indent="-514350">
-              <a:buFont typeface="+mj-lt"/>
-              <a:buAutoNum type="arabicPeriod"/>
-            </a:pPr>
-            <a:r>
-              <a:rPr lang="en-US" dirty="0" smtClean="0"/>
-              <a:t>Animated Golem</a:t>
-            </a:r>
-          </a:p>
-          <a:p>
-            <a:pPr marL="971550" lvl="1" indent="-514350">
-              <a:buFont typeface="+mj-lt"/>
-              <a:buAutoNum type="arabicPeriod"/>
-            </a:pPr>
-            <a:r>
-              <a:rPr lang="en-US" dirty="0" smtClean="0"/>
-              <a:t>The Librarian Boss</a:t>
-            </a:r>
-          </a:p>
-          <a:p>
-            <a:pPr marL="971550" lvl="1" indent="-514350">
-              <a:buFont typeface="+mj-lt"/>
-              <a:buAutoNum type="arabicPeriod"/>
-            </a:pPr>
-            <a:r>
-              <a:rPr lang="en-US" dirty="0" smtClean="0"/>
-              <a:t>Flaming Totem</a:t>
-            </a:r>
-          </a:p>
-          <a:p>
-            <a:pPr marL="971550" lvl="1" indent="-514350">
-              <a:buFont typeface="+mj-lt"/>
-              <a:buAutoNum type="arabicPeriod"/>
-            </a:pPr>
-            <a:r>
-              <a:rPr lang="en-US" dirty="0" smtClean="0"/>
-              <a:t>The Dragon Boss</a:t>
-            </a:r>
-          </a:p>
-          <a:p>
-            <a:pPr marL="971550" lvl="1" indent="-514350">
-              <a:buFont typeface="+mj-lt"/>
-              <a:buAutoNum type="arabicPeriod"/>
-            </a:pPr>
-            <a:r>
-              <a:rPr lang="en-US" dirty="0" smtClean="0"/>
-              <a:t>Each Knight of The Three Knights Boss</a:t>
-            </a:r>
+            <a:endParaRPr lang="en-US" dirty="0" smtClean="0"/>
           </a:p>
           <a:p>
             <a:pPr marL="514350" indent="-514350">
               <a:buFont typeface="+mj-lt"/>
               <a:buAutoNum type="arabicPeriod"/>
             </a:pPr>
-            <a:endParaRPr lang="en-US" dirty="0" smtClean="0"/>
+            <a:endParaRPr lang="en-US" dirty="0"/>
+          </a:p>
+        </p:txBody>
+      </p:sp>
+      <p:sp>
+        <p:nvSpPr>
+          <p:cNvPr id="4" name="Content Placeholder 3"/>
+          <p:cNvSpPr>
+            <a:spLocks noGrp="1"/>
+          </p:cNvSpPr>
+          <p:nvPr>
+            <p:ph sz="half" idx="2"/>
+          </p:nvPr>
+        </p:nvSpPr>
+        <p:spPr/>
+        <p:txBody>
+          <a:bodyPr>
+            <a:normAutofit/>
+          </a:bodyPr>
+          <a:lstStyle/>
+          <a:p>
+            <a:pPr marL="0" indent="0">
+              <a:buNone/>
+            </a:pPr>
+            <a:r>
+              <a:rPr lang="en-US" dirty="0" smtClean="0"/>
+              <a:t>Attack Sound Effects</a:t>
+            </a:r>
           </a:p>
           <a:p>
             <a:pPr marL="514350" indent="-514350">
               <a:buFont typeface="+mj-lt"/>
               <a:buAutoNum type="arabicPeriod"/>
             </a:pPr>
-            <a:endParaRPr lang="en-US" dirty="0" smtClean="0"/>
+            <a:r>
+              <a:rPr lang="en-US" dirty="0" smtClean="0"/>
+              <a:t>Player Spell Sound Effects</a:t>
+            </a:r>
+            <a:endParaRPr lang="en-US" dirty="0"/>
           </a:p>
           <a:p>
             <a:pPr marL="514350" indent="-514350">
               <a:buFont typeface="+mj-lt"/>
               <a:buAutoNum type="arabicPeriod"/>
             </a:pPr>
-            <a:endParaRPr lang="en-US" dirty="0" smtClean="0"/>
-          </a:p>
-          <a:p>
-            <a:pPr marL="514350" indent="-514350">
-              <a:buFont typeface="+mj-lt"/>
-              <a:buAutoNum type="arabicPeriod"/>
-            </a:pPr>
-            <a:endParaRPr lang="en-US" dirty="0"/>
-          </a:p>
-        </p:txBody>
-      </p:sp>
-      <p:sp>
-        <p:nvSpPr>
-          <p:cNvPr id="4" name="Content Placeholder 3"/>
-          <p:cNvSpPr>
-            <a:spLocks noGrp="1"/>
-          </p:cNvSpPr>
-          <p:nvPr>
-            <p:ph sz="half" idx="2"/>
-          </p:nvPr>
-        </p:nvSpPr>
-        <p:spPr/>
-        <p:txBody>
-          <a:bodyPr>
-            <a:normAutofit fontScale="85000" lnSpcReduction="20000"/>
-          </a:bodyPr>
-          <a:lstStyle/>
-          <a:p>
-            <a:pPr marL="514350" indent="-514350">
-              <a:buFont typeface="+mj-lt"/>
-              <a:buAutoNum type="arabicPeriod"/>
-            </a:pPr>
-            <a:r>
-              <a:rPr lang="en-US" dirty="0"/>
-              <a:t>Arc Lightning</a:t>
-            </a:r>
-          </a:p>
-          <a:p>
-            <a:pPr marL="514350" indent="-514350">
-              <a:buFont typeface="+mj-lt"/>
-              <a:buAutoNum type="arabicPeriod"/>
-            </a:pPr>
-            <a:r>
-              <a:rPr lang="en-US" dirty="0"/>
-              <a:t>Acid </a:t>
-            </a:r>
-            <a:r>
-              <a:rPr lang="en-US" dirty="0" smtClean="0"/>
-              <a:t>Pool</a:t>
-            </a:r>
-          </a:p>
-          <a:p>
-            <a:pPr marL="514350" indent="-514350">
-              <a:buFont typeface="+mj-lt"/>
-              <a:buAutoNum type="arabicPeriod"/>
-            </a:pPr>
-            <a:r>
-              <a:rPr lang="en-US" dirty="0" smtClean="0"/>
-              <a:t>Ring of Fire</a:t>
-            </a:r>
-            <a:endParaRPr lang="en-US" dirty="0"/>
-          </a:p>
-          <a:p>
-            <a:pPr marL="514350" indent="-514350">
-              <a:buFont typeface="+mj-lt"/>
-              <a:buAutoNum type="arabicPeriod"/>
-            </a:pPr>
-            <a:r>
-              <a:rPr lang="en-US" dirty="0" smtClean="0"/>
-              <a:t>Attack Sounds:</a:t>
-            </a:r>
-          </a:p>
-          <a:p>
-            <a:pPr marL="971550" lvl="1" indent="-514350">
-              <a:buFont typeface="+mj-lt"/>
-              <a:buAutoNum type="arabicPeriod"/>
-            </a:pPr>
-            <a:r>
-              <a:rPr lang="en-US" dirty="0" smtClean="0"/>
-              <a:t>Giant Skeleton Boss (3 Attacks)</a:t>
-            </a:r>
-          </a:p>
-          <a:p>
-            <a:pPr marL="971550" lvl="1" indent="-514350">
-              <a:buFont typeface="+mj-lt"/>
-              <a:buAutoNum type="arabicPeriod"/>
-            </a:pPr>
-            <a:r>
-              <a:rPr lang="en-US" dirty="0" smtClean="0"/>
-              <a:t>Animated Golem (Throw and Impact)</a:t>
-            </a:r>
-          </a:p>
-          <a:p>
-            <a:pPr marL="971550" lvl="1" indent="-514350">
-              <a:buFont typeface="+mj-lt"/>
-              <a:buAutoNum type="arabicPeriod"/>
-            </a:pPr>
-            <a:r>
-              <a:rPr lang="en-US" dirty="0" smtClean="0"/>
-              <a:t>The Librarian Boss (3 Attacks)</a:t>
-            </a:r>
-          </a:p>
-          <a:p>
-            <a:pPr marL="971550" lvl="1" indent="-514350">
-              <a:buFont typeface="+mj-lt"/>
-              <a:buAutoNum type="arabicPeriod"/>
-            </a:pPr>
-            <a:r>
-              <a:rPr lang="en-US" dirty="0" smtClean="0"/>
-              <a:t>Pyromaniac</a:t>
-            </a:r>
-          </a:p>
-          <a:p>
-            <a:pPr marL="971550" lvl="1" indent="-514350">
-              <a:buFont typeface="+mj-lt"/>
-              <a:buAutoNum type="arabicPeriod"/>
-            </a:pPr>
-            <a:r>
-              <a:rPr lang="en-US" dirty="0" smtClean="0"/>
-              <a:t>Flaming Ghost</a:t>
-            </a:r>
-          </a:p>
-          <a:p>
-            <a:pPr marL="971550" lvl="1" indent="-514350">
-              <a:buFont typeface="+mj-lt"/>
-              <a:buAutoNum type="arabicPeriod"/>
-            </a:pPr>
-            <a:r>
-              <a:rPr lang="en-US" dirty="0" smtClean="0"/>
-              <a:t>The Dragon Boss (3 Attacks)</a:t>
-            </a:r>
-          </a:p>
-          <a:p>
-            <a:pPr marL="971550" lvl="1" indent="-514350">
-              <a:buFont typeface="+mj-lt"/>
-              <a:buAutoNum type="arabicPeriod"/>
-            </a:pPr>
-            <a:r>
-              <a:rPr lang="en-US" dirty="0" smtClean="0"/>
-              <a:t>The Three Knights Boss (3+? Attacks)</a:t>
+            <a:r>
+              <a:rPr lang="en-US" dirty="0" smtClean="0"/>
+              <a:t>Enemy Attack Sound Effects</a:t>
             </a:r>
             <a:endParaRPr lang="en-US" dirty="0"/>
           </a:p>
@@ -3686,13 +3518,6 @@
               </a:rPr>
               <a:t>Room Generation</a:t>
             </a:r>
-            <a:endParaRPr lang="en-US" sz="2000" dirty="0" smtClean="0">
-              <a:solidFill>
-                <a:srgbClr val="FFFF00"/>
-              </a:solidFill>
-              <a:latin typeface="Times New Roman" panose="02020603050405020304" pitchFamily="18" charset="0"/>
-              <a:cs typeface="Times New Roman" panose="02020603050405020304" pitchFamily="18" charset="0"/>
-            </a:endParaRPr>
           </a:p>
           <a:p>
             <a:pPr marL="514350" indent="-514350">
@@ -3723,27 +3548,7 @@
                 <a:latin typeface="Times New Roman" panose="02020603050405020304" pitchFamily="18" charset="0"/>
                 <a:cs typeface="Times New Roman" panose="02020603050405020304" pitchFamily="18" charset="0"/>
               </a:rPr>
-              <a:t>New </a:t>
-            </a:r>
-            <a:r>
-              <a:rPr lang="en-US" sz="2000" dirty="0" smtClean="0">
-                <a:solidFill>
-                  <a:srgbClr val="FFFF00"/>
-                </a:solidFill>
-                <a:latin typeface="Times New Roman" panose="02020603050405020304" pitchFamily="18" charset="0"/>
-                <a:cs typeface="Times New Roman" panose="02020603050405020304" pitchFamily="18" charset="0"/>
-              </a:rPr>
-              <a:t>Firing Patterns &amp; </a:t>
-            </a:r>
-            <a:r>
-              <a:rPr lang="en-US" sz="2000" dirty="0" smtClean="0">
-                <a:solidFill>
-                  <a:srgbClr val="FFFF00"/>
-                </a:solidFill>
-                <a:latin typeface="Times New Roman" panose="02020603050405020304" pitchFamily="18" charset="0"/>
-                <a:cs typeface="Times New Roman" panose="02020603050405020304" pitchFamily="18" charset="0"/>
-              </a:rPr>
-              <a:t>Mechanics</a:t>
+              <a:t>New Firing Patterns &amp; Mechanics</a:t>
             </a:r>
           </a:p>
           <a:p>
@@ -3761,13 +3566,6 @@
               </a:rPr>
               <a:t>Bosses</a:t>
             </a:r>
-            <a:endParaRPr lang="en-US" sz="2000" dirty="0" smtClean="0">
-              <a:solidFill>
-                <a:srgbClr val="FFFF00"/>
-              </a:solidFill>
-              <a:latin typeface="Times New Roman" panose="02020603050405020304" pitchFamily="18" charset="0"/>
-              <a:cs typeface="Times New Roman" panose="02020603050405020304" pitchFamily="18" charset="0"/>
-            </a:endParaRPr>
           </a:p>
           <a:p>
             <a:pPr marL="514350" indent="-514350">
@@ -3946,13 +3744,6 @@
               </a:rPr>
               <a:t>9. Animations / SFX</a:t>
             </a:r>
-            <a:endParaRPr lang="en-US" sz="2000" dirty="0" smtClean="0">
-              <a:solidFill>
-                <a:srgbClr val="FFFF00"/>
-              </a:solidFill>
-              <a:latin typeface="Times New Roman" panose="02020603050405020304" pitchFamily="18" charset="0"/>
-              <a:cs typeface="Times New Roman" panose="02020603050405020304" pitchFamily="18" charset="0"/>
-            </a:endParaRPr>
           </a:p>
           <a:p>
             <a:endParaRPr lang="en-US" dirty="0"/>
@@ -4386,13 +4177,20 @@
         </p:nvSpPr>
         <p:spPr/>
         <p:txBody>
-          <a:bodyPr/>
+          <a:bodyPr>
+            <a:normAutofit/>
+          </a:bodyPr>
           <a:lstStyle/>
           <a:p>
             <a:r>
               <a:rPr lang="en-US" dirty="0"/>
-              <a:t>New Art Assets</a:t>
-            </a:r>
+              <a:t>New Art </a:t>
+            </a:r>
+            <a:r>
+              <a:rPr lang="en-US" dirty="0" smtClean="0"/>
+              <a:t>Assets</a:t>
+            </a:r>
+            <a:endParaRPr lang="en-US" dirty="0"/>
           </a:p>
         </p:txBody>
       </p:sp>
@@ -4895,13 +4693,16 @@
           </a:bodyPr>
           <a:lstStyle/>
           <a:p>
-            <a:pPr marL="514350" indent="-514350">
-              <a:buFont typeface="+mj-lt"/>
-              <a:buAutoNum type="arabicPeriod"/>
-            </a:pPr>
-            <a:r>
-              <a:rPr lang="en-US" dirty="0" smtClean="0"/>
-              <a:t>Add enemies:</a:t>
+            <a:pPr marL="0" indent="0">
+              <a:buNone/>
+            </a:pPr>
+            <a:r>
+              <a:rPr lang="en-US" dirty="0"/>
+              <a:t>E</a:t>
+            </a:r>
+            <a:r>
+              <a:rPr lang="en-US" dirty="0" smtClean="0"/>
+              <a:t>nemies:</a:t>
             </a:r>
           </a:p>
           <a:p>
@@ -4911,7 +4712,7 @@
             </a:pPr>
             <a:r>
               <a:rPr lang="en-US" dirty="0" smtClean="0"/>
-              <a:t>Ghost</a:t>
+              <a:t>Area 3 Enemies</a:t>
             </a:r>
           </a:p>
           <a:p>
@@ -4921,7 +4722,7 @@
             </a:pPr>
             <a:r>
               <a:rPr lang="en-US" dirty="0" smtClean="0"/>
-              <a:t>Pyromaniac</a:t>
+              <a:t>Area 2 Boss</a:t>
             </a:r>
           </a:p>
           <a:p>
@@ -4931,7 +4732,7 @@
             </a:pPr>
             <a:r>
               <a:rPr lang="en-US" dirty="0" smtClean="0"/>
-              <a:t>Fireling</a:t>
+              <a:t>Area 3 Boss</a:t>
             </a:r>
           </a:p>
           <a:p>
@@ -4941,47 +4742,7 @@
             </a:pPr>
             <a:r>
               <a:rPr lang="en-US" dirty="0" smtClean="0"/>
-              <a:t>Flaming Totem</a:t>
-            </a:r>
-          </a:p>
-          <a:p>
-            <a:pPr marL="971550" lvl="1" indent="-514350">
-              <a:buFont typeface="+mj-lt"/>
-              <a:buAutoNum type="arabicPeriod"/>
-            </a:pPr>
-            <a:r>
-              <a:rPr lang="en-US" dirty="0" smtClean="0"/>
-              <a:t>Flaming Ghost</a:t>
-            </a:r>
-          </a:p>
-          <a:p>
-            <a:pPr marL="971550" lvl="1" indent="-514350">
-              <a:buFont typeface="+mj-lt"/>
-              <a:buAutoNum type="arabicPeriod"/>
-            </a:pPr>
-            <a:r>
-              <a:rPr lang="en-US" dirty="0" smtClean="0"/>
-              <a:t>The Librarian Boss</a:t>
-            </a:r>
-          </a:p>
-          <a:p>
-            <a:pPr marL="971550" lvl="1" indent="-514350">
-              <a:buFont typeface="+mj-lt"/>
-              <a:buAutoNum type="arabicPeriod"/>
-            </a:pPr>
-            <a:r>
-              <a:rPr lang="en-US" dirty="0" smtClean="0"/>
-              <a:t>The Dragon Boss</a:t>
-            </a:r>
-          </a:p>
-          <a:p>
-            <a:pPr marL="971550" lvl="1" indent="-514350">
-              <a:buFont typeface="+mj-lt"/>
-              <a:buAutoNum type="arabicPeriod"/>
-            </a:pPr>
-            <a:r>
-              <a:rPr lang="en-US" dirty="0" smtClean="0"/>
-              <a:t>The Three Knights Boss</a:t>
+              <a:t>Final Boss</a:t>
             </a:r>
           </a:p>
         </p:txBody>
@@ -5003,13 +4764,16 @@
           </a:bodyPr>
           <a:lstStyle/>
           <a:p>
-            <a:pPr marL="514350" indent="-514350">
-              <a:buFont typeface="+mj-lt"/>
-              <a:buAutoNum type="arabicPeriod"/>
-            </a:pPr>
+            <a:pPr marL="0" indent="0">
+              <a:buNone/>
+            </a:pPr>
+            <a:r>
+              <a:rPr lang="en-US" dirty="0" smtClean="0"/>
+              <a:t>Player </a:t>
+            </a:r>
             <a:r>
               <a:rPr lang="en-US" dirty="0"/>
-              <a:t>Add Player Spells:</a:t>
+              <a:t>Spells:</a:t>
             </a:r>
           </a:p>
           <a:p>
@@ -5049,8 +4813,23 @@
             </a:pPr>
             <a:r>
               <a:rPr lang="en-US" dirty="0"/>
-              <a:t>Dragon Scale Stream</a:t>
-            </a:r>
+              <a:t>Dragon Scale </a:t>
+            </a:r>
+            <a:r>
+              <a:rPr lang="en-US" dirty="0" smtClean="0"/>
+              <a:t>Stream</a:t>
+            </a:r>
+          </a:p>
+          <a:p>
+            <a:pPr marL="971550" lvl="1" indent="-514350">
+              <a:buFont typeface="+mj-lt"/>
+              <a:buAutoNum type="arabicPeriod"/>
+            </a:pPr>
+            <a:r>
+              <a:rPr lang="en-US" dirty="0" smtClean="0"/>
+              <a:t>Water Stream</a:t>
+            </a:r>
+            <a:endParaRPr lang="en-US" dirty="0"/>
           </a:p>
           <a:p>
             <a:pPr marL="0" indent="0">
@@ -5163,8 +4942,8 @@
               <a:buAutoNum type="arabicPeriod"/>
             </a:pPr>
             <a:r>
-              <a:rPr lang="en-US" dirty="0"/>
-              <a:t>Ghost Animations</a:t>
+              <a:rPr lang="en-US" dirty="0" smtClean="0"/>
+              <a:t>Enemy Attack Animations</a:t>
             </a:r>
           </a:p>
           <a:p>
@@ -5174,57 +4953,7 @@
             </a:pPr>
             <a:r>
               <a:rPr lang="en-US" dirty="0" smtClean="0"/>
-              <a:t>Apprentice Animations</a:t>
-            </a:r>
-          </a:p>
-          <a:p>
-            <a:pPr marL="514350" indent="-514350">
-              <a:buFont typeface="+mj-lt"/>
-              <a:buAutoNum type="arabicPeriod"/>
-            </a:pPr>
-            <a:r>
-              <a:rPr lang="en-US" dirty="0" smtClean="0"/>
-              <a:t>Staff Ogre Animations</a:t>
-            </a:r>
-          </a:p>
-          <a:p>
-            <a:pPr marL="514350" indent="-514350">
-              <a:buFont typeface="+mj-lt"/>
-              <a:buAutoNum type="arabicPeriod"/>
-            </a:pPr>
-            <a:r>
-              <a:rPr lang="en-US" dirty="0" smtClean="0"/>
-              <a:t>Pyromaniac Animations</a:t>
-            </a:r>
-          </a:p>
-          <a:p>
-            <a:pPr marL="514350" indent="-514350">
-              <a:buFont typeface="+mj-lt"/>
-              <a:buAutoNum type="arabicPeriod"/>
-            </a:pPr>
-            <a:r>
-              <a:rPr lang="en-US" dirty="0" smtClean="0"/>
-              <a:t>Fireling Animations</a:t>
-            </a:r>
-          </a:p>
-          <a:p>
-            <a:pPr marL="514350" indent="-514350">
-              <a:buFont typeface="+mj-lt"/>
-              <a:buAutoNum type="arabicPeriod"/>
-            </a:pPr>
-            <a:r>
-              <a:rPr lang="en-US" dirty="0" smtClean="0"/>
-              <a:t>Flaming Totem Animations</a:t>
-            </a:r>
-          </a:p>
-          <a:p>
-            <a:pPr marL="514350" indent="-514350">
-              <a:buFont typeface="+mj-lt"/>
-              <a:buAutoNum type="arabicPeriod"/>
-            </a:pPr>
-            <a:r>
-              <a:rPr lang="en-US" dirty="0" smtClean="0"/>
-              <a:t>Flaming Ghost Animations (Adapted from Ghost)</a:t>
+              <a:t>Enemy Movement Animations</a:t>
             </a:r>
             <a:endParaRPr lang="en-US" dirty="0"/>
           </a:p>
@@ -5250,7 +4979,7 @@
             </a:pPr>
             <a:r>
               <a:rPr lang="en-US" dirty="0" smtClean="0"/>
-              <a:t>8. Acid Pool Animation</a:t>
+              <a:t>3.   Player Spell Animations</a:t>
             </a:r>
           </a:p>
           <a:p>
@@ -5259,7 +4988,7 @@
             </a:pPr>
             <a:r>
               <a:rPr lang="en-US" dirty="0" smtClean="0"/>
-              <a:t>9. Arc Lightning Animation</a:t>
+              <a:t>4.   Boss Attack Animations</a:t>
             </a:r>
           </a:p>
           <a:p>
@@ -5268,34 +4997,7 @@
             </a:pPr>
             <a:r>
               <a:rPr lang="en-US" dirty="0" smtClean="0"/>
-              <a:t>10. Fire Bullet Animation (For All Flaming Projectiles)</a:t>
-            </a:r>
-          </a:p>
-          <a:p>
-            <a:pPr marL="0" indent="0">
-              <a:buNone/>
-            </a:pPr>
-            <a:r>
-              <a:rPr lang="en-US" dirty="0" smtClean="0"/>
-              <a:t>11. The Librarian Boss Animations</a:t>
-            </a:r>
-          </a:p>
-          <a:p>
-            <a:pPr marL="0" indent="0">
-              <a:buNone/>
-            </a:pPr>
-            <a:r>
-              <a:rPr lang="en-US" dirty="0" smtClean="0"/>
-              <a:t>12. The Dragon Boss Animations</a:t>
-            </a:r>
-          </a:p>
-          <a:p>
-            <a:pPr marL="0" indent="0">
-              <a:buNone/>
-            </a:pPr>
-            <a:r>
-              <a:rPr lang="en-US" dirty="0" smtClean="0"/>
-              <a:t>13. The Three Knights Boss Animations</a:t>
+              <a:t>5.   Boss Movement Animations</a:t>
             </a:r>
             <a:endParaRPr lang="en-US" dirty="0"/>
           </a:p>

--- a/Documentation/PresentationAlpha.pptx
+++ b/Documentation/PresentationAlpha.pptx
@@ -3138,11 +3138,7 @@
             </a:pPr>
             <a:r>
               <a:rPr lang="en-US" dirty="0" smtClean="0"/>
-              <a:t>Death </a:t>
-            </a:r>
-            <a:r>
-              <a:rPr lang="en-US" dirty="0" smtClean="0"/>
-              <a:t>Sound Effects</a:t>
+              <a:t>Death Sound Effects</a:t>
             </a:r>
           </a:p>
           <a:p>
@@ -3846,7 +3842,7 @@
         <p:spPr/>
         <p:txBody>
           <a:bodyPr>
-            <a:normAutofit fontScale="92500" lnSpcReduction="10000"/>
+            <a:normAutofit/>
           </a:bodyPr>
           <a:lstStyle/>
           <a:p>
@@ -3856,8 +3852,9 @@
             </a:pPr>
             <a:r>
               <a:rPr lang="en-US" dirty="0" smtClean="0"/>
-              <a:t>Added Sound Effects For Player Spells</a:t>
-            </a:r>
+              <a:t>Player Sound Effects</a:t>
+            </a:r>
+            <a:endParaRPr lang="en-US" dirty="0" smtClean="0"/>
           </a:p>
           <a:p>
             <a:pPr marL="971550" lvl="1" indent="-514350">
@@ -3866,108 +3863,19 @@
             </a:pPr>
             <a:r>
               <a:rPr lang="en-US" dirty="0" smtClean="0"/>
-              <a:t>Magic Missile Sound Effect</a:t>
-            </a:r>
-          </a:p>
-          <a:p>
-            <a:pPr marL="914400" lvl="1" indent="-457200">
+              <a:t>Spell Attack Sound Effects</a:t>
+            </a:r>
+          </a:p>
+          <a:p>
+            <a:pPr marL="971550" lvl="1" indent="-514350">
               <a:buFont typeface="+mj-lt"/>
               <a:buAutoNum type="arabicPeriod"/>
             </a:pPr>
             <a:r>
               <a:rPr lang="en-US" dirty="0" smtClean="0"/>
-              <a:t>Bubble Trap Sound Effect</a:t>
-            </a:r>
-          </a:p>
-          <a:p>
-            <a:pPr marL="914400" lvl="1" indent="-457200">
-              <a:buFont typeface="+mj-lt"/>
-              <a:buAutoNum type="arabicPeriod"/>
-            </a:pPr>
-            <a:r>
-              <a:rPr lang="en-US" dirty="0" smtClean="0"/>
-              <a:t>Exploding Bullet Sound Effects</a:t>
-            </a:r>
-          </a:p>
-          <a:p>
-            <a:pPr marL="1371600" lvl="2" indent="-457200">
-              <a:buFont typeface="+mj-lt"/>
-              <a:buAutoNum type="arabicPeriod"/>
-            </a:pPr>
-            <a:r>
-              <a:rPr lang="en-US" dirty="0" smtClean="0"/>
-              <a:t>Exploding Bullet Launch</a:t>
-            </a:r>
-          </a:p>
-          <a:p>
-            <a:pPr marL="1371600" lvl="2" indent="-457200">
-              <a:buFont typeface="+mj-lt"/>
-              <a:buAutoNum type="arabicPeriod"/>
-            </a:pPr>
-            <a:r>
-              <a:rPr lang="en-US" dirty="0" smtClean="0"/>
-              <a:t>Exploding Bullet Impact</a:t>
-            </a:r>
-          </a:p>
-          <a:p>
-            <a:pPr marL="914400" lvl="1" indent="-457200">
-              <a:buFont typeface="+mj-lt"/>
-              <a:buAutoNum type="arabicPeriod"/>
-            </a:pPr>
-            <a:r>
-              <a:rPr lang="en-US" dirty="0" smtClean="0"/>
-              <a:t>Ice Spear Sound Effect</a:t>
-            </a:r>
-          </a:p>
-          <a:p>
-            <a:pPr marL="914400" lvl="1" indent="-457200">
-              <a:buFont typeface="+mj-lt"/>
-              <a:buAutoNum type="arabicPeriod"/>
-            </a:pPr>
-            <a:r>
-              <a:rPr lang="en-US" dirty="0" smtClean="0"/>
-              <a:t>Seeking Arrow Sound Effect</a:t>
-            </a:r>
-          </a:p>
-          <a:p>
-            <a:pPr marL="457200" indent="-457200">
-              <a:buFont typeface="+mj-lt"/>
-              <a:buAutoNum type="arabicPeriod"/>
-            </a:pPr>
-            <a:r>
-              <a:rPr lang="en-US" dirty="0" smtClean="0"/>
-              <a:t>Added Enemy Sound Effects</a:t>
-            </a:r>
-          </a:p>
-          <a:p>
-            <a:pPr marL="914400" lvl="1" indent="-457200">
-              <a:buFont typeface="+mj-lt"/>
-              <a:buAutoNum type="arabicPeriod"/>
-            </a:pPr>
-            <a:r>
-              <a:rPr lang="en-US" dirty="0" smtClean="0"/>
-              <a:t>Enemy Hurt Sound</a:t>
-            </a:r>
-          </a:p>
-          <a:p>
-            <a:pPr marL="914400" lvl="1" indent="-457200">
-              <a:buFont typeface="+mj-lt"/>
-              <a:buAutoNum type="arabicPeriod"/>
-            </a:pPr>
-            <a:r>
-              <a:rPr lang="en-US" dirty="0" smtClean="0"/>
-              <a:t>Enemy Hurt Sound Low Pitch</a:t>
-            </a:r>
-          </a:p>
-          <a:p>
-            <a:pPr marL="914400" lvl="1" indent="-457200">
-              <a:buFont typeface="+mj-lt"/>
-              <a:buAutoNum type="arabicPeriod"/>
-            </a:pPr>
-            <a:r>
-              <a:rPr lang="en-US" dirty="0" smtClean="0"/>
-              <a:t>Skeleton Death Sound</a:t>
-            </a:r>
+              <a:t>Explosion Sound Effect</a:t>
+            </a:r>
+            <a:endParaRPr lang="en-US" dirty="0" smtClean="0"/>
           </a:p>
         </p:txBody>
       </p:sp>
@@ -3997,6 +3905,30 @@
               <a:buFont typeface="+mj-lt"/>
               <a:buAutoNum type="arabicPeriod"/>
             </a:pPr>
+            <a:r>
+              <a:rPr lang="en-US" dirty="0" smtClean="0"/>
+              <a:t>Enemy Sound Effects</a:t>
+            </a:r>
+          </a:p>
+          <a:p>
+            <a:pPr marL="971550" lvl="1" indent="-514350">
+              <a:buFont typeface="+mj-lt"/>
+              <a:buAutoNum type="arabicPeriod"/>
+            </a:pPr>
+            <a:r>
+              <a:rPr lang="en-US" dirty="0" smtClean="0"/>
+              <a:t>Hurt Sounds</a:t>
+            </a:r>
+          </a:p>
+          <a:p>
+            <a:pPr marL="971550" lvl="1" indent="-514350">
+              <a:buFont typeface="+mj-lt"/>
+              <a:buAutoNum type="arabicPeriod"/>
+            </a:pPr>
+            <a:r>
+              <a:rPr lang="en-US" dirty="0" smtClean="0"/>
+              <a:t>Death Sounds</a:t>
+            </a:r>
             <a:endParaRPr lang="en-US" dirty="0" smtClean="0"/>
           </a:p>
           <a:p>
@@ -4207,7 +4139,7 @@
         <p:spPr/>
         <p:txBody>
           <a:bodyPr>
-            <a:normAutofit fontScale="92500" lnSpcReduction="20000"/>
+            <a:normAutofit/>
           </a:bodyPr>
           <a:lstStyle/>
           <a:p>
@@ -4217,17 +4149,8 @@
             </a:pPr>
             <a:r>
               <a:rPr lang="en-US" dirty="0" smtClean="0"/>
-              <a:t>Added </a:t>
-            </a:r>
-            <a:r>
-              <a:rPr lang="en-US" dirty="0"/>
-              <a:t>Giant </a:t>
-            </a:r>
-            <a:r>
-              <a:rPr lang="en-US" dirty="0" smtClean="0"/>
-              <a:t>Skeleton Animations</a:t>
-            </a:r>
-            <a:endParaRPr lang="en-US" dirty="0"/>
+              <a:t>Player Assets</a:t>
+            </a:r>
           </a:p>
           <a:p>
             <a:pPr marL="971550" lvl="1" indent="-514350">
@@ -4235,8 +4158,8 @@
               <a:buAutoNum type="arabicPeriod"/>
             </a:pPr>
             <a:r>
-              <a:rPr lang="en-US" dirty="0"/>
-              <a:t>Big Blast Animation</a:t>
+              <a:rPr lang="en-US" dirty="0" smtClean="0"/>
+              <a:t>Walking Animations</a:t>
             </a:r>
           </a:p>
           <a:p>
@@ -4245,8 +4168,8 @@
               <a:buAutoNum type="arabicPeriod"/>
             </a:pPr>
             <a:r>
-              <a:rPr lang="en-US" dirty="0"/>
-              <a:t>Bone Throw Animation</a:t>
+              <a:rPr lang="en-US" dirty="0" smtClean="0"/>
+              <a:t>Spell Attack Animations</a:t>
             </a:r>
           </a:p>
           <a:p>
@@ -4255,9 +4178,16 @@
               <a:buAutoNum type="arabicPeriod"/>
             </a:pPr>
             <a:r>
-              <a:rPr lang="en-US" dirty="0"/>
-              <a:t>Stomp Animation</a:t>
-            </a:r>
+              <a:rPr lang="en-US" dirty="0" smtClean="0"/>
+              <a:t>Spell Textures</a:t>
+            </a:r>
+          </a:p>
+          <a:p>
+            <a:pPr marL="971550" lvl="1" indent="-514350">
+              <a:buFont typeface="+mj-lt"/>
+              <a:buAutoNum type="arabicPeriod"/>
+            </a:pPr>
+            <a:endParaRPr lang="en-US" dirty="0"/>
           </a:p>
           <a:p>
             <a:pPr marL="514350" indent="-514350">
@@ -4265,8 +4195,8 @@
               <a:buAutoNum type="arabicPeriod"/>
             </a:pPr>
             <a:r>
-              <a:rPr lang="en-US" dirty="0"/>
-              <a:t>Enemy Animations</a:t>
+              <a:rPr lang="en-US" dirty="0" smtClean="0"/>
+              <a:t>Map Assets</a:t>
             </a:r>
           </a:p>
           <a:p>
@@ -4275,8 +4205,8 @@
               <a:buAutoNum type="arabicPeriod"/>
             </a:pPr>
             <a:r>
-              <a:rPr lang="en-US" dirty="0"/>
-              <a:t>Golem Walk </a:t>
+              <a:rPr lang="en-US" dirty="0" smtClean="0"/>
+              <a:t>Area 1 Tiles</a:t>
             </a:r>
           </a:p>
           <a:p>
@@ -4285,8 +4215,43 @@
               <a:buAutoNum type="arabicPeriod"/>
             </a:pPr>
             <a:r>
-              <a:rPr lang="en-US" dirty="0"/>
-              <a:t>Necromancer Attack &amp; Walk</a:t>
+              <a:rPr lang="en-US" dirty="0" smtClean="0"/>
+              <a:t>Area 2 Tiles</a:t>
+            </a:r>
+            <a:endParaRPr lang="en-US" dirty="0" smtClean="0"/>
+          </a:p>
+          <a:p>
+            <a:pPr marL="0" indent="0">
+              <a:buNone/>
+            </a:pPr>
+            <a:endParaRPr lang="en-US" dirty="0"/>
+          </a:p>
+        </p:txBody>
+      </p:sp>
+      <p:sp>
+        <p:nvSpPr>
+          <p:cNvPr id="9" name="Content Placeholder 8"/>
+          <p:cNvSpPr>
+            <a:spLocks noGrp="1"/>
+          </p:cNvSpPr>
+          <p:nvPr>
+            <p:ph sz="half" idx="2"/>
+          </p:nvPr>
+        </p:nvSpPr>
+        <p:spPr/>
+        <p:txBody>
+          <a:bodyPr>
+            <a:normAutofit/>
+          </a:bodyPr>
+          <a:lstStyle/>
+          <a:p>
+            <a:pPr marL="514350" indent="-514350">
+              <a:buFont typeface="+mj-lt"/>
+              <a:buAutoNum type="arabicPeriod"/>
+            </a:pPr>
+            <a:r>
+              <a:rPr lang="en-US" dirty="0" smtClean="0"/>
+              <a:t>Enemy Assets</a:t>
             </a:r>
           </a:p>
           <a:p>
@@ -4295,12 +4260,8 @@
               <a:buAutoNum type="arabicPeriod"/>
             </a:pPr>
             <a:r>
-              <a:rPr lang="en-US" dirty="0"/>
-              <a:t>Skeleton </a:t>
-            </a:r>
-            <a:r>
               <a:rPr lang="en-US" dirty="0" smtClean="0"/>
-              <a:t>Walk</a:t>
+              <a:t>Enemy Walking Animations</a:t>
             </a:r>
           </a:p>
           <a:p>
@@ -4310,67 +4271,7 @@
             </a:pPr>
             <a:r>
               <a:rPr lang="en-US" dirty="0" smtClean="0"/>
-              <a:t>Zombie Walk</a:t>
-            </a:r>
-            <a:endParaRPr lang="en-US" dirty="0"/>
-          </a:p>
-          <a:p>
-            <a:pPr marL="514350" indent="-514350">
-              <a:buFont typeface="+mj-lt"/>
-              <a:buAutoNum type="arabicPeriod"/>
-            </a:pPr>
-            <a:r>
-              <a:rPr lang="en-US" dirty="0"/>
-              <a:t>Seeking Spell </a:t>
-            </a:r>
-            <a:r>
-              <a:rPr lang="en-US" dirty="0" smtClean="0"/>
-              <a:t>Animation</a:t>
-            </a:r>
-          </a:p>
-          <a:p>
-            <a:pPr marL="514350" indent="-514350">
-              <a:buFont typeface="+mj-lt"/>
-              <a:buAutoNum type="arabicPeriod"/>
-            </a:pPr>
-            <a:r>
-              <a:rPr lang="en-US" dirty="0" smtClean="0"/>
-              <a:t>Wand Man Walk Animations</a:t>
-            </a:r>
-            <a:endParaRPr lang="en-US" dirty="0"/>
-          </a:p>
-          <a:p>
-            <a:pPr marL="0" indent="0">
-              <a:buNone/>
-            </a:pPr>
-            <a:endParaRPr lang="en-US" dirty="0"/>
-          </a:p>
-        </p:txBody>
-      </p:sp>
-      <p:sp>
-        <p:nvSpPr>
-          <p:cNvPr id="9" name="Content Placeholder 8"/>
-          <p:cNvSpPr>
-            <a:spLocks noGrp="1"/>
-          </p:cNvSpPr>
-          <p:nvPr>
-            <p:ph sz="half" idx="2"/>
-          </p:nvPr>
-        </p:nvSpPr>
-        <p:spPr/>
-        <p:txBody>
-          <a:bodyPr>
-            <a:normAutofit fontScale="92500" lnSpcReduction="20000"/>
-          </a:bodyPr>
-          <a:lstStyle/>
-          <a:p>
-            <a:pPr marL="514350" indent="-514350">
-              <a:buFont typeface="+mj-lt"/>
-              <a:buAutoNum type="arabicPeriod"/>
-            </a:pPr>
-            <a:r>
-              <a:rPr lang="en-US" dirty="0"/>
-              <a:t>Added Tile Textures</a:t>
+              <a:t>Enemy Attacking Animations</a:t>
             </a:r>
           </a:p>
           <a:p>
@@ -4379,110 +4280,8 @@
               <a:buAutoNum type="arabicPeriod"/>
             </a:pPr>
             <a:r>
-              <a:rPr lang="en-US" dirty="0"/>
-              <a:t>Wooden Library Floor Tike</a:t>
-            </a:r>
-          </a:p>
-          <a:p>
-            <a:pPr marL="971550" lvl="1" indent="-514350">
-              <a:buFont typeface="+mj-lt"/>
-              <a:buAutoNum type="arabicPeriod"/>
-            </a:pPr>
-            <a:r>
-              <a:rPr lang="en-US" dirty="0"/>
-              <a:t>Crate Tile</a:t>
-            </a:r>
-          </a:p>
-          <a:p>
-            <a:pPr marL="971550" lvl="1" indent="-514350">
-              <a:buFont typeface="+mj-lt"/>
-              <a:buAutoNum type="arabicPeriod"/>
-            </a:pPr>
-            <a:r>
-              <a:rPr lang="en-US" dirty="0"/>
-              <a:t>Skull Tile</a:t>
-            </a:r>
-          </a:p>
-          <a:p>
-            <a:pPr marL="971550" lvl="1" indent="-514350">
-              <a:buFont typeface="+mj-lt"/>
-              <a:buAutoNum type="arabicPeriod"/>
-            </a:pPr>
-            <a:r>
-              <a:rPr lang="en-US" dirty="0"/>
-              <a:t>Gravestone </a:t>
-            </a:r>
-            <a:r>
               <a:rPr lang="en-US" dirty="0" smtClean="0"/>
-              <a:t>Tile</a:t>
-            </a:r>
-          </a:p>
-          <a:p>
-            <a:pPr marL="514350" indent="-514350">
-              <a:buFont typeface="+mj-lt"/>
-              <a:buAutoNum type="arabicPeriod"/>
-            </a:pPr>
-            <a:r>
-              <a:rPr lang="en-US" dirty="0" smtClean="0"/>
-              <a:t>Added Seeking </a:t>
-            </a:r>
-            <a:r>
-              <a:rPr lang="en-US" dirty="0"/>
-              <a:t>Arrow </a:t>
-            </a:r>
-            <a:r>
-              <a:rPr lang="en-US" dirty="0" smtClean="0"/>
-              <a:t>Texture</a:t>
-            </a:r>
-          </a:p>
-          <a:p>
-            <a:pPr marL="514350" indent="-514350">
-              <a:buFont typeface="+mj-lt"/>
-              <a:buAutoNum type="arabicPeriod"/>
-            </a:pPr>
-            <a:r>
-              <a:rPr lang="en-US" dirty="0" smtClean="0"/>
-              <a:t>Added Spell Scroll Texture</a:t>
-            </a:r>
-          </a:p>
-          <a:p>
-            <a:pPr marL="514350" indent="-514350">
-              <a:buFont typeface="+mj-lt"/>
-              <a:buAutoNum type="arabicPeriod"/>
-            </a:pPr>
-            <a:r>
-              <a:rPr lang="en-US" dirty="0" smtClean="0"/>
-              <a:t>Added Big Burger Texture</a:t>
-            </a:r>
-          </a:p>
-          <a:p>
-            <a:pPr marL="514350" indent="-514350">
-              <a:buFont typeface="+mj-lt"/>
-              <a:buAutoNum type="arabicPeriod"/>
-            </a:pPr>
-            <a:r>
-              <a:rPr lang="en-US" dirty="0" smtClean="0"/>
-              <a:t>Added Bone Texture</a:t>
-            </a:r>
-          </a:p>
-          <a:p>
-            <a:pPr marL="514350" indent="-514350">
-              <a:buFont typeface="+mj-lt"/>
-              <a:buAutoNum type="arabicPeriod"/>
-            </a:pPr>
-            <a:r>
-              <a:rPr lang="en-US" dirty="0" smtClean="0"/>
-              <a:t>Added Pile Of Bones Texture</a:t>
-            </a:r>
-          </a:p>
-          <a:p>
-            <a:pPr marL="514350" indent="-514350">
-              <a:buFont typeface="+mj-lt"/>
-              <a:buAutoNum type="arabicPeriod"/>
-            </a:pPr>
-            <a:r>
-              <a:rPr lang="en-US" dirty="0" smtClean="0"/>
-              <a:t>Added Target Texture</a:t>
+              <a:t>Enemy Textures</a:t>
             </a:r>
             <a:endParaRPr lang="en-US" dirty="0"/>
           </a:p>

--- a/Documentation/PresentationAlpha.pptx
+++ b/Documentation/PresentationAlpha.pptx
@@ -7,14 +7,16 @@
   <p:sldIdLst>
     <p:sldId id="256" r:id="rId2"/>
     <p:sldId id="263" r:id="rId3"/>
-    <p:sldId id="261" r:id="rId4"/>
-    <p:sldId id="268" r:id="rId5"/>
-    <p:sldId id="271" r:id="rId6"/>
-    <p:sldId id="269" r:id="rId7"/>
-    <p:sldId id="270" r:id="rId8"/>
-    <p:sldId id="272" r:id="rId9"/>
-    <p:sldId id="273" r:id="rId10"/>
-    <p:sldId id="274" r:id="rId11"/>
+    <p:sldId id="275" r:id="rId4"/>
+    <p:sldId id="276" r:id="rId5"/>
+    <p:sldId id="261" r:id="rId6"/>
+    <p:sldId id="268" r:id="rId7"/>
+    <p:sldId id="271" r:id="rId8"/>
+    <p:sldId id="269" r:id="rId9"/>
+    <p:sldId id="270" r:id="rId10"/>
+    <p:sldId id="272" r:id="rId11"/>
+    <p:sldId id="273" r:id="rId12"/>
+    <p:sldId id="274" r:id="rId13"/>
   </p:sldIdLst>
   <p:sldSz cx="12192000" cy="6858000"/>
   <p:notesSz cx="6858000" cy="9144000"/>
@@ -115,7 +117,7 @@
   </p:defaultTextStyle>
   <p:extLst>
     <p:ext uri="{EFAFB233-063F-42B5-8137-9DF3F51BA10A}">
-      <p15:sldGuideLst xmlns:p15="http://schemas.microsoft.com/office/powerpoint/2012/main">
+      <p15:sldGuideLst xmlns:p15="http://schemas.microsoft.com/office/powerpoint/2012/main" xmlns="">
         <p15:guide id="1" orient="horz" pos="2160">
           <p15:clr>
             <a:srgbClr val="A4A3A4"/>
@@ -261,7 +263,7 @@
           <a:p>
             <a:fld id="{5CEF22E0-9ED4-437F-9483-C95BD90B631F}" type="datetimeFigureOut">
               <a:rPr lang="en-US" smtClean="0"/>
-              <a:t>4/11/2017</a:t>
+              <a:t>4/12/2017</a:t>
             </a:fld>
             <a:endParaRPr lang="en-US" dirty="0"/>
           </a:p>
@@ -429,7 +431,7 @@
           <a:p>
             <a:fld id="{5CEF22E0-9ED4-437F-9483-C95BD90B631F}" type="datetimeFigureOut">
               <a:rPr lang="en-US" smtClean="0"/>
-              <a:t>4/11/2017</a:t>
+              <a:t>4/12/2017</a:t>
             </a:fld>
             <a:endParaRPr lang="en-US" dirty="0"/>
           </a:p>
@@ -607,7 +609,7 @@
           <a:p>
             <a:fld id="{5CEF22E0-9ED4-437F-9483-C95BD90B631F}" type="datetimeFigureOut">
               <a:rPr lang="en-US" smtClean="0"/>
-              <a:t>4/11/2017</a:t>
+              <a:t>4/12/2017</a:t>
             </a:fld>
             <a:endParaRPr lang="en-US" dirty="0"/>
           </a:p>
@@ -775,7 +777,7 @@
           <a:p>
             <a:fld id="{5CEF22E0-9ED4-437F-9483-C95BD90B631F}" type="datetimeFigureOut">
               <a:rPr lang="en-US" smtClean="0"/>
-              <a:t>4/11/2017</a:t>
+              <a:t>4/12/2017</a:t>
             </a:fld>
             <a:endParaRPr lang="en-US" dirty="0"/>
           </a:p>
@@ -1020,7 +1022,7 @@
           <a:p>
             <a:fld id="{5CEF22E0-9ED4-437F-9483-C95BD90B631F}" type="datetimeFigureOut">
               <a:rPr lang="en-US" smtClean="0"/>
-              <a:t>4/11/2017</a:t>
+              <a:t>4/12/2017</a:t>
             </a:fld>
             <a:endParaRPr lang="en-US" dirty="0"/>
           </a:p>
@@ -1249,7 +1251,7 @@
           <a:p>
             <a:fld id="{5CEF22E0-9ED4-437F-9483-C95BD90B631F}" type="datetimeFigureOut">
               <a:rPr lang="en-US" smtClean="0"/>
-              <a:t>4/11/2017</a:t>
+              <a:t>4/12/2017</a:t>
             </a:fld>
             <a:endParaRPr lang="en-US" dirty="0"/>
           </a:p>
@@ -1613,7 +1615,7 @@
           <a:p>
             <a:fld id="{5CEF22E0-9ED4-437F-9483-C95BD90B631F}" type="datetimeFigureOut">
               <a:rPr lang="en-US" smtClean="0"/>
-              <a:t>4/11/2017</a:t>
+              <a:t>4/12/2017</a:t>
             </a:fld>
             <a:endParaRPr lang="en-US" dirty="0"/>
           </a:p>
@@ -1730,7 +1732,7 @@
           <a:p>
             <a:fld id="{5CEF22E0-9ED4-437F-9483-C95BD90B631F}" type="datetimeFigureOut">
               <a:rPr lang="en-US" smtClean="0"/>
-              <a:t>4/11/2017</a:t>
+              <a:t>4/12/2017</a:t>
             </a:fld>
             <a:endParaRPr lang="en-US" dirty="0"/>
           </a:p>
@@ -1825,7 +1827,7 @@
           <a:p>
             <a:fld id="{5CEF22E0-9ED4-437F-9483-C95BD90B631F}" type="datetimeFigureOut">
               <a:rPr lang="en-US" smtClean="0"/>
-              <a:t>4/11/2017</a:t>
+              <a:t>4/12/2017</a:t>
             </a:fld>
             <a:endParaRPr lang="en-US" dirty="0"/>
           </a:p>
@@ -2100,7 +2102,7 @@
           <a:p>
             <a:fld id="{5CEF22E0-9ED4-437F-9483-C95BD90B631F}" type="datetimeFigureOut">
               <a:rPr lang="en-US" smtClean="0"/>
-              <a:t>4/11/2017</a:t>
+              <a:t>4/12/2017</a:t>
             </a:fld>
             <a:endParaRPr lang="en-US" dirty="0"/>
           </a:p>
@@ -2352,7 +2354,7 @@
           <a:p>
             <a:fld id="{5CEF22E0-9ED4-437F-9483-C95BD90B631F}" type="datetimeFigureOut">
               <a:rPr lang="en-US" smtClean="0"/>
-              <a:t>4/11/2017</a:t>
+              <a:t>4/12/2017</a:t>
             </a:fld>
             <a:endParaRPr lang="en-US" dirty="0"/>
           </a:p>
@@ -2563,7 +2565,7 @@
           <a:p>
             <a:fld id="{5CEF22E0-9ED4-437F-9483-C95BD90B631F}" type="datetimeFigureOut">
               <a:rPr lang="en-US" smtClean="0"/>
-              <a:t>4/11/2017</a:t>
+              <a:t>4/12/2017</a:t>
             </a:fld>
             <a:endParaRPr lang="en-US" dirty="0"/>
           </a:p>
@@ -3074,6 +3076,416 @@
       </p:grpSpPr>
       <p:sp>
         <p:nvSpPr>
+          <p:cNvPr id="5" name="Title 4"/>
+          <p:cNvSpPr>
+            <a:spLocks noGrp="1"/>
+          </p:cNvSpPr>
+          <p:nvPr>
+            <p:ph type="title"/>
+          </p:nvPr>
+        </p:nvSpPr>
+        <p:spPr/>
+        <p:txBody>
+          <a:bodyPr/>
+          <a:lstStyle/>
+          <a:p>
+            <a:r>
+              <a:rPr lang="en-US" dirty="0" smtClean="0"/>
+              <a:t>Beta Game Content Target</a:t>
+            </a:r>
+            <a:endParaRPr lang="en-US" dirty="0"/>
+          </a:p>
+        </p:txBody>
+      </p:sp>
+      <p:sp>
+        <p:nvSpPr>
+          <p:cNvPr id="6" name="Content Placeholder 5"/>
+          <p:cNvSpPr>
+            <a:spLocks noGrp="1"/>
+          </p:cNvSpPr>
+          <p:nvPr>
+            <p:ph sz="half" idx="1"/>
+          </p:nvPr>
+        </p:nvSpPr>
+        <p:spPr/>
+        <p:txBody>
+          <a:bodyPr>
+            <a:normAutofit/>
+          </a:bodyPr>
+          <a:lstStyle/>
+          <a:p>
+            <a:pPr marL="0" indent="0">
+              <a:buNone/>
+            </a:pPr>
+            <a:r>
+              <a:rPr lang="en-US" dirty="0"/>
+              <a:t>E</a:t>
+            </a:r>
+            <a:r>
+              <a:rPr lang="en-US" dirty="0" smtClean="0"/>
+              <a:t>nemies:</a:t>
+            </a:r>
+          </a:p>
+          <a:p>
+            <a:pPr marL="971550" lvl="1" indent="-514350">
+              <a:buFont typeface="+mj-lt"/>
+              <a:buAutoNum type="arabicPeriod"/>
+            </a:pPr>
+            <a:r>
+              <a:rPr lang="en-US" dirty="0" smtClean="0"/>
+              <a:t>Area 3 Enemies</a:t>
+            </a:r>
+          </a:p>
+          <a:p>
+            <a:pPr marL="971550" lvl="1" indent="-514350">
+              <a:buFont typeface="+mj-lt"/>
+              <a:buAutoNum type="arabicPeriod"/>
+            </a:pPr>
+            <a:r>
+              <a:rPr lang="en-US" dirty="0" smtClean="0"/>
+              <a:t>Area 2 Boss</a:t>
+            </a:r>
+          </a:p>
+          <a:p>
+            <a:pPr marL="971550" lvl="1" indent="-514350">
+              <a:buFont typeface="+mj-lt"/>
+              <a:buAutoNum type="arabicPeriod"/>
+            </a:pPr>
+            <a:r>
+              <a:rPr lang="en-US" dirty="0" smtClean="0"/>
+              <a:t>Area 3 Boss</a:t>
+            </a:r>
+          </a:p>
+          <a:p>
+            <a:pPr marL="971550" lvl="1" indent="-514350">
+              <a:buFont typeface="+mj-lt"/>
+              <a:buAutoNum type="arabicPeriod"/>
+            </a:pPr>
+            <a:r>
+              <a:rPr lang="en-US" dirty="0" smtClean="0"/>
+              <a:t>Final Boss</a:t>
+            </a:r>
+          </a:p>
+        </p:txBody>
+      </p:sp>
+      <p:sp>
+        <p:nvSpPr>
+          <p:cNvPr id="7" name="Content Placeholder 6"/>
+          <p:cNvSpPr>
+            <a:spLocks noGrp="1"/>
+          </p:cNvSpPr>
+          <p:nvPr>
+            <p:ph sz="half" idx="2"/>
+          </p:nvPr>
+        </p:nvSpPr>
+        <p:spPr/>
+        <p:txBody>
+          <a:bodyPr>
+            <a:normAutofit/>
+          </a:bodyPr>
+          <a:lstStyle/>
+          <a:p>
+            <a:pPr marL="0" indent="0">
+              <a:buNone/>
+            </a:pPr>
+            <a:r>
+              <a:rPr lang="en-US" dirty="0" smtClean="0"/>
+              <a:t>Player </a:t>
+            </a:r>
+            <a:r>
+              <a:rPr lang="en-US" dirty="0"/>
+              <a:t>Spells:</a:t>
+            </a:r>
+          </a:p>
+          <a:p>
+            <a:pPr marL="971550" lvl="1" indent="-514350">
+              <a:buFont typeface="+mj-lt"/>
+              <a:buAutoNum type="arabicPeriod"/>
+            </a:pPr>
+            <a:r>
+              <a:rPr lang="en-US" dirty="0"/>
+              <a:t>Arc Lightning</a:t>
+            </a:r>
+          </a:p>
+          <a:p>
+            <a:pPr marL="971550" lvl="1" indent="-514350">
+              <a:buFont typeface="+mj-lt"/>
+              <a:buAutoNum type="arabicPeriod"/>
+            </a:pPr>
+            <a:r>
+              <a:rPr lang="en-US" dirty="0"/>
+              <a:t>Acid Pool</a:t>
+            </a:r>
+          </a:p>
+          <a:p>
+            <a:pPr marL="971550" lvl="1" indent="-514350">
+              <a:buFont typeface="+mj-lt"/>
+              <a:buAutoNum type="arabicPeriod"/>
+            </a:pPr>
+            <a:r>
+              <a:rPr lang="en-US" dirty="0"/>
+              <a:t>Ring of Fire</a:t>
+            </a:r>
+          </a:p>
+          <a:p>
+            <a:pPr marL="971550" lvl="1" indent="-514350">
+              <a:buFont typeface="+mj-lt"/>
+              <a:buAutoNum type="arabicPeriod"/>
+            </a:pPr>
+            <a:r>
+              <a:rPr lang="en-US" dirty="0"/>
+              <a:t>Dragon Scale </a:t>
+            </a:r>
+            <a:r>
+              <a:rPr lang="en-US" dirty="0" smtClean="0"/>
+              <a:t>Stream</a:t>
+            </a:r>
+          </a:p>
+          <a:p>
+            <a:pPr marL="971550" lvl="1" indent="-514350">
+              <a:buFont typeface="+mj-lt"/>
+              <a:buAutoNum type="arabicPeriod"/>
+            </a:pPr>
+            <a:r>
+              <a:rPr lang="en-US" dirty="0" smtClean="0"/>
+              <a:t>Water Stream</a:t>
+            </a:r>
+            <a:endParaRPr lang="en-US" dirty="0"/>
+          </a:p>
+          <a:p>
+            <a:pPr marL="0" indent="0">
+              <a:buNone/>
+            </a:pPr>
+            <a:endParaRPr lang="en-US" dirty="0"/>
+          </a:p>
+        </p:txBody>
+      </p:sp>
+      <p:pic>
+        <p:nvPicPr>
+          <p:cNvPr id="8" name="Picture 7"/>
+          <p:cNvPicPr>
+            <a:picLocks noChangeAspect="1"/>
+          </p:cNvPicPr>
+          <p:nvPr/>
+        </p:nvPicPr>
+        <p:blipFill>
+          <a:blip r:embed="rId2" cstate="print">
+            <a:extLst>
+              <a:ext uri="{28A0092B-C50C-407E-A947-70E740481C1C}">
+                <a14:useLocalDpi xmlns:a14="http://schemas.microsoft.com/office/drawing/2010/main" val="0"/>
+              </a:ext>
+            </a:extLst>
+          </a:blip>
+          <a:stretch>
+            <a:fillRect/>
+          </a:stretch>
+        </p:blipFill>
+        <p:spPr>
+          <a:xfrm>
+            <a:off x="11126825" y="-1"/>
+            <a:ext cx="1065175" cy="612475"/>
+          </a:xfrm>
+          <a:prstGeom prst="rect">
+            <a:avLst/>
+          </a:prstGeom>
+        </p:spPr>
+      </p:pic>
+    </p:spTree>
+    <p:extLst>
+      <p:ext uri="{BB962C8B-B14F-4D97-AF65-F5344CB8AC3E}">
+        <p14:creationId xmlns:p14="http://schemas.microsoft.com/office/powerpoint/2010/main" val="2765259884"/>
+      </p:ext>
+    </p:extLst>
+  </p:cSld>
+  <p:clrMapOvr>
+    <a:masterClrMapping/>
+  </p:clrMapOvr>
+</p:sld>
+</file>
+
+<file path=ppt/slides/slide11.xml><?xml version="1.0" encoding="utf-8"?>
+<p:sld xmlns:a="http://schemas.openxmlformats.org/drawingml/2006/main" xmlns:r="http://schemas.openxmlformats.org/officeDocument/2006/relationships" xmlns:p="http://schemas.openxmlformats.org/presentationml/2006/main">
+  <p:cSld>
+    <p:spTree>
+      <p:nvGrpSpPr>
+        <p:cNvPr id="1" name=""/>
+        <p:cNvGrpSpPr/>
+        <p:nvPr/>
+      </p:nvGrpSpPr>
+      <p:grpSpPr>
+        <a:xfrm>
+          <a:off x="0" y="0"/>
+          <a:ext cx="0" cy="0"/>
+          <a:chOff x="0" y="0"/>
+          <a:chExt cx="0" cy="0"/>
+        </a:xfrm>
+      </p:grpSpPr>
+      <p:sp>
+        <p:nvSpPr>
+          <p:cNvPr id="2" name="Title 1"/>
+          <p:cNvSpPr>
+            <a:spLocks noGrp="1"/>
+          </p:cNvSpPr>
+          <p:nvPr>
+            <p:ph type="title"/>
+          </p:nvPr>
+        </p:nvSpPr>
+        <p:spPr/>
+        <p:txBody>
+          <a:bodyPr/>
+          <a:lstStyle/>
+          <a:p>
+            <a:r>
+              <a:rPr lang="en-US" dirty="0" smtClean="0"/>
+              <a:t>Beta Art Content Target</a:t>
+            </a:r>
+            <a:endParaRPr lang="en-US" dirty="0"/>
+          </a:p>
+        </p:txBody>
+      </p:sp>
+      <p:sp>
+        <p:nvSpPr>
+          <p:cNvPr id="3" name="Content Placeholder 2"/>
+          <p:cNvSpPr>
+            <a:spLocks noGrp="1"/>
+          </p:cNvSpPr>
+          <p:nvPr>
+            <p:ph sz="half" idx="1"/>
+          </p:nvPr>
+        </p:nvSpPr>
+        <p:spPr/>
+        <p:txBody>
+          <a:bodyPr/>
+          <a:lstStyle/>
+          <a:p>
+            <a:pPr marL="514350" indent="-514350">
+              <a:buFont typeface="+mj-lt"/>
+              <a:buAutoNum type="arabicPeriod"/>
+            </a:pPr>
+            <a:r>
+              <a:rPr lang="en-US" dirty="0" smtClean="0"/>
+              <a:t>Enemy Attack Animations</a:t>
+            </a:r>
+          </a:p>
+          <a:p>
+            <a:pPr marL="514350" indent="-514350">
+              <a:buFont typeface="+mj-lt"/>
+              <a:buAutoNum type="arabicPeriod"/>
+            </a:pPr>
+            <a:r>
+              <a:rPr lang="en-US" dirty="0" smtClean="0"/>
+              <a:t>Enemy Movement Animations</a:t>
+            </a:r>
+            <a:endParaRPr lang="en-US" dirty="0"/>
+          </a:p>
+        </p:txBody>
+      </p:sp>
+      <p:sp>
+        <p:nvSpPr>
+          <p:cNvPr id="4" name="Content Placeholder 3"/>
+          <p:cNvSpPr>
+            <a:spLocks noGrp="1"/>
+          </p:cNvSpPr>
+          <p:nvPr>
+            <p:ph sz="half" idx="2"/>
+          </p:nvPr>
+        </p:nvSpPr>
+        <p:spPr/>
+        <p:txBody>
+          <a:bodyPr/>
+          <a:lstStyle/>
+          <a:p>
+            <a:pPr marL="0" indent="0">
+              <a:buNone/>
+            </a:pPr>
+            <a:r>
+              <a:rPr lang="en-US" dirty="0" smtClean="0"/>
+              <a:t>3.   Player Spell Animations</a:t>
+            </a:r>
+          </a:p>
+          <a:p>
+            <a:pPr marL="0" indent="0">
+              <a:buNone/>
+            </a:pPr>
+            <a:r>
+              <a:rPr lang="en-US" dirty="0" smtClean="0"/>
+              <a:t>4.   Boss Attack Animations</a:t>
+            </a:r>
+          </a:p>
+          <a:p>
+            <a:pPr marL="0" indent="0">
+              <a:buNone/>
+            </a:pPr>
+            <a:r>
+              <a:rPr lang="en-US" dirty="0" smtClean="0"/>
+              <a:t>5.   Boss Movement Animations</a:t>
+            </a:r>
+            <a:endParaRPr lang="en-US" dirty="0"/>
+          </a:p>
+        </p:txBody>
+      </p:sp>
+      <p:pic>
+        <p:nvPicPr>
+          <p:cNvPr id="5" name="Picture 4"/>
+          <p:cNvPicPr>
+            <a:picLocks noChangeAspect="1"/>
+          </p:cNvPicPr>
+          <p:nvPr/>
+        </p:nvPicPr>
+        <p:blipFill>
+          <a:blip r:embed="rId2" cstate="print">
+            <a:extLst>
+              <a:ext uri="{28A0092B-C50C-407E-A947-70E740481C1C}">
+                <a14:useLocalDpi xmlns:a14="http://schemas.microsoft.com/office/drawing/2010/main" val="0"/>
+              </a:ext>
+            </a:extLst>
+          </a:blip>
+          <a:stretch>
+            <a:fillRect/>
+          </a:stretch>
+        </p:blipFill>
+        <p:spPr>
+          <a:xfrm>
+            <a:off x="11126825" y="-1"/>
+            <a:ext cx="1065175" cy="612475"/>
+          </a:xfrm>
+          <a:prstGeom prst="rect">
+            <a:avLst/>
+          </a:prstGeom>
+        </p:spPr>
+      </p:pic>
+    </p:spTree>
+    <p:extLst>
+      <p:ext uri="{BB962C8B-B14F-4D97-AF65-F5344CB8AC3E}">
+        <p14:creationId xmlns:p14="http://schemas.microsoft.com/office/powerpoint/2010/main" val="1682894602"/>
+      </p:ext>
+    </p:extLst>
+  </p:cSld>
+  <p:clrMapOvr>
+    <a:masterClrMapping/>
+  </p:clrMapOvr>
+</p:sld>
+</file>
+
+<file path=ppt/slides/slide12.xml><?xml version="1.0" encoding="utf-8"?>
+<p:sld xmlns:a="http://schemas.openxmlformats.org/drawingml/2006/main" xmlns:r="http://schemas.openxmlformats.org/officeDocument/2006/relationships" xmlns:p="http://schemas.openxmlformats.org/presentationml/2006/main">
+  <p:cSld>
+    <p:spTree>
+      <p:nvGrpSpPr>
+        <p:cNvPr id="1" name=""/>
+        <p:cNvGrpSpPr/>
+        <p:nvPr/>
+      </p:nvGrpSpPr>
+      <p:grpSpPr>
+        <a:xfrm>
+          <a:off x="0" y="0"/>
+          <a:ext cx="0" cy="0"/>
+          <a:chOff x="0" y="0"/>
+          <a:chExt cx="0" cy="0"/>
+        </a:xfrm>
+      </p:grpSpPr>
+      <p:sp>
+        <p:nvSpPr>
           <p:cNvPr id="2" name="Title 1"/>
           <p:cNvSpPr>
             <a:spLocks noGrp="1"/>
@@ -3412,6 +3824,248 @@
 <file path=ppt/slides/slide3.xml><?xml version="1.0" encoding="utf-8"?>
 <p:sld xmlns:a="http://schemas.openxmlformats.org/drawingml/2006/main" xmlns:r="http://schemas.openxmlformats.org/officeDocument/2006/relationships" xmlns:p="http://schemas.openxmlformats.org/presentationml/2006/main">
   <p:cSld>
+    <p:spTree>
+      <p:nvGrpSpPr>
+        <p:cNvPr id="1" name=""/>
+        <p:cNvGrpSpPr/>
+        <p:nvPr/>
+      </p:nvGrpSpPr>
+      <p:grpSpPr>
+        <a:xfrm>
+          <a:off x="0" y="0"/>
+          <a:ext cx="0" cy="0"/>
+          <a:chOff x="0" y="0"/>
+          <a:chExt cx="0" cy="0"/>
+        </a:xfrm>
+      </p:grpSpPr>
+      <p:sp>
+        <p:nvSpPr>
+          <p:cNvPr id="2" name="Title 1"/>
+          <p:cNvSpPr>
+            <a:spLocks noGrp="1"/>
+          </p:cNvSpPr>
+          <p:nvPr>
+            <p:ph type="title"/>
+          </p:nvPr>
+        </p:nvSpPr>
+        <p:spPr/>
+        <p:txBody>
+          <a:bodyPr/>
+          <a:lstStyle/>
+          <a:p>
+            <a:pPr algn="ctr"/>
+            <a:r>
+              <a:rPr lang="en-US" dirty="0" smtClean="0"/>
+              <a:t>Overview</a:t>
+            </a:r>
+            <a:endParaRPr lang="en-US" dirty="0"/>
+          </a:p>
+        </p:txBody>
+      </p:sp>
+      <p:sp>
+        <p:nvSpPr>
+          <p:cNvPr id="3" name="Content Placeholder 2"/>
+          <p:cNvSpPr>
+            <a:spLocks noGrp="1"/>
+          </p:cNvSpPr>
+          <p:nvPr>
+            <p:ph idx="1"/>
+          </p:nvPr>
+        </p:nvSpPr>
+        <p:spPr/>
+        <p:txBody>
+          <a:bodyPr/>
+          <a:lstStyle/>
+          <a:p>
+            <a:r>
+              <a:rPr lang="en-US" sz="2400" dirty="0" smtClean="0"/>
+              <a:t>Game Demo</a:t>
+            </a:r>
+          </a:p>
+          <a:p>
+            <a:r>
+              <a:rPr lang="en-US" sz="2400" dirty="0" smtClean="0"/>
+              <a:t>New Features</a:t>
+            </a:r>
+          </a:p>
+          <a:p>
+            <a:r>
+              <a:rPr lang="en-US" sz="2400" dirty="0" smtClean="0"/>
+              <a:t>New Audio Assets</a:t>
+            </a:r>
+          </a:p>
+          <a:p>
+            <a:pPr lvl="2"/>
+            <a:r>
+              <a:rPr lang="en-US" sz="1800" dirty="0" smtClean="0"/>
+              <a:t>Sound Effect Showcase</a:t>
+            </a:r>
+          </a:p>
+          <a:p>
+            <a:r>
+              <a:rPr lang="en-US" sz="2400" dirty="0" smtClean="0"/>
+              <a:t>New Art Assets</a:t>
+            </a:r>
+          </a:p>
+          <a:p>
+            <a:pPr lvl="2"/>
+            <a:r>
+              <a:rPr lang="en-US" sz="1800" dirty="0" smtClean="0"/>
+              <a:t>Art Showcase</a:t>
+            </a:r>
+          </a:p>
+          <a:p>
+            <a:r>
+              <a:rPr lang="en-US" sz="2400" dirty="0" smtClean="0"/>
+              <a:t>Beta Targets</a:t>
+            </a:r>
+          </a:p>
+          <a:p>
+            <a:pPr lvl="2"/>
+            <a:r>
+              <a:rPr lang="en-US" sz="1800" dirty="0" smtClean="0"/>
+              <a:t>Feature Content Target</a:t>
+            </a:r>
+          </a:p>
+          <a:p>
+            <a:pPr lvl="2"/>
+            <a:r>
+              <a:rPr lang="en-US" sz="1800" dirty="0" smtClean="0"/>
+              <a:t>Art Content Target</a:t>
+            </a:r>
+          </a:p>
+          <a:p>
+            <a:pPr lvl="2"/>
+            <a:r>
+              <a:rPr lang="en-US" sz="1800" dirty="0" smtClean="0"/>
+              <a:t>Audio Content Target</a:t>
+            </a:r>
+          </a:p>
+          <a:p>
+            <a:pPr lvl="2" algn="ctr"/>
+            <a:endParaRPr lang="en-US" dirty="0" smtClean="0"/>
+          </a:p>
+        </p:txBody>
+      </p:sp>
+      <p:pic>
+        <p:nvPicPr>
+          <p:cNvPr id="4" name="Picture 3"/>
+          <p:cNvPicPr>
+            <a:picLocks noChangeAspect="1"/>
+          </p:cNvPicPr>
+          <p:nvPr/>
+        </p:nvPicPr>
+        <p:blipFill>
+          <a:blip r:embed="rId2" cstate="print">
+            <a:extLst>
+              <a:ext uri="{28A0092B-C50C-407E-A947-70E740481C1C}">
+                <a14:useLocalDpi xmlns:a14="http://schemas.microsoft.com/office/drawing/2010/main" val="0"/>
+              </a:ext>
+            </a:extLst>
+          </a:blip>
+          <a:stretch>
+            <a:fillRect/>
+          </a:stretch>
+        </p:blipFill>
+        <p:spPr>
+          <a:xfrm>
+            <a:off x="11126825" y="-1"/>
+            <a:ext cx="1065175" cy="612475"/>
+          </a:xfrm>
+          <a:prstGeom prst="rect">
+            <a:avLst/>
+          </a:prstGeom>
+        </p:spPr>
+      </p:pic>
+    </p:spTree>
+    <p:extLst>
+      <p:ext uri="{BB962C8B-B14F-4D97-AF65-F5344CB8AC3E}">
+        <p14:creationId xmlns:p14="http://schemas.microsoft.com/office/powerpoint/2010/main" val="2428150957"/>
+      </p:ext>
+    </p:extLst>
+  </p:cSld>
+  <p:clrMapOvr>
+    <a:masterClrMapping/>
+  </p:clrMapOvr>
+</p:sld>
+</file>
+
+<file path=ppt/slides/slide4.xml><?xml version="1.0" encoding="utf-8"?>
+<p:sld xmlns:a="http://schemas.openxmlformats.org/drawingml/2006/main" xmlns:r="http://schemas.openxmlformats.org/officeDocument/2006/relationships" xmlns:p="http://schemas.openxmlformats.org/presentationml/2006/main">
+  <p:cSld>
+    <p:spTree>
+      <p:nvGrpSpPr>
+        <p:cNvPr id="1" name=""/>
+        <p:cNvGrpSpPr/>
+        <p:nvPr/>
+      </p:nvGrpSpPr>
+      <p:grpSpPr>
+        <a:xfrm>
+          <a:off x="0" y="0"/>
+          <a:ext cx="0" cy="0"/>
+          <a:chOff x="0" y="0"/>
+          <a:chExt cx="0" cy="0"/>
+        </a:xfrm>
+      </p:grpSpPr>
+      <p:sp>
+        <p:nvSpPr>
+          <p:cNvPr id="2" name="Title 1"/>
+          <p:cNvSpPr>
+            <a:spLocks noGrp="1"/>
+          </p:cNvSpPr>
+          <p:nvPr>
+            <p:ph type="title"/>
+          </p:nvPr>
+        </p:nvSpPr>
+        <p:spPr/>
+        <p:txBody>
+          <a:bodyPr/>
+          <a:lstStyle/>
+          <a:p>
+            <a:pPr algn="ctr"/>
+            <a:r>
+              <a:rPr lang="en-US" dirty="0" smtClean="0"/>
+              <a:t>Game Demo</a:t>
+            </a:r>
+            <a:endParaRPr lang="en-US" dirty="0"/>
+          </a:p>
+        </p:txBody>
+      </p:sp>
+      <p:sp>
+        <p:nvSpPr>
+          <p:cNvPr id="3" name="Content Placeholder 2"/>
+          <p:cNvSpPr>
+            <a:spLocks noGrp="1"/>
+          </p:cNvSpPr>
+          <p:nvPr>
+            <p:ph idx="1"/>
+          </p:nvPr>
+        </p:nvSpPr>
+        <p:spPr/>
+        <p:txBody>
+          <a:bodyPr/>
+          <a:lstStyle/>
+          <a:p>
+            <a:endParaRPr lang="en-US"/>
+          </a:p>
+        </p:txBody>
+      </p:sp>
+    </p:spTree>
+    <p:extLst>
+      <p:ext uri="{BB962C8B-B14F-4D97-AF65-F5344CB8AC3E}">
+        <p14:creationId xmlns:p14="http://schemas.microsoft.com/office/powerpoint/2010/main" val="3777182920"/>
+      </p:ext>
+    </p:extLst>
+  </p:cSld>
+  <p:clrMapOvr>
+    <a:masterClrMapping/>
+  </p:clrMapOvr>
+</p:sld>
+</file>
+
+<file path=ppt/slides/slide5.xml><?xml version="1.0" encoding="utf-8"?>
+<p:sld xmlns:a="http://schemas.openxmlformats.org/drawingml/2006/main" xmlns:r="http://schemas.openxmlformats.org/officeDocument/2006/relationships" xmlns:p="http://schemas.openxmlformats.org/presentationml/2006/main">
+  <p:cSld>
     <p:bg>
       <p:bgPr>
         <a:blipFill dpi="0" rotWithShape="1">
@@ -3789,7 +4443,7 @@
 </p:sld>
 </file>
 
-<file path=ppt/slides/slide4.xml><?xml version="1.0" encoding="utf-8"?>
+<file path=ppt/slides/slide6.xml><?xml version="1.0" encoding="utf-8"?>
 <p:sld xmlns:a="http://schemas.openxmlformats.org/drawingml/2006/main" xmlns:r="http://schemas.openxmlformats.org/officeDocument/2006/relationships" xmlns:p="http://schemas.openxmlformats.org/presentationml/2006/main">
   <p:cSld>
     <p:spTree>
@@ -3854,7 +4508,6 @@
               <a:rPr lang="en-US" dirty="0" smtClean="0"/>
               <a:t>Player Sound Effects</a:t>
             </a:r>
-            <a:endParaRPr lang="en-US" dirty="0" smtClean="0"/>
           </a:p>
           <a:p>
             <a:pPr marL="971550" lvl="1" indent="-514350">
@@ -3875,7 +4528,6 @@
               <a:rPr lang="en-US" dirty="0" smtClean="0"/>
               <a:t>Explosion Sound Effect</a:t>
             </a:r>
-            <a:endParaRPr lang="en-US" dirty="0" smtClean="0"/>
           </a:p>
         </p:txBody>
       </p:sp>
@@ -3929,7 +4581,6 @@
               <a:rPr lang="en-US" dirty="0" smtClean="0"/>
               <a:t>Death Sounds</a:t>
             </a:r>
-            <a:endParaRPr lang="en-US" dirty="0" smtClean="0"/>
           </a:p>
           <a:p>
             <a:pPr marL="971550" lvl="1" indent="-514350">
@@ -3997,7 +4648,7 @@
 </p:sld>
 </file>
 
-<file path=ppt/slides/slide5.xml><?xml version="1.0" encoding="utf-8"?>
+<file path=ppt/slides/slide7.xml><?xml version="1.0" encoding="utf-8"?>
 <p:sld xmlns:a="http://schemas.openxmlformats.org/drawingml/2006/main" xmlns:r="http://schemas.openxmlformats.org/officeDocument/2006/relationships" xmlns:p="http://schemas.openxmlformats.org/presentationml/2006/main">
   <p:cSld>
     <p:spTree>
@@ -4080,7 +4731,7 @@
 </p:sld>
 </file>
 
-<file path=ppt/slides/slide6.xml><?xml version="1.0" encoding="utf-8"?>
+<file path=ppt/slides/slide8.xml><?xml version="1.0" encoding="utf-8"?>
 <p:sld xmlns:a="http://schemas.openxmlformats.org/drawingml/2006/main" xmlns:r="http://schemas.openxmlformats.org/officeDocument/2006/relationships" xmlns:p="http://schemas.openxmlformats.org/presentationml/2006/main">
   <p:cSld>
     <p:spTree>
@@ -4218,7 +4869,6 @@
               <a:rPr lang="en-US" dirty="0" smtClean="0"/>
               <a:t>Area 2 Tiles</a:t>
             </a:r>
-            <a:endParaRPr lang="en-US" dirty="0" smtClean="0"/>
           </a:p>
           <a:p>
             <a:pPr marL="0" indent="0">
@@ -4333,7 +4983,7 @@
 </p:sld>
 </file>
 
-<file path=ppt/slides/slide7.xml><?xml version="1.0" encoding="utf-8"?>
+<file path=ppt/slides/slide9.xml><?xml version="1.0" encoding="utf-8"?>
 <p:sld xmlns:a="http://schemas.openxmlformats.org/drawingml/2006/main" xmlns:r="http://schemas.openxmlformats.org/officeDocument/2006/relationships" xmlns:p="http://schemas.openxmlformats.org/presentationml/2006/main">
   <p:cSld>
     <p:spTree>
@@ -4426,416 +5076,6 @@
     <p:extLst>
       <p:ext uri="{BB962C8B-B14F-4D97-AF65-F5344CB8AC3E}">
         <p14:creationId xmlns:p14="http://schemas.microsoft.com/office/powerpoint/2010/main" val="2561429922"/>
-      </p:ext>
-    </p:extLst>
-  </p:cSld>
-  <p:clrMapOvr>
-    <a:masterClrMapping/>
-  </p:clrMapOvr>
-</p:sld>
-</file>
-
-<file path=ppt/slides/slide8.xml><?xml version="1.0" encoding="utf-8"?>
-<p:sld xmlns:a="http://schemas.openxmlformats.org/drawingml/2006/main" xmlns:r="http://schemas.openxmlformats.org/officeDocument/2006/relationships" xmlns:p="http://schemas.openxmlformats.org/presentationml/2006/main">
-  <p:cSld>
-    <p:spTree>
-      <p:nvGrpSpPr>
-        <p:cNvPr id="1" name=""/>
-        <p:cNvGrpSpPr/>
-        <p:nvPr/>
-      </p:nvGrpSpPr>
-      <p:grpSpPr>
-        <a:xfrm>
-          <a:off x="0" y="0"/>
-          <a:ext cx="0" cy="0"/>
-          <a:chOff x="0" y="0"/>
-          <a:chExt cx="0" cy="0"/>
-        </a:xfrm>
-      </p:grpSpPr>
-      <p:sp>
-        <p:nvSpPr>
-          <p:cNvPr id="5" name="Title 4"/>
-          <p:cNvSpPr>
-            <a:spLocks noGrp="1"/>
-          </p:cNvSpPr>
-          <p:nvPr>
-            <p:ph type="title"/>
-          </p:nvPr>
-        </p:nvSpPr>
-        <p:spPr/>
-        <p:txBody>
-          <a:bodyPr/>
-          <a:lstStyle/>
-          <a:p>
-            <a:r>
-              <a:rPr lang="en-US" dirty="0" smtClean="0"/>
-              <a:t>Beta Game Content Target</a:t>
-            </a:r>
-            <a:endParaRPr lang="en-US" dirty="0"/>
-          </a:p>
-        </p:txBody>
-      </p:sp>
-      <p:sp>
-        <p:nvSpPr>
-          <p:cNvPr id="6" name="Content Placeholder 5"/>
-          <p:cNvSpPr>
-            <a:spLocks noGrp="1"/>
-          </p:cNvSpPr>
-          <p:nvPr>
-            <p:ph sz="half" idx="1"/>
-          </p:nvPr>
-        </p:nvSpPr>
-        <p:spPr/>
-        <p:txBody>
-          <a:bodyPr>
-            <a:normAutofit/>
-          </a:bodyPr>
-          <a:lstStyle/>
-          <a:p>
-            <a:pPr marL="0" indent="0">
-              <a:buNone/>
-            </a:pPr>
-            <a:r>
-              <a:rPr lang="en-US" dirty="0"/>
-              <a:t>E</a:t>
-            </a:r>
-            <a:r>
-              <a:rPr lang="en-US" dirty="0" smtClean="0"/>
-              <a:t>nemies:</a:t>
-            </a:r>
-          </a:p>
-          <a:p>
-            <a:pPr marL="971550" lvl="1" indent="-514350">
-              <a:buFont typeface="+mj-lt"/>
-              <a:buAutoNum type="arabicPeriod"/>
-            </a:pPr>
-            <a:r>
-              <a:rPr lang="en-US" dirty="0" smtClean="0"/>
-              <a:t>Area 3 Enemies</a:t>
-            </a:r>
-          </a:p>
-          <a:p>
-            <a:pPr marL="971550" lvl="1" indent="-514350">
-              <a:buFont typeface="+mj-lt"/>
-              <a:buAutoNum type="arabicPeriod"/>
-            </a:pPr>
-            <a:r>
-              <a:rPr lang="en-US" dirty="0" smtClean="0"/>
-              <a:t>Area 2 Boss</a:t>
-            </a:r>
-          </a:p>
-          <a:p>
-            <a:pPr marL="971550" lvl="1" indent="-514350">
-              <a:buFont typeface="+mj-lt"/>
-              <a:buAutoNum type="arabicPeriod"/>
-            </a:pPr>
-            <a:r>
-              <a:rPr lang="en-US" dirty="0" smtClean="0"/>
-              <a:t>Area 3 Boss</a:t>
-            </a:r>
-          </a:p>
-          <a:p>
-            <a:pPr marL="971550" lvl="1" indent="-514350">
-              <a:buFont typeface="+mj-lt"/>
-              <a:buAutoNum type="arabicPeriod"/>
-            </a:pPr>
-            <a:r>
-              <a:rPr lang="en-US" dirty="0" smtClean="0"/>
-              <a:t>Final Boss</a:t>
-            </a:r>
-          </a:p>
-        </p:txBody>
-      </p:sp>
-      <p:sp>
-        <p:nvSpPr>
-          <p:cNvPr id="7" name="Content Placeholder 6"/>
-          <p:cNvSpPr>
-            <a:spLocks noGrp="1"/>
-          </p:cNvSpPr>
-          <p:nvPr>
-            <p:ph sz="half" idx="2"/>
-          </p:nvPr>
-        </p:nvSpPr>
-        <p:spPr/>
-        <p:txBody>
-          <a:bodyPr>
-            <a:normAutofit/>
-          </a:bodyPr>
-          <a:lstStyle/>
-          <a:p>
-            <a:pPr marL="0" indent="0">
-              <a:buNone/>
-            </a:pPr>
-            <a:r>
-              <a:rPr lang="en-US" dirty="0" smtClean="0"/>
-              <a:t>Player </a:t>
-            </a:r>
-            <a:r>
-              <a:rPr lang="en-US" dirty="0"/>
-              <a:t>Spells:</a:t>
-            </a:r>
-          </a:p>
-          <a:p>
-            <a:pPr marL="971550" lvl="1" indent="-514350">
-              <a:buFont typeface="+mj-lt"/>
-              <a:buAutoNum type="arabicPeriod"/>
-            </a:pPr>
-            <a:r>
-              <a:rPr lang="en-US" dirty="0"/>
-              <a:t>Arc Lightning</a:t>
-            </a:r>
-          </a:p>
-          <a:p>
-            <a:pPr marL="971550" lvl="1" indent="-514350">
-              <a:buFont typeface="+mj-lt"/>
-              <a:buAutoNum type="arabicPeriod"/>
-            </a:pPr>
-            <a:r>
-              <a:rPr lang="en-US" dirty="0"/>
-              <a:t>Acid Pool</a:t>
-            </a:r>
-          </a:p>
-          <a:p>
-            <a:pPr marL="971550" lvl="1" indent="-514350">
-              <a:buFont typeface="+mj-lt"/>
-              <a:buAutoNum type="arabicPeriod"/>
-            </a:pPr>
-            <a:r>
-              <a:rPr lang="en-US" dirty="0"/>
-              <a:t>Ring of Fire</a:t>
-            </a:r>
-          </a:p>
-          <a:p>
-            <a:pPr marL="971550" lvl="1" indent="-514350">
-              <a:buFont typeface="+mj-lt"/>
-              <a:buAutoNum type="arabicPeriod"/>
-            </a:pPr>
-            <a:r>
-              <a:rPr lang="en-US" dirty="0"/>
-              <a:t>Dragon Scale </a:t>
-            </a:r>
-            <a:r>
-              <a:rPr lang="en-US" dirty="0" smtClean="0"/>
-              <a:t>Stream</a:t>
-            </a:r>
-          </a:p>
-          <a:p>
-            <a:pPr marL="971550" lvl="1" indent="-514350">
-              <a:buFont typeface="+mj-lt"/>
-              <a:buAutoNum type="arabicPeriod"/>
-            </a:pPr>
-            <a:r>
-              <a:rPr lang="en-US" dirty="0" smtClean="0"/>
-              <a:t>Water Stream</a:t>
-            </a:r>
-            <a:endParaRPr lang="en-US" dirty="0"/>
-          </a:p>
-          <a:p>
-            <a:pPr marL="0" indent="0">
-              <a:buNone/>
-            </a:pPr>
-            <a:endParaRPr lang="en-US" dirty="0"/>
-          </a:p>
-        </p:txBody>
-      </p:sp>
-      <p:pic>
-        <p:nvPicPr>
-          <p:cNvPr id="8" name="Picture 7"/>
-          <p:cNvPicPr>
-            <a:picLocks noChangeAspect="1"/>
-          </p:cNvPicPr>
-          <p:nvPr/>
-        </p:nvPicPr>
-        <p:blipFill>
-          <a:blip r:embed="rId2" cstate="print">
-            <a:extLst>
-              <a:ext uri="{28A0092B-C50C-407E-A947-70E740481C1C}">
-                <a14:useLocalDpi xmlns:a14="http://schemas.microsoft.com/office/drawing/2010/main" val="0"/>
-              </a:ext>
-            </a:extLst>
-          </a:blip>
-          <a:stretch>
-            <a:fillRect/>
-          </a:stretch>
-        </p:blipFill>
-        <p:spPr>
-          <a:xfrm>
-            <a:off x="11126825" y="-1"/>
-            <a:ext cx="1065175" cy="612475"/>
-          </a:xfrm>
-          <a:prstGeom prst="rect">
-            <a:avLst/>
-          </a:prstGeom>
-        </p:spPr>
-      </p:pic>
-    </p:spTree>
-    <p:extLst>
-      <p:ext uri="{BB962C8B-B14F-4D97-AF65-F5344CB8AC3E}">
-        <p14:creationId xmlns:p14="http://schemas.microsoft.com/office/powerpoint/2010/main" val="2765259884"/>
-      </p:ext>
-    </p:extLst>
-  </p:cSld>
-  <p:clrMapOvr>
-    <a:masterClrMapping/>
-  </p:clrMapOvr>
-</p:sld>
-</file>
-
-<file path=ppt/slides/slide9.xml><?xml version="1.0" encoding="utf-8"?>
-<p:sld xmlns:a="http://schemas.openxmlformats.org/drawingml/2006/main" xmlns:r="http://schemas.openxmlformats.org/officeDocument/2006/relationships" xmlns:p="http://schemas.openxmlformats.org/presentationml/2006/main">
-  <p:cSld>
-    <p:spTree>
-      <p:nvGrpSpPr>
-        <p:cNvPr id="1" name=""/>
-        <p:cNvGrpSpPr/>
-        <p:nvPr/>
-      </p:nvGrpSpPr>
-      <p:grpSpPr>
-        <a:xfrm>
-          <a:off x="0" y="0"/>
-          <a:ext cx="0" cy="0"/>
-          <a:chOff x="0" y="0"/>
-          <a:chExt cx="0" cy="0"/>
-        </a:xfrm>
-      </p:grpSpPr>
-      <p:sp>
-        <p:nvSpPr>
-          <p:cNvPr id="2" name="Title 1"/>
-          <p:cNvSpPr>
-            <a:spLocks noGrp="1"/>
-          </p:cNvSpPr>
-          <p:nvPr>
-            <p:ph type="title"/>
-          </p:nvPr>
-        </p:nvSpPr>
-        <p:spPr/>
-        <p:txBody>
-          <a:bodyPr/>
-          <a:lstStyle/>
-          <a:p>
-            <a:r>
-              <a:rPr lang="en-US" dirty="0" smtClean="0"/>
-              <a:t>Beta Art Content Target</a:t>
-            </a:r>
-            <a:endParaRPr lang="en-US" dirty="0"/>
-          </a:p>
-        </p:txBody>
-      </p:sp>
-      <p:sp>
-        <p:nvSpPr>
-          <p:cNvPr id="3" name="Content Placeholder 2"/>
-          <p:cNvSpPr>
-            <a:spLocks noGrp="1"/>
-          </p:cNvSpPr>
-          <p:nvPr>
-            <p:ph sz="half" idx="1"/>
-          </p:nvPr>
-        </p:nvSpPr>
-        <p:spPr/>
-        <p:txBody>
-          <a:bodyPr/>
-          <a:lstStyle/>
-          <a:p>
-            <a:pPr marL="514350" indent="-514350">
-              <a:buFont typeface="+mj-lt"/>
-              <a:buAutoNum type="arabicPeriod"/>
-            </a:pPr>
-            <a:r>
-              <a:rPr lang="en-US" dirty="0" smtClean="0"/>
-              <a:t>Enemy Attack Animations</a:t>
-            </a:r>
-          </a:p>
-          <a:p>
-            <a:pPr marL="514350" indent="-514350">
-              <a:buFont typeface="+mj-lt"/>
-              <a:buAutoNum type="arabicPeriod"/>
-            </a:pPr>
-            <a:r>
-              <a:rPr lang="en-US" dirty="0" smtClean="0"/>
-              <a:t>Enemy Movement Animations</a:t>
-            </a:r>
-            <a:endParaRPr lang="en-US" dirty="0"/>
-          </a:p>
-        </p:txBody>
-      </p:sp>
-      <p:sp>
-        <p:nvSpPr>
-          <p:cNvPr id="4" name="Content Placeholder 3"/>
-          <p:cNvSpPr>
-            <a:spLocks noGrp="1"/>
-          </p:cNvSpPr>
-          <p:nvPr>
-            <p:ph sz="half" idx="2"/>
-          </p:nvPr>
-        </p:nvSpPr>
-        <p:spPr/>
-        <p:txBody>
-          <a:bodyPr/>
-          <a:lstStyle/>
-          <a:p>
-            <a:pPr marL="0" indent="0">
-              <a:buNone/>
-            </a:pPr>
-            <a:r>
-              <a:rPr lang="en-US" dirty="0" smtClean="0"/>
-              <a:t>3.   Player Spell Animations</a:t>
-            </a:r>
-          </a:p>
-          <a:p>
-            <a:pPr marL="0" indent="0">
-              <a:buNone/>
-            </a:pPr>
-            <a:r>
-              <a:rPr lang="en-US" dirty="0" smtClean="0"/>
-              <a:t>4.   Boss Attack Animations</a:t>
-            </a:r>
-          </a:p>
-          <a:p>
-            <a:pPr marL="0" indent="0">
-              <a:buNone/>
-            </a:pPr>
-            <a:r>
-              <a:rPr lang="en-US" dirty="0" smtClean="0"/>
-              <a:t>5.   Boss Movement Animations</a:t>
-            </a:r>
-            <a:endParaRPr lang="en-US" dirty="0"/>
-          </a:p>
-        </p:txBody>
-      </p:sp>
-      <p:pic>
-        <p:nvPicPr>
-          <p:cNvPr id="5" name="Picture 4"/>
-          <p:cNvPicPr>
-            <a:picLocks noChangeAspect="1"/>
-          </p:cNvPicPr>
-          <p:nvPr/>
-        </p:nvPicPr>
-        <p:blipFill>
-          <a:blip r:embed="rId2" cstate="print">
-            <a:extLst>
-              <a:ext uri="{28A0092B-C50C-407E-A947-70E740481C1C}">
-                <a14:useLocalDpi xmlns:a14="http://schemas.microsoft.com/office/drawing/2010/main" val="0"/>
-              </a:ext>
-            </a:extLst>
-          </a:blip>
-          <a:stretch>
-            <a:fillRect/>
-          </a:stretch>
-        </p:blipFill>
-        <p:spPr>
-          <a:xfrm>
-            <a:off x="11126825" y="-1"/>
-            <a:ext cx="1065175" cy="612475"/>
-          </a:xfrm>
-          <a:prstGeom prst="rect">
-            <a:avLst/>
-          </a:prstGeom>
-        </p:spPr>
-      </p:pic>
-    </p:spTree>
-    <p:extLst>
-      <p:ext uri="{BB962C8B-B14F-4D97-AF65-F5344CB8AC3E}">
-        <p14:creationId xmlns:p14="http://schemas.microsoft.com/office/powerpoint/2010/main" val="1682894602"/>
       </p:ext>
     </p:extLst>
   </p:cSld>
@@ -5100,7 +5340,7 @@
   <a:extraClrSchemeLst/>
   <a:extLst>
     <a:ext uri="{05A4C25C-085E-4340-85A3-A5531E510DB2}">
-      <thm15:themeFamily xmlns:thm15="http://schemas.microsoft.com/office/thememl/2012/main" name="Office Theme" id="{62F939B6-93AF-4DB8-9C6B-D6C7DFDC589F}" vid="{4A3C46E8-61CC-4603-A589-7422A47A8E4A}"/>
+      <thm15:themeFamily xmlns:thm15="http://schemas.microsoft.com/office/thememl/2012/main" xmlns="" name="Office Theme" id="{62F939B6-93AF-4DB8-9C6B-D6C7DFDC589F}" vid="{4A3C46E8-61CC-4603-A589-7422A47A8E4A}"/>
     </a:ext>
   </a:extLst>
 </a:theme>

--- a/Documentation/PresentationAlpha.pptx
+++ b/Documentation/PresentationAlpha.pptx
@@ -117,7 +117,7 @@
   </p:defaultTextStyle>
   <p:extLst>
     <p:ext uri="{EFAFB233-063F-42B5-8137-9DF3F51BA10A}">
-      <p15:sldGuideLst xmlns:p15="http://schemas.microsoft.com/office/powerpoint/2012/main" xmlns="">
+      <p15:sldGuideLst xmlns="" xmlns:p15="http://schemas.microsoft.com/office/powerpoint/2012/main">
         <p15:guide id="1" orient="horz" pos="2160">
           <p15:clr>
             <a:srgbClr val="A4A3A4"/>
@@ -2985,10 +2985,7 @@
           <a:bodyPr/>
           <a:lstStyle/>
           <a:p>
-            <a:r>
-              <a:rPr lang="en-US" dirty="0"/>
-              <a:t>Wand Man</a:t>
-            </a:r>
+            <a:endParaRPr lang="en-US" dirty="0"/>
           </a:p>
         </p:txBody>
       </p:sp>
@@ -3008,9 +3005,34 @@
           <a:lstStyle/>
           <a:p>
             <a:r>
-              <a:rPr lang="en-US" dirty="0"/>
-              <a:t>By MagiDev</a:t>
-            </a:r>
+              <a:rPr lang="en-US" dirty="0" smtClean="0"/>
+              <a:t>By Team </a:t>
+            </a:r>
+            <a:r>
+              <a:rPr lang="en-US" dirty="0" err="1" smtClean="0">
+                <a:solidFill>
+                  <a:srgbClr val="FF0000"/>
+                </a:solidFill>
+              </a:rPr>
+              <a:t>Magi</a:t>
+            </a:r>
+            <a:r>
+              <a:rPr lang="en-US" dirty="0" err="1" smtClean="0">
+                <a:solidFill>
+                  <a:schemeClr val="bg2">
+                    <a:lumMod val="50000"/>
+                  </a:schemeClr>
+                </a:solidFill>
+              </a:rPr>
+              <a:t>Dev</a:t>
+            </a:r>
+            <a:endParaRPr lang="en-US" dirty="0">
+              <a:solidFill>
+                <a:schemeClr val="bg2">
+                  <a:lumMod val="50000"/>
+                </a:schemeClr>
+              </a:solidFill>
+            </a:endParaRPr>
           </a:p>
         </p:txBody>
       </p:sp>
@@ -3044,6 +3066,48 @@
           </a:prstGeom>
         </p:spPr>
       </p:pic>
+      <p:pic>
+        <p:nvPicPr>
+          <p:cNvPr id="5" name="Picture 4"/>
+          <p:cNvPicPr>
+            <a:picLocks noChangeAspect="1"/>
+          </p:cNvPicPr>
+          <p:nvPr/>
+        </p:nvPicPr>
+        <p:blipFill>
+          <a:blip r:embed="rId3">
+            <a:extLst>
+              <a:ext uri="{BEBA8EAE-BF5A-486C-A8C5-ECC9F3942E4B}">
+                <a14:imgProps xmlns:a14="http://schemas.microsoft.com/office/drawing/2010/main">
+                  <a14:imgLayer r:embed="rId4">
+                    <a14:imgEffect>
+                      <a14:sharpenSoften amount="50000"/>
+                    </a14:imgEffect>
+                    <a14:imgEffect>
+                      <a14:brightnessContrast contrast="-20000"/>
+                    </a14:imgEffect>
+                  </a14:imgLayer>
+                </a14:imgProps>
+              </a:ext>
+              <a:ext uri="{28A0092B-C50C-407E-A947-70E740481C1C}">
+                <a14:useLocalDpi xmlns:a14="http://schemas.microsoft.com/office/drawing/2010/main" val="0"/>
+              </a:ext>
+            </a:extLst>
+          </a:blip>
+          <a:stretch>
+            <a:fillRect/>
+          </a:stretch>
+        </p:blipFill>
+        <p:spPr>
+          <a:xfrm>
+            <a:off x="3567855" y="-96785"/>
+            <a:ext cx="4882328" cy="4882328"/>
+          </a:xfrm>
+          <a:prstGeom prst="rect">
+            <a:avLst/>
+          </a:prstGeom>
+        </p:spPr>
+      </p:pic>
     </p:spTree>
     <p:extLst>
       <p:ext uri="{BB962C8B-B14F-4D97-AF65-F5344CB8AC3E}">
@@ -3054,6 +3118,13 @@
   <p:clrMapOvr>
     <a:masterClrMapping/>
   </p:clrMapOvr>
+  <p:timing>
+    <p:tnLst>
+      <p:par>
+        <p:cTn id="1" dur="indefinite" restart="never" nodeType="tmRoot"/>
+      </p:par>
+    </p:tnLst>
+  </p:timing>
 </p:sld>
 </file>
 
@@ -3118,11 +3189,23 @@
               <a:buNone/>
             </a:pPr>
             <a:r>
-              <a:rPr lang="en-US" dirty="0"/>
+              <a:rPr lang="en-US" dirty="0">
+                <a:solidFill>
+                  <a:schemeClr val="accent2">
+                    <a:lumMod val="50000"/>
+                  </a:schemeClr>
+                </a:solidFill>
+              </a:rPr>
               <a:t>E</a:t>
             </a:r>
             <a:r>
-              <a:rPr lang="en-US" dirty="0" smtClean="0"/>
+              <a:rPr lang="en-US" dirty="0" smtClean="0">
+                <a:solidFill>
+                  <a:schemeClr val="accent2">
+                    <a:lumMod val="50000"/>
+                  </a:schemeClr>
+                </a:solidFill>
+              </a:rPr>
               <a:t>nemies:</a:t>
             </a:r>
           </a:p>
@@ -3189,11 +3272,23 @@
               <a:buNone/>
             </a:pPr>
             <a:r>
-              <a:rPr lang="en-US" dirty="0" smtClean="0"/>
+              <a:rPr lang="en-US" dirty="0" smtClean="0">
+                <a:solidFill>
+                  <a:schemeClr val="accent6">
+                    <a:lumMod val="50000"/>
+                  </a:schemeClr>
+                </a:solidFill>
+              </a:rPr>
               <a:t>Player </a:t>
             </a:r>
             <a:r>
-              <a:rPr lang="en-US" dirty="0"/>
+              <a:rPr lang="en-US" dirty="0">
+                <a:solidFill>
+                  <a:schemeClr val="accent6">
+                    <a:lumMod val="50000"/>
+                  </a:schemeClr>
+                </a:solidFill>
+              </a:rPr>
               <a:t>Spells:</a:t>
             </a:r>
           </a:p>
@@ -3248,7 +3343,31 @@
             </a:pPr>
             <a:r>
               <a:rPr lang="en-US" dirty="0" smtClean="0"/>
-              <a:t>Water Stream</a:t>
+              <a:t>Water </a:t>
+            </a:r>
+            <a:r>
+              <a:rPr lang="en-US" dirty="0" smtClean="0"/>
+              <a:t>Stream</a:t>
+            </a:r>
+          </a:p>
+          <a:p>
+            <a:pPr marL="971550" lvl="1" indent="-514350">
+              <a:buFont typeface="+mj-lt"/>
+              <a:buAutoNum type="arabicPeriod"/>
+            </a:pPr>
+            <a:r>
+              <a:rPr lang="en-US" dirty="0" smtClean="0"/>
+              <a:t>Rainbow Shot</a:t>
+            </a:r>
+          </a:p>
+          <a:p>
+            <a:pPr marL="971550" lvl="1" indent="-514350">
+              <a:buFont typeface="+mj-lt"/>
+              <a:buAutoNum type="arabicPeriod"/>
+            </a:pPr>
+            <a:r>
+              <a:rPr lang="en-US" dirty="0" smtClean="0"/>
+              <a:t>Bone Shot</a:t>
             </a:r>
             <a:endParaRPr lang="en-US" dirty="0"/>
           </a:p>
@@ -3363,7 +3482,13 @@
               <a:buAutoNum type="arabicPeriod"/>
             </a:pPr>
             <a:r>
-              <a:rPr lang="en-US" dirty="0" smtClean="0"/>
+              <a:rPr lang="en-US" dirty="0" smtClean="0">
+                <a:solidFill>
+                  <a:schemeClr val="accent2">
+                    <a:lumMod val="50000"/>
+                  </a:schemeClr>
+                </a:solidFill>
+              </a:rPr>
               <a:t>Enemy Attack Animations</a:t>
             </a:r>
           </a:p>
@@ -3373,10 +3498,22 @@
               <a:buAutoNum type="arabicPeriod"/>
             </a:pPr>
             <a:r>
-              <a:rPr lang="en-US" dirty="0" smtClean="0"/>
+              <a:rPr lang="en-US" dirty="0" smtClean="0">
+                <a:solidFill>
+                  <a:schemeClr val="accent2">
+                    <a:lumMod val="50000"/>
+                  </a:schemeClr>
+                </a:solidFill>
+              </a:rPr>
               <a:t>Enemy Movement Animations</a:t>
             </a:r>
-            <a:endParaRPr lang="en-US" dirty="0"/>
+            <a:endParaRPr lang="en-US" dirty="0">
+              <a:solidFill>
+                <a:schemeClr val="accent2">
+                  <a:lumMod val="50000"/>
+                </a:schemeClr>
+              </a:solidFill>
+            </a:endParaRPr>
           </a:p>
         </p:txBody>
       </p:sp>
@@ -3399,7 +3536,13 @@
               <a:buNone/>
             </a:pPr>
             <a:r>
-              <a:rPr lang="en-US" dirty="0" smtClean="0"/>
+              <a:rPr lang="en-US" dirty="0" smtClean="0">
+                <a:solidFill>
+                  <a:schemeClr val="accent1">
+                    <a:lumMod val="50000"/>
+                  </a:schemeClr>
+                </a:solidFill>
+              </a:rPr>
               <a:t>3.   Player Spell Animations</a:t>
             </a:r>
           </a:p>
@@ -3408,7 +3551,11 @@
               <a:buNone/>
             </a:pPr>
             <a:r>
-              <a:rPr lang="en-US" dirty="0" smtClean="0"/>
+              <a:rPr lang="en-US" dirty="0" smtClean="0">
+                <a:solidFill>
+                  <a:srgbClr val="C00000"/>
+                </a:solidFill>
+              </a:rPr>
               <a:t>4.   Boss Attack Animations</a:t>
             </a:r>
           </a:p>
@@ -3417,10 +3564,18 @@
               <a:buNone/>
             </a:pPr>
             <a:r>
-              <a:rPr lang="en-US" dirty="0" smtClean="0"/>
+              <a:rPr lang="en-US" dirty="0" smtClean="0">
+                <a:solidFill>
+                  <a:srgbClr val="C00000"/>
+                </a:solidFill>
+              </a:rPr>
               <a:t>5.   Boss Movement Animations</a:t>
             </a:r>
-            <a:endParaRPr lang="en-US" dirty="0"/>
+            <a:endParaRPr lang="en-US" dirty="0">
+              <a:solidFill>
+                <a:srgbClr val="C00000"/>
+              </a:solidFill>
+            </a:endParaRPr>
           </a:p>
         </p:txBody>
       </p:sp>
@@ -3528,7 +3683,13 @@
               <a:buNone/>
             </a:pPr>
             <a:r>
-              <a:rPr lang="en-US" dirty="0" smtClean="0"/>
+              <a:rPr lang="en-US" dirty="0" smtClean="0">
+                <a:solidFill>
+                  <a:schemeClr val="accent5">
+                    <a:lumMod val="50000"/>
+                  </a:schemeClr>
+                </a:solidFill>
+              </a:rPr>
               <a:t>Movement And Hurt Sound Effects</a:t>
             </a:r>
           </a:p>
@@ -3607,7 +3768,13 @@
               <a:buNone/>
             </a:pPr>
             <a:r>
-              <a:rPr lang="en-US" dirty="0" smtClean="0"/>
+              <a:rPr lang="en-US" dirty="0" smtClean="0">
+                <a:solidFill>
+                  <a:schemeClr val="accent2">
+                    <a:lumMod val="75000"/>
+                  </a:schemeClr>
+                </a:solidFill>
+              </a:rPr>
               <a:t>Attack Sound Effects</a:t>
             </a:r>
           </a:p>
@@ -3715,10 +3882,30 @@
               <a:t>Team </a:t>
             </a:r>
             <a:r>
-              <a:rPr lang="en-US" dirty="0" err="1" smtClean="0"/>
-              <a:t>MagiDev</a:t>
-            </a:r>
-            <a:endParaRPr lang="en-US" dirty="0"/>
+              <a:rPr lang="en-US" dirty="0" err="1" smtClean="0">
+                <a:solidFill>
+                  <a:srgbClr val="FF0000"/>
+                </a:solidFill>
+              </a:rPr>
+              <a:t>Magi</a:t>
+            </a:r>
+            <a:r>
+              <a:rPr lang="en-US" dirty="0" err="1" smtClean="0">
+                <a:solidFill>
+                  <a:schemeClr val="bg2">
+                    <a:lumMod val="50000"/>
+                  </a:schemeClr>
+                </a:solidFill>
+              </a:rPr>
+              <a:t>Dev</a:t>
+            </a:r>
+            <a:endParaRPr lang="en-US" dirty="0">
+              <a:solidFill>
+                <a:schemeClr val="bg2">
+                  <a:lumMod val="50000"/>
+                </a:schemeClr>
+              </a:solidFill>
+            </a:endParaRPr>
           </a:p>
         </p:txBody>
       </p:sp>
@@ -3818,6 +4005,13 @@
   <p:clrMapOvr>
     <a:masterClrMapping/>
   </p:clrMapOvr>
+  <p:timing>
+    <p:tnLst>
+      <p:par>
+        <p:cTn id="1" dur="indefinite" restart="never" nodeType="tmRoot"/>
+      </p:par>
+    </p:tnLst>
+  </p:timing>
 </p:sld>
 </file>
 
@@ -3987,6 +4181,13 @@
   <p:clrMapOvr>
     <a:masterClrMapping/>
   </p:clrMapOvr>
+  <p:timing>
+    <p:tnLst>
+      <p:par>
+        <p:cTn id="1" dur="indefinite" restart="never" nodeType="tmRoot"/>
+      </p:par>
+    </p:tnLst>
+  </p:timing>
 </p:sld>
 </file>
 
@@ -4019,15 +4220,29 @@
         </p:nvSpPr>
         <p:spPr/>
         <p:txBody>
-          <a:bodyPr/>
+          <a:bodyPr>
+            <a:normAutofit/>
+          </a:bodyPr>
           <a:lstStyle/>
           <a:p>
             <a:pPr algn="ctr"/>
             <a:r>
-              <a:rPr lang="en-US" dirty="0" smtClean="0"/>
+              <a:rPr lang="en-US" sz="6000" dirty="0" smtClean="0">
+                <a:solidFill>
+                  <a:schemeClr val="accent6">
+                    <a:lumMod val="50000"/>
+                  </a:schemeClr>
+                </a:solidFill>
+              </a:rPr>
               <a:t>Game Demo</a:t>
             </a:r>
-            <a:endParaRPr lang="en-US" dirty="0"/>
+            <a:endParaRPr lang="en-US" sz="6000" dirty="0">
+              <a:solidFill>
+                <a:schemeClr val="accent6">
+                  <a:lumMod val="50000"/>
+                </a:schemeClr>
+              </a:solidFill>
+            </a:endParaRPr>
           </a:p>
         </p:txBody>
       </p:sp>
@@ -4046,7 +4261,7 @@
           <a:bodyPr/>
           <a:lstStyle/>
           <a:p>
-            <a:endParaRPr lang="en-US"/>
+            <a:endParaRPr lang="en-US" dirty="0"/>
           </a:p>
         </p:txBody>
       </p:sp>
@@ -4060,6 +4275,13 @@
   <p:clrMapOvr>
     <a:masterClrMapping/>
   </p:clrMapOvr>
+  <p:timing>
+    <p:tnLst>
+      <p:par>
+        <p:cTn id="1" dur="indefinite" restart="never" nodeType="tmRoot"/>
+      </p:par>
+    </p:tnLst>
+  </p:timing>
 </p:sld>
 </file>
 
@@ -4505,7 +4727,13 @@
               <a:buAutoNum type="arabicPeriod"/>
             </a:pPr>
             <a:r>
-              <a:rPr lang="en-US" dirty="0" smtClean="0"/>
+              <a:rPr lang="en-US" dirty="0" smtClean="0">
+                <a:solidFill>
+                  <a:schemeClr val="accent1">
+                    <a:lumMod val="50000"/>
+                  </a:schemeClr>
+                </a:solidFill>
+              </a:rPr>
               <a:t>Player Sound Effects</a:t>
             </a:r>
           </a:p>
@@ -4558,7 +4786,13 @@
               <a:buAutoNum type="arabicPeriod"/>
             </a:pPr>
             <a:r>
-              <a:rPr lang="en-US" dirty="0" smtClean="0"/>
+              <a:rPr lang="en-US" dirty="0" smtClean="0">
+                <a:solidFill>
+                  <a:schemeClr val="accent2">
+                    <a:lumMod val="50000"/>
+                  </a:schemeClr>
+                </a:solidFill>
+              </a:rPr>
               <a:t>Enemy Sound Effects</a:t>
             </a:r>
           </a:p>
@@ -4680,6 +4914,7 @@
           <a:bodyPr/>
           <a:lstStyle/>
           <a:p>
+            <a:pPr algn="ctr"/>
             <a:r>
               <a:rPr lang="en-US" dirty="0" smtClean="0"/>
               <a:t>Sound Effect Showcase</a:t>
@@ -4799,7 +5034,13 @@
               <a:buAutoNum type="arabicPeriod"/>
             </a:pPr>
             <a:r>
-              <a:rPr lang="en-US" dirty="0" smtClean="0"/>
+              <a:rPr lang="en-US" dirty="0" smtClean="0">
+                <a:solidFill>
+                  <a:schemeClr val="accent1">
+                    <a:lumMod val="50000"/>
+                  </a:schemeClr>
+                </a:solidFill>
+              </a:rPr>
               <a:t>Player Assets</a:t>
             </a:r>
           </a:p>
@@ -4846,7 +5087,13 @@
               <a:buAutoNum type="arabicPeriod"/>
             </a:pPr>
             <a:r>
-              <a:rPr lang="en-US" dirty="0" smtClean="0"/>
+              <a:rPr lang="en-US" dirty="0" smtClean="0">
+                <a:solidFill>
+                  <a:schemeClr val="accent4">
+                    <a:lumMod val="50000"/>
+                  </a:schemeClr>
+                </a:solidFill>
+              </a:rPr>
               <a:t>Map Assets</a:t>
             </a:r>
           </a:p>
@@ -4900,7 +5147,13 @@
               <a:buAutoNum type="arabicPeriod"/>
             </a:pPr>
             <a:r>
-              <a:rPr lang="en-US" dirty="0" smtClean="0"/>
+              <a:rPr lang="en-US" dirty="0" smtClean="0">
+                <a:solidFill>
+                  <a:schemeClr val="accent2">
+                    <a:lumMod val="50000"/>
+                  </a:schemeClr>
+                </a:solidFill>
+              </a:rPr>
               <a:t>Enemy Assets</a:t>
             </a:r>
           </a:p>
@@ -5015,6 +5268,7 @@
           <a:bodyPr/>
           <a:lstStyle/>
           <a:p>
+            <a:pPr algn="ctr"/>
             <a:r>
               <a:rPr lang="en-US" dirty="0" smtClean="0"/>
               <a:t>Art Showcase</a:t>
@@ -5340,7 +5594,7 @@
   <a:extraClrSchemeLst/>
   <a:extLst>
     <a:ext uri="{05A4C25C-085E-4340-85A3-A5531E510DB2}">
-      <thm15:themeFamily xmlns:thm15="http://schemas.microsoft.com/office/thememl/2012/main" xmlns="" name="Office Theme" id="{62F939B6-93AF-4DB8-9C6B-D6C7DFDC589F}" vid="{4A3C46E8-61CC-4603-A589-7422A47A8E4A}"/>
+      <thm15:themeFamily xmlns="" xmlns:thm15="http://schemas.microsoft.com/office/thememl/2012/main" name="Office Theme" id="{62F939B6-93AF-4DB8-9C6B-D6C7DFDC589F}" vid="{4A3C46E8-61CC-4603-A589-7422A47A8E4A}"/>
     </a:ext>
   </a:extLst>
 </a:theme>

--- a/Documentation/PresentationAlpha.pptx
+++ b/Documentation/PresentationAlpha.pptx
@@ -2,7 +2,7 @@
 <file path=ppt/presentation.xml><?xml version="1.0" encoding="utf-8"?>
 <p:presentation xmlns:a="http://schemas.openxmlformats.org/drawingml/2006/main" xmlns:r="http://schemas.openxmlformats.org/officeDocument/2006/relationships" xmlns:p="http://schemas.openxmlformats.org/presentationml/2006/main" saveSubsetFonts="1">
   <p:sldMasterIdLst>
-    <p:sldMasterId id="2147483648" r:id="rId1"/>
+    <p:sldMasterId id="2147484026" r:id="rId1"/>
   </p:sldMasterIdLst>
   <p:sldIdLst>
     <p:sldId id="256" r:id="rId2"/>
@@ -24,7 +24,7 @@
     <a:defPPr>
       <a:defRPr lang="en-US"/>
     </a:defPPr>
-    <a:lvl1pPr marL="0" algn="l" defTabSz="914400" rtl="0" eaLnBrk="1" latinLnBrk="0" hangingPunct="1">
+    <a:lvl1pPr marL="0" algn="l" defTabSz="457200" rtl="0" eaLnBrk="1" latinLnBrk="0" hangingPunct="1">
       <a:defRPr sz="1800" kern="1200">
         <a:solidFill>
           <a:schemeClr val="tx1"/>
@@ -34,7 +34,7 @@
         <a:cs typeface="+mn-cs"/>
       </a:defRPr>
     </a:lvl1pPr>
-    <a:lvl2pPr marL="457200" algn="l" defTabSz="914400" rtl="0" eaLnBrk="1" latinLnBrk="0" hangingPunct="1">
+    <a:lvl2pPr marL="457200" algn="l" defTabSz="457200" rtl="0" eaLnBrk="1" latinLnBrk="0" hangingPunct="1">
       <a:defRPr sz="1800" kern="1200">
         <a:solidFill>
           <a:schemeClr val="tx1"/>
@@ -44,7 +44,7 @@
         <a:cs typeface="+mn-cs"/>
       </a:defRPr>
     </a:lvl2pPr>
-    <a:lvl3pPr marL="914400" algn="l" defTabSz="914400" rtl="0" eaLnBrk="1" latinLnBrk="0" hangingPunct="1">
+    <a:lvl3pPr marL="914400" algn="l" defTabSz="457200" rtl="0" eaLnBrk="1" latinLnBrk="0" hangingPunct="1">
       <a:defRPr sz="1800" kern="1200">
         <a:solidFill>
           <a:schemeClr val="tx1"/>
@@ -54,7 +54,7 @@
         <a:cs typeface="+mn-cs"/>
       </a:defRPr>
     </a:lvl3pPr>
-    <a:lvl4pPr marL="1371600" algn="l" defTabSz="914400" rtl="0" eaLnBrk="1" latinLnBrk="0" hangingPunct="1">
+    <a:lvl4pPr marL="1371600" algn="l" defTabSz="457200" rtl="0" eaLnBrk="1" latinLnBrk="0" hangingPunct="1">
       <a:defRPr sz="1800" kern="1200">
         <a:solidFill>
           <a:schemeClr val="tx1"/>
@@ -64,7 +64,7 @@
         <a:cs typeface="+mn-cs"/>
       </a:defRPr>
     </a:lvl4pPr>
-    <a:lvl5pPr marL="1828800" algn="l" defTabSz="914400" rtl="0" eaLnBrk="1" latinLnBrk="0" hangingPunct="1">
+    <a:lvl5pPr marL="1828800" algn="l" defTabSz="457200" rtl="0" eaLnBrk="1" latinLnBrk="0" hangingPunct="1">
       <a:defRPr sz="1800" kern="1200">
         <a:solidFill>
           <a:schemeClr val="tx1"/>
@@ -74,7 +74,7 @@
         <a:cs typeface="+mn-cs"/>
       </a:defRPr>
     </a:lvl5pPr>
-    <a:lvl6pPr marL="2286000" algn="l" defTabSz="914400" rtl="0" eaLnBrk="1" latinLnBrk="0" hangingPunct="1">
+    <a:lvl6pPr marL="2286000" algn="l" defTabSz="457200" rtl="0" eaLnBrk="1" latinLnBrk="0" hangingPunct="1">
       <a:defRPr sz="1800" kern="1200">
         <a:solidFill>
           <a:schemeClr val="tx1"/>
@@ -84,7 +84,7 @@
         <a:cs typeface="+mn-cs"/>
       </a:defRPr>
     </a:lvl6pPr>
-    <a:lvl7pPr marL="2743200" algn="l" defTabSz="914400" rtl="0" eaLnBrk="1" latinLnBrk="0" hangingPunct="1">
+    <a:lvl7pPr marL="2743200" algn="l" defTabSz="457200" rtl="0" eaLnBrk="1" latinLnBrk="0" hangingPunct="1">
       <a:defRPr sz="1800" kern="1200">
         <a:solidFill>
           <a:schemeClr val="tx1"/>
@@ -94,7 +94,7 @@
         <a:cs typeface="+mn-cs"/>
       </a:defRPr>
     </a:lvl7pPr>
-    <a:lvl8pPr marL="3200400" algn="l" defTabSz="914400" rtl="0" eaLnBrk="1" latinLnBrk="0" hangingPunct="1">
+    <a:lvl8pPr marL="3200400" algn="l" defTabSz="457200" rtl="0" eaLnBrk="1" latinLnBrk="0" hangingPunct="1">
       <a:defRPr sz="1800" kern="1200">
         <a:solidFill>
           <a:schemeClr val="tx1"/>
@@ -104,7 +104,7 @@
         <a:cs typeface="+mn-cs"/>
       </a:defRPr>
     </a:lvl8pPr>
-    <a:lvl9pPr marL="3657600" algn="l" defTabSz="914400" rtl="0" eaLnBrk="1" latinLnBrk="0" hangingPunct="1">
+    <a:lvl9pPr marL="3657600" algn="l" defTabSz="457200" rtl="0" eaLnBrk="1" latinLnBrk="0" hangingPunct="1">
       <a:defRPr sz="1800" kern="1200">
         <a:solidFill>
           <a:schemeClr val="tx1"/>
@@ -117,7 +117,7 @@
   </p:defaultTextStyle>
   <p:extLst>
     <p:ext uri="{EFAFB233-063F-42B5-8137-9DF3F51BA10A}">
-      <p15:sldGuideLst xmlns="" xmlns:p15="http://schemas.microsoft.com/office/powerpoint/2012/main">
+      <p15:sldGuideLst xmlns:p15="http://schemas.microsoft.com/office/powerpoint/2012/main">
         <p15:guide id="1" orient="horz" pos="2160">
           <p15:clr>
             <a:srgbClr val="A4A3A4"/>
@@ -163,15 +163,17 @@
         </p:nvSpPr>
         <p:spPr>
           <a:xfrm>
-            <a:off x="1524000" y="1122363"/>
-            <a:ext cx="9144000" cy="2387600"/>
+            <a:off x="1370693" y="1769540"/>
+            <a:ext cx="9440034" cy="1828801"/>
           </a:xfrm>
         </p:spPr>
         <p:txBody>
-          <a:bodyPr anchor="b"/>
+          <a:bodyPr anchor="b">
+            <a:normAutofit/>
+          </a:bodyPr>
           <a:lstStyle>
             <a:lvl1pPr algn="ctr">
-              <a:defRPr sz="6000"/>
+              <a:defRPr sz="5400"/>
             </a:lvl1pPr>
           </a:lstStyle>
           <a:p>
@@ -179,6 +181,7 @@
               <a:rPr lang="en-US"/>
               <a:t>Click to edit Master title style</a:t>
             </a:r>
+            <a:endParaRPr lang="en-US" dirty="0"/>
           </a:p>
         </p:txBody>
       </p:sp>
@@ -194,48 +197,100 @@
         </p:nvSpPr>
         <p:spPr>
           <a:xfrm>
-            <a:off x="1524000" y="3602038"/>
-            <a:ext cx="9144000" cy="1655762"/>
+            <a:off x="1370693" y="3598339"/>
+            <a:ext cx="9440034" cy="1049867"/>
           </a:xfrm>
         </p:spPr>
         <p:txBody>
-          <a:bodyPr/>
+          <a:bodyPr anchor="t"/>
           <a:lstStyle>
             <a:lvl1pPr marL="0" indent="0" algn="ctr">
               <a:buNone/>
-              <a:defRPr sz="2400"/>
+              <a:defRPr>
+                <a:solidFill>
+                  <a:schemeClr val="tx1"/>
+                </a:solidFill>
+              </a:defRPr>
             </a:lvl1pPr>
             <a:lvl2pPr marL="457200" indent="0" algn="ctr">
               <a:buNone/>
-              <a:defRPr sz="2000"/>
+              <a:defRPr>
+                <a:solidFill>
+                  <a:schemeClr val="tx1">
+                    <a:tint val="75000"/>
+                  </a:schemeClr>
+                </a:solidFill>
+              </a:defRPr>
             </a:lvl2pPr>
             <a:lvl3pPr marL="914400" indent="0" algn="ctr">
               <a:buNone/>
-              <a:defRPr sz="1800"/>
+              <a:defRPr>
+                <a:solidFill>
+                  <a:schemeClr val="tx1">
+                    <a:tint val="75000"/>
+                  </a:schemeClr>
+                </a:solidFill>
+              </a:defRPr>
             </a:lvl3pPr>
             <a:lvl4pPr marL="1371600" indent="0" algn="ctr">
               <a:buNone/>
-              <a:defRPr sz="1600"/>
+              <a:defRPr>
+                <a:solidFill>
+                  <a:schemeClr val="tx1">
+                    <a:tint val="75000"/>
+                  </a:schemeClr>
+                </a:solidFill>
+              </a:defRPr>
             </a:lvl4pPr>
             <a:lvl5pPr marL="1828800" indent="0" algn="ctr">
               <a:buNone/>
-              <a:defRPr sz="1600"/>
+              <a:defRPr>
+                <a:solidFill>
+                  <a:schemeClr val="tx1">
+                    <a:tint val="75000"/>
+                  </a:schemeClr>
+                </a:solidFill>
+              </a:defRPr>
             </a:lvl5pPr>
             <a:lvl6pPr marL="2286000" indent="0" algn="ctr">
               <a:buNone/>
-              <a:defRPr sz="1600"/>
+              <a:defRPr>
+                <a:solidFill>
+                  <a:schemeClr val="tx1">
+                    <a:tint val="75000"/>
+                  </a:schemeClr>
+                </a:solidFill>
+              </a:defRPr>
             </a:lvl6pPr>
             <a:lvl7pPr marL="2743200" indent="0" algn="ctr">
               <a:buNone/>
-              <a:defRPr sz="1600"/>
+              <a:defRPr>
+                <a:solidFill>
+                  <a:schemeClr val="tx1">
+                    <a:tint val="75000"/>
+                  </a:schemeClr>
+                </a:solidFill>
+              </a:defRPr>
             </a:lvl7pPr>
             <a:lvl8pPr marL="3200400" indent="0" algn="ctr">
               <a:buNone/>
-              <a:defRPr sz="1600"/>
+              <a:defRPr>
+                <a:solidFill>
+                  <a:schemeClr val="tx1">
+                    <a:tint val="75000"/>
+                  </a:schemeClr>
+                </a:solidFill>
+              </a:defRPr>
             </a:lvl8pPr>
             <a:lvl9pPr marL="3657600" indent="0" algn="ctr">
               <a:buNone/>
-              <a:defRPr sz="1600"/>
+              <a:defRPr>
+                <a:solidFill>
+                  <a:schemeClr val="tx1">
+                    <a:tint val="75000"/>
+                  </a:schemeClr>
+                </a:solidFill>
+              </a:defRPr>
             </a:lvl9pPr>
           </a:lstStyle>
           <a:p>
@@ -243,6 +298,7 @@
               <a:rPr lang="en-US"/>
               <a:t>Click to edit Master subtitle style</a:t>
             </a:r>
+            <a:endParaRPr lang="en-US" dirty="0"/>
           </a:p>
         </p:txBody>
       </p:sp>
@@ -314,7 +370,7 @@
     </p:spTree>
     <p:extLst>
       <p:ext uri="{BB962C8B-B14F-4D97-AF65-F5344CB8AC3E}">
-        <p14:creationId xmlns:p14="http://schemas.microsoft.com/office/powerpoint/2010/main" val="3691987911"/>
+        <p14:creationId xmlns:p14="http://schemas.microsoft.com/office/powerpoint/2010/main" val="3554153033"/>
       </p:ext>
     </p:extLst>
   </p:cSld>
@@ -325,6 +381,2582 @@
 </file>
 
 <file path=ppt/slideLayouts/slideLayout10.xml><?xml version="1.0" encoding="utf-8"?>
+<p:sldLayout xmlns:a="http://schemas.openxmlformats.org/drawingml/2006/main" xmlns:r="http://schemas.openxmlformats.org/officeDocument/2006/relationships" xmlns:p="http://schemas.openxmlformats.org/presentationml/2006/main" preserve="1">
+  <p:cSld name="Panoramic Picture with Caption">
+    <p:spTree>
+      <p:nvGrpSpPr>
+        <p:cNvPr id="1" name=""/>
+        <p:cNvGrpSpPr/>
+        <p:nvPr/>
+      </p:nvGrpSpPr>
+      <p:grpSpPr>
+        <a:xfrm>
+          <a:off x="0" y="0"/>
+          <a:ext cx="0" cy="0"/>
+          <a:chOff x="0" y="0"/>
+          <a:chExt cx="0" cy="0"/>
+        </a:xfrm>
+      </p:grpSpPr>
+      <p:pic>
+        <p:nvPicPr>
+          <p:cNvPr id="16" name="Picture 15" descr="Slate-V2-HD-panoPhotoInset.png"/>
+          <p:cNvPicPr>
+            <a:picLocks noChangeAspect="1"/>
+          </p:cNvPicPr>
+          <p:nvPr/>
+        </p:nvPicPr>
+        <p:blipFill>
+          <a:blip r:embed="rId2">
+            <a:extLst>
+              <a:ext uri="{28A0092B-C50C-407E-A947-70E740481C1C}">
+                <a14:useLocalDpi xmlns:a14="http://schemas.microsoft.com/office/drawing/2010/main" val="0"/>
+              </a:ext>
+            </a:extLst>
+          </a:blip>
+          <a:stretch>
+            <a:fillRect/>
+          </a:stretch>
+        </p:blipFill>
+        <p:spPr>
+          <a:xfrm>
+            <a:off x="1013883" y="547807"/>
+            <a:ext cx="10141799" cy="3816806"/>
+          </a:xfrm>
+          <a:prstGeom prst="rect">
+            <a:avLst/>
+          </a:prstGeom>
+        </p:spPr>
+      </p:pic>
+      <p:sp>
+        <p:nvSpPr>
+          <p:cNvPr id="2" name="Title 1"/>
+          <p:cNvSpPr>
+            <a:spLocks noGrp="1"/>
+          </p:cNvSpPr>
+          <p:nvPr>
+            <p:ph type="title"/>
+          </p:nvPr>
+        </p:nvSpPr>
+        <p:spPr>
+          <a:xfrm>
+            <a:off x="913806" y="4565255"/>
+            <a:ext cx="10355326" cy="543472"/>
+          </a:xfrm>
+        </p:spPr>
+        <p:txBody>
+          <a:bodyPr anchor="b">
+            <a:normAutofit/>
+          </a:bodyPr>
+          <a:lstStyle>
+            <a:lvl1pPr algn="ctr">
+              <a:defRPr sz="2800"/>
+            </a:lvl1pPr>
+          </a:lstStyle>
+          <a:p>
+            <a:r>
+              <a:rPr lang="en-US"/>
+              <a:t>Click to edit Master title style</a:t>
+            </a:r>
+            <a:endParaRPr lang="en-US" dirty="0"/>
+          </a:p>
+        </p:txBody>
+      </p:sp>
+      <p:sp>
+        <p:nvSpPr>
+          <p:cNvPr id="3" name="Picture Placeholder 2"/>
+          <p:cNvSpPr>
+            <a:spLocks noGrp="1" noChangeAspect="1"/>
+          </p:cNvSpPr>
+          <p:nvPr>
+            <p:ph type="pic" idx="1"/>
+          </p:nvPr>
+        </p:nvSpPr>
+        <p:spPr>
+          <a:xfrm>
+            <a:off x="1169349" y="695009"/>
+            <a:ext cx="9845346" cy="3525671"/>
+          </a:xfrm>
+          <a:effectLst>
+            <a:outerShdw blurRad="38100" dist="25400" dir="4440000">
+              <a:srgbClr val="000000">
+                <a:alpha val="36000"/>
+              </a:srgbClr>
+            </a:outerShdw>
+          </a:effectLst>
+        </p:spPr>
+        <p:txBody>
+          <a:bodyPr anchor="t">
+            <a:normAutofit/>
+          </a:bodyPr>
+          <a:lstStyle>
+            <a:lvl1pPr marL="0" indent="0" algn="ctr">
+              <a:buNone/>
+              <a:defRPr sz="2000"/>
+            </a:lvl1pPr>
+            <a:lvl2pPr marL="457200" indent="0">
+              <a:buNone/>
+              <a:defRPr sz="2000"/>
+            </a:lvl2pPr>
+            <a:lvl3pPr marL="914400" indent="0">
+              <a:buNone/>
+              <a:defRPr sz="2000"/>
+            </a:lvl3pPr>
+            <a:lvl4pPr marL="1371600" indent="0">
+              <a:buNone/>
+              <a:defRPr sz="2000"/>
+            </a:lvl4pPr>
+            <a:lvl5pPr marL="1828800" indent="0">
+              <a:buNone/>
+              <a:defRPr sz="2000"/>
+            </a:lvl5pPr>
+            <a:lvl6pPr marL="2286000" indent="0">
+              <a:buNone/>
+              <a:defRPr sz="2000"/>
+            </a:lvl6pPr>
+            <a:lvl7pPr marL="2743200" indent="0">
+              <a:buNone/>
+              <a:defRPr sz="2000"/>
+            </a:lvl7pPr>
+            <a:lvl8pPr marL="3200400" indent="0">
+              <a:buNone/>
+              <a:defRPr sz="2000"/>
+            </a:lvl8pPr>
+            <a:lvl9pPr marL="3657600" indent="0">
+              <a:buNone/>
+              <a:defRPr sz="2000"/>
+            </a:lvl9pPr>
+          </a:lstStyle>
+          <a:p>
+            <a:r>
+              <a:rPr lang="en-US"/>
+              <a:t>Click icon to add picture</a:t>
+            </a:r>
+            <a:endParaRPr lang="en-US" dirty="0"/>
+          </a:p>
+        </p:txBody>
+      </p:sp>
+      <p:sp>
+        <p:nvSpPr>
+          <p:cNvPr id="4" name="Text Placeholder 3"/>
+          <p:cNvSpPr>
+            <a:spLocks noGrp="1"/>
+          </p:cNvSpPr>
+          <p:nvPr>
+            <p:ph type="body" sz="half" idx="2"/>
+          </p:nvPr>
+        </p:nvSpPr>
+        <p:spPr>
+          <a:xfrm>
+            <a:off x="913795" y="5108728"/>
+            <a:ext cx="10353762" cy="682472"/>
+          </a:xfrm>
+        </p:spPr>
+        <p:txBody>
+          <a:bodyPr anchor="t"/>
+          <a:lstStyle>
+            <a:lvl1pPr marL="0" indent="0" algn="ctr">
+              <a:buNone/>
+              <a:defRPr sz="1600"/>
+            </a:lvl1pPr>
+            <a:lvl2pPr marL="457200" indent="0">
+              <a:buNone/>
+              <a:defRPr sz="1400"/>
+            </a:lvl2pPr>
+            <a:lvl3pPr marL="914400" indent="0">
+              <a:buNone/>
+              <a:defRPr sz="1200"/>
+            </a:lvl3pPr>
+            <a:lvl4pPr marL="1371600" indent="0">
+              <a:buNone/>
+              <a:defRPr sz="1000"/>
+            </a:lvl4pPr>
+            <a:lvl5pPr marL="1828800" indent="0">
+              <a:buNone/>
+              <a:defRPr sz="1000"/>
+            </a:lvl5pPr>
+            <a:lvl6pPr marL="2286000" indent="0">
+              <a:buNone/>
+              <a:defRPr sz="1000"/>
+            </a:lvl6pPr>
+            <a:lvl7pPr marL="2743200" indent="0">
+              <a:buNone/>
+              <a:defRPr sz="1000"/>
+            </a:lvl7pPr>
+            <a:lvl8pPr marL="3200400" indent="0">
+              <a:buNone/>
+              <a:defRPr sz="1000"/>
+            </a:lvl8pPr>
+            <a:lvl9pPr marL="3657600" indent="0">
+              <a:buNone/>
+              <a:defRPr sz="1000"/>
+            </a:lvl9pPr>
+          </a:lstStyle>
+          <a:p>
+            <a:pPr lvl="0"/>
+            <a:r>
+              <a:rPr lang="en-US"/>
+              <a:t>Edit Master text styles</a:t>
+            </a:r>
+          </a:p>
+        </p:txBody>
+      </p:sp>
+      <p:sp>
+        <p:nvSpPr>
+          <p:cNvPr id="5" name="Date Placeholder 4"/>
+          <p:cNvSpPr>
+            <a:spLocks noGrp="1"/>
+          </p:cNvSpPr>
+          <p:nvPr>
+            <p:ph type="dt" sz="half" idx="10"/>
+          </p:nvPr>
+        </p:nvSpPr>
+        <p:spPr/>
+        <p:txBody>
+          <a:bodyPr/>
+          <a:lstStyle/>
+          <a:p>
+            <a:fld id="{5CEF22E0-9ED4-437F-9483-C95BD90B631F}" type="datetimeFigureOut">
+              <a:rPr lang="en-US" smtClean="0"/>
+              <a:t>4/12/2017</a:t>
+            </a:fld>
+            <a:endParaRPr lang="en-US" dirty="0"/>
+          </a:p>
+        </p:txBody>
+      </p:sp>
+      <p:sp>
+        <p:nvSpPr>
+          <p:cNvPr id="6" name="Footer Placeholder 5"/>
+          <p:cNvSpPr>
+            <a:spLocks noGrp="1"/>
+          </p:cNvSpPr>
+          <p:nvPr>
+            <p:ph type="ftr" sz="quarter" idx="11"/>
+          </p:nvPr>
+        </p:nvSpPr>
+        <p:spPr/>
+        <p:txBody>
+          <a:bodyPr/>
+          <a:lstStyle/>
+          <a:p>
+            <a:endParaRPr lang="en-US" dirty="0"/>
+          </a:p>
+        </p:txBody>
+      </p:sp>
+      <p:sp>
+        <p:nvSpPr>
+          <p:cNvPr id="7" name="Slide Number Placeholder 6"/>
+          <p:cNvSpPr>
+            <a:spLocks noGrp="1"/>
+          </p:cNvSpPr>
+          <p:nvPr>
+            <p:ph type="sldNum" sz="quarter" idx="12"/>
+          </p:nvPr>
+        </p:nvSpPr>
+        <p:spPr/>
+        <p:txBody>
+          <a:bodyPr/>
+          <a:lstStyle/>
+          <a:p>
+            <a:fld id="{1EDEFC96-2EC8-4D82-9D2F-6E3723980FAB}" type="slidenum">
+              <a:rPr lang="en-US" smtClean="0"/>
+              <a:t>‹#›</a:t>
+            </a:fld>
+            <a:endParaRPr lang="en-US" dirty="0"/>
+          </a:p>
+        </p:txBody>
+      </p:sp>
+    </p:spTree>
+    <p:extLst>
+      <p:ext uri="{BB962C8B-B14F-4D97-AF65-F5344CB8AC3E}">
+        <p14:creationId xmlns:p14="http://schemas.microsoft.com/office/powerpoint/2010/main" val="1023927763"/>
+      </p:ext>
+    </p:extLst>
+  </p:cSld>
+  <p:clrMapOvr>
+    <a:masterClrMapping/>
+  </p:clrMapOvr>
+</p:sldLayout>
+</file>
+
+<file path=ppt/slideLayouts/slideLayout11.xml><?xml version="1.0" encoding="utf-8"?>
+<p:sldLayout xmlns:a="http://schemas.openxmlformats.org/drawingml/2006/main" xmlns:r="http://schemas.openxmlformats.org/officeDocument/2006/relationships" xmlns:p="http://schemas.openxmlformats.org/presentationml/2006/main" preserve="1">
+  <p:cSld name="Title and Caption">
+    <p:spTree>
+      <p:nvGrpSpPr>
+        <p:cNvPr id="1" name=""/>
+        <p:cNvGrpSpPr/>
+        <p:nvPr/>
+      </p:nvGrpSpPr>
+      <p:grpSpPr>
+        <a:xfrm>
+          <a:off x="0" y="0"/>
+          <a:ext cx="0" cy="0"/>
+          <a:chOff x="0" y="0"/>
+          <a:chExt cx="0" cy="0"/>
+        </a:xfrm>
+      </p:grpSpPr>
+      <p:sp>
+        <p:nvSpPr>
+          <p:cNvPr id="2" name="Title 1"/>
+          <p:cNvSpPr>
+            <a:spLocks noGrp="1"/>
+          </p:cNvSpPr>
+          <p:nvPr>
+            <p:ph type="title"/>
+          </p:nvPr>
+        </p:nvSpPr>
+        <p:spPr>
+          <a:xfrm>
+            <a:off x="913795" y="608437"/>
+            <a:ext cx="10353762" cy="3534344"/>
+          </a:xfrm>
+        </p:spPr>
+        <p:txBody>
+          <a:bodyPr anchor="ctr"/>
+          <a:lstStyle>
+            <a:lvl1pPr>
+              <a:defRPr sz="3200"/>
+            </a:lvl1pPr>
+          </a:lstStyle>
+          <a:p>
+            <a:r>
+              <a:rPr lang="en-US"/>
+              <a:t>Click to edit Master title style</a:t>
+            </a:r>
+            <a:endParaRPr lang="en-US" dirty="0"/>
+          </a:p>
+        </p:txBody>
+      </p:sp>
+      <p:sp>
+        <p:nvSpPr>
+          <p:cNvPr id="4" name="Text Placeholder 3"/>
+          <p:cNvSpPr>
+            <a:spLocks noGrp="1"/>
+          </p:cNvSpPr>
+          <p:nvPr>
+            <p:ph type="body" sz="half" idx="2"/>
+          </p:nvPr>
+        </p:nvSpPr>
+        <p:spPr>
+          <a:xfrm>
+            <a:off x="913794" y="4295180"/>
+            <a:ext cx="10353763" cy="1501826"/>
+          </a:xfrm>
+        </p:spPr>
+        <p:txBody>
+          <a:bodyPr anchor="ctr"/>
+          <a:lstStyle>
+            <a:lvl1pPr marL="0" indent="0" algn="ctr">
+              <a:buNone/>
+              <a:defRPr sz="1600"/>
+            </a:lvl1pPr>
+            <a:lvl2pPr marL="457200" indent="0">
+              <a:buNone/>
+              <a:defRPr sz="1400"/>
+            </a:lvl2pPr>
+            <a:lvl3pPr marL="914400" indent="0">
+              <a:buNone/>
+              <a:defRPr sz="1200"/>
+            </a:lvl3pPr>
+            <a:lvl4pPr marL="1371600" indent="0">
+              <a:buNone/>
+              <a:defRPr sz="1000"/>
+            </a:lvl4pPr>
+            <a:lvl5pPr marL="1828800" indent="0">
+              <a:buNone/>
+              <a:defRPr sz="1000"/>
+            </a:lvl5pPr>
+            <a:lvl6pPr marL="2286000" indent="0">
+              <a:buNone/>
+              <a:defRPr sz="1000"/>
+            </a:lvl6pPr>
+            <a:lvl7pPr marL="2743200" indent="0">
+              <a:buNone/>
+              <a:defRPr sz="1000"/>
+            </a:lvl7pPr>
+            <a:lvl8pPr marL="3200400" indent="0">
+              <a:buNone/>
+              <a:defRPr sz="1000"/>
+            </a:lvl8pPr>
+            <a:lvl9pPr marL="3657600" indent="0">
+              <a:buNone/>
+              <a:defRPr sz="1000"/>
+            </a:lvl9pPr>
+          </a:lstStyle>
+          <a:p>
+            <a:pPr lvl="0"/>
+            <a:r>
+              <a:rPr lang="en-US"/>
+              <a:t>Edit Master text styles</a:t>
+            </a:r>
+          </a:p>
+        </p:txBody>
+      </p:sp>
+      <p:sp>
+        <p:nvSpPr>
+          <p:cNvPr id="5" name="Date Placeholder 4"/>
+          <p:cNvSpPr>
+            <a:spLocks noGrp="1"/>
+          </p:cNvSpPr>
+          <p:nvPr>
+            <p:ph type="dt" sz="half" idx="10"/>
+          </p:nvPr>
+        </p:nvSpPr>
+        <p:spPr/>
+        <p:txBody>
+          <a:bodyPr/>
+          <a:lstStyle/>
+          <a:p>
+            <a:fld id="{5CEF22E0-9ED4-437F-9483-C95BD90B631F}" type="datetimeFigureOut">
+              <a:rPr lang="en-US" smtClean="0"/>
+              <a:t>4/12/2017</a:t>
+            </a:fld>
+            <a:endParaRPr lang="en-US" dirty="0"/>
+          </a:p>
+        </p:txBody>
+      </p:sp>
+      <p:sp>
+        <p:nvSpPr>
+          <p:cNvPr id="6" name="Footer Placeholder 5"/>
+          <p:cNvSpPr>
+            <a:spLocks noGrp="1"/>
+          </p:cNvSpPr>
+          <p:nvPr>
+            <p:ph type="ftr" sz="quarter" idx="11"/>
+          </p:nvPr>
+        </p:nvSpPr>
+        <p:spPr/>
+        <p:txBody>
+          <a:bodyPr/>
+          <a:lstStyle/>
+          <a:p>
+            <a:endParaRPr lang="en-US" dirty="0"/>
+          </a:p>
+        </p:txBody>
+      </p:sp>
+      <p:sp>
+        <p:nvSpPr>
+          <p:cNvPr id="7" name="Slide Number Placeholder 6"/>
+          <p:cNvSpPr>
+            <a:spLocks noGrp="1"/>
+          </p:cNvSpPr>
+          <p:nvPr>
+            <p:ph type="sldNum" sz="quarter" idx="12"/>
+          </p:nvPr>
+        </p:nvSpPr>
+        <p:spPr/>
+        <p:txBody>
+          <a:bodyPr/>
+          <a:lstStyle/>
+          <a:p>
+            <a:fld id="{1EDEFC96-2EC8-4D82-9D2F-6E3723980FAB}" type="slidenum">
+              <a:rPr lang="en-US" smtClean="0"/>
+              <a:t>‹#›</a:t>
+            </a:fld>
+            <a:endParaRPr lang="en-US" dirty="0"/>
+          </a:p>
+        </p:txBody>
+      </p:sp>
+    </p:spTree>
+    <p:extLst>
+      <p:ext uri="{BB962C8B-B14F-4D97-AF65-F5344CB8AC3E}">
+        <p14:creationId xmlns:p14="http://schemas.microsoft.com/office/powerpoint/2010/main" val="1509612403"/>
+      </p:ext>
+    </p:extLst>
+  </p:cSld>
+  <p:clrMapOvr>
+    <a:masterClrMapping/>
+  </p:clrMapOvr>
+</p:sldLayout>
+</file>
+
+<file path=ppt/slideLayouts/slideLayout12.xml><?xml version="1.0" encoding="utf-8"?>
+<p:sldLayout xmlns:a="http://schemas.openxmlformats.org/drawingml/2006/main" xmlns:r="http://schemas.openxmlformats.org/officeDocument/2006/relationships" xmlns:p="http://schemas.openxmlformats.org/presentationml/2006/main" preserve="1">
+  <p:cSld name="Quote with Caption">
+    <p:spTree>
+      <p:nvGrpSpPr>
+        <p:cNvPr id="1" name=""/>
+        <p:cNvGrpSpPr/>
+        <p:nvPr/>
+      </p:nvGrpSpPr>
+      <p:grpSpPr>
+        <a:xfrm>
+          <a:off x="0" y="0"/>
+          <a:ext cx="0" cy="0"/>
+          <a:chOff x="0" y="0"/>
+          <a:chExt cx="0" cy="0"/>
+        </a:xfrm>
+      </p:grpSpPr>
+      <p:sp>
+        <p:nvSpPr>
+          <p:cNvPr id="2" name="Title 1"/>
+          <p:cNvSpPr>
+            <a:spLocks noGrp="1"/>
+          </p:cNvSpPr>
+          <p:nvPr>
+            <p:ph type="title"/>
+          </p:nvPr>
+        </p:nvSpPr>
+        <p:spPr>
+          <a:xfrm>
+            <a:off x="1446212" y="609600"/>
+            <a:ext cx="9302752" cy="2992904"/>
+          </a:xfrm>
+        </p:spPr>
+        <p:txBody>
+          <a:bodyPr anchor="ctr"/>
+          <a:lstStyle>
+            <a:lvl1pPr>
+              <a:defRPr sz="3200"/>
+            </a:lvl1pPr>
+          </a:lstStyle>
+          <a:p>
+            <a:r>
+              <a:rPr lang="en-US"/>
+              <a:t>Click to edit Master title style</a:t>
+            </a:r>
+            <a:endParaRPr lang="en-US" dirty="0"/>
+          </a:p>
+        </p:txBody>
+      </p:sp>
+      <p:sp>
+        <p:nvSpPr>
+          <p:cNvPr id="12" name="Text Placeholder 3"/>
+          <p:cNvSpPr>
+            <a:spLocks noGrp="1"/>
+          </p:cNvSpPr>
+          <p:nvPr>
+            <p:ph type="body" sz="half" idx="13"/>
+          </p:nvPr>
+        </p:nvSpPr>
+        <p:spPr>
+          <a:xfrm>
+            <a:off x="1720644" y="3610032"/>
+            <a:ext cx="8752299" cy="532749"/>
+          </a:xfrm>
+        </p:spPr>
+        <p:txBody>
+          <a:bodyPr anchor="t">
+            <a:normAutofit/>
+          </a:bodyPr>
+          <a:lstStyle>
+            <a:lvl1pPr marL="0" indent="0" algn="r">
+              <a:buNone/>
+              <a:defRPr sz="1400"/>
+            </a:lvl1pPr>
+            <a:lvl2pPr marL="457200" indent="0">
+              <a:buNone/>
+              <a:defRPr sz="1400"/>
+            </a:lvl2pPr>
+            <a:lvl3pPr marL="914400" indent="0">
+              <a:buNone/>
+              <a:defRPr sz="1200"/>
+            </a:lvl3pPr>
+            <a:lvl4pPr marL="1371600" indent="0">
+              <a:buNone/>
+              <a:defRPr sz="1000"/>
+            </a:lvl4pPr>
+            <a:lvl5pPr marL="1828800" indent="0">
+              <a:buNone/>
+              <a:defRPr sz="1000"/>
+            </a:lvl5pPr>
+            <a:lvl6pPr marL="2286000" indent="0">
+              <a:buNone/>
+              <a:defRPr sz="1000"/>
+            </a:lvl6pPr>
+            <a:lvl7pPr marL="2743200" indent="0">
+              <a:buNone/>
+              <a:defRPr sz="1000"/>
+            </a:lvl7pPr>
+            <a:lvl8pPr marL="3200400" indent="0">
+              <a:buNone/>
+              <a:defRPr sz="1000"/>
+            </a:lvl8pPr>
+            <a:lvl9pPr marL="3657600" indent="0">
+              <a:buNone/>
+              <a:defRPr sz="1000"/>
+            </a:lvl9pPr>
+          </a:lstStyle>
+          <a:p>
+            <a:pPr lvl="0"/>
+            <a:r>
+              <a:rPr lang="en-US"/>
+              <a:t>Edit Master text styles</a:t>
+            </a:r>
+          </a:p>
+        </p:txBody>
+      </p:sp>
+      <p:sp>
+        <p:nvSpPr>
+          <p:cNvPr id="4" name="Text Placeholder 3"/>
+          <p:cNvSpPr>
+            <a:spLocks noGrp="1"/>
+          </p:cNvSpPr>
+          <p:nvPr>
+            <p:ph type="body" sz="half" idx="2"/>
+          </p:nvPr>
+        </p:nvSpPr>
+        <p:spPr>
+          <a:xfrm>
+            <a:off x="913794" y="4304353"/>
+            <a:ext cx="10353763" cy="1489496"/>
+          </a:xfrm>
+        </p:spPr>
+        <p:txBody>
+          <a:bodyPr anchor="ctr">
+            <a:normAutofit/>
+          </a:bodyPr>
+          <a:lstStyle>
+            <a:lvl1pPr marL="0" indent="0" algn="ctr">
+              <a:buNone/>
+              <a:defRPr sz="1600"/>
+            </a:lvl1pPr>
+            <a:lvl2pPr marL="457200" indent="0">
+              <a:buNone/>
+              <a:defRPr sz="1400"/>
+            </a:lvl2pPr>
+            <a:lvl3pPr marL="914400" indent="0">
+              <a:buNone/>
+              <a:defRPr sz="1200"/>
+            </a:lvl3pPr>
+            <a:lvl4pPr marL="1371600" indent="0">
+              <a:buNone/>
+              <a:defRPr sz="1000"/>
+            </a:lvl4pPr>
+            <a:lvl5pPr marL="1828800" indent="0">
+              <a:buNone/>
+              <a:defRPr sz="1000"/>
+            </a:lvl5pPr>
+            <a:lvl6pPr marL="2286000" indent="0">
+              <a:buNone/>
+              <a:defRPr sz="1000"/>
+            </a:lvl6pPr>
+            <a:lvl7pPr marL="2743200" indent="0">
+              <a:buNone/>
+              <a:defRPr sz="1000"/>
+            </a:lvl7pPr>
+            <a:lvl8pPr marL="3200400" indent="0">
+              <a:buNone/>
+              <a:defRPr sz="1000"/>
+            </a:lvl8pPr>
+            <a:lvl9pPr marL="3657600" indent="0">
+              <a:buNone/>
+              <a:defRPr sz="1000"/>
+            </a:lvl9pPr>
+          </a:lstStyle>
+          <a:p>
+            <a:pPr lvl="0"/>
+            <a:r>
+              <a:rPr lang="en-US"/>
+              <a:t>Edit Master text styles</a:t>
+            </a:r>
+          </a:p>
+        </p:txBody>
+      </p:sp>
+      <p:sp>
+        <p:nvSpPr>
+          <p:cNvPr id="5" name="Date Placeholder 4"/>
+          <p:cNvSpPr>
+            <a:spLocks noGrp="1"/>
+          </p:cNvSpPr>
+          <p:nvPr>
+            <p:ph type="dt" sz="half" idx="10"/>
+          </p:nvPr>
+        </p:nvSpPr>
+        <p:spPr/>
+        <p:txBody>
+          <a:bodyPr/>
+          <a:lstStyle/>
+          <a:p>
+            <a:fld id="{5CEF22E0-9ED4-437F-9483-C95BD90B631F}" type="datetimeFigureOut">
+              <a:rPr lang="en-US" smtClean="0"/>
+              <a:t>4/12/2017</a:t>
+            </a:fld>
+            <a:endParaRPr lang="en-US" dirty="0"/>
+          </a:p>
+        </p:txBody>
+      </p:sp>
+      <p:sp>
+        <p:nvSpPr>
+          <p:cNvPr id="6" name="Footer Placeholder 5"/>
+          <p:cNvSpPr>
+            <a:spLocks noGrp="1"/>
+          </p:cNvSpPr>
+          <p:nvPr>
+            <p:ph type="ftr" sz="quarter" idx="11"/>
+          </p:nvPr>
+        </p:nvSpPr>
+        <p:spPr/>
+        <p:txBody>
+          <a:bodyPr/>
+          <a:lstStyle/>
+          <a:p>
+            <a:endParaRPr lang="en-US" dirty="0"/>
+          </a:p>
+        </p:txBody>
+      </p:sp>
+      <p:sp>
+        <p:nvSpPr>
+          <p:cNvPr id="7" name="Slide Number Placeholder 6"/>
+          <p:cNvSpPr>
+            <a:spLocks noGrp="1"/>
+          </p:cNvSpPr>
+          <p:nvPr>
+            <p:ph type="sldNum" sz="quarter" idx="12"/>
+          </p:nvPr>
+        </p:nvSpPr>
+        <p:spPr/>
+        <p:txBody>
+          <a:bodyPr/>
+          <a:lstStyle/>
+          <a:p>
+            <a:fld id="{1EDEFC96-2EC8-4D82-9D2F-6E3723980FAB}" type="slidenum">
+              <a:rPr lang="en-US" smtClean="0"/>
+              <a:t>‹#›</a:t>
+            </a:fld>
+            <a:endParaRPr lang="en-US" dirty="0"/>
+          </a:p>
+        </p:txBody>
+      </p:sp>
+      <p:sp>
+        <p:nvSpPr>
+          <p:cNvPr id="11" name="TextBox 10"/>
+          <p:cNvSpPr txBox="1"/>
+          <p:nvPr/>
+        </p:nvSpPr>
+        <p:spPr>
+          <a:xfrm>
+            <a:off x="990600" y="884796"/>
+            <a:ext cx="609600" cy="584776"/>
+          </a:xfrm>
+          <a:prstGeom prst="rect">
+            <a:avLst/>
+          </a:prstGeom>
+        </p:spPr>
+        <p:txBody>
+          <a:bodyPr vert="horz" lIns="91440" tIns="45720" rIns="91440" bIns="45720" rtlCol="0" anchor="ctr">
+            <a:noAutofit/>
+          </a:bodyPr>
+          <a:lstStyle>
+            <a:lvl1pPr>
+              <a:spcBef>
+                <a:spcPct val="0"/>
+              </a:spcBef>
+              <a:buNone/>
+              <a:defRPr sz="3200" b="0" cap="all">
+                <a:ln w="3175" cmpd="sng">
+                  <a:noFill/>
+                </a:ln>
+                <a:effectLst>
+                  <a:glow rad="38100">
+                    <a:schemeClr val="bg1">
+                      <a:lumMod val="65000"/>
+                      <a:lumOff val="35000"/>
+                      <a:alpha val="40000"/>
+                    </a:schemeClr>
+                  </a:glow>
+                  <a:outerShdw blurRad="28575" dist="38100" dir="14040000" algn="tl" rotWithShape="0">
+                    <a:srgbClr val="000000">
+                      <a:alpha val="25000"/>
+                    </a:srgbClr>
+                  </a:outerShdw>
+                </a:effectLst>
+              </a:defRPr>
+            </a:lvl1pPr>
+            <a:lvl2pPr>
+              <a:defRPr>
+                <a:solidFill>
+                  <a:schemeClr val="tx2"/>
+                </a:solidFill>
+              </a:defRPr>
+            </a:lvl2pPr>
+            <a:lvl3pPr>
+              <a:defRPr>
+                <a:solidFill>
+                  <a:schemeClr val="tx2"/>
+                </a:solidFill>
+              </a:defRPr>
+            </a:lvl3pPr>
+            <a:lvl4pPr>
+              <a:defRPr>
+                <a:solidFill>
+                  <a:schemeClr val="tx2"/>
+                </a:solidFill>
+              </a:defRPr>
+            </a:lvl4pPr>
+            <a:lvl5pPr>
+              <a:defRPr>
+                <a:solidFill>
+                  <a:schemeClr val="tx2"/>
+                </a:solidFill>
+              </a:defRPr>
+            </a:lvl5pPr>
+            <a:lvl6pPr>
+              <a:defRPr>
+                <a:solidFill>
+                  <a:schemeClr val="tx2"/>
+                </a:solidFill>
+              </a:defRPr>
+            </a:lvl6pPr>
+            <a:lvl7pPr>
+              <a:defRPr>
+                <a:solidFill>
+                  <a:schemeClr val="tx2"/>
+                </a:solidFill>
+              </a:defRPr>
+            </a:lvl7pPr>
+            <a:lvl8pPr>
+              <a:defRPr>
+                <a:solidFill>
+                  <a:schemeClr val="tx2"/>
+                </a:solidFill>
+              </a:defRPr>
+            </a:lvl8pPr>
+            <a:lvl9pPr>
+              <a:defRPr>
+                <a:solidFill>
+                  <a:schemeClr val="tx2"/>
+                </a:solidFill>
+              </a:defRPr>
+            </a:lvl9pPr>
+          </a:lstStyle>
+          <a:p>
+            <a:pPr lvl="0"/>
+            <a:r>
+              <a:rPr lang="en-US" sz="8000" dirty="0">
+                <a:solidFill>
+                  <a:schemeClr val="tx1"/>
+                </a:solidFill>
+                <a:effectLst/>
+              </a:rPr>
+              <a:t>“</a:t>
+            </a:r>
+          </a:p>
+        </p:txBody>
+      </p:sp>
+      <p:sp>
+        <p:nvSpPr>
+          <p:cNvPr id="13" name="TextBox 12"/>
+          <p:cNvSpPr txBox="1"/>
+          <p:nvPr/>
+        </p:nvSpPr>
+        <p:spPr>
+          <a:xfrm>
+            <a:off x="10504716" y="2928258"/>
+            <a:ext cx="609600" cy="584776"/>
+          </a:xfrm>
+          <a:prstGeom prst="rect">
+            <a:avLst/>
+          </a:prstGeom>
+        </p:spPr>
+        <p:txBody>
+          <a:bodyPr vert="horz" lIns="91440" tIns="45720" rIns="91440" bIns="45720" rtlCol="0" anchor="ctr">
+            <a:noAutofit/>
+          </a:bodyPr>
+          <a:lstStyle>
+            <a:lvl1pPr>
+              <a:spcBef>
+                <a:spcPct val="0"/>
+              </a:spcBef>
+              <a:buNone/>
+              <a:defRPr sz="3200" b="0" cap="all">
+                <a:ln w="3175" cmpd="sng">
+                  <a:noFill/>
+                </a:ln>
+                <a:effectLst>
+                  <a:glow rad="38100">
+                    <a:schemeClr val="bg1">
+                      <a:lumMod val="65000"/>
+                      <a:lumOff val="35000"/>
+                      <a:alpha val="40000"/>
+                    </a:schemeClr>
+                  </a:glow>
+                  <a:outerShdw blurRad="28575" dist="38100" dir="14040000" algn="tl" rotWithShape="0">
+                    <a:srgbClr val="000000">
+                      <a:alpha val="25000"/>
+                    </a:srgbClr>
+                  </a:outerShdw>
+                </a:effectLst>
+              </a:defRPr>
+            </a:lvl1pPr>
+            <a:lvl2pPr>
+              <a:defRPr>
+                <a:solidFill>
+                  <a:schemeClr val="tx2"/>
+                </a:solidFill>
+              </a:defRPr>
+            </a:lvl2pPr>
+            <a:lvl3pPr>
+              <a:defRPr>
+                <a:solidFill>
+                  <a:schemeClr val="tx2"/>
+                </a:solidFill>
+              </a:defRPr>
+            </a:lvl3pPr>
+            <a:lvl4pPr>
+              <a:defRPr>
+                <a:solidFill>
+                  <a:schemeClr val="tx2"/>
+                </a:solidFill>
+              </a:defRPr>
+            </a:lvl4pPr>
+            <a:lvl5pPr>
+              <a:defRPr>
+                <a:solidFill>
+                  <a:schemeClr val="tx2"/>
+                </a:solidFill>
+              </a:defRPr>
+            </a:lvl5pPr>
+            <a:lvl6pPr>
+              <a:defRPr>
+                <a:solidFill>
+                  <a:schemeClr val="tx2"/>
+                </a:solidFill>
+              </a:defRPr>
+            </a:lvl6pPr>
+            <a:lvl7pPr>
+              <a:defRPr>
+                <a:solidFill>
+                  <a:schemeClr val="tx2"/>
+                </a:solidFill>
+              </a:defRPr>
+            </a:lvl7pPr>
+            <a:lvl8pPr>
+              <a:defRPr>
+                <a:solidFill>
+                  <a:schemeClr val="tx2"/>
+                </a:solidFill>
+              </a:defRPr>
+            </a:lvl8pPr>
+            <a:lvl9pPr>
+              <a:defRPr>
+                <a:solidFill>
+                  <a:schemeClr val="tx2"/>
+                </a:solidFill>
+              </a:defRPr>
+            </a:lvl9pPr>
+          </a:lstStyle>
+          <a:p>
+            <a:pPr lvl="0" algn="r"/>
+            <a:r>
+              <a:rPr lang="en-US" sz="8000" dirty="0">
+                <a:solidFill>
+                  <a:schemeClr val="tx1"/>
+                </a:solidFill>
+                <a:effectLst/>
+              </a:rPr>
+              <a:t>”</a:t>
+            </a:r>
+          </a:p>
+        </p:txBody>
+      </p:sp>
+    </p:spTree>
+    <p:extLst>
+      <p:ext uri="{BB962C8B-B14F-4D97-AF65-F5344CB8AC3E}">
+        <p14:creationId xmlns:p14="http://schemas.microsoft.com/office/powerpoint/2010/main" val="4159865850"/>
+      </p:ext>
+    </p:extLst>
+  </p:cSld>
+  <p:clrMapOvr>
+    <a:masterClrMapping/>
+  </p:clrMapOvr>
+</p:sldLayout>
+</file>
+
+<file path=ppt/slideLayouts/slideLayout13.xml><?xml version="1.0" encoding="utf-8"?>
+<p:sldLayout xmlns:a="http://schemas.openxmlformats.org/drawingml/2006/main" xmlns:r="http://schemas.openxmlformats.org/officeDocument/2006/relationships" xmlns:p="http://schemas.openxmlformats.org/presentationml/2006/main" preserve="1">
+  <p:cSld name="Name Card">
+    <p:spTree>
+      <p:nvGrpSpPr>
+        <p:cNvPr id="1" name=""/>
+        <p:cNvGrpSpPr/>
+        <p:nvPr/>
+      </p:nvGrpSpPr>
+      <p:grpSpPr>
+        <a:xfrm>
+          <a:off x="0" y="0"/>
+          <a:ext cx="0" cy="0"/>
+          <a:chOff x="0" y="0"/>
+          <a:chExt cx="0" cy="0"/>
+        </a:xfrm>
+      </p:grpSpPr>
+      <p:sp>
+        <p:nvSpPr>
+          <p:cNvPr id="2" name="Title 1"/>
+          <p:cNvSpPr>
+            <a:spLocks noGrp="1"/>
+          </p:cNvSpPr>
+          <p:nvPr>
+            <p:ph type="title"/>
+          </p:nvPr>
+        </p:nvSpPr>
+        <p:spPr>
+          <a:xfrm>
+            <a:off x="913794" y="2126942"/>
+            <a:ext cx="10353763" cy="2511835"/>
+          </a:xfrm>
+        </p:spPr>
+        <p:txBody>
+          <a:bodyPr anchor="b"/>
+          <a:lstStyle>
+            <a:lvl1pPr>
+              <a:defRPr sz="3200"/>
+            </a:lvl1pPr>
+          </a:lstStyle>
+          <a:p>
+            <a:r>
+              <a:rPr lang="en-US"/>
+              <a:t>Click to edit Master title style</a:t>
+            </a:r>
+            <a:endParaRPr lang="en-US" dirty="0"/>
+          </a:p>
+        </p:txBody>
+      </p:sp>
+      <p:sp>
+        <p:nvSpPr>
+          <p:cNvPr id="4" name="Text Placeholder 3"/>
+          <p:cNvSpPr>
+            <a:spLocks noGrp="1"/>
+          </p:cNvSpPr>
+          <p:nvPr>
+            <p:ph type="body" sz="half" idx="2"/>
+          </p:nvPr>
+        </p:nvSpPr>
+        <p:spPr>
+          <a:xfrm>
+            <a:off x="913784" y="4650556"/>
+            <a:ext cx="10352199" cy="1140644"/>
+          </a:xfrm>
+        </p:spPr>
+        <p:txBody>
+          <a:bodyPr anchor="t"/>
+          <a:lstStyle>
+            <a:lvl1pPr marL="0" indent="0" algn="ctr">
+              <a:buNone/>
+              <a:defRPr sz="1600"/>
+            </a:lvl1pPr>
+            <a:lvl2pPr marL="457200" indent="0">
+              <a:buNone/>
+              <a:defRPr sz="1400"/>
+            </a:lvl2pPr>
+            <a:lvl3pPr marL="914400" indent="0">
+              <a:buNone/>
+              <a:defRPr sz="1200"/>
+            </a:lvl3pPr>
+            <a:lvl4pPr marL="1371600" indent="0">
+              <a:buNone/>
+              <a:defRPr sz="1000"/>
+            </a:lvl4pPr>
+            <a:lvl5pPr marL="1828800" indent="0">
+              <a:buNone/>
+              <a:defRPr sz="1000"/>
+            </a:lvl5pPr>
+            <a:lvl6pPr marL="2286000" indent="0">
+              <a:buNone/>
+              <a:defRPr sz="1000"/>
+            </a:lvl6pPr>
+            <a:lvl7pPr marL="2743200" indent="0">
+              <a:buNone/>
+              <a:defRPr sz="1000"/>
+            </a:lvl7pPr>
+            <a:lvl8pPr marL="3200400" indent="0">
+              <a:buNone/>
+              <a:defRPr sz="1000"/>
+            </a:lvl8pPr>
+            <a:lvl9pPr marL="3657600" indent="0">
+              <a:buNone/>
+              <a:defRPr sz="1000"/>
+            </a:lvl9pPr>
+          </a:lstStyle>
+          <a:p>
+            <a:pPr lvl="0"/>
+            <a:r>
+              <a:rPr lang="en-US"/>
+              <a:t>Edit Master text styles</a:t>
+            </a:r>
+          </a:p>
+        </p:txBody>
+      </p:sp>
+      <p:sp>
+        <p:nvSpPr>
+          <p:cNvPr id="5" name="Date Placeholder 4"/>
+          <p:cNvSpPr>
+            <a:spLocks noGrp="1"/>
+          </p:cNvSpPr>
+          <p:nvPr>
+            <p:ph type="dt" sz="half" idx="10"/>
+          </p:nvPr>
+        </p:nvSpPr>
+        <p:spPr/>
+        <p:txBody>
+          <a:bodyPr/>
+          <a:lstStyle/>
+          <a:p>
+            <a:fld id="{5CEF22E0-9ED4-437F-9483-C95BD90B631F}" type="datetimeFigureOut">
+              <a:rPr lang="en-US" smtClean="0"/>
+              <a:t>4/12/2017</a:t>
+            </a:fld>
+            <a:endParaRPr lang="en-US" dirty="0"/>
+          </a:p>
+        </p:txBody>
+      </p:sp>
+      <p:sp>
+        <p:nvSpPr>
+          <p:cNvPr id="6" name="Footer Placeholder 5"/>
+          <p:cNvSpPr>
+            <a:spLocks noGrp="1"/>
+          </p:cNvSpPr>
+          <p:nvPr>
+            <p:ph type="ftr" sz="quarter" idx="11"/>
+          </p:nvPr>
+        </p:nvSpPr>
+        <p:spPr/>
+        <p:txBody>
+          <a:bodyPr/>
+          <a:lstStyle/>
+          <a:p>
+            <a:endParaRPr lang="en-US" dirty="0"/>
+          </a:p>
+        </p:txBody>
+      </p:sp>
+      <p:sp>
+        <p:nvSpPr>
+          <p:cNvPr id="7" name="Slide Number Placeholder 6"/>
+          <p:cNvSpPr>
+            <a:spLocks noGrp="1"/>
+          </p:cNvSpPr>
+          <p:nvPr>
+            <p:ph type="sldNum" sz="quarter" idx="12"/>
+          </p:nvPr>
+        </p:nvSpPr>
+        <p:spPr/>
+        <p:txBody>
+          <a:bodyPr/>
+          <a:lstStyle/>
+          <a:p>
+            <a:fld id="{1EDEFC96-2EC8-4D82-9D2F-6E3723980FAB}" type="slidenum">
+              <a:rPr lang="en-US" smtClean="0"/>
+              <a:t>‹#›</a:t>
+            </a:fld>
+            <a:endParaRPr lang="en-US" dirty="0"/>
+          </a:p>
+        </p:txBody>
+      </p:sp>
+    </p:spTree>
+    <p:extLst>
+      <p:ext uri="{BB962C8B-B14F-4D97-AF65-F5344CB8AC3E}">
+        <p14:creationId xmlns:p14="http://schemas.microsoft.com/office/powerpoint/2010/main" val="2161221111"/>
+      </p:ext>
+    </p:extLst>
+  </p:cSld>
+  <p:clrMapOvr>
+    <a:masterClrMapping/>
+  </p:clrMapOvr>
+</p:sldLayout>
+</file>
+
+<file path=ppt/slideLayouts/slideLayout14.xml><?xml version="1.0" encoding="utf-8"?>
+<p:sldLayout xmlns:a="http://schemas.openxmlformats.org/drawingml/2006/main" xmlns:r="http://schemas.openxmlformats.org/officeDocument/2006/relationships" xmlns:p="http://schemas.openxmlformats.org/presentationml/2006/main" preserve="1">
+  <p:cSld name="3 Column">
+    <p:spTree>
+      <p:nvGrpSpPr>
+        <p:cNvPr id="1" name=""/>
+        <p:cNvGrpSpPr/>
+        <p:nvPr/>
+      </p:nvGrpSpPr>
+      <p:grpSpPr>
+        <a:xfrm>
+          <a:off x="0" y="0"/>
+          <a:ext cx="0" cy="0"/>
+          <a:chOff x="0" y="0"/>
+          <a:chExt cx="0" cy="0"/>
+        </a:xfrm>
+      </p:grpSpPr>
+      <p:sp>
+        <p:nvSpPr>
+          <p:cNvPr id="15" name="Title 1"/>
+          <p:cNvSpPr>
+            <a:spLocks noGrp="1"/>
+          </p:cNvSpPr>
+          <p:nvPr>
+            <p:ph type="title"/>
+          </p:nvPr>
+        </p:nvSpPr>
+        <p:spPr>
+          <a:xfrm>
+            <a:off x="913795" y="609600"/>
+            <a:ext cx="10353762" cy="970450"/>
+          </a:xfrm>
+        </p:spPr>
+        <p:txBody>
+          <a:bodyPr/>
+          <a:lstStyle/>
+          <a:p>
+            <a:r>
+              <a:rPr lang="en-US"/>
+              <a:t>Click to edit Master title style</a:t>
+            </a:r>
+            <a:endParaRPr lang="en-US" dirty="0"/>
+          </a:p>
+        </p:txBody>
+      </p:sp>
+      <p:sp>
+        <p:nvSpPr>
+          <p:cNvPr id="7" name="Text Placeholder 2"/>
+          <p:cNvSpPr>
+            <a:spLocks noGrp="1"/>
+          </p:cNvSpPr>
+          <p:nvPr>
+            <p:ph type="body" idx="1"/>
+          </p:nvPr>
+        </p:nvSpPr>
+        <p:spPr>
+          <a:xfrm>
+            <a:off x="913795" y="1885950"/>
+            <a:ext cx="3300984" cy="576262"/>
+          </a:xfrm>
+        </p:spPr>
+        <p:txBody>
+          <a:bodyPr anchor="b">
+            <a:noAutofit/>
+          </a:bodyPr>
+          <a:lstStyle>
+            <a:lvl1pPr marL="0" indent="0" algn="ctr">
+              <a:buNone/>
+              <a:defRPr sz="2400" b="0">
+                <a:solidFill>
+                  <a:schemeClr val="tx1"/>
+                </a:solidFill>
+              </a:defRPr>
+            </a:lvl1pPr>
+            <a:lvl2pPr marL="457200" indent="0">
+              <a:buNone/>
+              <a:defRPr sz="2000" b="1"/>
+            </a:lvl2pPr>
+            <a:lvl3pPr marL="914400" indent="0">
+              <a:buNone/>
+              <a:defRPr sz="1800" b="1"/>
+            </a:lvl3pPr>
+            <a:lvl4pPr marL="1371600" indent="0">
+              <a:buNone/>
+              <a:defRPr sz="1600" b="1"/>
+            </a:lvl4pPr>
+            <a:lvl5pPr marL="1828800" indent="0">
+              <a:buNone/>
+              <a:defRPr sz="1600" b="1"/>
+            </a:lvl5pPr>
+            <a:lvl6pPr marL="2286000" indent="0">
+              <a:buNone/>
+              <a:defRPr sz="1600" b="1"/>
+            </a:lvl6pPr>
+            <a:lvl7pPr marL="2743200" indent="0">
+              <a:buNone/>
+              <a:defRPr sz="1600" b="1"/>
+            </a:lvl7pPr>
+            <a:lvl8pPr marL="3200400" indent="0">
+              <a:buNone/>
+              <a:defRPr sz="1600" b="1"/>
+            </a:lvl8pPr>
+            <a:lvl9pPr marL="3657600" indent="0">
+              <a:buNone/>
+              <a:defRPr sz="1600" b="1"/>
+            </a:lvl9pPr>
+          </a:lstStyle>
+          <a:p>
+            <a:pPr lvl="0"/>
+            <a:r>
+              <a:rPr lang="en-US"/>
+              <a:t>Edit Master text styles</a:t>
+            </a:r>
+          </a:p>
+        </p:txBody>
+      </p:sp>
+      <p:sp>
+        <p:nvSpPr>
+          <p:cNvPr id="8" name="Text Placeholder 3"/>
+          <p:cNvSpPr>
+            <a:spLocks noGrp="1"/>
+          </p:cNvSpPr>
+          <p:nvPr>
+            <p:ph type="body" sz="half" idx="15"/>
+          </p:nvPr>
+        </p:nvSpPr>
+        <p:spPr>
+          <a:xfrm>
+            <a:off x="913795" y="2571750"/>
+            <a:ext cx="3300984" cy="3219450"/>
+          </a:xfrm>
+        </p:spPr>
+        <p:txBody>
+          <a:bodyPr anchor="t">
+            <a:normAutofit/>
+          </a:bodyPr>
+          <a:lstStyle>
+            <a:lvl1pPr marL="0" indent="0" algn="ctr">
+              <a:buNone/>
+              <a:defRPr sz="1400"/>
+            </a:lvl1pPr>
+            <a:lvl2pPr marL="457200" indent="0">
+              <a:buNone/>
+              <a:defRPr sz="1200"/>
+            </a:lvl2pPr>
+            <a:lvl3pPr marL="914400" indent="0">
+              <a:buNone/>
+              <a:defRPr sz="1000"/>
+            </a:lvl3pPr>
+            <a:lvl4pPr marL="1371600" indent="0">
+              <a:buNone/>
+              <a:defRPr sz="900"/>
+            </a:lvl4pPr>
+            <a:lvl5pPr marL="1828800" indent="0">
+              <a:buNone/>
+              <a:defRPr sz="900"/>
+            </a:lvl5pPr>
+            <a:lvl6pPr marL="2286000" indent="0">
+              <a:buNone/>
+              <a:defRPr sz="900"/>
+            </a:lvl6pPr>
+            <a:lvl7pPr marL="2743200" indent="0">
+              <a:buNone/>
+              <a:defRPr sz="900"/>
+            </a:lvl7pPr>
+            <a:lvl8pPr marL="3200400" indent="0">
+              <a:buNone/>
+              <a:defRPr sz="900"/>
+            </a:lvl8pPr>
+            <a:lvl9pPr marL="3657600" indent="0">
+              <a:buNone/>
+              <a:defRPr sz="900"/>
+            </a:lvl9pPr>
+          </a:lstStyle>
+          <a:p>
+            <a:pPr lvl="0"/>
+            <a:r>
+              <a:rPr lang="en-US"/>
+              <a:t>Edit Master text styles</a:t>
+            </a:r>
+          </a:p>
+        </p:txBody>
+      </p:sp>
+      <p:sp>
+        <p:nvSpPr>
+          <p:cNvPr id="9" name="Text Placeholder 4"/>
+          <p:cNvSpPr>
+            <a:spLocks noGrp="1"/>
+          </p:cNvSpPr>
+          <p:nvPr>
+            <p:ph type="body" sz="quarter" idx="3"/>
+          </p:nvPr>
+        </p:nvSpPr>
+        <p:spPr>
+          <a:xfrm>
+            <a:off x="4446711" y="1885950"/>
+            <a:ext cx="3300984" cy="576262"/>
+          </a:xfrm>
+        </p:spPr>
+        <p:txBody>
+          <a:bodyPr anchor="b">
+            <a:noAutofit/>
+          </a:bodyPr>
+          <a:lstStyle>
+            <a:lvl1pPr marL="0" indent="0" algn="ctr">
+              <a:buNone/>
+              <a:defRPr sz="2400" b="0">
+                <a:solidFill>
+                  <a:schemeClr val="tx1"/>
+                </a:solidFill>
+              </a:defRPr>
+            </a:lvl1pPr>
+            <a:lvl2pPr marL="457200" indent="0">
+              <a:buNone/>
+              <a:defRPr sz="2000" b="1"/>
+            </a:lvl2pPr>
+            <a:lvl3pPr marL="914400" indent="0">
+              <a:buNone/>
+              <a:defRPr sz="1800" b="1"/>
+            </a:lvl3pPr>
+            <a:lvl4pPr marL="1371600" indent="0">
+              <a:buNone/>
+              <a:defRPr sz="1600" b="1"/>
+            </a:lvl4pPr>
+            <a:lvl5pPr marL="1828800" indent="0">
+              <a:buNone/>
+              <a:defRPr sz="1600" b="1"/>
+            </a:lvl5pPr>
+            <a:lvl6pPr marL="2286000" indent="0">
+              <a:buNone/>
+              <a:defRPr sz="1600" b="1"/>
+            </a:lvl6pPr>
+            <a:lvl7pPr marL="2743200" indent="0">
+              <a:buNone/>
+              <a:defRPr sz="1600" b="1"/>
+            </a:lvl7pPr>
+            <a:lvl8pPr marL="3200400" indent="0">
+              <a:buNone/>
+              <a:defRPr sz="1600" b="1"/>
+            </a:lvl8pPr>
+            <a:lvl9pPr marL="3657600" indent="0">
+              <a:buNone/>
+              <a:defRPr sz="1600" b="1"/>
+            </a:lvl9pPr>
+          </a:lstStyle>
+          <a:p>
+            <a:pPr lvl="0"/>
+            <a:r>
+              <a:rPr lang="en-US"/>
+              <a:t>Edit Master text styles</a:t>
+            </a:r>
+          </a:p>
+        </p:txBody>
+      </p:sp>
+      <p:sp>
+        <p:nvSpPr>
+          <p:cNvPr id="10" name="Text Placeholder 3"/>
+          <p:cNvSpPr>
+            <a:spLocks noGrp="1"/>
+          </p:cNvSpPr>
+          <p:nvPr>
+            <p:ph type="body" sz="half" idx="16"/>
+          </p:nvPr>
+        </p:nvSpPr>
+        <p:spPr>
+          <a:xfrm>
+            <a:off x="4441435" y="2571750"/>
+            <a:ext cx="3300984" cy="3219450"/>
+          </a:xfrm>
+        </p:spPr>
+        <p:txBody>
+          <a:bodyPr anchor="t">
+            <a:normAutofit/>
+          </a:bodyPr>
+          <a:lstStyle>
+            <a:lvl1pPr marL="0" indent="0" algn="ctr">
+              <a:buNone/>
+              <a:defRPr sz="1400"/>
+            </a:lvl1pPr>
+            <a:lvl2pPr marL="457200" indent="0">
+              <a:buNone/>
+              <a:defRPr sz="1200"/>
+            </a:lvl2pPr>
+            <a:lvl3pPr marL="914400" indent="0">
+              <a:buNone/>
+              <a:defRPr sz="1000"/>
+            </a:lvl3pPr>
+            <a:lvl4pPr marL="1371600" indent="0">
+              <a:buNone/>
+              <a:defRPr sz="900"/>
+            </a:lvl4pPr>
+            <a:lvl5pPr marL="1828800" indent="0">
+              <a:buNone/>
+              <a:defRPr sz="900"/>
+            </a:lvl5pPr>
+            <a:lvl6pPr marL="2286000" indent="0">
+              <a:buNone/>
+              <a:defRPr sz="900"/>
+            </a:lvl6pPr>
+            <a:lvl7pPr marL="2743200" indent="0">
+              <a:buNone/>
+              <a:defRPr sz="900"/>
+            </a:lvl7pPr>
+            <a:lvl8pPr marL="3200400" indent="0">
+              <a:buNone/>
+              <a:defRPr sz="900"/>
+            </a:lvl8pPr>
+            <a:lvl9pPr marL="3657600" indent="0">
+              <a:buNone/>
+              <a:defRPr sz="900"/>
+            </a:lvl9pPr>
+          </a:lstStyle>
+          <a:p>
+            <a:pPr lvl="0"/>
+            <a:r>
+              <a:rPr lang="en-US"/>
+              <a:t>Edit Master text styles</a:t>
+            </a:r>
+          </a:p>
+        </p:txBody>
+      </p:sp>
+      <p:sp>
+        <p:nvSpPr>
+          <p:cNvPr id="11" name="Text Placeholder 4"/>
+          <p:cNvSpPr>
+            <a:spLocks noGrp="1"/>
+          </p:cNvSpPr>
+          <p:nvPr>
+            <p:ph type="body" sz="quarter" idx="13"/>
+          </p:nvPr>
+        </p:nvSpPr>
+        <p:spPr>
+          <a:xfrm>
+            <a:off x="7966572" y="1885950"/>
+            <a:ext cx="3300984" cy="576262"/>
+          </a:xfrm>
+        </p:spPr>
+        <p:txBody>
+          <a:bodyPr anchor="b">
+            <a:noAutofit/>
+          </a:bodyPr>
+          <a:lstStyle>
+            <a:lvl1pPr marL="0" indent="0" algn="ctr">
+              <a:buNone/>
+              <a:defRPr sz="2400" b="0">
+                <a:solidFill>
+                  <a:schemeClr val="tx1"/>
+                </a:solidFill>
+              </a:defRPr>
+            </a:lvl1pPr>
+            <a:lvl2pPr marL="457200" indent="0">
+              <a:buNone/>
+              <a:defRPr sz="2000" b="1"/>
+            </a:lvl2pPr>
+            <a:lvl3pPr marL="914400" indent="0">
+              <a:buNone/>
+              <a:defRPr sz="1800" b="1"/>
+            </a:lvl3pPr>
+            <a:lvl4pPr marL="1371600" indent="0">
+              <a:buNone/>
+              <a:defRPr sz="1600" b="1"/>
+            </a:lvl4pPr>
+            <a:lvl5pPr marL="1828800" indent="0">
+              <a:buNone/>
+              <a:defRPr sz="1600" b="1"/>
+            </a:lvl5pPr>
+            <a:lvl6pPr marL="2286000" indent="0">
+              <a:buNone/>
+              <a:defRPr sz="1600" b="1"/>
+            </a:lvl6pPr>
+            <a:lvl7pPr marL="2743200" indent="0">
+              <a:buNone/>
+              <a:defRPr sz="1600" b="1"/>
+            </a:lvl7pPr>
+            <a:lvl8pPr marL="3200400" indent="0">
+              <a:buNone/>
+              <a:defRPr sz="1600" b="1"/>
+            </a:lvl8pPr>
+            <a:lvl9pPr marL="3657600" indent="0">
+              <a:buNone/>
+              <a:defRPr sz="1600" b="1"/>
+            </a:lvl9pPr>
+          </a:lstStyle>
+          <a:p>
+            <a:pPr lvl="0"/>
+            <a:r>
+              <a:rPr lang="en-US"/>
+              <a:t>Edit Master text styles</a:t>
+            </a:r>
+          </a:p>
+        </p:txBody>
+      </p:sp>
+      <p:sp>
+        <p:nvSpPr>
+          <p:cNvPr id="12" name="Text Placeholder 3"/>
+          <p:cNvSpPr>
+            <a:spLocks noGrp="1"/>
+          </p:cNvSpPr>
+          <p:nvPr>
+            <p:ph type="body" sz="half" idx="17"/>
+          </p:nvPr>
+        </p:nvSpPr>
+        <p:spPr>
+          <a:xfrm>
+            <a:off x="7966572" y="2571750"/>
+            <a:ext cx="3300984" cy="3219450"/>
+          </a:xfrm>
+        </p:spPr>
+        <p:txBody>
+          <a:bodyPr anchor="t">
+            <a:normAutofit/>
+          </a:bodyPr>
+          <a:lstStyle>
+            <a:lvl1pPr marL="0" indent="0" algn="ctr">
+              <a:buNone/>
+              <a:defRPr sz="1400"/>
+            </a:lvl1pPr>
+            <a:lvl2pPr marL="457200" indent="0">
+              <a:buNone/>
+              <a:defRPr sz="1200"/>
+            </a:lvl2pPr>
+            <a:lvl3pPr marL="914400" indent="0">
+              <a:buNone/>
+              <a:defRPr sz="1000"/>
+            </a:lvl3pPr>
+            <a:lvl4pPr marL="1371600" indent="0">
+              <a:buNone/>
+              <a:defRPr sz="900"/>
+            </a:lvl4pPr>
+            <a:lvl5pPr marL="1828800" indent="0">
+              <a:buNone/>
+              <a:defRPr sz="900"/>
+            </a:lvl5pPr>
+            <a:lvl6pPr marL="2286000" indent="0">
+              <a:buNone/>
+              <a:defRPr sz="900"/>
+            </a:lvl6pPr>
+            <a:lvl7pPr marL="2743200" indent="0">
+              <a:buNone/>
+              <a:defRPr sz="900"/>
+            </a:lvl7pPr>
+            <a:lvl8pPr marL="3200400" indent="0">
+              <a:buNone/>
+              <a:defRPr sz="900"/>
+            </a:lvl8pPr>
+            <a:lvl9pPr marL="3657600" indent="0">
+              <a:buNone/>
+              <a:defRPr sz="900"/>
+            </a:lvl9pPr>
+          </a:lstStyle>
+          <a:p>
+            <a:pPr lvl="0"/>
+            <a:r>
+              <a:rPr lang="en-US"/>
+              <a:t>Edit Master text styles</a:t>
+            </a:r>
+          </a:p>
+        </p:txBody>
+      </p:sp>
+      <p:sp>
+        <p:nvSpPr>
+          <p:cNvPr id="3" name="Date Placeholder 2"/>
+          <p:cNvSpPr>
+            <a:spLocks noGrp="1"/>
+          </p:cNvSpPr>
+          <p:nvPr>
+            <p:ph type="dt" sz="half" idx="10"/>
+          </p:nvPr>
+        </p:nvSpPr>
+        <p:spPr/>
+        <p:txBody>
+          <a:bodyPr/>
+          <a:lstStyle/>
+          <a:p>
+            <a:fld id="{5CEF22E0-9ED4-437F-9483-C95BD90B631F}" type="datetimeFigureOut">
+              <a:rPr lang="en-US" smtClean="0"/>
+              <a:t>4/12/2017</a:t>
+            </a:fld>
+            <a:endParaRPr lang="en-US" dirty="0"/>
+          </a:p>
+        </p:txBody>
+      </p:sp>
+      <p:sp>
+        <p:nvSpPr>
+          <p:cNvPr id="4" name="Footer Placeholder 3"/>
+          <p:cNvSpPr>
+            <a:spLocks noGrp="1"/>
+          </p:cNvSpPr>
+          <p:nvPr>
+            <p:ph type="ftr" sz="quarter" idx="11"/>
+          </p:nvPr>
+        </p:nvSpPr>
+        <p:spPr/>
+        <p:txBody>
+          <a:bodyPr/>
+          <a:lstStyle/>
+          <a:p>
+            <a:endParaRPr lang="en-US" dirty="0"/>
+          </a:p>
+        </p:txBody>
+      </p:sp>
+      <p:sp>
+        <p:nvSpPr>
+          <p:cNvPr id="5" name="Slide Number Placeholder 4"/>
+          <p:cNvSpPr>
+            <a:spLocks noGrp="1"/>
+          </p:cNvSpPr>
+          <p:nvPr>
+            <p:ph type="sldNum" sz="quarter" idx="12"/>
+          </p:nvPr>
+        </p:nvSpPr>
+        <p:spPr/>
+        <p:txBody>
+          <a:bodyPr/>
+          <a:lstStyle/>
+          <a:p>
+            <a:fld id="{1EDEFC96-2EC8-4D82-9D2F-6E3723980FAB}" type="slidenum">
+              <a:rPr lang="en-US" smtClean="0"/>
+              <a:t>‹#›</a:t>
+            </a:fld>
+            <a:endParaRPr lang="en-US" dirty="0"/>
+          </a:p>
+        </p:txBody>
+      </p:sp>
+    </p:spTree>
+    <p:extLst>
+      <p:ext uri="{BB962C8B-B14F-4D97-AF65-F5344CB8AC3E}">
+        <p14:creationId xmlns:p14="http://schemas.microsoft.com/office/powerpoint/2010/main" val="3046152111"/>
+      </p:ext>
+    </p:extLst>
+  </p:cSld>
+  <p:clrMapOvr>
+    <a:masterClrMapping/>
+  </p:clrMapOvr>
+</p:sldLayout>
+</file>
+
+<file path=ppt/slideLayouts/slideLayout15.xml><?xml version="1.0" encoding="utf-8"?>
+<p:sldLayout xmlns:a="http://schemas.openxmlformats.org/drawingml/2006/main" xmlns:r="http://schemas.openxmlformats.org/officeDocument/2006/relationships" xmlns:p="http://schemas.openxmlformats.org/presentationml/2006/main" preserve="1">
+  <p:cSld name="3 Picture Column">
+    <p:spTree>
+      <p:nvGrpSpPr>
+        <p:cNvPr id="1" name=""/>
+        <p:cNvGrpSpPr/>
+        <p:nvPr/>
+      </p:nvGrpSpPr>
+      <p:grpSpPr>
+        <a:xfrm>
+          <a:off x="0" y="0"/>
+          <a:ext cx="0" cy="0"/>
+          <a:chOff x="0" y="0"/>
+          <a:chExt cx="0" cy="0"/>
+        </a:xfrm>
+      </p:grpSpPr>
+      <p:pic>
+        <p:nvPicPr>
+          <p:cNvPr id="2" name="Picture 1" descr="Slate-V2-HD-3colPhotoInset.png"/>
+          <p:cNvPicPr>
+            <a:picLocks noChangeAspect="1"/>
+          </p:cNvPicPr>
+          <p:nvPr/>
+        </p:nvPicPr>
+        <p:blipFill>
+          <a:blip r:embed="rId2">
+            <a:extLst>
+              <a:ext uri="{28A0092B-C50C-407E-A947-70E740481C1C}">
+                <a14:useLocalDpi xmlns:a14="http://schemas.microsoft.com/office/drawing/2010/main" val="0"/>
+              </a:ext>
+            </a:extLst>
+          </a:blip>
+          <a:stretch>
+            <a:fillRect/>
+          </a:stretch>
+        </p:blipFill>
+        <p:spPr>
+          <a:xfrm>
+            <a:off x="897962" y="1818214"/>
+            <a:ext cx="3339972" cy="1847851"/>
+          </a:xfrm>
+          <a:prstGeom prst="rect">
+            <a:avLst/>
+          </a:prstGeom>
+        </p:spPr>
+      </p:pic>
+      <p:pic>
+        <p:nvPicPr>
+          <p:cNvPr id="36" name="Picture 35" descr="Slate-V2-HD-3colPhotoInset.png"/>
+          <p:cNvPicPr>
+            <a:picLocks noChangeAspect="1"/>
+          </p:cNvPicPr>
+          <p:nvPr/>
+        </p:nvPicPr>
+        <p:blipFill>
+          <a:blip r:embed="rId2">
+            <a:extLst>
+              <a:ext uri="{28A0092B-C50C-407E-A947-70E740481C1C}">
+                <a14:useLocalDpi xmlns:a14="http://schemas.microsoft.com/office/drawing/2010/main" val="0"/>
+              </a:ext>
+            </a:extLst>
+          </a:blip>
+          <a:stretch>
+            <a:fillRect/>
+          </a:stretch>
+        </p:blipFill>
+        <p:spPr>
+          <a:xfrm>
+            <a:off x="4403800" y="1818214"/>
+            <a:ext cx="3339972" cy="1847851"/>
+          </a:xfrm>
+          <a:prstGeom prst="rect">
+            <a:avLst/>
+          </a:prstGeom>
+        </p:spPr>
+      </p:pic>
+      <p:pic>
+        <p:nvPicPr>
+          <p:cNvPr id="37" name="Picture 36" descr="Slate-V2-HD-3colPhotoInset.png"/>
+          <p:cNvPicPr>
+            <a:picLocks noChangeAspect="1"/>
+          </p:cNvPicPr>
+          <p:nvPr/>
+        </p:nvPicPr>
+        <p:blipFill>
+          <a:blip r:embed="rId2">
+            <a:extLst>
+              <a:ext uri="{28A0092B-C50C-407E-A947-70E740481C1C}">
+                <a14:useLocalDpi xmlns:a14="http://schemas.microsoft.com/office/drawing/2010/main" val="0"/>
+              </a:ext>
+            </a:extLst>
+          </a:blip>
+          <a:stretch>
+            <a:fillRect/>
+          </a:stretch>
+        </p:blipFill>
+        <p:spPr>
+          <a:xfrm>
+            <a:off x="7936051" y="1818214"/>
+            <a:ext cx="3339972" cy="1847851"/>
+          </a:xfrm>
+          <a:prstGeom prst="rect">
+            <a:avLst/>
+          </a:prstGeom>
+        </p:spPr>
+      </p:pic>
+      <p:sp>
+        <p:nvSpPr>
+          <p:cNvPr id="30" name="Title 1"/>
+          <p:cNvSpPr>
+            <a:spLocks noGrp="1"/>
+          </p:cNvSpPr>
+          <p:nvPr>
+            <p:ph type="title"/>
+          </p:nvPr>
+        </p:nvSpPr>
+        <p:spPr>
+          <a:xfrm>
+            <a:off x="913794" y="609600"/>
+            <a:ext cx="10353763" cy="970450"/>
+          </a:xfrm>
+        </p:spPr>
+        <p:txBody>
+          <a:bodyPr/>
+          <a:lstStyle/>
+          <a:p>
+            <a:r>
+              <a:rPr lang="en-US"/>
+              <a:t>Click to edit Master title style</a:t>
+            </a:r>
+            <a:endParaRPr lang="en-US" dirty="0"/>
+          </a:p>
+        </p:txBody>
+      </p:sp>
+      <p:sp>
+        <p:nvSpPr>
+          <p:cNvPr id="19" name="Text Placeholder 2"/>
+          <p:cNvSpPr>
+            <a:spLocks noGrp="1"/>
+          </p:cNvSpPr>
+          <p:nvPr>
+            <p:ph type="body" idx="1"/>
+          </p:nvPr>
+        </p:nvSpPr>
+        <p:spPr>
+          <a:xfrm>
+            <a:off x="913795" y="3904106"/>
+            <a:ext cx="3300984" cy="576262"/>
+          </a:xfrm>
+        </p:spPr>
+        <p:txBody>
+          <a:bodyPr anchor="b">
+            <a:noAutofit/>
+          </a:bodyPr>
+          <a:lstStyle>
+            <a:lvl1pPr marL="0" indent="0" algn="ctr">
+              <a:buNone/>
+              <a:defRPr sz="2000" b="0">
+                <a:solidFill>
+                  <a:schemeClr val="tx1"/>
+                </a:solidFill>
+              </a:defRPr>
+            </a:lvl1pPr>
+            <a:lvl2pPr marL="457200" indent="0">
+              <a:buNone/>
+              <a:defRPr sz="2000" b="1"/>
+            </a:lvl2pPr>
+            <a:lvl3pPr marL="914400" indent="0">
+              <a:buNone/>
+              <a:defRPr sz="1800" b="1"/>
+            </a:lvl3pPr>
+            <a:lvl4pPr marL="1371600" indent="0">
+              <a:buNone/>
+              <a:defRPr sz="1600" b="1"/>
+            </a:lvl4pPr>
+            <a:lvl5pPr marL="1828800" indent="0">
+              <a:buNone/>
+              <a:defRPr sz="1600" b="1"/>
+            </a:lvl5pPr>
+            <a:lvl6pPr marL="2286000" indent="0">
+              <a:buNone/>
+              <a:defRPr sz="1600" b="1"/>
+            </a:lvl6pPr>
+            <a:lvl7pPr marL="2743200" indent="0">
+              <a:buNone/>
+              <a:defRPr sz="1600" b="1"/>
+            </a:lvl7pPr>
+            <a:lvl8pPr marL="3200400" indent="0">
+              <a:buNone/>
+              <a:defRPr sz="1600" b="1"/>
+            </a:lvl8pPr>
+            <a:lvl9pPr marL="3657600" indent="0">
+              <a:buNone/>
+              <a:defRPr sz="1600" b="1"/>
+            </a:lvl9pPr>
+          </a:lstStyle>
+          <a:p>
+            <a:pPr lvl="0"/>
+            <a:r>
+              <a:rPr lang="en-US"/>
+              <a:t>Edit Master text styles</a:t>
+            </a:r>
+          </a:p>
+        </p:txBody>
+      </p:sp>
+      <p:sp>
+        <p:nvSpPr>
+          <p:cNvPr id="20" name="Picture Placeholder 2"/>
+          <p:cNvSpPr>
+            <a:spLocks noGrp="1" noChangeAspect="1"/>
+          </p:cNvSpPr>
+          <p:nvPr>
+            <p:ph type="pic" idx="15"/>
+          </p:nvPr>
+        </p:nvSpPr>
+        <p:spPr>
+          <a:xfrm>
+            <a:off x="1018102" y="1938918"/>
+            <a:ext cx="3092368" cy="1602954"/>
+          </a:xfrm>
+          <a:prstGeom prst="roundRect">
+            <a:avLst>
+              <a:gd name="adj" fmla="val 1858"/>
+            </a:avLst>
+          </a:prstGeom>
+          <a:effectLst>
+            <a:outerShdw blurRad="38100" dist="25400" dir="4440000">
+              <a:srgbClr val="000000">
+                <a:alpha val="36000"/>
+              </a:srgbClr>
+            </a:outerShdw>
+          </a:effectLst>
+        </p:spPr>
+        <p:txBody>
+          <a:bodyPr anchor="t">
+            <a:normAutofit/>
+          </a:bodyPr>
+          <a:lstStyle>
+            <a:lvl1pPr marL="0" indent="0" algn="ctr">
+              <a:buNone/>
+              <a:defRPr sz="1600"/>
+            </a:lvl1pPr>
+            <a:lvl2pPr marL="457200" indent="0">
+              <a:buNone/>
+              <a:defRPr sz="1600"/>
+            </a:lvl2pPr>
+            <a:lvl3pPr marL="914400" indent="0">
+              <a:buNone/>
+              <a:defRPr sz="1600"/>
+            </a:lvl3pPr>
+            <a:lvl4pPr marL="1371600" indent="0">
+              <a:buNone/>
+              <a:defRPr sz="1600"/>
+            </a:lvl4pPr>
+            <a:lvl5pPr marL="1828800" indent="0">
+              <a:buNone/>
+              <a:defRPr sz="1600"/>
+            </a:lvl5pPr>
+            <a:lvl6pPr marL="2286000" indent="0">
+              <a:buNone/>
+              <a:defRPr sz="1600"/>
+            </a:lvl6pPr>
+            <a:lvl7pPr marL="2743200" indent="0">
+              <a:buNone/>
+              <a:defRPr sz="1600"/>
+            </a:lvl7pPr>
+            <a:lvl8pPr marL="3200400" indent="0">
+              <a:buNone/>
+              <a:defRPr sz="1600"/>
+            </a:lvl8pPr>
+            <a:lvl9pPr marL="3657600" indent="0">
+              <a:buNone/>
+              <a:defRPr sz="1600"/>
+            </a:lvl9pPr>
+          </a:lstStyle>
+          <a:p>
+            <a:r>
+              <a:rPr lang="en-US"/>
+              <a:t>Click icon to add picture</a:t>
+            </a:r>
+            <a:endParaRPr lang="en-US" dirty="0"/>
+          </a:p>
+        </p:txBody>
+      </p:sp>
+      <p:sp>
+        <p:nvSpPr>
+          <p:cNvPr id="21" name="Text Placeholder 3"/>
+          <p:cNvSpPr>
+            <a:spLocks noGrp="1"/>
+          </p:cNvSpPr>
+          <p:nvPr>
+            <p:ph type="body" sz="half" idx="18"/>
+          </p:nvPr>
+        </p:nvSpPr>
+        <p:spPr>
+          <a:xfrm>
+            <a:off x="913795" y="4480368"/>
+            <a:ext cx="3300984" cy="1310833"/>
+          </a:xfrm>
+        </p:spPr>
+        <p:txBody>
+          <a:bodyPr anchor="t">
+            <a:normAutofit/>
+          </a:bodyPr>
+          <a:lstStyle>
+            <a:lvl1pPr marL="0" indent="0" algn="ctr">
+              <a:buNone/>
+              <a:defRPr sz="1400"/>
+            </a:lvl1pPr>
+            <a:lvl2pPr marL="457200" indent="0">
+              <a:buNone/>
+              <a:defRPr sz="1200"/>
+            </a:lvl2pPr>
+            <a:lvl3pPr marL="914400" indent="0">
+              <a:buNone/>
+              <a:defRPr sz="1000"/>
+            </a:lvl3pPr>
+            <a:lvl4pPr marL="1371600" indent="0">
+              <a:buNone/>
+              <a:defRPr sz="900"/>
+            </a:lvl4pPr>
+            <a:lvl5pPr marL="1828800" indent="0">
+              <a:buNone/>
+              <a:defRPr sz="900"/>
+            </a:lvl5pPr>
+            <a:lvl6pPr marL="2286000" indent="0">
+              <a:buNone/>
+              <a:defRPr sz="900"/>
+            </a:lvl6pPr>
+            <a:lvl7pPr marL="2743200" indent="0">
+              <a:buNone/>
+              <a:defRPr sz="900"/>
+            </a:lvl7pPr>
+            <a:lvl8pPr marL="3200400" indent="0">
+              <a:buNone/>
+              <a:defRPr sz="900"/>
+            </a:lvl8pPr>
+            <a:lvl9pPr marL="3657600" indent="0">
+              <a:buNone/>
+              <a:defRPr sz="900"/>
+            </a:lvl9pPr>
+          </a:lstStyle>
+          <a:p>
+            <a:pPr lvl="0"/>
+            <a:r>
+              <a:rPr lang="en-US"/>
+              <a:t>Edit Master text styles</a:t>
+            </a:r>
+          </a:p>
+        </p:txBody>
+      </p:sp>
+      <p:sp>
+        <p:nvSpPr>
+          <p:cNvPr id="22" name="Text Placeholder 4"/>
+          <p:cNvSpPr>
+            <a:spLocks noGrp="1"/>
+          </p:cNvSpPr>
+          <p:nvPr>
+            <p:ph type="body" sz="quarter" idx="3"/>
+          </p:nvPr>
+        </p:nvSpPr>
+        <p:spPr>
+          <a:xfrm>
+            <a:off x="4442788" y="3904106"/>
+            <a:ext cx="3300984" cy="576262"/>
+          </a:xfrm>
+        </p:spPr>
+        <p:txBody>
+          <a:bodyPr anchor="b">
+            <a:noAutofit/>
+          </a:bodyPr>
+          <a:lstStyle>
+            <a:lvl1pPr marL="0" indent="0" algn="ctr">
+              <a:buNone/>
+              <a:defRPr sz="2000" b="0">
+                <a:solidFill>
+                  <a:schemeClr val="tx1"/>
+                </a:solidFill>
+              </a:defRPr>
+            </a:lvl1pPr>
+            <a:lvl2pPr marL="457200" indent="0">
+              <a:buNone/>
+              <a:defRPr sz="2000" b="1"/>
+            </a:lvl2pPr>
+            <a:lvl3pPr marL="914400" indent="0">
+              <a:buNone/>
+              <a:defRPr sz="1800" b="1"/>
+            </a:lvl3pPr>
+            <a:lvl4pPr marL="1371600" indent="0">
+              <a:buNone/>
+              <a:defRPr sz="1600" b="1"/>
+            </a:lvl4pPr>
+            <a:lvl5pPr marL="1828800" indent="0">
+              <a:buNone/>
+              <a:defRPr sz="1600" b="1"/>
+            </a:lvl5pPr>
+            <a:lvl6pPr marL="2286000" indent="0">
+              <a:buNone/>
+              <a:defRPr sz="1600" b="1"/>
+            </a:lvl6pPr>
+            <a:lvl7pPr marL="2743200" indent="0">
+              <a:buNone/>
+              <a:defRPr sz="1600" b="1"/>
+            </a:lvl7pPr>
+            <a:lvl8pPr marL="3200400" indent="0">
+              <a:buNone/>
+              <a:defRPr sz="1600" b="1"/>
+            </a:lvl8pPr>
+            <a:lvl9pPr marL="3657600" indent="0">
+              <a:buNone/>
+              <a:defRPr sz="1600" b="1"/>
+            </a:lvl9pPr>
+          </a:lstStyle>
+          <a:p>
+            <a:pPr lvl="0"/>
+            <a:r>
+              <a:rPr lang="en-US"/>
+              <a:t>Edit Master text styles</a:t>
+            </a:r>
+          </a:p>
+        </p:txBody>
+      </p:sp>
+      <p:sp>
+        <p:nvSpPr>
+          <p:cNvPr id="23" name="Picture Placeholder 2"/>
+          <p:cNvSpPr>
+            <a:spLocks noGrp="1" noChangeAspect="1"/>
+          </p:cNvSpPr>
+          <p:nvPr>
+            <p:ph type="pic" idx="21"/>
+          </p:nvPr>
+        </p:nvSpPr>
+        <p:spPr>
+          <a:xfrm>
+            <a:off x="4545743" y="1939094"/>
+            <a:ext cx="3092368" cy="1608164"/>
+          </a:xfrm>
+          <a:prstGeom prst="roundRect">
+            <a:avLst>
+              <a:gd name="adj" fmla="val 1858"/>
+            </a:avLst>
+          </a:prstGeom>
+          <a:effectLst>
+            <a:outerShdw blurRad="38100" dist="25400" dir="4440000">
+              <a:srgbClr val="000000">
+                <a:alpha val="36000"/>
+              </a:srgbClr>
+            </a:outerShdw>
+          </a:effectLst>
+        </p:spPr>
+        <p:txBody>
+          <a:bodyPr anchor="t">
+            <a:normAutofit/>
+          </a:bodyPr>
+          <a:lstStyle>
+            <a:lvl1pPr marL="0" indent="0" algn="ctr">
+              <a:buNone/>
+              <a:defRPr sz="1600"/>
+            </a:lvl1pPr>
+            <a:lvl2pPr marL="457200" indent="0">
+              <a:buNone/>
+              <a:defRPr sz="1600"/>
+            </a:lvl2pPr>
+            <a:lvl3pPr marL="914400" indent="0">
+              <a:buNone/>
+              <a:defRPr sz="1600"/>
+            </a:lvl3pPr>
+            <a:lvl4pPr marL="1371600" indent="0">
+              <a:buNone/>
+              <a:defRPr sz="1600"/>
+            </a:lvl4pPr>
+            <a:lvl5pPr marL="1828800" indent="0">
+              <a:buNone/>
+              <a:defRPr sz="1600"/>
+            </a:lvl5pPr>
+            <a:lvl6pPr marL="2286000" indent="0">
+              <a:buNone/>
+              <a:defRPr sz="1600"/>
+            </a:lvl6pPr>
+            <a:lvl7pPr marL="2743200" indent="0">
+              <a:buNone/>
+              <a:defRPr sz="1600"/>
+            </a:lvl7pPr>
+            <a:lvl8pPr marL="3200400" indent="0">
+              <a:buNone/>
+              <a:defRPr sz="1600"/>
+            </a:lvl8pPr>
+            <a:lvl9pPr marL="3657600" indent="0">
+              <a:buNone/>
+              <a:defRPr sz="1600"/>
+            </a:lvl9pPr>
+          </a:lstStyle>
+          <a:p>
+            <a:r>
+              <a:rPr lang="en-US"/>
+              <a:t>Click icon to add picture</a:t>
+            </a:r>
+            <a:endParaRPr lang="en-US" dirty="0"/>
+          </a:p>
+        </p:txBody>
+      </p:sp>
+      <p:sp>
+        <p:nvSpPr>
+          <p:cNvPr id="24" name="Text Placeholder 3"/>
+          <p:cNvSpPr>
+            <a:spLocks noGrp="1"/>
+          </p:cNvSpPr>
+          <p:nvPr>
+            <p:ph type="body" sz="half" idx="19"/>
+          </p:nvPr>
+        </p:nvSpPr>
+        <p:spPr>
+          <a:xfrm>
+            <a:off x="4441435" y="4480367"/>
+            <a:ext cx="3300984" cy="1310833"/>
+          </a:xfrm>
+        </p:spPr>
+        <p:txBody>
+          <a:bodyPr anchor="t">
+            <a:normAutofit/>
+          </a:bodyPr>
+          <a:lstStyle>
+            <a:lvl1pPr marL="0" indent="0" algn="ctr">
+              <a:buNone/>
+              <a:defRPr sz="1400"/>
+            </a:lvl1pPr>
+            <a:lvl2pPr marL="457200" indent="0">
+              <a:buNone/>
+              <a:defRPr sz="1200"/>
+            </a:lvl2pPr>
+            <a:lvl3pPr marL="914400" indent="0">
+              <a:buNone/>
+              <a:defRPr sz="1000"/>
+            </a:lvl3pPr>
+            <a:lvl4pPr marL="1371600" indent="0">
+              <a:buNone/>
+              <a:defRPr sz="900"/>
+            </a:lvl4pPr>
+            <a:lvl5pPr marL="1828800" indent="0">
+              <a:buNone/>
+              <a:defRPr sz="900"/>
+            </a:lvl5pPr>
+            <a:lvl6pPr marL="2286000" indent="0">
+              <a:buNone/>
+              <a:defRPr sz="900"/>
+            </a:lvl6pPr>
+            <a:lvl7pPr marL="2743200" indent="0">
+              <a:buNone/>
+              <a:defRPr sz="900"/>
+            </a:lvl7pPr>
+            <a:lvl8pPr marL="3200400" indent="0">
+              <a:buNone/>
+              <a:defRPr sz="900"/>
+            </a:lvl8pPr>
+            <a:lvl9pPr marL="3657600" indent="0">
+              <a:buNone/>
+              <a:defRPr sz="900"/>
+            </a:lvl9pPr>
+          </a:lstStyle>
+          <a:p>
+            <a:pPr lvl="0"/>
+            <a:r>
+              <a:rPr lang="en-US"/>
+              <a:t>Edit Master text styles</a:t>
+            </a:r>
+          </a:p>
+        </p:txBody>
+      </p:sp>
+      <p:sp>
+        <p:nvSpPr>
+          <p:cNvPr id="25" name="Text Placeholder 4"/>
+          <p:cNvSpPr>
+            <a:spLocks noGrp="1"/>
+          </p:cNvSpPr>
+          <p:nvPr>
+            <p:ph type="body" sz="quarter" idx="13"/>
+          </p:nvPr>
+        </p:nvSpPr>
+        <p:spPr>
+          <a:xfrm>
+            <a:off x="7966697" y="3904106"/>
+            <a:ext cx="3300984" cy="576262"/>
+          </a:xfrm>
+        </p:spPr>
+        <p:txBody>
+          <a:bodyPr anchor="b">
+            <a:noAutofit/>
+          </a:bodyPr>
+          <a:lstStyle>
+            <a:lvl1pPr marL="0" indent="0" algn="ctr">
+              <a:buNone/>
+              <a:defRPr sz="2000" b="0">
+                <a:solidFill>
+                  <a:schemeClr val="tx1"/>
+                </a:solidFill>
+              </a:defRPr>
+            </a:lvl1pPr>
+            <a:lvl2pPr marL="457200" indent="0">
+              <a:buNone/>
+              <a:defRPr sz="2000" b="1"/>
+            </a:lvl2pPr>
+            <a:lvl3pPr marL="914400" indent="0">
+              <a:buNone/>
+              <a:defRPr sz="1800" b="1"/>
+            </a:lvl3pPr>
+            <a:lvl4pPr marL="1371600" indent="0">
+              <a:buNone/>
+              <a:defRPr sz="1600" b="1"/>
+            </a:lvl4pPr>
+            <a:lvl5pPr marL="1828800" indent="0">
+              <a:buNone/>
+              <a:defRPr sz="1600" b="1"/>
+            </a:lvl5pPr>
+            <a:lvl6pPr marL="2286000" indent="0">
+              <a:buNone/>
+              <a:defRPr sz="1600" b="1"/>
+            </a:lvl6pPr>
+            <a:lvl7pPr marL="2743200" indent="0">
+              <a:buNone/>
+              <a:defRPr sz="1600" b="1"/>
+            </a:lvl7pPr>
+            <a:lvl8pPr marL="3200400" indent="0">
+              <a:buNone/>
+              <a:defRPr sz="1600" b="1"/>
+            </a:lvl8pPr>
+            <a:lvl9pPr marL="3657600" indent="0">
+              <a:buNone/>
+              <a:defRPr sz="1600" b="1"/>
+            </a:lvl9pPr>
+          </a:lstStyle>
+          <a:p>
+            <a:pPr lvl="0"/>
+            <a:r>
+              <a:rPr lang="en-US"/>
+              <a:t>Edit Master text styles</a:t>
+            </a:r>
+          </a:p>
+        </p:txBody>
+      </p:sp>
+      <p:sp>
+        <p:nvSpPr>
+          <p:cNvPr id="26" name="Picture Placeholder 2"/>
+          <p:cNvSpPr>
+            <a:spLocks noGrp="1" noChangeAspect="1"/>
+          </p:cNvSpPr>
+          <p:nvPr>
+            <p:ph type="pic" idx="22"/>
+          </p:nvPr>
+        </p:nvSpPr>
+        <p:spPr>
+          <a:xfrm>
+            <a:off x="8075698" y="1934432"/>
+            <a:ext cx="3092368" cy="1607294"/>
+          </a:xfrm>
+          <a:prstGeom prst="roundRect">
+            <a:avLst>
+              <a:gd name="adj" fmla="val 1858"/>
+            </a:avLst>
+          </a:prstGeom>
+          <a:effectLst>
+            <a:outerShdw blurRad="38100" dist="25400" dir="4440000">
+              <a:srgbClr val="000000">
+                <a:alpha val="36000"/>
+              </a:srgbClr>
+            </a:outerShdw>
+          </a:effectLst>
+        </p:spPr>
+        <p:txBody>
+          <a:bodyPr anchor="t">
+            <a:normAutofit/>
+          </a:bodyPr>
+          <a:lstStyle>
+            <a:lvl1pPr marL="0" indent="0" algn="ctr">
+              <a:buNone/>
+              <a:defRPr sz="1600"/>
+            </a:lvl1pPr>
+            <a:lvl2pPr marL="457200" indent="0">
+              <a:buNone/>
+              <a:defRPr sz="1600"/>
+            </a:lvl2pPr>
+            <a:lvl3pPr marL="914400" indent="0">
+              <a:buNone/>
+              <a:defRPr sz="1600"/>
+            </a:lvl3pPr>
+            <a:lvl4pPr marL="1371600" indent="0">
+              <a:buNone/>
+              <a:defRPr sz="1600"/>
+            </a:lvl4pPr>
+            <a:lvl5pPr marL="1828800" indent="0">
+              <a:buNone/>
+              <a:defRPr sz="1600"/>
+            </a:lvl5pPr>
+            <a:lvl6pPr marL="2286000" indent="0">
+              <a:buNone/>
+              <a:defRPr sz="1600"/>
+            </a:lvl6pPr>
+            <a:lvl7pPr marL="2743200" indent="0">
+              <a:buNone/>
+              <a:defRPr sz="1600"/>
+            </a:lvl7pPr>
+            <a:lvl8pPr marL="3200400" indent="0">
+              <a:buNone/>
+              <a:defRPr sz="1600"/>
+            </a:lvl8pPr>
+            <a:lvl9pPr marL="3657600" indent="0">
+              <a:buNone/>
+              <a:defRPr sz="1600"/>
+            </a:lvl9pPr>
+          </a:lstStyle>
+          <a:p>
+            <a:r>
+              <a:rPr lang="en-US"/>
+              <a:t>Click icon to add picture</a:t>
+            </a:r>
+            <a:endParaRPr lang="en-US" dirty="0"/>
+          </a:p>
+        </p:txBody>
+      </p:sp>
+      <p:sp>
+        <p:nvSpPr>
+          <p:cNvPr id="27" name="Text Placeholder 3"/>
+          <p:cNvSpPr>
+            <a:spLocks noGrp="1"/>
+          </p:cNvSpPr>
+          <p:nvPr>
+            <p:ph type="body" sz="half" idx="20"/>
+          </p:nvPr>
+        </p:nvSpPr>
+        <p:spPr>
+          <a:xfrm>
+            <a:off x="7966572" y="4480365"/>
+            <a:ext cx="3300984" cy="1310835"/>
+          </a:xfrm>
+        </p:spPr>
+        <p:txBody>
+          <a:bodyPr anchor="t">
+            <a:normAutofit/>
+          </a:bodyPr>
+          <a:lstStyle>
+            <a:lvl1pPr marL="0" indent="0" algn="ctr">
+              <a:buNone/>
+              <a:defRPr sz="1400"/>
+            </a:lvl1pPr>
+            <a:lvl2pPr marL="457200" indent="0">
+              <a:buNone/>
+              <a:defRPr sz="1200"/>
+            </a:lvl2pPr>
+            <a:lvl3pPr marL="914400" indent="0">
+              <a:buNone/>
+              <a:defRPr sz="1000"/>
+            </a:lvl3pPr>
+            <a:lvl4pPr marL="1371600" indent="0">
+              <a:buNone/>
+              <a:defRPr sz="900"/>
+            </a:lvl4pPr>
+            <a:lvl5pPr marL="1828800" indent="0">
+              <a:buNone/>
+              <a:defRPr sz="900"/>
+            </a:lvl5pPr>
+            <a:lvl6pPr marL="2286000" indent="0">
+              <a:buNone/>
+              <a:defRPr sz="900"/>
+            </a:lvl6pPr>
+            <a:lvl7pPr marL="2743200" indent="0">
+              <a:buNone/>
+              <a:defRPr sz="900"/>
+            </a:lvl7pPr>
+            <a:lvl8pPr marL="3200400" indent="0">
+              <a:buNone/>
+              <a:defRPr sz="900"/>
+            </a:lvl8pPr>
+            <a:lvl9pPr marL="3657600" indent="0">
+              <a:buNone/>
+              <a:defRPr sz="900"/>
+            </a:lvl9pPr>
+          </a:lstStyle>
+          <a:p>
+            <a:pPr lvl="0"/>
+            <a:r>
+              <a:rPr lang="en-US"/>
+              <a:t>Edit Master text styles</a:t>
+            </a:r>
+          </a:p>
+        </p:txBody>
+      </p:sp>
+      <p:sp>
+        <p:nvSpPr>
+          <p:cNvPr id="3" name="Date Placeholder 2"/>
+          <p:cNvSpPr>
+            <a:spLocks noGrp="1"/>
+          </p:cNvSpPr>
+          <p:nvPr>
+            <p:ph type="dt" sz="half" idx="10"/>
+          </p:nvPr>
+        </p:nvSpPr>
+        <p:spPr/>
+        <p:txBody>
+          <a:bodyPr/>
+          <a:lstStyle/>
+          <a:p>
+            <a:fld id="{5CEF22E0-9ED4-437F-9483-C95BD90B631F}" type="datetimeFigureOut">
+              <a:rPr lang="en-US" smtClean="0"/>
+              <a:t>4/12/2017</a:t>
+            </a:fld>
+            <a:endParaRPr lang="en-US" dirty="0"/>
+          </a:p>
+        </p:txBody>
+      </p:sp>
+      <p:sp>
+        <p:nvSpPr>
+          <p:cNvPr id="4" name="Footer Placeholder 3"/>
+          <p:cNvSpPr>
+            <a:spLocks noGrp="1"/>
+          </p:cNvSpPr>
+          <p:nvPr>
+            <p:ph type="ftr" sz="quarter" idx="11"/>
+          </p:nvPr>
+        </p:nvSpPr>
+        <p:spPr/>
+        <p:txBody>
+          <a:bodyPr/>
+          <a:lstStyle/>
+          <a:p>
+            <a:endParaRPr lang="en-US" dirty="0"/>
+          </a:p>
+        </p:txBody>
+      </p:sp>
+      <p:sp>
+        <p:nvSpPr>
+          <p:cNvPr id="5" name="Slide Number Placeholder 4"/>
+          <p:cNvSpPr>
+            <a:spLocks noGrp="1"/>
+          </p:cNvSpPr>
+          <p:nvPr>
+            <p:ph type="sldNum" sz="quarter" idx="12"/>
+          </p:nvPr>
+        </p:nvSpPr>
+        <p:spPr/>
+        <p:txBody>
+          <a:bodyPr/>
+          <a:lstStyle/>
+          <a:p>
+            <a:fld id="{1EDEFC96-2EC8-4D82-9D2F-6E3723980FAB}" type="slidenum">
+              <a:rPr lang="en-US" smtClean="0"/>
+              <a:t>‹#›</a:t>
+            </a:fld>
+            <a:endParaRPr lang="en-US" dirty="0"/>
+          </a:p>
+        </p:txBody>
+      </p:sp>
+    </p:spTree>
+    <p:extLst>
+      <p:ext uri="{BB962C8B-B14F-4D97-AF65-F5344CB8AC3E}">
+        <p14:creationId xmlns:p14="http://schemas.microsoft.com/office/powerpoint/2010/main" val="50679294"/>
+      </p:ext>
+    </p:extLst>
+  </p:cSld>
+  <p:clrMapOvr>
+    <a:masterClrMapping/>
+  </p:clrMapOvr>
+</p:sldLayout>
+</file>
+
+<file path=ppt/slideLayouts/slideLayout16.xml><?xml version="1.0" encoding="utf-8"?>
 <p:sldLayout xmlns:a="http://schemas.openxmlformats.org/drawingml/2006/main" xmlns:r="http://schemas.openxmlformats.org/officeDocument/2006/relationships" xmlns:p="http://schemas.openxmlformats.org/presentationml/2006/main" type="vertTx" preserve="1">
   <p:cSld name="Title and Vertical Text">
     <p:spTree>
@@ -360,6 +2992,7 @@
               <a:rPr lang="en-US"/>
               <a:t>Click to edit Master title style</a:t>
             </a:r>
+            <a:endParaRPr lang="en-US" dirty="0"/>
           </a:p>
         </p:txBody>
       </p:sp>
@@ -375,13 +3008,13 @@
         </p:nvSpPr>
         <p:spPr/>
         <p:txBody>
-          <a:bodyPr vert="eaVert"/>
+          <a:bodyPr vert="eaVert" anchor="t"/>
           <a:lstStyle/>
           <a:p>
             <a:pPr lvl="0"/>
             <a:r>
               <a:rPr lang="en-US"/>
-              <a:t>Click to edit Master text styles</a:t>
+              <a:t>Edit Master text styles</a:t>
             </a:r>
           </a:p>
           <a:p>
@@ -411,6 +3044,7 @@
               <a:rPr lang="en-US"/>
               <a:t>Fifth level</a:t>
             </a:r>
+            <a:endParaRPr lang="en-US" dirty="0"/>
           </a:p>
         </p:txBody>
       </p:sp>
@@ -482,7 +3116,7 @@
     </p:spTree>
     <p:extLst>
       <p:ext uri="{BB962C8B-B14F-4D97-AF65-F5344CB8AC3E}">
-        <p14:creationId xmlns:p14="http://schemas.microsoft.com/office/powerpoint/2010/main" val="3744946689"/>
+        <p14:creationId xmlns:p14="http://schemas.microsoft.com/office/powerpoint/2010/main" val="3044801683"/>
       </p:ext>
     </p:extLst>
   </p:cSld>
@@ -492,7 +3126,7 @@
 </p:sldLayout>
 </file>
 
-<file path=ppt/slideLayouts/slideLayout11.xml><?xml version="1.0" encoding="utf-8"?>
+<file path=ppt/slideLayouts/slideLayout17.xml><?xml version="1.0" encoding="utf-8"?>
 <p:sldLayout xmlns:a="http://schemas.openxmlformats.org/drawingml/2006/main" xmlns:r="http://schemas.openxmlformats.org/officeDocument/2006/relationships" xmlns:p="http://schemas.openxmlformats.org/presentationml/2006/main" type="vertTitleAndTx" preserve="1">
   <p:cSld name="Vertical Title and Text">
     <p:spTree>
@@ -521,18 +3155,23 @@
         </p:nvSpPr>
         <p:spPr>
           <a:xfrm>
-            <a:off x="8724900" y="365125"/>
-            <a:ext cx="2628900" cy="5811838"/>
+            <a:off x="8983068" y="609599"/>
+            <a:ext cx="2284487" cy="5181601"/>
           </a:xfrm>
         </p:spPr>
         <p:txBody>
           <a:bodyPr vert="eaVert"/>
-          <a:lstStyle/>
+          <a:lstStyle>
+            <a:lvl1pPr algn="l">
+              <a:defRPr/>
+            </a:lvl1pPr>
+          </a:lstStyle>
           <a:p>
             <a:r>
               <a:rPr lang="en-US"/>
               <a:t>Click to edit Master title style</a:t>
             </a:r>
+            <a:endParaRPr lang="en-US" dirty="0"/>
           </a:p>
         </p:txBody>
       </p:sp>
@@ -548,18 +3187,18 @@
         </p:nvSpPr>
         <p:spPr>
           <a:xfrm>
-            <a:off x="838200" y="365125"/>
-            <a:ext cx="7734300" cy="5811838"/>
+            <a:off x="913796" y="609599"/>
+            <a:ext cx="7916872" cy="5181601"/>
           </a:xfrm>
         </p:spPr>
         <p:txBody>
-          <a:bodyPr vert="eaVert"/>
+          <a:bodyPr vert="eaVert" anchor="t"/>
           <a:lstStyle/>
           <a:p>
             <a:pPr lvl="0"/>
             <a:r>
               <a:rPr lang="en-US"/>
-              <a:t>Click to edit Master text styles</a:t>
+              <a:t>Edit Master text styles</a:t>
             </a:r>
           </a:p>
           <a:p>
@@ -589,6 +3228,7 @@
               <a:rPr lang="en-US"/>
               <a:t>Fifth level</a:t>
             </a:r>
+            <a:endParaRPr lang="en-US" dirty="0"/>
           </a:p>
         </p:txBody>
       </p:sp>
@@ -660,7 +3300,7 @@
     </p:spTree>
     <p:extLst>
       <p:ext uri="{BB962C8B-B14F-4D97-AF65-F5344CB8AC3E}">
-        <p14:creationId xmlns:p14="http://schemas.microsoft.com/office/powerpoint/2010/main" val="2369121545"/>
+        <p14:creationId xmlns:p14="http://schemas.microsoft.com/office/powerpoint/2010/main" val="3835388992"/>
       </p:ext>
     </p:extLst>
   </p:cSld>
@@ -706,6 +3346,7 @@
               <a:rPr lang="en-US"/>
               <a:t>Click to edit Master title style</a:t>
             </a:r>
+            <a:endParaRPr lang="en-US" dirty="0"/>
           </a:p>
         </p:txBody>
       </p:sp>
@@ -727,7 +3368,7 @@
             <a:pPr lvl="0"/>
             <a:r>
               <a:rPr lang="en-US"/>
-              <a:t>Click to edit Master text styles</a:t>
+              <a:t>Edit Master text styles</a:t>
             </a:r>
           </a:p>
           <a:p>
@@ -757,6 +3398,7 @@
               <a:rPr lang="en-US"/>
               <a:t>Fifth level</a:t>
             </a:r>
+            <a:endParaRPr lang="en-US" dirty="0"/>
           </a:p>
         </p:txBody>
       </p:sp>
@@ -828,7 +3470,7 @@
     </p:spTree>
     <p:extLst>
       <p:ext uri="{BB962C8B-B14F-4D97-AF65-F5344CB8AC3E}">
-        <p14:creationId xmlns:p14="http://schemas.microsoft.com/office/powerpoint/2010/main" val="756530897"/>
+        <p14:creationId xmlns:p14="http://schemas.microsoft.com/office/powerpoint/2010/main" val="668628546"/>
       </p:ext>
     </p:extLst>
   </p:cSld>
@@ -867,15 +3509,15 @@
         </p:nvSpPr>
         <p:spPr>
           <a:xfrm>
-            <a:off x="831850" y="1709738"/>
-            <a:ext cx="10515600" cy="2852737"/>
+            <a:off x="1295401" y="1761067"/>
+            <a:ext cx="9590550" cy="1828813"/>
           </a:xfrm>
         </p:spPr>
         <p:txBody>
           <a:bodyPr anchor="b"/>
           <a:lstStyle>
-            <a:lvl1pPr>
-              <a:defRPr sz="6000"/>
+            <a:lvl1pPr algn="ctr">
+              <a:defRPr sz="4000" b="0" cap="none"/>
             </a:lvl1pPr>
           </a:lstStyle>
           <a:p>
@@ -883,6 +3525,7 @@
               <a:rPr lang="en-US"/>
               <a:t>Click to edit Master title style</a:t>
             </a:r>
+            <a:endParaRPr lang="en-US" dirty="0"/>
           </a:p>
         </p:txBody>
       </p:sp>
@@ -898,26 +3541,24 @@
         </p:nvSpPr>
         <p:spPr>
           <a:xfrm>
-            <a:off x="831850" y="4589463"/>
-            <a:ext cx="10515600" cy="1500187"/>
+            <a:off x="1295401" y="3589879"/>
+            <a:ext cx="9590550" cy="1507054"/>
           </a:xfrm>
         </p:spPr>
         <p:txBody>
-          <a:bodyPr/>
+          <a:bodyPr anchor="t"/>
           <a:lstStyle>
-            <a:lvl1pPr marL="0" indent="0">
-              <a:buNone/>
-              <a:defRPr sz="2400">
+            <a:lvl1pPr marL="0" indent="0" algn="ctr">
+              <a:buNone/>
+              <a:defRPr sz="2000">
                 <a:solidFill>
-                  <a:schemeClr val="tx1">
-                    <a:tint val="75000"/>
-                  </a:schemeClr>
+                  <a:schemeClr val="tx1"/>
                 </a:solidFill>
               </a:defRPr>
             </a:lvl1pPr>
             <a:lvl2pPr marL="457200" indent="0">
               <a:buNone/>
-              <a:defRPr sz="2000">
+              <a:defRPr sz="1800">
                 <a:solidFill>
                   <a:schemeClr val="tx1">
                     <a:tint val="75000"/>
@@ -927,7 +3568,7 @@
             </a:lvl2pPr>
             <a:lvl3pPr marL="914400" indent="0">
               <a:buNone/>
-              <a:defRPr sz="1800">
+              <a:defRPr sz="1600">
                 <a:solidFill>
                   <a:schemeClr val="tx1">
                     <a:tint val="75000"/>
@@ -937,7 +3578,7 @@
             </a:lvl3pPr>
             <a:lvl4pPr marL="1371600" indent="0">
               <a:buNone/>
-              <a:defRPr sz="1600">
+              <a:defRPr sz="1400">
                 <a:solidFill>
                   <a:schemeClr val="tx1">
                     <a:tint val="75000"/>
@@ -947,7 +3588,7 @@
             </a:lvl4pPr>
             <a:lvl5pPr marL="1828800" indent="0">
               <a:buNone/>
-              <a:defRPr sz="1600">
+              <a:defRPr sz="1400">
                 <a:solidFill>
                   <a:schemeClr val="tx1">
                     <a:tint val="75000"/>
@@ -957,7 +3598,7 @@
             </a:lvl5pPr>
             <a:lvl6pPr marL="2286000" indent="0">
               <a:buNone/>
-              <a:defRPr sz="1600">
+              <a:defRPr sz="1400">
                 <a:solidFill>
                   <a:schemeClr val="tx1">
                     <a:tint val="75000"/>
@@ -967,7 +3608,7 @@
             </a:lvl6pPr>
             <a:lvl7pPr marL="2743200" indent="0">
               <a:buNone/>
-              <a:defRPr sz="1600">
+              <a:defRPr sz="1400">
                 <a:solidFill>
                   <a:schemeClr val="tx1">
                     <a:tint val="75000"/>
@@ -977,7 +3618,7 @@
             </a:lvl7pPr>
             <a:lvl8pPr marL="3200400" indent="0">
               <a:buNone/>
-              <a:defRPr sz="1600">
+              <a:defRPr sz="1400">
                 <a:solidFill>
                   <a:schemeClr val="tx1">
                     <a:tint val="75000"/>
@@ -987,7 +3628,7 @@
             </a:lvl8pPr>
             <a:lvl9pPr marL="3657600" indent="0">
               <a:buNone/>
-              <a:defRPr sz="1600">
+              <a:defRPr sz="1400">
                 <a:solidFill>
                   <a:schemeClr val="tx1">
                     <a:tint val="75000"/>
@@ -1000,7 +3641,7 @@
             <a:pPr lvl="0"/>
             <a:r>
               <a:rPr lang="en-US"/>
-              <a:t>Click to edit Master text styles</a:t>
+              <a:t>Edit Master text styles</a:t>
             </a:r>
           </a:p>
         </p:txBody>
@@ -1073,7 +3714,7 @@
     </p:spTree>
     <p:extLst>
       <p:ext uri="{BB962C8B-B14F-4D97-AF65-F5344CB8AC3E}">
-        <p14:creationId xmlns:p14="http://schemas.microsoft.com/office/powerpoint/2010/main" val="58824981"/>
+        <p14:creationId xmlns:p14="http://schemas.microsoft.com/office/powerpoint/2010/main" val="2456827687"/>
       </p:ext>
     </p:extLst>
   </p:cSld>
@@ -1119,6 +3760,7 @@
               <a:rPr lang="en-US"/>
               <a:t>Click to edit Master title style</a:t>
             </a:r>
+            <a:endParaRPr lang="en-US" dirty="0"/>
           </a:p>
         </p:txBody>
       </p:sp>
@@ -1134,18 +3776,20 @@
         </p:nvSpPr>
         <p:spPr>
           <a:xfrm>
-            <a:off x="838200" y="1825625"/>
-            <a:ext cx="5181600" cy="4351338"/>
+            <a:off x="913795" y="1732449"/>
+            <a:ext cx="5060497" cy="4058750"/>
           </a:xfrm>
         </p:spPr>
         <p:txBody>
-          <a:bodyPr/>
+          <a:bodyPr anchor="t">
+            <a:normAutofit/>
+          </a:bodyPr>
           <a:lstStyle/>
           <a:p>
             <a:pPr lvl="0"/>
             <a:r>
               <a:rPr lang="en-US"/>
-              <a:t>Click to edit Master text styles</a:t>
+              <a:t>Edit Master text styles</a:t>
             </a:r>
           </a:p>
           <a:p>
@@ -1175,6 +3819,7 @@
               <a:rPr lang="en-US"/>
               <a:t>Fifth level</a:t>
             </a:r>
+            <a:endParaRPr lang="en-US" dirty="0"/>
           </a:p>
         </p:txBody>
       </p:sp>
@@ -1190,18 +3835,20 @@
         </p:nvSpPr>
         <p:spPr>
           <a:xfrm>
-            <a:off x="6172200" y="1825625"/>
-            <a:ext cx="5181600" cy="4351338"/>
+            <a:off x="6202892" y="1732449"/>
+            <a:ext cx="5064665" cy="4058751"/>
           </a:xfrm>
         </p:spPr>
         <p:txBody>
-          <a:bodyPr/>
+          <a:bodyPr anchor="t">
+            <a:normAutofit/>
+          </a:bodyPr>
           <a:lstStyle/>
           <a:p>
             <a:pPr lvl="0"/>
             <a:r>
               <a:rPr lang="en-US"/>
-              <a:t>Click to edit Master text styles</a:t>
+              <a:t>Edit Master text styles</a:t>
             </a:r>
           </a:p>
           <a:p>
@@ -1231,6 +3878,7 @@
               <a:rPr lang="en-US"/>
               <a:t>Fifth level</a:t>
             </a:r>
+            <a:endParaRPr lang="en-US" dirty="0"/>
           </a:p>
         </p:txBody>
       </p:sp>
@@ -1302,7 +3950,7 @@
     </p:spTree>
     <p:extLst>
       <p:ext uri="{BB962C8B-B14F-4D97-AF65-F5344CB8AC3E}">
-        <p14:creationId xmlns:p14="http://schemas.microsoft.com/office/powerpoint/2010/main" val="219106845"/>
+        <p14:creationId xmlns:p14="http://schemas.microsoft.com/office/powerpoint/2010/main" val="378053002"/>
       </p:ext>
     </p:extLst>
   </p:cSld>
@@ -1329,55 +3977,117 @@
           <a:chExt cx="0" cy="0"/>
         </a:xfrm>
       </p:grpSpPr>
-      <p:sp>
-        <p:nvSpPr>
-          <p:cNvPr id="2" name="Title 1"/>
-          <p:cNvSpPr>
-            <a:spLocks noGrp="1"/>
-          </p:cNvSpPr>
-          <p:nvPr>
-            <p:ph type="title"/>
-          </p:nvPr>
-        </p:nvSpPr>
+      <p:pic>
+        <p:nvPicPr>
+          <p:cNvPr id="20" name="Picture 19" descr="Slate-V2-HD-compPhotoInset.png"/>
+          <p:cNvPicPr>
+            <a:picLocks noChangeAspect="1"/>
+          </p:cNvPicPr>
+          <p:nvPr/>
+        </p:nvPicPr>
+        <p:blipFill>
+          <a:blip r:embed="rId2">
+            <a:extLst>
+              <a:ext uri="{28A0092B-C50C-407E-A947-70E740481C1C}">
+                <a14:useLocalDpi xmlns:a14="http://schemas.microsoft.com/office/drawing/2010/main" val="0"/>
+              </a:ext>
+            </a:extLst>
+          </a:blip>
+          <a:stretch>
+            <a:fillRect/>
+          </a:stretch>
+        </p:blipFill>
         <p:spPr>
           <a:xfrm>
-            <a:off x="839788" y="365125"/>
-            <a:ext cx="10515600" cy="1325563"/>
+            <a:off x="913795" y="1734506"/>
+            <a:ext cx="5089072" cy="4148769"/>
+          </a:xfrm>
+          <a:prstGeom prst="rect">
+            <a:avLst/>
+          </a:prstGeom>
+        </p:spPr>
+      </p:pic>
+      <p:pic>
+        <p:nvPicPr>
+          <p:cNvPr id="21" name="Picture 20" descr="Slate-V2-HD-compPhotoInset.png"/>
+          <p:cNvPicPr>
+            <a:picLocks noChangeAspect="1"/>
+          </p:cNvPicPr>
+          <p:nvPr/>
+        </p:nvPicPr>
+        <p:blipFill>
+          <a:blip r:embed="rId2">
+            <a:extLst>
+              <a:ext uri="{28A0092B-C50C-407E-A947-70E740481C1C}">
+                <a14:useLocalDpi xmlns:a14="http://schemas.microsoft.com/office/drawing/2010/main" val="0"/>
+              </a:ext>
+            </a:extLst>
+          </a:blip>
+          <a:stretch>
+            <a:fillRect/>
+          </a:stretch>
+        </p:blipFill>
+        <p:spPr>
+          <a:xfrm>
+            <a:off x="6178485" y="1734506"/>
+            <a:ext cx="5089072" cy="4148769"/>
+          </a:xfrm>
+          <a:prstGeom prst="rect">
+            <a:avLst/>
+          </a:prstGeom>
+        </p:spPr>
+      </p:pic>
+      <p:sp>
+        <p:nvSpPr>
+          <p:cNvPr id="2" name="Title 1"/>
+          <p:cNvSpPr>
+            <a:spLocks noGrp="1"/>
+          </p:cNvSpPr>
+          <p:nvPr>
+            <p:ph type="title"/>
+          </p:nvPr>
+        </p:nvSpPr>
+        <p:spPr/>
+        <p:txBody>
+          <a:bodyPr/>
+          <a:lstStyle>
+            <a:lvl1pPr>
+              <a:defRPr/>
+            </a:lvl1pPr>
+          </a:lstStyle>
+          <a:p>
+            <a:r>
+              <a:rPr lang="en-US"/>
+              <a:t>Click to edit Master title style</a:t>
+            </a:r>
+            <a:endParaRPr lang="en-US" dirty="0"/>
+          </a:p>
+        </p:txBody>
+      </p:sp>
+      <p:sp>
+        <p:nvSpPr>
+          <p:cNvPr id="3" name="Text Placeholder 2"/>
+          <p:cNvSpPr>
+            <a:spLocks noGrp="1"/>
+          </p:cNvSpPr>
+          <p:nvPr>
+            <p:ph type="body" idx="1"/>
+          </p:nvPr>
+        </p:nvSpPr>
+        <p:spPr>
+          <a:xfrm>
+            <a:off x="1005872" y="1835254"/>
+            <a:ext cx="4876344" cy="544884"/>
           </a:xfrm>
         </p:spPr>
         <p:txBody>
-          <a:bodyPr/>
-          <a:lstStyle/>
-          <a:p>
-            <a:r>
-              <a:rPr lang="en-US"/>
-              <a:t>Click to edit Master title style</a:t>
-            </a:r>
-          </a:p>
-        </p:txBody>
-      </p:sp>
-      <p:sp>
-        <p:nvSpPr>
-          <p:cNvPr id="3" name="Text Placeholder 2"/>
-          <p:cNvSpPr>
-            <a:spLocks noGrp="1"/>
-          </p:cNvSpPr>
-          <p:nvPr>
-            <p:ph type="body" idx="1"/>
-          </p:nvPr>
-        </p:nvSpPr>
-        <p:spPr>
-          <a:xfrm>
-            <a:off x="839788" y="1681163"/>
-            <a:ext cx="5157787" cy="823912"/>
-          </a:xfrm>
-        </p:spPr>
-        <p:txBody>
-          <a:bodyPr anchor="b"/>
+          <a:bodyPr anchor="b">
+            <a:noAutofit/>
+          </a:bodyPr>
           <a:lstStyle>
-            <a:lvl1pPr marL="0" indent="0">
-              <a:buNone/>
-              <a:defRPr sz="2400" b="1"/>
+            <a:lvl1pPr marL="0" indent="0" algn="ctr">
+              <a:buNone/>
+              <a:defRPr sz="2400" b="0"/>
             </a:lvl1pPr>
             <a:lvl2pPr marL="457200" indent="0">
               <a:buNone/>
@@ -1416,7 +4126,7 @@
             <a:pPr lvl="0"/>
             <a:r>
               <a:rPr lang="en-US"/>
-              <a:t>Click to edit Master text styles</a:t>
+              <a:t>Edit Master text styles</a:t>
             </a:r>
           </a:p>
         </p:txBody>
@@ -1433,18 +4143,36 @@
         </p:nvSpPr>
         <p:spPr>
           <a:xfrm>
-            <a:off x="839788" y="2505075"/>
-            <a:ext cx="5157787" cy="3684588"/>
+            <a:off x="1005872" y="2380137"/>
+            <a:ext cx="4876344" cy="3411063"/>
           </a:xfrm>
         </p:spPr>
         <p:txBody>
-          <a:bodyPr/>
-          <a:lstStyle/>
+          <a:bodyPr anchor="t">
+            <a:normAutofit/>
+          </a:bodyPr>
+          <a:lstStyle>
+            <a:lvl1pPr>
+              <a:defRPr sz="1800"/>
+            </a:lvl1pPr>
+            <a:lvl2pPr>
+              <a:defRPr sz="1600"/>
+            </a:lvl2pPr>
+            <a:lvl3pPr>
+              <a:defRPr sz="1400"/>
+            </a:lvl3pPr>
+            <a:lvl4pPr>
+              <a:defRPr sz="1200"/>
+            </a:lvl4pPr>
+            <a:lvl5pPr>
+              <a:defRPr sz="1200"/>
+            </a:lvl5pPr>
+          </a:lstStyle>
           <a:p>
             <a:pPr lvl="0"/>
             <a:r>
               <a:rPr lang="en-US"/>
-              <a:t>Click to edit Master text styles</a:t>
+              <a:t>Edit Master text styles</a:t>
             </a:r>
           </a:p>
           <a:p>
@@ -1474,6 +4202,7 @@
               <a:rPr lang="en-US"/>
               <a:t>Fifth level</a:t>
             </a:r>
+            <a:endParaRPr lang="en-US" dirty="0"/>
           </a:p>
         </p:txBody>
       </p:sp>
@@ -1489,16 +4218,18 @@
         </p:nvSpPr>
         <p:spPr>
           <a:xfrm>
-            <a:off x="6172200" y="1681163"/>
-            <a:ext cx="5183188" cy="823912"/>
+            <a:off x="6294967" y="1835254"/>
+            <a:ext cx="4895330" cy="544883"/>
           </a:xfrm>
         </p:spPr>
         <p:txBody>
-          <a:bodyPr anchor="b"/>
+          <a:bodyPr anchor="b">
+            <a:noAutofit/>
+          </a:bodyPr>
           <a:lstStyle>
-            <a:lvl1pPr marL="0" indent="0">
-              <a:buNone/>
-              <a:defRPr sz="2400" b="1"/>
+            <a:lvl1pPr marL="0" indent="0" algn="ctr">
+              <a:buNone/>
+              <a:defRPr sz="2400" b="0"/>
             </a:lvl1pPr>
             <a:lvl2pPr marL="457200" indent="0">
               <a:buNone/>
@@ -1537,7 +4268,7 @@
             <a:pPr lvl="0"/>
             <a:r>
               <a:rPr lang="en-US"/>
-              <a:t>Click to edit Master text styles</a:t>
+              <a:t>Edit Master text styles</a:t>
             </a:r>
           </a:p>
         </p:txBody>
@@ -1554,18 +4285,36 @@
         </p:nvSpPr>
         <p:spPr>
           <a:xfrm>
-            <a:off x="6172200" y="2505075"/>
-            <a:ext cx="5183188" cy="3684588"/>
+            <a:off x="6294967" y="2380137"/>
+            <a:ext cx="4895330" cy="3411063"/>
           </a:xfrm>
         </p:spPr>
         <p:txBody>
-          <a:bodyPr/>
-          <a:lstStyle/>
+          <a:bodyPr anchor="t">
+            <a:normAutofit/>
+          </a:bodyPr>
+          <a:lstStyle>
+            <a:lvl1pPr>
+              <a:defRPr sz="1800"/>
+            </a:lvl1pPr>
+            <a:lvl2pPr>
+              <a:defRPr sz="1600"/>
+            </a:lvl2pPr>
+            <a:lvl3pPr>
+              <a:defRPr sz="1400"/>
+            </a:lvl3pPr>
+            <a:lvl4pPr>
+              <a:defRPr sz="1200"/>
+            </a:lvl4pPr>
+            <a:lvl5pPr>
+              <a:defRPr sz="1200"/>
+            </a:lvl5pPr>
+          </a:lstStyle>
           <a:p>
             <a:pPr lvl="0"/>
             <a:r>
               <a:rPr lang="en-US"/>
-              <a:t>Click to edit Master text styles</a:t>
+              <a:t>Edit Master text styles</a:t>
             </a:r>
           </a:p>
           <a:p>
@@ -1595,6 +4344,7 @@
               <a:rPr lang="en-US"/>
               <a:t>Fifth level</a:t>
             </a:r>
+            <a:endParaRPr lang="en-US" dirty="0"/>
           </a:p>
         </p:txBody>
       </p:sp>
@@ -1666,7 +4416,7 @@
     </p:spTree>
     <p:extLst>
       <p:ext uri="{BB962C8B-B14F-4D97-AF65-F5344CB8AC3E}">
-        <p14:creationId xmlns:p14="http://schemas.microsoft.com/office/powerpoint/2010/main" val="2463079229"/>
+        <p14:creationId xmlns:p14="http://schemas.microsoft.com/office/powerpoint/2010/main" val="2306730473"/>
       </p:ext>
     </p:extLst>
   </p:cSld>
@@ -1712,6 +4462,7 @@
               <a:rPr lang="en-US"/>
               <a:t>Click to edit Master title style</a:t>
             </a:r>
+            <a:endParaRPr lang="en-US" dirty="0"/>
           </a:p>
         </p:txBody>
       </p:sp>
@@ -1783,7 +4534,7 @@
     </p:spTree>
     <p:extLst>
       <p:ext uri="{BB962C8B-B14F-4D97-AF65-F5344CB8AC3E}">
-        <p14:creationId xmlns:p14="http://schemas.microsoft.com/office/powerpoint/2010/main" val="3692977189"/>
+        <p14:creationId xmlns:p14="http://schemas.microsoft.com/office/powerpoint/2010/main" val="982056163"/>
       </p:ext>
     </p:extLst>
   </p:cSld>
@@ -1878,7 +4629,7 @@
     </p:spTree>
     <p:extLst>
       <p:ext uri="{BB962C8B-B14F-4D97-AF65-F5344CB8AC3E}">
-        <p14:creationId xmlns:p14="http://schemas.microsoft.com/office/powerpoint/2010/main" val="4230650664"/>
+        <p14:creationId xmlns:p14="http://schemas.microsoft.com/office/powerpoint/2010/main" val="986048563"/>
       </p:ext>
     </p:extLst>
   </p:cSld>
@@ -1917,15 +4668,17 @@
         </p:nvSpPr>
         <p:spPr>
           <a:xfrm>
-            <a:off x="839788" y="457200"/>
-            <a:ext cx="3932237" cy="1600200"/>
+            <a:off x="913795" y="609600"/>
+            <a:ext cx="3706889" cy="1821918"/>
           </a:xfrm>
         </p:spPr>
         <p:txBody>
-          <a:bodyPr anchor="b"/>
+          <a:bodyPr anchor="b">
+            <a:normAutofit/>
+          </a:bodyPr>
           <a:lstStyle>
-            <a:lvl1pPr>
-              <a:defRPr sz="3200"/>
+            <a:lvl1pPr algn="ctr">
+              <a:defRPr sz="2400" b="0"/>
             </a:lvl1pPr>
           </a:lstStyle>
           <a:p>
@@ -1933,6 +4686,7 @@
               <a:rPr lang="en-US"/>
               <a:t>Click to edit Master title style</a:t>
             </a:r>
+            <a:endParaRPr lang="en-US" dirty="0"/>
           </a:p>
         </p:txBody>
       </p:sp>
@@ -1948,46 +4702,20 @@
         </p:nvSpPr>
         <p:spPr>
           <a:xfrm>
-            <a:off x="5183188" y="987425"/>
-            <a:ext cx="6172200" cy="4873625"/>
+            <a:off x="4855633" y="609600"/>
+            <a:ext cx="6411924" cy="5181600"/>
           </a:xfrm>
         </p:spPr>
         <p:txBody>
-          <a:bodyPr/>
-          <a:lstStyle>
-            <a:lvl1pPr>
-              <a:defRPr sz="3200"/>
-            </a:lvl1pPr>
-            <a:lvl2pPr>
-              <a:defRPr sz="2800"/>
-            </a:lvl2pPr>
-            <a:lvl3pPr>
-              <a:defRPr sz="2400"/>
-            </a:lvl3pPr>
-            <a:lvl4pPr>
-              <a:defRPr sz="2000"/>
-            </a:lvl4pPr>
-            <a:lvl5pPr>
-              <a:defRPr sz="2000"/>
-            </a:lvl5pPr>
-            <a:lvl6pPr>
-              <a:defRPr sz="2000"/>
-            </a:lvl6pPr>
-            <a:lvl7pPr>
-              <a:defRPr sz="2000"/>
-            </a:lvl7pPr>
-            <a:lvl8pPr>
-              <a:defRPr sz="2000"/>
-            </a:lvl8pPr>
-            <a:lvl9pPr>
-              <a:defRPr sz="2000"/>
-            </a:lvl9pPr>
-          </a:lstStyle>
+          <a:bodyPr>
+            <a:normAutofit/>
+          </a:bodyPr>
+          <a:lstStyle/>
           <a:p>
             <a:pPr lvl="0"/>
             <a:r>
               <a:rPr lang="en-US"/>
-              <a:t>Click to edit Master text styles</a:t>
+              <a:t>Edit Master text styles</a:t>
             </a:r>
           </a:p>
           <a:p>
@@ -2017,6 +4745,7 @@
               <a:rPr lang="en-US"/>
               <a:t>Fifth level</a:t>
             </a:r>
+            <a:endParaRPr lang="en-US" dirty="0"/>
           </a:p>
         </p:txBody>
       </p:sp>
@@ -2032,55 +4761,57 @@
         </p:nvSpPr>
         <p:spPr>
           <a:xfrm>
-            <a:off x="839788" y="2057400"/>
-            <a:ext cx="3932237" cy="3811588"/>
+            <a:off x="913795" y="2431518"/>
+            <a:ext cx="3706889" cy="3359681"/>
           </a:xfrm>
         </p:spPr>
         <p:txBody>
-          <a:bodyPr/>
+          <a:bodyPr anchor="t">
+            <a:normAutofit/>
+          </a:bodyPr>
           <a:lstStyle>
-            <a:lvl1pPr marL="0" indent="0">
+            <a:lvl1pPr marL="0" indent="0" algn="ctr">
               <a:buNone/>
               <a:defRPr sz="1600"/>
             </a:lvl1pPr>
             <a:lvl2pPr marL="457200" indent="0">
               <a:buNone/>
-              <a:defRPr sz="1400"/>
+              <a:defRPr sz="1200"/>
             </a:lvl2pPr>
             <a:lvl3pPr marL="914400" indent="0">
               <a:buNone/>
-              <a:defRPr sz="1200"/>
+              <a:defRPr sz="1000"/>
             </a:lvl3pPr>
             <a:lvl4pPr marL="1371600" indent="0">
               <a:buNone/>
-              <a:defRPr sz="1000"/>
+              <a:defRPr sz="900"/>
             </a:lvl4pPr>
             <a:lvl5pPr marL="1828800" indent="0">
               <a:buNone/>
-              <a:defRPr sz="1000"/>
+              <a:defRPr sz="900"/>
             </a:lvl5pPr>
             <a:lvl6pPr marL="2286000" indent="0">
               <a:buNone/>
-              <a:defRPr sz="1000"/>
+              <a:defRPr sz="900"/>
             </a:lvl6pPr>
             <a:lvl7pPr marL="2743200" indent="0">
               <a:buNone/>
-              <a:defRPr sz="1000"/>
+              <a:defRPr sz="900"/>
             </a:lvl7pPr>
             <a:lvl8pPr marL="3200400" indent="0">
               <a:buNone/>
-              <a:defRPr sz="1000"/>
+              <a:defRPr sz="900"/>
             </a:lvl8pPr>
             <a:lvl9pPr marL="3657600" indent="0">
               <a:buNone/>
-              <a:defRPr sz="1000"/>
+              <a:defRPr sz="900"/>
             </a:lvl9pPr>
           </a:lstStyle>
           <a:p>
             <a:pPr lvl="0"/>
             <a:r>
               <a:rPr lang="en-US"/>
-              <a:t>Click to edit Master text styles</a:t>
+              <a:t>Edit Master text styles</a:t>
             </a:r>
           </a:p>
         </p:txBody>
@@ -2153,7 +4884,7 @@
     </p:spTree>
     <p:extLst>
       <p:ext uri="{BB962C8B-B14F-4D97-AF65-F5344CB8AC3E}">
-        <p14:creationId xmlns:p14="http://schemas.microsoft.com/office/powerpoint/2010/main" val="4098284668"/>
+        <p14:creationId xmlns:p14="http://schemas.microsoft.com/office/powerpoint/2010/main" val="2465609054"/>
       </p:ext>
     </p:extLst>
   </p:cSld>
@@ -2180,27 +4911,59 @@
           <a:chExt cx="0" cy="0"/>
         </a:xfrm>
       </p:grpSpPr>
-      <p:sp>
-        <p:nvSpPr>
-          <p:cNvPr id="2" name="Title 1"/>
-          <p:cNvSpPr>
-            <a:spLocks noGrp="1"/>
-          </p:cNvSpPr>
-          <p:nvPr>
-            <p:ph type="title"/>
-          </p:nvPr>
-        </p:nvSpPr>
+      <p:pic>
+        <p:nvPicPr>
+          <p:cNvPr id="22" name="Picture 21" descr="Slate-V2-HD-vertPhotoInset.png"/>
+          <p:cNvPicPr>
+            <a:picLocks noChangeAspect="1"/>
+          </p:cNvPicPr>
+          <p:nvPr/>
+        </p:nvPicPr>
+        <p:blipFill>
+          <a:blip r:embed="rId2">
+            <a:extLst>
+              <a:ext uri="{28A0092B-C50C-407E-A947-70E740481C1C}">
+                <a14:useLocalDpi xmlns:a14="http://schemas.microsoft.com/office/drawing/2010/main" val="0"/>
+              </a:ext>
+            </a:extLst>
+          </a:blip>
+          <a:stretch>
+            <a:fillRect/>
+          </a:stretch>
+        </p:blipFill>
         <p:spPr>
           <a:xfrm>
-            <a:off x="839788" y="457200"/>
-            <a:ext cx="3932237" cy="1600200"/>
+            <a:off x="7293665" y="609600"/>
+            <a:ext cx="3584166" cy="5204832"/>
+          </a:xfrm>
+          <a:prstGeom prst="rect">
+            <a:avLst/>
+          </a:prstGeom>
+        </p:spPr>
+      </p:pic>
+      <p:sp>
+        <p:nvSpPr>
+          <p:cNvPr id="2" name="Title 1"/>
+          <p:cNvSpPr>
+            <a:spLocks noGrp="1"/>
+          </p:cNvSpPr>
+          <p:nvPr>
+            <p:ph type="title"/>
+          </p:nvPr>
+        </p:nvSpPr>
+        <p:spPr>
+          <a:xfrm>
+            <a:off x="913795" y="609923"/>
+            <a:ext cx="5934949" cy="1829338"/>
           </a:xfrm>
         </p:spPr>
         <p:txBody>
-          <a:bodyPr anchor="b"/>
+          <a:bodyPr anchor="b">
+            <a:noAutofit/>
+          </a:bodyPr>
           <a:lstStyle>
-            <a:lvl1pPr>
-              <a:defRPr sz="3200"/>
+            <a:lvl1pPr algn="ctr">
+              <a:defRPr sz="3200" b="0"/>
             </a:lvl1pPr>
           </a:lstStyle>
           <a:p>
@@ -2208,6 +4971,7 @@
               <a:rPr lang="en-US"/>
               <a:t>Click to edit Master title style</a:t>
             </a:r>
+            <a:endParaRPr lang="en-US" dirty="0"/>
           </a:p>
         </p:txBody>
       </p:sp>
@@ -2215,7 +4979,7 @@
         <p:nvSpPr>
           <p:cNvPr id="3" name="Picture Placeholder 2"/>
           <p:cNvSpPr>
-            <a:spLocks noGrp="1"/>
+            <a:spLocks noGrp="1" noChangeAspect="1"/>
           </p:cNvSpPr>
           <p:nvPr>
             <p:ph type="pic" idx="1"/>
@@ -2223,116 +4987,131 @@
         </p:nvSpPr>
         <p:spPr>
           <a:xfrm>
-            <a:off x="5183188" y="987425"/>
-            <a:ext cx="6172200" cy="4873625"/>
+            <a:off x="7442551" y="763702"/>
+            <a:ext cx="3275751" cy="4912822"/>
           </a:xfrm>
+          <a:effectLst>
+            <a:outerShdw blurRad="38100" dist="25400" dir="4440000">
+              <a:srgbClr val="000000">
+                <a:alpha val="36000"/>
+              </a:srgbClr>
+            </a:outerShdw>
+          </a:effectLst>
         </p:spPr>
         <p:txBody>
-          <a:bodyPr/>
+          <a:bodyPr anchor="t">
+            <a:normAutofit/>
+          </a:bodyPr>
           <a:lstStyle>
-            <a:lvl1pPr marL="0" indent="0">
-              <a:buNone/>
-              <a:defRPr sz="3200"/>
-            </a:lvl1pPr>
-            <a:lvl2pPr marL="457200" indent="0">
-              <a:buNone/>
-              <a:defRPr sz="2800"/>
-            </a:lvl2pPr>
-            <a:lvl3pPr marL="914400" indent="0">
-              <a:buNone/>
-              <a:defRPr sz="2400"/>
-            </a:lvl3pPr>
-            <a:lvl4pPr marL="1371600" indent="0">
-              <a:buNone/>
-              <a:defRPr sz="2000"/>
-            </a:lvl4pPr>
-            <a:lvl5pPr marL="1828800" indent="0">
-              <a:buNone/>
-              <a:defRPr sz="2000"/>
-            </a:lvl5pPr>
-            <a:lvl6pPr marL="2286000" indent="0">
-              <a:buNone/>
-              <a:defRPr sz="2000"/>
-            </a:lvl6pPr>
-            <a:lvl7pPr marL="2743200" indent="0">
-              <a:buNone/>
-              <a:defRPr sz="2000"/>
-            </a:lvl7pPr>
-            <a:lvl8pPr marL="3200400" indent="0">
-              <a:buNone/>
-              <a:defRPr sz="2000"/>
-            </a:lvl8pPr>
-            <a:lvl9pPr marL="3657600" indent="0">
-              <a:buNone/>
-              <a:defRPr sz="2000"/>
-            </a:lvl9pPr>
-          </a:lstStyle>
-          <a:p>
-            <a:endParaRPr lang="en-US" dirty="0"/>
-          </a:p>
-        </p:txBody>
-      </p:sp>
-      <p:sp>
-        <p:nvSpPr>
-          <p:cNvPr id="4" name="Text Placeholder 3"/>
-          <p:cNvSpPr>
-            <a:spLocks noGrp="1"/>
-          </p:cNvSpPr>
-          <p:nvPr>
-            <p:ph type="body" sz="half" idx="2"/>
-          </p:nvPr>
-        </p:nvSpPr>
-        <p:spPr>
-          <a:xfrm>
-            <a:off x="839788" y="2057400"/>
-            <a:ext cx="3932237" cy="3811588"/>
-          </a:xfrm>
-        </p:spPr>
-        <p:txBody>
-          <a:bodyPr/>
-          <a:lstStyle>
-            <a:lvl1pPr marL="0" indent="0">
+            <a:lvl1pPr marL="0" indent="0" algn="ctr">
               <a:buNone/>
               <a:defRPr sz="1600"/>
             </a:lvl1pPr>
             <a:lvl2pPr marL="457200" indent="0">
               <a:buNone/>
-              <a:defRPr sz="1400"/>
+              <a:defRPr sz="1600"/>
             </a:lvl2pPr>
             <a:lvl3pPr marL="914400" indent="0">
               <a:buNone/>
-              <a:defRPr sz="1200"/>
+              <a:defRPr sz="1600"/>
             </a:lvl3pPr>
             <a:lvl4pPr marL="1371600" indent="0">
               <a:buNone/>
-              <a:defRPr sz="1000"/>
+              <a:defRPr sz="1600"/>
             </a:lvl4pPr>
             <a:lvl5pPr marL="1828800" indent="0">
               <a:buNone/>
-              <a:defRPr sz="1000"/>
+              <a:defRPr sz="1600"/>
             </a:lvl5pPr>
             <a:lvl6pPr marL="2286000" indent="0">
               <a:buNone/>
-              <a:defRPr sz="1000"/>
+              <a:defRPr sz="1600"/>
             </a:lvl6pPr>
             <a:lvl7pPr marL="2743200" indent="0">
               <a:buNone/>
-              <a:defRPr sz="1000"/>
+              <a:defRPr sz="1600"/>
             </a:lvl7pPr>
             <a:lvl8pPr marL="3200400" indent="0">
               <a:buNone/>
-              <a:defRPr sz="1000"/>
+              <a:defRPr sz="1600"/>
             </a:lvl8pPr>
             <a:lvl9pPr marL="3657600" indent="0">
               <a:buNone/>
-              <a:defRPr sz="1000"/>
+              <a:defRPr sz="1600"/>
             </a:lvl9pPr>
           </a:lstStyle>
           <a:p>
+            <a:r>
+              <a:rPr lang="en-US"/>
+              <a:t>Click icon to add picture</a:t>
+            </a:r>
+            <a:endParaRPr lang="en-US" dirty="0"/>
+          </a:p>
+        </p:txBody>
+      </p:sp>
+      <p:sp>
+        <p:nvSpPr>
+          <p:cNvPr id="4" name="Text Placeholder 3"/>
+          <p:cNvSpPr>
+            <a:spLocks noGrp="1"/>
+          </p:cNvSpPr>
+          <p:nvPr>
+            <p:ph type="body" sz="half" idx="2"/>
+          </p:nvPr>
+        </p:nvSpPr>
+        <p:spPr>
+          <a:xfrm>
+            <a:off x="913795" y="2439261"/>
+            <a:ext cx="5934949" cy="3376134"/>
+          </a:xfrm>
+        </p:spPr>
+        <p:txBody>
+          <a:bodyPr anchor="t">
+            <a:normAutofit/>
+          </a:bodyPr>
+          <a:lstStyle>
+            <a:lvl1pPr marL="0" indent="0" algn="ctr">
+              <a:buNone/>
+              <a:defRPr sz="1600"/>
+            </a:lvl1pPr>
+            <a:lvl2pPr marL="457200" indent="0">
+              <a:buNone/>
+              <a:defRPr sz="1200"/>
+            </a:lvl2pPr>
+            <a:lvl3pPr marL="914400" indent="0">
+              <a:buNone/>
+              <a:defRPr sz="1000"/>
+            </a:lvl3pPr>
+            <a:lvl4pPr marL="1371600" indent="0">
+              <a:buNone/>
+              <a:defRPr sz="900"/>
+            </a:lvl4pPr>
+            <a:lvl5pPr marL="1828800" indent="0">
+              <a:buNone/>
+              <a:defRPr sz="900"/>
+            </a:lvl5pPr>
+            <a:lvl6pPr marL="2286000" indent="0">
+              <a:buNone/>
+              <a:defRPr sz="900"/>
+            </a:lvl6pPr>
+            <a:lvl7pPr marL="2743200" indent="0">
+              <a:buNone/>
+              <a:defRPr sz="900"/>
+            </a:lvl7pPr>
+            <a:lvl8pPr marL="3200400" indent="0">
+              <a:buNone/>
+              <a:defRPr sz="900"/>
+            </a:lvl8pPr>
+            <a:lvl9pPr marL="3657600" indent="0">
+              <a:buNone/>
+              <a:defRPr sz="900"/>
+            </a:lvl9pPr>
+          </a:lstStyle>
+          <a:p>
             <a:pPr lvl="0"/>
             <a:r>
               <a:rPr lang="en-US"/>
-              <a:t>Click to edit Master text styles</a:t>
+              <a:t>Edit Master text styles</a:t>
             </a:r>
           </a:p>
         </p:txBody>
@@ -2405,7 +5184,7 @@
     </p:spTree>
     <p:extLst>
       <p:ext uri="{BB962C8B-B14F-4D97-AF65-F5344CB8AC3E}">
-        <p14:creationId xmlns:p14="http://schemas.microsoft.com/office/powerpoint/2010/main" val="619176833"/>
+        <p14:creationId xmlns:p14="http://schemas.microsoft.com/office/powerpoint/2010/main" val="3791715447"/>
       </p:ext>
     </p:extLst>
   </p:cSld>
@@ -2419,8 +5198,8 @@
 <p:sldMaster xmlns:a="http://schemas.openxmlformats.org/drawingml/2006/main" xmlns:r="http://schemas.openxmlformats.org/officeDocument/2006/relationships" xmlns:p="http://schemas.openxmlformats.org/presentationml/2006/main">
   <p:cSld>
     <p:bg>
-      <p:bgRef idx="1001">
-        <a:schemeClr val="bg1"/>
+      <p:bgRef idx="1003">
+        <a:schemeClr val="bg2"/>
       </p:bgRef>
     </p:bg>
     <p:spTree>
@@ -2449,12 +5228,19 @@
         </p:nvSpPr>
         <p:spPr>
           <a:xfrm>
-            <a:off x="838200" y="365125"/>
-            <a:ext cx="10515600" cy="1325563"/>
+            <a:off x="913795" y="609600"/>
+            <a:ext cx="10353762" cy="970450"/>
           </a:xfrm>
           <a:prstGeom prst="rect">
             <a:avLst/>
           </a:prstGeom>
+          <a:effectLst>
+            <a:outerShdw blurRad="25400" dir="17880000">
+              <a:srgbClr val="000000">
+                <a:alpha val="46000"/>
+              </a:srgbClr>
+            </a:outerShdw>
+          </a:effectLst>
         </p:spPr>
         <p:txBody>
           <a:bodyPr vert="horz" lIns="91440" tIns="45720" rIns="91440" bIns="45720" rtlCol="0" anchor="ctr">
@@ -2466,6 +5252,7 @@
               <a:rPr lang="en-US"/>
               <a:t>Click to edit Master title style</a:t>
             </a:r>
+            <a:endParaRPr lang="en-US" dirty="0"/>
           </a:p>
         </p:txBody>
       </p:sp>
@@ -2481,15 +5268,22 @@
         </p:nvSpPr>
         <p:spPr>
           <a:xfrm>
-            <a:off x="838200" y="1825625"/>
-            <a:ext cx="10515600" cy="4351338"/>
+            <a:off x="913795" y="1732449"/>
+            <a:ext cx="10353762" cy="4058751"/>
           </a:xfrm>
           <a:prstGeom prst="rect">
             <a:avLst/>
           </a:prstGeom>
+          <a:effectLst>
+            <a:outerShdw blurRad="25400" dir="17880000">
+              <a:srgbClr val="000000">
+                <a:alpha val="46000"/>
+              </a:srgbClr>
+            </a:outerShdw>
+          </a:effectLst>
         </p:spPr>
         <p:txBody>
-          <a:bodyPr vert="horz" lIns="91440" tIns="45720" rIns="91440" bIns="45720" rtlCol="0">
+          <a:bodyPr vert="horz" lIns="91440" tIns="45720" rIns="91440" bIns="45720" rtlCol="0" anchor="t">
             <a:normAutofit/>
           </a:bodyPr>
           <a:lstStyle/>
@@ -2497,7 +5291,7 @@
             <a:pPr lvl="0"/>
             <a:r>
               <a:rPr lang="en-US"/>
-              <a:t>Click to edit Master text styles</a:t>
+              <a:t>Edit Master text styles</a:t>
             </a:r>
           </a:p>
           <a:p>
@@ -2527,6 +5321,7 @@
               <a:rPr lang="en-US"/>
               <a:t>Fifth level</a:t>
             </a:r>
+            <a:endParaRPr lang="en-US" dirty="0"/>
           </a:p>
         </p:txBody>
       </p:sp>
@@ -2542,7 +5337,7 @@
         </p:nvSpPr>
         <p:spPr>
           <a:xfrm>
-            <a:off x="838200" y="6356350"/>
+            <a:off x="7678736" y="5883275"/>
             <a:ext cx="2743200" cy="365125"/>
           </a:xfrm>
           <a:prstGeom prst="rect">
@@ -2552,13 +5347,20 @@
         <p:txBody>
           <a:bodyPr vert="horz" lIns="91440" tIns="45720" rIns="91440" bIns="45720" rtlCol="0" anchor="ctr"/>
           <a:lstStyle>
-            <a:lvl1pPr algn="l">
-              <a:defRPr sz="1200">
+            <a:lvl1pPr algn="r">
+              <a:defRPr sz="1000">
                 <a:solidFill>
                   <a:schemeClr val="tx1">
-                    <a:tint val="75000"/>
+                    <a:lumMod val="95000"/>
                   </a:schemeClr>
                 </a:solidFill>
+                <a:effectLst>
+                  <a:outerShdw blurRad="50800" dist="38100" dir="2700000" algn="tl" rotWithShape="0">
+                    <a:schemeClr val="bg1">
+                      <a:alpha val="43000"/>
+                    </a:schemeClr>
+                  </a:outerShdw>
+                </a:effectLst>
               </a:defRPr>
             </a:lvl1pPr>
           </a:lstStyle>
@@ -2583,8 +5385,8 @@
         </p:nvSpPr>
         <p:spPr>
           <a:xfrm>
-            <a:off x="4038600" y="6356350"/>
-            <a:ext cx="4114800" cy="365125"/>
+            <a:off x="913795" y="5883275"/>
+            <a:ext cx="6672865" cy="365125"/>
           </a:xfrm>
           <a:prstGeom prst="rect">
             <a:avLst/>
@@ -2593,13 +5395,20 @@
         <p:txBody>
           <a:bodyPr vert="horz" lIns="91440" tIns="45720" rIns="91440" bIns="45720" rtlCol="0" anchor="ctr"/>
           <a:lstStyle>
-            <a:lvl1pPr algn="ctr">
-              <a:defRPr sz="1200">
+            <a:lvl1pPr algn="l">
+              <a:defRPr sz="1000">
                 <a:solidFill>
                   <a:schemeClr val="tx1">
-                    <a:tint val="75000"/>
+                    <a:lumMod val="95000"/>
                   </a:schemeClr>
                 </a:solidFill>
+                <a:effectLst>
+                  <a:outerShdw blurRad="50800" dist="38100" dir="2700000" algn="tl" rotWithShape="0">
+                    <a:schemeClr val="bg1">
+                      <a:alpha val="43000"/>
+                    </a:schemeClr>
+                  </a:outerShdw>
+                </a:effectLst>
               </a:defRPr>
             </a:lvl1pPr>
           </a:lstStyle>
@@ -2620,8 +5429,8 @@
         </p:nvSpPr>
         <p:spPr>
           <a:xfrm>
-            <a:off x="8610600" y="6356350"/>
-            <a:ext cx="2743200" cy="365125"/>
+            <a:off x="10514011" y="5883275"/>
+            <a:ext cx="753545" cy="365125"/>
           </a:xfrm>
           <a:prstGeom prst="rect">
             <a:avLst/>
@@ -2631,12 +5440,19 @@
           <a:bodyPr vert="horz" lIns="91440" tIns="45720" rIns="91440" bIns="45720" rtlCol="0" anchor="ctr"/>
           <a:lstStyle>
             <a:lvl1pPr algn="r">
-              <a:defRPr sz="1200">
+              <a:defRPr sz="1000">
                 <a:solidFill>
                   <a:schemeClr val="tx1">
-                    <a:tint val="75000"/>
+                    <a:lumMod val="95000"/>
                   </a:schemeClr>
                 </a:solidFill>
+                <a:effectLst>
+                  <a:outerShdw blurRad="50800" dist="38100" dir="2700000" algn="tl" rotWithShape="0">
+                    <a:schemeClr val="bg1">
+                      <a:alpha val="43000"/>
+                    </a:schemeClr>
+                  </a:outerShdw>
+                </a:effectLst>
               </a:defRPr>
             </a:lvl1pPr>
           </a:lstStyle>
@@ -2652,202 +5468,457 @@
     </p:spTree>
     <p:extLst>
       <p:ext uri="{BB962C8B-B14F-4D97-AF65-F5344CB8AC3E}">
-        <p14:creationId xmlns:p14="http://schemas.microsoft.com/office/powerpoint/2010/main" val="3669188572"/>
+        <p14:creationId xmlns:p14="http://schemas.microsoft.com/office/powerpoint/2010/main" val="3068409807"/>
       </p:ext>
     </p:extLst>
   </p:cSld>
-  <p:clrMap bg1="lt1" tx1="dk1" bg2="lt2" tx2="dk2" accent1="accent1" accent2="accent2" accent3="accent3" accent4="accent4" accent5="accent5" accent6="accent6" hlink="hlink" folHlink="folHlink"/>
+  <p:clrMap bg1="dk1" tx1="lt1" bg2="dk2" tx2="lt2" accent1="accent1" accent2="accent2" accent3="accent3" accent4="accent4" accent5="accent5" accent6="accent6" hlink="hlink" folHlink="folHlink"/>
   <p:sldLayoutIdLst>
-    <p:sldLayoutId id="2147483649" r:id="rId1"/>
-    <p:sldLayoutId id="2147483650" r:id="rId2"/>
-    <p:sldLayoutId id="2147483651" r:id="rId3"/>
-    <p:sldLayoutId id="2147483652" r:id="rId4"/>
-    <p:sldLayoutId id="2147483653" r:id="rId5"/>
-    <p:sldLayoutId id="2147483654" r:id="rId6"/>
-    <p:sldLayoutId id="2147483655" r:id="rId7"/>
-    <p:sldLayoutId id="2147483656" r:id="rId8"/>
-    <p:sldLayoutId id="2147483657" r:id="rId9"/>
-    <p:sldLayoutId id="2147483658" r:id="rId10"/>
-    <p:sldLayoutId id="2147483659" r:id="rId11"/>
+    <p:sldLayoutId id="2147484027" r:id="rId1"/>
+    <p:sldLayoutId id="2147484028" r:id="rId2"/>
+    <p:sldLayoutId id="2147484029" r:id="rId3"/>
+    <p:sldLayoutId id="2147484030" r:id="rId4"/>
+    <p:sldLayoutId id="2147484031" r:id="rId5"/>
+    <p:sldLayoutId id="2147484032" r:id="rId6"/>
+    <p:sldLayoutId id="2147484033" r:id="rId7"/>
+    <p:sldLayoutId id="2147484034" r:id="rId8"/>
+    <p:sldLayoutId id="2147484035" r:id="rId9"/>
+    <p:sldLayoutId id="2147484036" r:id="rId10"/>
+    <p:sldLayoutId id="2147484037" r:id="rId11"/>
+    <p:sldLayoutId id="2147484038" r:id="rId12"/>
+    <p:sldLayoutId id="2147484039" r:id="rId13"/>
+    <p:sldLayoutId id="2147484040" r:id="rId14"/>
+    <p:sldLayoutId id="2147484041" r:id="rId15"/>
+    <p:sldLayoutId id="2147484042" r:id="rId16"/>
+    <p:sldLayoutId id="2147484043" r:id="rId17"/>
   </p:sldLayoutIdLst>
   <p:txStyles>
     <p:titleStyle>
-      <a:lvl1pPr algn="l" defTabSz="914400" rtl="0" eaLnBrk="1" latinLnBrk="0" hangingPunct="1">
-        <a:lnSpc>
-          <a:spcPct val="90000"/>
-        </a:lnSpc>
+      <a:lvl1pPr algn="ctr" defTabSz="457200" rtl="0" eaLnBrk="1" latinLnBrk="0" hangingPunct="1">
         <a:spcBef>
           <a:spcPct val="0"/>
         </a:spcBef>
         <a:buNone/>
-        <a:defRPr sz="4400" kern="1200">
+        <a:defRPr sz="4000" kern="1200">
+          <a:ln>
+            <a:solidFill>
+              <a:schemeClr val="bg1">
+                <a:lumMod val="75000"/>
+                <a:lumOff val="25000"/>
+                <a:alpha val="10000"/>
+              </a:schemeClr>
+            </a:solidFill>
+          </a:ln>
           <a:solidFill>
-            <a:schemeClr val="tx1"/>
+            <a:schemeClr val="tx2"/>
           </a:solidFill>
+          <a:effectLst>
+            <a:outerShdw blurRad="9525" dist="25400" dir="14640000" algn="tl" rotWithShape="0">
+              <a:schemeClr val="bg1">
+                <a:alpha val="30000"/>
+              </a:schemeClr>
+            </a:outerShdw>
+          </a:effectLst>
           <a:latin typeface="+mj-lt"/>
           <a:ea typeface="+mj-ea"/>
-          <a:cs typeface="+mj-cs"/>
+          <a:cs typeface="Trebuchet MS"/>
         </a:defRPr>
       </a:lvl1pPr>
+      <a:lvl2pPr eaLnBrk="1" hangingPunct="1">
+        <a:defRPr>
+          <a:solidFill>
+            <a:schemeClr val="tx2"/>
+          </a:solidFill>
+        </a:defRPr>
+      </a:lvl2pPr>
+      <a:lvl3pPr eaLnBrk="1" hangingPunct="1">
+        <a:defRPr>
+          <a:solidFill>
+            <a:schemeClr val="tx2"/>
+          </a:solidFill>
+        </a:defRPr>
+      </a:lvl3pPr>
+      <a:lvl4pPr eaLnBrk="1" hangingPunct="1">
+        <a:defRPr>
+          <a:solidFill>
+            <a:schemeClr val="tx2"/>
+          </a:solidFill>
+        </a:defRPr>
+      </a:lvl4pPr>
+      <a:lvl5pPr eaLnBrk="1" hangingPunct="1">
+        <a:defRPr>
+          <a:solidFill>
+            <a:schemeClr val="tx2"/>
+          </a:solidFill>
+        </a:defRPr>
+      </a:lvl5pPr>
+      <a:lvl6pPr eaLnBrk="1" hangingPunct="1">
+        <a:defRPr>
+          <a:solidFill>
+            <a:schemeClr val="tx2"/>
+          </a:solidFill>
+        </a:defRPr>
+      </a:lvl6pPr>
+      <a:lvl7pPr eaLnBrk="1" hangingPunct="1">
+        <a:defRPr>
+          <a:solidFill>
+            <a:schemeClr val="tx2"/>
+          </a:solidFill>
+        </a:defRPr>
+      </a:lvl7pPr>
+      <a:lvl8pPr eaLnBrk="1" hangingPunct="1">
+        <a:defRPr>
+          <a:solidFill>
+            <a:schemeClr val="tx2"/>
+          </a:solidFill>
+        </a:defRPr>
+      </a:lvl8pPr>
+      <a:lvl9pPr eaLnBrk="1" hangingPunct="1">
+        <a:defRPr>
+          <a:solidFill>
+            <a:schemeClr val="tx2"/>
+          </a:solidFill>
+        </a:defRPr>
+      </a:lvl9pPr>
     </p:titleStyle>
     <p:bodyStyle>
-      <a:lvl1pPr marL="228600" indent="-228600" algn="l" defTabSz="914400" rtl="0" eaLnBrk="1" latinLnBrk="0" hangingPunct="1">
-        <a:lnSpc>
-          <a:spcPct val="90000"/>
-        </a:lnSpc>
+      <a:lvl1pPr marL="342900" indent="-306000" algn="l" defTabSz="457200" rtl="0" eaLnBrk="1" latinLnBrk="0" hangingPunct="1">
         <a:spcBef>
-          <a:spcPts val="1000"/>
+          <a:spcPct val="20000"/>
         </a:spcBef>
-        <a:buFont typeface="Arial" panose="020B0604020202020204" pitchFamily="34" charset="0"/>
-        <a:buChar char="•"/>
-        <a:defRPr sz="2800" kern="1200">
+        <a:spcAft>
+          <a:spcPts val="600"/>
+        </a:spcAft>
+        <a:buClr>
+          <a:schemeClr val="tx2"/>
+        </a:buClr>
+        <a:buSzPct val="70000"/>
+        <a:buFont typeface="Wingdings 2" charset="2"/>
+        <a:buChar char=""/>
+        <a:defRPr sz="2000" kern="1200">
+          <a:ln>
+            <a:solidFill>
+              <a:schemeClr val="bg1">
+                <a:lumMod val="75000"/>
+                <a:lumOff val="25000"/>
+                <a:alpha val="10000"/>
+              </a:schemeClr>
+            </a:solidFill>
+          </a:ln>
           <a:solidFill>
-            <a:schemeClr val="tx1"/>
+            <a:schemeClr val="tx2"/>
           </a:solidFill>
+          <a:effectLst>
+            <a:outerShdw blurRad="9525" dist="25400" dir="14640000" algn="tl" rotWithShape="0">
+              <a:schemeClr val="bg1">
+                <a:alpha val="30000"/>
+              </a:schemeClr>
+            </a:outerShdw>
+          </a:effectLst>
           <a:latin typeface="+mn-lt"/>
           <a:ea typeface="+mn-ea"/>
           <a:cs typeface="+mn-cs"/>
         </a:defRPr>
       </a:lvl1pPr>
-      <a:lvl2pPr marL="685800" indent="-228600" algn="l" defTabSz="914400" rtl="0" eaLnBrk="1" latinLnBrk="0" hangingPunct="1">
-        <a:lnSpc>
-          <a:spcPct val="90000"/>
-        </a:lnSpc>
+      <a:lvl2pPr marL="720000" indent="-270000" algn="l" defTabSz="457200" rtl="0" eaLnBrk="1" latinLnBrk="0" hangingPunct="1">
         <a:spcBef>
-          <a:spcPts val="500"/>
+          <a:spcPct val="20000"/>
         </a:spcBef>
-        <a:buFont typeface="Arial" panose="020B0604020202020204" pitchFamily="34" charset="0"/>
-        <a:buChar char="•"/>
-        <a:defRPr sz="2400" kern="1200">
+        <a:spcAft>
+          <a:spcPts val="600"/>
+        </a:spcAft>
+        <a:buClr>
+          <a:schemeClr val="tx2"/>
+        </a:buClr>
+        <a:buSzPct val="70000"/>
+        <a:buFont typeface="Wingdings 2" charset="2"/>
+        <a:buChar char=""/>
+        <a:defRPr sz="1800" kern="1200">
+          <a:ln>
+            <a:solidFill>
+              <a:schemeClr val="bg1">
+                <a:lumMod val="75000"/>
+                <a:lumOff val="25000"/>
+                <a:alpha val="10000"/>
+              </a:schemeClr>
+            </a:solidFill>
+          </a:ln>
           <a:solidFill>
-            <a:schemeClr val="tx1"/>
+            <a:schemeClr val="tx2"/>
           </a:solidFill>
+          <a:effectLst>
+            <a:outerShdw blurRad="9525" dist="25400" dir="14640000" algn="tl" rotWithShape="0">
+              <a:schemeClr val="bg1">
+                <a:alpha val="30000"/>
+              </a:schemeClr>
+            </a:outerShdw>
+          </a:effectLst>
           <a:latin typeface="+mn-lt"/>
           <a:ea typeface="+mn-ea"/>
           <a:cs typeface="+mn-cs"/>
         </a:defRPr>
       </a:lvl2pPr>
-      <a:lvl3pPr marL="1143000" indent="-228600" algn="l" defTabSz="914400" rtl="0" eaLnBrk="1" latinLnBrk="0" hangingPunct="1">
-        <a:lnSpc>
-          <a:spcPct val="90000"/>
-        </a:lnSpc>
+      <a:lvl3pPr marL="1026000" indent="-216000" algn="l" defTabSz="457200" rtl="0" eaLnBrk="1" latinLnBrk="0" hangingPunct="1">
         <a:spcBef>
-          <a:spcPts val="500"/>
+          <a:spcPct val="20000"/>
         </a:spcBef>
-        <a:buFont typeface="Arial" panose="020B0604020202020204" pitchFamily="34" charset="0"/>
-        <a:buChar char="•"/>
-        <a:defRPr sz="2000" kern="1200">
+        <a:spcAft>
+          <a:spcPts val="600"/>
+        </a:spcAft>
+        <a:buClr>
+          <a:schemeClr val="tx2"/>
+        </a:buClr>
+        <a:buSzPct val="70000"/>
+        <a:buFont typeface="Wingdings 2" charset="2"/>
+        <a:buChar char=""/>
+        <a:defRPr sz="1600" kern="1200">
+          <a:ln>
+            <a:solidFill>
+              <a:schemeClr val="bg1">
+                <a:lumMod val="75000"/>
+                <a:lumOff val="25000"/>
+                <a:alpha val="10000"/>
+              </a:schemeClr>
+            </a:solidFill>
+          </a:ln>
           <a:solidFill>
-            <a:schemeClr val="tx1"/>
+            <a:schemeClr val="tx2"/>
           </a:solidFill>
+          <a:effectLst>
+            <a:outerShdw blurRad="9525" dist="25400" dir="14640000" algn="tl" rotWithShape="0">
+              <a:schemeClr val="bg1">
+                <a:alpha val="30000"/>
+              </a:schemeClr>
+            </a:outerShdw>
+          </a:effectLst>
           <a:latin typeface="+mn-lt"/>
           <a:ea typeface="+mn-ea"/>
           <a:cs typeface="+mn-cs"/>
         </a:defRPr>
       </a:lvl3pPr>
-      <a:lvl4pPr marL="1600200" indent="-228600" algn="l" defTabSz="914400" rtl="0" eaLnBrk="1" latinLnBrk="0" hangingPunct="1">
-        <a:lnSpc>
-          <a:spcPct val="90000"/>
-        </a:lnSpc>
+      <a:lvl4pPr marL="1386000" indent="-216000" algn="l" defTabSz="457200" rtl="0" eaLnBrk="1" latinLnBrk="0" hangingPunct="1">
         <a:spcBef>
-          <a:spcPts val="500"/>
+          <a:spcPct val="20000"/>
         </a:spcBef>
-        <a:buFont typeface="Arial" panose="020B0604020202020204" pitchFamily="34" charset="0"/>
-        <a:buChar char="•"/>
-        <a:defRPr sz="1800" kern="1200">
+        <a:spcAft>
+          <a:spcPts val="600"/>
+        </a:spcAft>
+        <a:buClr>
+          <a:schemeClr val="tx2"/>
+        </a:buClr>
+        <a:buSzPct val="70000"/>
+        <a:buFont typeface="Wingdings 2" charset="2"/>
+        <a:buChar char=""/>
+        <a:defRPr sz="1400" kern="1200">
+          <a:ln>
+            <a:solidFill>
+              <a:schemeClr val="bg1">
+                <a:lumMod val="75000"/>
+                <a:lumOff val="25000"/>
+                <a:alpha val="10000"/>
+              </a:schemeClr>
+            </a:solidFill>
+          </a:ln>
           <a:solidFill>
-            <a:schemeClr val="tx1"/>
+            <a:schemeClr val="tx2"/>
           </a:solidFill>
+          <a:effectLst>
+            <a:outerShdw blurRad="9525" dist="25400" dir="14640000" algn="tl" rotWithShape="0">
+              <a:schemeClr val="bg1">
+                <a:alpha val="30000"/>
+              </a:schemeClr>
+            </a:outerShdw>
+          </a:effectLst>
           <a:latin typeface="+mn-lt"/>
           <a:ea typeface="+mn-ea"/>
           <a:cs typeface="+mn-cs"/>
         </a:defRPr>
       </a:lvl4pPr>
-      <a:lvl5pPr marL="2057400" indent="-228600" algn="l" defTabSz="914400" rtl="0" eaLnBrk="1" latinLnBrk="0" hangingPunct="1">
-        <a:lnSpc>
-          <a:spcPct val="90000"/>
-        </a:lnSpc>
+      <a:lvl5pPr marL="1674000" indent="-216000" algn="l" defTabSz="457200" rtl="0" eaLnBrk="1" latinLnBrk="0" hangingPunct="1">
         <a:spcBef>
-          <a:spcPts val="500"/>
+          <a:spcPct val="20000"/>
         </a:spcBef>
-        <a:buFont typeface="Arial" panose="020B0604020202020204" pitchFamily="34" charset="0"/>
-        <a:buChar char="•"/>
-        <a:defRPr sz="1800" kern="1200">
+        <a:spcAft>
+          <a:spcPts val="600"/>
+        </a:spcAft>
+        <a:buClr>
+          <a:schemeClr val="tx2"/>
+        </a:buClr>
+        <a:buSzPct val="70000"/>
+        <a:buFont typeface="Wingdings 2" charset="2"/>
+        <a:buChar char=""/>
+        <a:defRPr sz="1400" kern="1200">
+          <a:ln>
+            <a:solidFill>
+              <a:schemeClr val="bg1">
+                <a:lumMod val="75000"/>
+                <a:lumOff val="25000"/>
+                <a:alpha val="10000"/>
+              </a:schemeClr>
+            </a:solidFill>
+          </a:ln>
           <a:solidFill>
-            <a:schemeClr val="tx1"/>
+            <a:schemeClr val="tx2"/>
           </a:solidFill>
+          <a:effectLst>
+            <a:outerShdw blurRad="9525" dist="25400" dir="14640000" algn="tl" rotWithShape="0">
+              <a:schemeClr val="bg1">
+                <a:alpha val="30000"/>
+              </a:schemeClr>
+            </a:outerShdw>
+          </a:effectLst>
           <a:latin typeface="+mn-lt"/>
           <a:ea typeface="+mn-ea"/>
           <a:cs typeface="+mn-cs"/>
         </a:defRPr>
       </a:lvl5pPr>
-      <a:lvl6pPr marL="2514600" indent="-228600" algn="l" defTabSz="914400" rtl="0" eaLnBrk="1" latinLnBrk="0" hangingPunct="1">
-        <a:lnSpc>
-          <a:spcPct val="90000"/>
-        </a:lnSpc>
+      <a:lvl6pPr marL="2014600" indent="-228600" algn="l" defTabSz="457200" rtl="0" eaLnBrk="1" latinLnBrk="0" hangingPunct="1">
         <a:spcBef>
-          <a:spcPts val="500"/>
+          <a:spcPct val="20000"/>
         </a:spcBef>
-        <a:buFont typeface="Arial" panose="020B0604020202020204" pitchFamily="34" charset="0"/>
-        <a:buChar char="•"/>
-        <a:defRPr sz="1800" kern="1200">
+        <a:spcAft>
+          <a:spcPts val="600"/>
+        </a:spcAft>
+        <a:buClr>
+          <a:schemeClr val="tx2"/>
+        </a:buClr>
+        <a:buSzPct val="70000"/>
+        <a:buFont typeface="Wingdings 2" charset="2"/>
+        <a:buChar char=""/>
+        <a:defRPr sz="1400" kern="1200">
+          <a:ln>
+            <a:solidFill>
+              <a:schemeClr val="bg1">
+                <a:lumMod val="75000"/>
+                <a:lumOff val="25000"/>
+                <a:alpha val="10000"/>
+              </a:schemeClr>
+            </a:solidFill>
+          </a:ln>
           <a:solidFill>
-            <a:schemeClr val="tx1"/>
+            <a:schemeClr val="tx2"/>
           </a:solidFill>
+          <a:effectLst>
+            <a:outerShdw blurRad="9525" dist="25400" dir="14640000" algn="tl" rotWithShape="0">
+              <a:schemeClr val="bg1">
+                <a:alpha val="30000"/>
+              </a:schemeClr>
+            </a:outerShdw>
+          </a:effectLst>
           <a:latin typeface="+mn-lt"/>
           <a:ea typeface="+mn-ea"/>
           <a:cs typeface="+mn-cs"/>
         </a:defRPr>
       </a:lvl6pPr>
-      <a:lvl7pPr marL="2971800" indent="-228600" algn="l" defTabSz="914400" rtl="0" eaLnBrk="1" latinLnBrk="0" hangingPunct="1">
-        <a:lnSpc>
-          <a:spcPct val="90000"/>
-        </a:lnSpc>
+      <a:lvl7pPr marL="2401800" indent="-228600" algn="l" defTabSz="457200" rtl="0" eaLnBrk="1" latinLnBrk="0" hangingPunct="1">
         <a:spcBef>
-          <a:spcPts val="500"/>
+          <a:spcPct val="20000"/>
         </a:spcBef>
-        <a:buFont typeface="Arial" panose="020B0604020202020204" pitchFamily="34" charset="0"/>
-        <a:buChar char="•"/>
-        <a:defRPr sz="1800" kern="1200">
+        <a:spcAft>
+          <a:spcPts val="600"/>
+        </a:spcAft>
+        <a:buClr>
+          <a:schemeClr val="tx2"/>
+        </a:buClr>
+        <a:buSzPct val="70000"/>
+        <a:buFont typeface="Wingdings 2" charset="2"/>
+        <a:buChar char=""/>
+        <a:defRPr sz="1400" kern="1200">
+          <a:ln>
+            <a:solidFill>
+              <a:schemeClr val="bg1">
+                <a:lumMod val="75000"/>
+                <a:lumOff val="25000"/>
+                <a:alpha val="10000"/>
+              </a:schemeClr>
+            </a:solidFill>
+          </a:ln>
           <a:solidFill>
-            <a:schemeClr val="tx1"/>
+            <a:schemeClr val="tx2"/>
           </a:solidFill>
+          <a:effectLst>
+            <a:outerShdw blurRad="9525" dist="25400" dir="14640000" algn="tl" rotWithShape="0">
+              <a:schemeClr val="bg1">
+                <a:alpha val="30000"/>
+              </a:schemeClr>
+            </a:outerShdw>
+          </a:effectLst>
           <a:latin typeface="+mn-lt"/>
           <a:ea typeface="+mn-ea"/>
           <a:cs typeface="+mn-cs"/>
         </a:defRPr>
       </a:lvl7pPr>
-      <a:lvl8pPr marL="3429000" indent="-228600" algn="l" defTabSz="914400" rtl="0" eaLnBrk="1" latinLnBrk="0" hangingPunct="1">
-        <a:lnSpc>
-          <a:spcPct val="90000"/>
-        </a:lnSpc>
+      <a:lvl8pPr marL="2789000" indent="-228600" algn="l" defTabSz="457200" rtl="0" eaLnBrk="1" latinLnBrk="0" hangingPunct="1">
         <a:spcBef>
-          <a:spcPts val="500"/>
+          <a:spcPct val="20000"/>
         </a:spcBef>
-        <a:buFont typeface="Arial" panose="020B0604020202020204" pitchFamily="34" charset="0"/>
-        <a:buChar char="•"/>
-        <a:defRPr sz="1800" kern="1200">
+        <a:spcAft>
+          <a:spcPts val="600"/>
+        </a:spcAft>
+        <a:buClr>
+          <a:schemeClr val="tx2"/>
+        </a:buClr>
+        <a:buSzPct val="70000"/>
+        <a:buFont typeface="Wingdings 2" charset="2"/>
+        <a:buChar char=""/>
+        <a:defRPr sz="1400" kern="1200">
+          <a:ln>
+            <a:solidFill>
+              <a:schemeClr val="bg1">
+                <a:lumMod val="75000"/>
+                <a:lumOff val="25000"/>
+                <a:alpha val="10000"/>
+              </a:schemeClr>
+            </a:solidFill>
+          </a:ln>
           <a:solidFill>
-            <a:schemeClr val="tx1"/>
+            <a:schemeClr val="tx2"/>
           </a:solidFill>
+          <a:effectLst>
+            <a:outerShdw blurRad="9525" dist="25400" dir="14640000" algn="tl" rotWithShape="0">
+              <a:schemeClr val="bg1">
+                <a:alpha val="30000"/>
+              </a:schemeClr>
+            </a:outerShdw>
+          </a:effectLst>
           <a:latin typeface="+mn-lt"/>
           <a:ea typeface="+mn-ea"/>
           <a:cs typeface="+mn-cs"/>
         </a:defRPr>
       </a:lvl8pPr>
-      <a:lvl9pPr marL="3886200" indent="-228600" algn="l" defTabSz="914400" rtl="0" eaLnBrk="1" latinLnBrk="0" hangingPunct="1">
-        <a:lnSpc>
-          <a:spcPct val="90000"/>
-        </a:lnSpc>
+      <a:lvl9pPr marL="3106200" indent="-228600" algn="l" defTabSz="457200" rtl="0" eaLnBrk="1" latinLnBrk="0" hangingPunct="1">
         <a:spcBef>
-          <a:spcPts val="500"/>
+          <a:spcPct val="20000"/>
         </a:spcBef>
-        <a:buFont typeface="Arial" panose="020B0604020202020204" pitchFamily="34" charset="0"/>
-        <a:buChar char="•"/>
-        <a:defRPr sz="1800" kern="1200">
+        <a:spcAft>
+          <a:spcPts val="600"/>
+        </a:spcAft>
+        <a:buClr>
+          <a:schemeClr val="tx2"/>
+        </a:buClr>
+        <a:buSzPct val="70000"/>
+        <a:buFont typeface="Wingdings 2" charset="2"/>
+        <a:buChar char=""/>
+        <a:defRPr sz="1400" kern="1200">
+          <a:ln>
+            <a:solidFill>
+              <a:schemeClr val="bg1">
+                <a:lumMod val="75000"/>
+                <a:lumOff val="25000"/>
+                <a:alpha val="10000"/>
+              </a:schemeClr>
+            </a:solidFill>
+          </a:ln>
           <a:solidFill>
-            <a:schemeClr val="tx1"/>
+            <a:schemeClr val="tx2"/>
           </a:solidFill>
+          <a:effectLst>
+            <a:outerShdw blurRad="9525" dist="25400" dir="14640000" algn="tl" rotWithShape="0">
+              <a:schemeClr val="bg1">
+                <a:alpha val="30000"/>
+              </a:schemeClr>
+            </a:outerShdw>
+          </a:effectLst>
           <a:latin typeface="+mn-lt"/>
           <a:ea typeface="+mn-ea"/>
           <a:cs typeface="+mn-cs"/>
@@ -2858,7 +5929,7 @@
       <a:defPPr>
         <a:defRPr lang="en-US"/>
       </a:defPPr>
-      <a:lvl1pPr marL="0" algn="l" defTabSz="914400" rtl="0" eaLnBrk="1" latinLnBrk="0" hangingPunct="1">
+      <a:lvl1pPr marL="0" algn="l" defTabSz="457200" rtl="0" eaLnBrk="1" latinLnBrk="0" hangingPunct="1">
         <a:defRPr sz="1800" kern="1200">
           <a:solidFill>
             <a:schemeClr val="tx1"/>
@@ -2868,7 +5939,7 @@
           <a:cs typeface="+mn-cs"/>
         </a:defRPr>
       </a:lvl1pPr>
-      <a:lvl2pPr marL="457200" algn="l" defTabSz="914400" rtl="0" eaLnBrk="1" latinLnBrk="0" hangingPunct="1">
+      <a:lvl2pPr marL="457200" algn="l" defTabSz="457200" rtl="0" eaLnBrk="1" latinLnBrk="0" hangingPunct="1">
         <a:defRPr sz="1800" kern="1200">
           <a:solidFill>
             <a:schemeClr val="tx1"/>
@@ -2878,7 +5949,7 @@
           <a:cs typeface="+mn-cs"/>
         </a:defRPr>
       </a:lvl2pPr>
-      <a:lvl3pPr marL="914400" algn="l" defTabSz="914400" rtl="0" eaLnBrk="1" latinLnBrk="0" hangingPunct="1">
+      <a:lvl3pPr marL="914400" algn="l" defTabSz="457200" rtl="0" eaLnBrk="1" latinLnBrk="0" hangingPunct="1">
         <a:defRPr sz="1800" kern="1200">
           <a:solidFill>
             <a:schemeClr val="tx1"/>
@@ -2888,7 +5959,7 @@
           <a:cs typeface="+mn-cs"/>
         </a:defRPr>
       </a:lvl3pPr>
-      <a:lvl4pPr marL="1371600" algn="l" defTabSz="914400" rtl="0" eaLnBrk="1" latinLnBrk="0" hangingPunct="1">
+      <a:lvl4pPr marL="1371600" algn="l" defTabSz="457200" rtl="0" eaLnBrk="1" latinLnBrk="0" hangingPunct="1">
         <a:defRPr sz="1800" kern="1200">
           <a:solidFill>
             <a:schemeClr val="tx1"/>
@@ -2898,7 +5969,7 @@
           <a:cs typeface="+mn-cs"/>
         </a:defRPr>
       </a:lvl4pPr>
-      <a:lvl5pPr marL="1828800" algn="l" defTabSz="914400" rtl="0" eaLnBrk="1" latinLnBrk="0" hangingPunct="1">
+      <a:lvl5pPr marL="1828800" algn="l" defTabSz="457200" rtl="0" eaLnBrk="1" latinLnBrk="0" hangingPunct="1">
         <a:defRPr sz="1800" kern="1200">
           <a:solidFill>
             <a:schemeClr val="tx1"/>
@@ -2908,7 +5979,7 @@
           <a:cs typeface="+mn-cs"/>
         </a:defRPr>
       </a:lvl5pPr>
-      <a:lvl6pPr marL="2286000" algn="l" defTabSz="914400" rtl="0" eaLnBrk="1" latinLnBrk="0" hangingPunct="1">
+      <a:lvl6pPr marL="2286000" algn="l" defTabSz="457200" rtl="0" eaLnBrk="1" latinLnBrk="0" hangingPunct="1">
         <a:defRPr sz="1800" kern="1200">
           <a:solidFill>
             <a:schemeClr val="tx1"/>
@@ -2918,7 +5989,7 @@
           <a:cs typeface="+mn-cs"/>
         </a:defRPr>
       </a:lvl6pPr>
-      <a:lvl7pPr marL="2743200" algn="l" defTabSz="914400" rtl="0" eaLnBrk="1" latinLnBrk="0" hangingPunct="1">
+      <a:lvl7pPr marL="2743200" algn="l" defTabSz="457200" rtl="0" eaLnBrk="1" latinLnBrk="0" hangingPunct="1">
         <a:defRPr sz="1800" kern="1200">
           <a:solidFill>
             <a:schemeClr val="tx1"/>
@@ -2928,7 +5999,7 @@
           <a:cs typeface="+mn-cs"/>
         </a:defRPr>
       </a:lvl7pPr>
-      <a:lvl8pPr marL="3200400" algn="l" defTabSz="914400" rtl="0" eaLnBrk="1" latinLnBrk="0" hangingPunct="1">
+      <a:lvl8pPr marL="3200400" algn="l" defTabSz="457200" rtl="0" eaLnBrk="1" latinLnBrk="0" hangingPunct="1">
         <a:defRPr sz="1800" kern="1200">
           <a:solidFill>
             <a:schemeClr val="tx1"/>
@@ -2938,7 +6009,7 @@
           <a:cs typeface="+mn-cs"/>
         </a:defRPr>
       </a:lvl8pPr>
-      <a:lvl9pPr marL="3657600" algn="l" defTabSz="914400" rtl="0" eaLnBrk="1" latinLnBrk="0" hangingPunct="1">
+      <a:lvl9pPr marL="3657600" algn="l" defTabSz="457200" rtl="0" eaLnBrk="1" latinLnBrk="0" hangingPunct="1">
         <a:defRPr sz="1800" kern="1200">
           <a:solidFill>
             <a:schemeClr val="tx1"/>
@@ -3005,11 +6076,11 @@
           <a:lstStyle/>
           <a:p>
             <a:r>
-              <a:rPr lang="en-US" dirty="0" smtClean="0"/>
+              <a:rPr lang="en-US" dirty="0"/>
               <a:t>By Team </a:t>
             </a:r>
             <a:r>
-              <a:rPr lang="en-US" dirty="0" err="1" smtClean="0">
+              <a:rPr lang="en-US" dirty="0" err="1">
                 <a:solidFill>
                   <a:srgbClr val="FF0000"/>
                 </a:solidFill>
@@ -3017,7 +6088,7 @@
               <a:t>Magi</a:t>
             </a:r>
             <a:r>
-              <a:rPr lang="en-US" dirty="0" err="1" smtClean="0">
+              <a:rPr lang="en-US" dirty="0" err="1">
                 <a:solidFill>
                   <a:schemeClr val="bg2">
                     <a:lumMod val="50000"/>
@@ -3118,13 +6189,6 @@
   <p:clrMapOvr>
     <a:masterClrMapping/>
   </p:clrMapOvr>
-  <p:timing>
-    <p:tnLst>
-      <p:par>
-        <p:cTn id="1" dur="indefinite" restart="never" nodeType="tmRoot"/>
-      </p:par>
-    </p:tnLst>
-  </p:timing>
 </p:sld>
 </file>
 
@@ -3161,10 +6225,9 @@
           <a:lstStyle/>
           <a:p>
             <a:r>
-              <a:rPr lang="en-US" dirty="0" smtClean="0"/>
+              <a:rPr lang="en-US" dirty="0"/>
               <a:t>Beta Game Content Target</a:t>
             </a:r>
-            <a:endParaRPr lang="en-US" dirty="0"/>
           </a:p>
         </p:txBody>
       </p:sp>
@@ -3196,17 +6259,7 @@
                   </a:schemeClr>
                 </a:solidFill>
               </a:rPr>
-              <a:t>E</a:t>
-            </a:r>
-            <a:r>
-              <a:rPr lang="en-US" dirty="0" smtClean="0">
-                <a:solidFill>
-                  <a:schemeClr val="accent2">
-                    <a:lumMod val="50000"/>
-                  </a:schemeClr>
-                </a:solidFill>
-              </a:rPr>
-              <a:t>nemies:</a:t>
+              <a:t>Enemies:</a:t>
             </a:r>
           </a:p>
           <a:p>
@@ -3215,7 +6268,7 @@
               <a:buAutoNum type="arabicPeriod"/>
             </a:pPr>
             <a:r>
-              <a:rPr lang="en-US" dirty="0" smtClean="0"/>
+              <a:rPr lang="en-US" dirty="0"/>
               <a:t>Area 3 Enemies</a:t>
             </a:r>
           </a:p>
@@ -3225,7 +6278,7 @@
               <a:buAutoNum type="arabicPeriod"/>
             </a:pPr>
             <a:r>
-              <a:rPr lang="en-US" dirty="0" smtClean="0"/>
+              <a:rPr lang="en-US" dirty="0"/>
               <a:t>Area 2 Boss</a:t>
             </a:r>
           </a:p>
@@ -3235,7 +6288,7 @@
               <a:buAutoNum type="arabicPeriod"/>
             </a:pPr>
             <a:r>
-              <a:rPr lang="en-US" dirty="0" smtClean="0"/>
+              <a:rPr lang="en-US" dirty="0"/>
               <a:t>Area 3 Boss</a:t>
             </a:r>
           </a:p>
@@ -3245,7 +6298,7 @@
               <a:buAutoNum type="arabicPeriod"/>
             </a:pPr>
             <a:r>
-              <a:rPr lang="en-US" dirty="0" smtClean="0"/>
+              <a:rPr lang="en-US" dirty="0"/>
               <a:t>Final Boss</a:t>
             </a:r>
           </a:p>
@@ -3271,16 +6324,6 @@
             <a:pPr marL="0" indent="0">
               <a:buNone/>
             </a:pPr>
-            <a:r>
-              <a:rPr lang="en-US" dirty="0" smtClean="0">
-                <a:solidFill>
-                  <a:schemeClr val="accent6">
-                    <a:lumMod val="50000"/>
-                  </a:schemeClr>
-                </a:solidFill>
-              </a:rPr>
-              <a:t>Player </a:t>
-            </a:r>
             <a:r>
               <a:rPr lang="en-US" dirty="0">
                 <a:solidFill>
@@ -3289,7 +6332,7 @@
                   </a:schemeClr>
                 </a:solidFill>
               </a:rPr>
-              <a:t>Spells:</a:t>
+              <a:t>Player Spells:</a:t>
             </a:r>
           </a:p>
           <a:p>
@@ -3329,11 +6372,7 @@
             </a:pPr>
             <a:r>
               <a:rPr lang="en-US" dirty="0"/>
-              <a:t>Dragon Scale </a:t>
-            </a:r>
-            <a:r>
-              <a:rPr lang="en-US" dirty="0" smtClean="0"/>
-              <a:t>Stream</a:t>
+              <a:t>Dragon Scale Stream</a:t>
             </a:r>
           </a:p>
           <a:p>
@@ -3342,12 +6381,8 @@
               <a:buAutoNum type="arabicPeriod"/>
             </a:pPr>
             <a:r>
-              <a:rPr lang="en-US" dirty="0" smtClean="0"/>
-              <a:t>Water </a:t>
-            </a:r>
-            <a:r>
-              <a:rPr lang="en-US" dirty="0" smtClean="0"/>
-              <a:t>Stream</a:t>
+              <a:rPr lang="en-US" dirty="0"/>
+              <a:t>Water Stream</a:t>
             </a:r>
           </a:p>
           <a:p>
@@ -3356,7 +6391,7 @@
               <a:buAutoNum type="arabicPeriod"/>
             </a:pPr>
             <a:r>
-              <a:rPr lang="en-US" dirty="0" smtClean="0"/>
+              <a:rPr lang="en-US" dirty="0"/>
               <a:t>Rainbow Shot</a:t>
             </a:r>
           </a:p>
@@ -3366,10 +6401,9 @@
               <a:buAutoNum type="arabicPeriod"/>
             </a:pPr>
             <a:r>
-              <a:rPr lang="en-US" dirty="0" smtClean="0"/>
+              <a:rPr lang="en-US" dirty="0"/>
               <a:t>Bone Shot</a:t>
             </a:r>
-            <a:endParaRPr lang="en-US" dirty="0"/>
           </a:p>
           <a:p>
             <a:pPr marL="0" indent="0">
@@ -3455,10 +6489,9 @@
           <a:lstStyle/>
           <a:p>
             <a:r>
-              <a:rPr lang="en-US" dirty="0" smtClean="0"/>
+              <a:rPr lang="en-US" dirty="0"/>
               <a:t>Beta Art Content Target</a:t>
             </a:r>
-            <a:endParaRPr lang="en-US" dirty="0"/>
           </a:p>
         </p:txBody>
       </p:sp>
@@ -3482,7 +6515,7 @@
               <a:buAutoNum type="arabicPeriod"/>
             </a:pPr>
             <a:r>
-              <a:rPr lang="en-US" dirty="0" smtClean="0">
+              <a:rPr lang="en-US" dirty="0">
                 <a:solidFill>
                   <a:schemeClr val="accent2">
                     <a:lumMod val="50000"/>
@@ -3498,7 +6531,7 @@
               <a:buAutoNum type="arabicPeriod"/>
             </a:pPr>
             <a:r>
-              <a:rPr lang="en-US" dirty="0" smtClean="0">
+              <a:rPr lang="en-US" dirty="0">
                 <a:solidFill>
                   <a:schemeClr val="accent2">
                     <a:lumMod val="50000"/>
@@ -3507,13 +6540,6 @@
               </a:rPr>
               <a:t>Enemy Movement Animations</a:t>
             </a:r>
-            <a:endParaRPr lang="en-US" dirty="0">
-              <a:solidFill>
-                <a:schemeClr val="accent2">
-                  <a:lumMod val="50000"/>
-                </a:schemeClr>
-              </a:solidFill>
-            </a:endParaRPr>
           </a:p>
         </p:txBody>
       </p:sp>
@@ -3536,7 +6562,7 @@
               <a:buNone/>
             </a:pPr>
             <a:r>
-              <a:rPr lang="en-US" dirty="0" smtClean="0">
+              <a:rPr lang="en-US" dirty="0">
                 <a:solidFill>
                   <a:schemeClr val="accent1">
                     <a:lumMod val="50000"/>
@@ -3551,7 +6577,7 @@
               <a:buNone/>
             </a:pPr>
             <a:r>
-              <a:rPr lang="en-US" dirty="0" smtClean="0">
+              <a:rPr lang="en-US" dirty="0">
                 <a:solidFill>
                   <a:srgbClr val="C00000"/>
                 </a:solidFill>
@@ -3564,18 +6590,13 @@
               <a:buNone/>
             </a:pPr>
             <a:r>
-              <a:rPr lang="en-US" dirty="0" smtClean="0">
+              <a:rPr lang="en-US" dirty="0">
                 <a:solidFill>
                   <a:srgbClr val="C00000"/>
                 </a:solidFill>
               </a:rPr>
               <a:t>5.   Boss Movement Animations</a:t>
             </a:r>
-            <a:endParaRPr lang="en-US" dirty="0">
-              <a:solidFill>
-                <a:srgbClr val="C00000"/>
-              </a:solidFill>
-            </a:endParaRPr>
           </a:p>
         </p:txBody>
       </p:sp>
@@ -3655,10 +6676,9 @@
           <a:lstStyle/>
           <a:p>
             <a:r>
-              <a:rPr lang="en-US" dirty="0" smtClean="0"/>
+              <a:rPr lang="en-US" dirty="0"/>
               <a:t>Beta Audio Content Target</a:t>
             </a:r>
-            <a:endParaRPr lang="en-US" dirty="0"/>
           </a:p>
         </p:txBody>
       </p:sp>
@@ -3683,7 +6703,7 @@
               <a:buNone/>
             </a:pPr>
             <a:r>
-              <a:rPr lang="en-US" dirty="0" smtClean="0">
+              <a:rPr lang="en-US" dirty="0">
                 <a:solidFill>
                   <a:schemeClr val="accent5">
                     <a:lumMod val="50000"/>
@@ -3699,10 +6719,9 @@
               <a:buAutoNum type="arabicPeriod"/>
             </a:pPr>
             <a:r>
-              <a:rPr lang="en-US" dirty="0" smtClean="0"/>
+              <a:rPr lang="en-US" dirty="0"/>
               <a:t>Player Movement Sound Effects</a:t>
             </a:r>
-            <a:endParaRPr lang="en-US" dirty="0"/>
           </a:p>
           <a:p>
             <a:pPr marL="514350" indent="-514350">
@@ -3710,7 +6729,7 @@
               <a:buAutoNum type="arabicPeriod"/>
             </a:pPr>
             <a:r>
-              <a:rPr lang="en-US" dirty="0" smtClean="0"/>
+              <a:rPr lang="en-US" dirty="0"/>
               <a:t>Death Sound Effects</a:t>
             </a:r>
           </a:p>
@@ -3720,7 +6739,7 @@
               <a:buAutoNum type="arabicPeriod"/>
             </a:pPr>
             <a:r>
-              <a:rPr lang="en-US" dirty="0" smtClean="0"/>
+              <a:rPr lang="en-US" dirty="0"/>
               <a:t>Unique Hurt Sound Effects</a:t>
             </a:r>
           </a:p>
@@ -3729,14 +6748,14 @@
               <a:buFont typeface="+mj-lt"/>
               <a:buAutoNum type="arabicPeriod"/>
             </a:pPr>
-            <a:endParaRPr lang="en-US" dirty="0" smtClean="0"/>
+            <a:endParaRPr lang="en-US" dirty="0"/>
           </a:p>
           <a:p>
             <a:pPr marL="514350" indent="-514350">
               <a:buFont typeface="+mj-lt"/>
               <a:buAutoNum type="arabicPeriod"/>
             </a:pPr>
-            <a:endParaRPr lang="en-US" dirty="0" smtClean="0"/>
+            <a:endParaRPr lang="en-US" dirty="0"/>
           </a:p>
           <a:p>
             <a:pPr marL="514350" indent="-514350">
@@ -3768,7 +6787,7 @@
               <a:buNone/>
             </a:pPr>
             <a:r>
-              <a:rPr lang="en-US" dirty="0" smtClean="0">
+              <a:rPr lang="en-US" dirty="0">
                 <a:solidFill>
                   <a:schemeClr val="accent2">
                     <a:lumMod val="75000"/>
@@ -3784,10 +6803,9 @@
               <a:buAutoNum type="arabicPeriod"/>
             </a:pPr>
             <a:r>
-              <a:rPr lang="en-US" dirty="0" smtClean="0"/>
+              <a:rPr lang="en-US" dirty="0"/>
               <a:t>Player Spell Sound Effects</a:t>
             </a:r>
-            <a:endParaRPr lang="en-US" dirty="0"/>
           </a:p>
           <a:p>
             <a:pPr marL="514350" indent="-514350">
@@ -3795,10 +6813,9 @@
               <a:buAutoNum type="arabicPeriod"/>
             </a:pPr>
             <a:r>
-              <a:rPr lang="en-US" dirty="0" smtClean="0"/>
+              <a:rPr lang="en-US" dirty="0"/>
               <a:t>Enemy Attack Sound Effects</a:t>
             </a:r>
-            <a:endParaRPr lang="en-US" dirty="0"/>
           </a:p>
         </p:txBody>
       </p:sp>
@@ -3878,11 +6895,11 @@
           <a:lstStyle/>
           <a:p>
             <a:r>
-              <a:rPr lang="en-US" dirty="0" smtClean="0"/>
+              <a:rPr lang="en-US" dirty="0"/>
               <a:t>Team </a:t>
             </a:r>
             <a:r>
-              <a:rPr lang="en-US" dirty="0" err="1" smtClean="0">
+              <a:rPr lang="en-US" dirty="0" err="1">
                 <a:solidFill>
                   <a:srgbClr val="FF0000"/>
                 </a:solidFill>
@@ -3890,7 +6907,7 @@
               <a:t>Magi</a:t>
             </a:r>
             <a:r>
-              <a:rPr lang="en-US" dirty="0" err="1" smtClean="0">
+              <a:rPr lang="en-US" dirty="0" err="1">
                 <a:solidFill>
                   <a:schemeClr val="bg2">
                     <a:lumMod val="50000"/>
@@ -4005,13 +7022,6 @@
   <p:clrMapOvr>
     <a:masterClrMapping/>
   </p:clrMapOvr>
-  <p:timing>
-    <p:tnLst>
-      <p:par>
-        <p:cTn id="1" dur="indefinite" restart="never" nodeType="tmRoot"/>
-      </p:par>
-    </p:tnLst>
-  </p:timing>
 </p:sld>
 </file>
 
@@ -4049,10 +7059,9 @@
           <a:p>
             <a:pPr algn="ctr"/>
             <a:r>
-              <a:rPr lang="en-US" dirty="0" smtClean="0"/>
+              <a:rPr lang="en-US" dirty="0"/>
               <a:t>Overview</a:t>
             </a:r>
-            <a:endParaRPr lang="en-US" dirty="0"/>
           </a:p>
         </p:txBody>
       </p:sp>
@@ -4068,76 +7077,78 @@
         </p:nvSpPr>
         <p:spPr/>
         <p:txBody>
-          <a:bodyPr/>
-          <a:lstStyle/>
-          <a:p>
-            <a:r>
-              <a:rPr lang="en-US" sz="2400" dirty="0" smtClean="0"/>
+          <a:bodyPr>
+            <a:normAutofit fontScale="92500" lnSpcReduction="10000"/>
+          </a:bodyPr>
+          <a:lstStyle/>
+          <a:p>
+            <a:r>
+              <a:rPr lang="en-US" sz="2400" dirty="0"/>
               <a:t>Game Demo</a:t>
             </a:r>
           </a:p>
           <a:p>
             <a:r>
-              <a:rPr lang="en-US" sz="2400" dirty="0" smtClean="0"/>
+              <a:rPr lang="en-US" sz="2400" dirty="0"/>
               <a:t>New Features</a:t>
             </a:r>
           </a:p>
           <a:p>
             <a:r>
-              <a:rPr lang="en-US" sz="2400" dirty="0" smtClean="0"/>
+              <a:rPr lang="en-US" sz="2400" dirty="0"/>
               <a:t>New Audio Assets</a:t>
             </a:r>
           </a:p>
           <a:p>
             <a:pPr lvl="2"/>
             <a:r>
-              <a:rPr lang="en-US" sz="1800" dirty="0" smtClean="0"/>
+              <a:rPr lang="en-US" sz="1800" dirty="0"/>
               <a:t>Sound Effect Showcase</a:t>
             </a:r>
           </a:p>
           <a:p>
             <a:r>
-              <a:rPr lang="en-US" sz="2400" dirty="0" smtClean="0"/>
+              <a:rPr lang="en-US" sz="2400" dirty="0"/>
               <a:t>New Art Assets</a:t>
             </a:r>
           </a:p>
           <a:p>
             <a:pPr lvl="2"/>
             <a:r>
-              <a:rPr lang="en-US" sz="1800" dirty="0" smtClean="0"/>
+              <a:rPr lang="en-US" sz="1800" dirty="0"/>
               <a:t>Art Showcase</a:t>
             </a:r>
           </a:p>
           <a:p>
             <a:r>
-              <a:rPr lang="en-US" sz="2400" dirty="0" smtClean="0"/>
+              <a:rPr lang="en-US" sz="2400" dirty="0"/>
               <a:t>Beta Targets</a:t>
             </a:r>
           </a:p>
           <a:p>
             <a:pPr lvl="2"/>
             <a:r>
-              <a:rPr lang="en-US" sz="1800" dirty="0" smtClean="0"/>
+              <a:rPr lang="en-US" sz="1800" dirty="0"/>
               <a:t>Feature Content Target</a:t>
             </a:r>
           </a:p>
           <a:p>
             <a:pPr lvl="2"/>
             <a:r>
-              <a:rPr lang="en-US" sz="1800" dirty="0" smtClean="0"/>
+              <a:rPr lang="en-US" sz="1800" dirty="0"/>
               <a:t>Art Content Target</a:t>
             </a:r>
           </a:p>
           <a:p>
             <a:pPr lvl="2"/>
             <a:r>
-              <a:rPr lang="en-US" sz="1800" dirty="0" smtClean="0"/>
+              <a:rPr lang="en-US" sz="1800" dirty="0"/>
               <a:t>Audio Content Target</a:t>
             </a:r>
           </a:p>
           <a:p>
             <a:pPr lvl="2" algn="ctr"/>
-            <a:endParaRPr lang="en-US" dirty="0" smtClean="0"/>
+            <a:endParaRPr lang="en-US" dirty="0"/>
           </a:p>
         </p:txBody>
       </p:sp>
@@ -4181,13 +7192,6 @@
   <p:clrMapOvr>
     <a:masterClrMapping/>
   </p:clrMapOvr>
-  <p:timing>
-    <p:tnLst>
-      <p:par>
-        <p:cTn id="1" dur="indefinite" restart="never" nodeType="tmRoot"/>
-      </p:par>
-    </p:tnLst>
-  </p:timing>
 </p:sld>
 </file>
 
@@ -4221,13 +7225,13 @@
         <p:spPr/>
         <p:txBody>
           <a:bodyPr>
-            <a:normAutofit/>
+            <a:normAutofit fontScale="90000"/>
           </a:bodyPr>
           <a:lstStyle/>
           <a:p>
             <a:pPr algn="ctr"/>
             <a:r>
-              <a:rPr lang="en-US" sz="6000" dirty="0" smtClean="0">
+              <a:rPr lang="en-US" sz="6000" dirty="0">
                 <a:solidFill>
                   <a:schemeClr val="accent6">
                     <a:lumMod val="50000"/>
@@ -4236,13 +7240,6 @@
               </a:rPr>
               <a:t>Game Demo</a:t>
             </a:r>
-            <a:endParaRPr lang="en-US" sz="6000" dirty="0">
-              <a:solidFill>
-                <a:schemeClr val="accent6">
-                  <a:lumMod val="50000"/>
-                </a:schemeClr>
-              </a:solidFill>
-            </a:endParaRPr>
           </a:p>
         </p:txBody>
       </p:sp>
@@ -4275,13 +7272,6 @@
   <p:clrMapOvr>
     <a:masterClrMapping/>
   </p:clrMapOvr>
-  <p:timing>
-    <p:tnLst>
-      <p:par>
-        <p:cTn id="1" dur="indefinite" restart="never" nodeType="tmRoot"/>
-      </p:par>
-    </p:tnLst>
-  </p:timing>
 </p:sld>
 </file>
 
@@ -4337,7 +7327,7 @@
           <a:lstStyle/>
           <a:p>
             <a:r>
-              <a:rPr lang="en-US" dirty="0" smtClean="0">
+              <a:rPr lang="en-US" dirty="0">
                 <a:solidFill>
                   <a:srgbClr val="FFFF00"/>
                 </a:solidFill>
@@ -4345,12 +7335,6 @@
               </a:rPr>
               <a:t>New Scripts, Mechanics &amp; Features</a:t>
             </a:r>
-            <a:endParaRPr lang="en-US" dirty="0">
-              <a:solidFill>
-                <a:srgbClr val="FFFF00"/>
-              </a:solidFill>
-              <a:latin typeface="Edwardian Script ITC" panose="030303020407070D0804" pitchFamily="66" charset="0"/>
-            </a:endParaRPr>
           </a:p>
         </p:txBody>
       </p:sp>
@@ -4381,7 +7365,7 @@
               <a:buAutoNum type="arabicPeriod"/>
             </a:pPr>
             <a:r>
-              <a:rPr lang="en-US" sz="2000" dirty="0" smtClean="0">
+              <a:rPr lang="en-US" sz="2000" dirty="0">
                 <a:solidFill>
                   <a:srgbClr val="FFFF00"/>
                 </a:solidFill>
@@ -4397,7 +7381,7 @@
               <a:buAutoNum type="arabicPeriod"/>
             </a:pPr>
             <a:r>
-              <a:rPr lang="en-US" sz="2000" dirty="0" smtClean="0">
+              <a:rPr lang="en-US" sz="2000" dirty="0">
                 <a:solidFill>
                   <a:srgbClr val="FFFF00"/>
                 </a:solidFill>
@@ -4413,7 +7397,7 @@
               <a:buAutoNum type="arabicPeriod"/>
             </a:pPr>
             <a:r>
-              <a:rPr lang="en-US" sz="2000" dirty="0" smtClean="0">
+              <a:rPr lang="en-US" sz="2000" dirty="0">
                 <a:solidFill>
                   <a:srgbClr val="FFFF00"/>
                 </a:solidFill>
@@ -4429,7 +7413,7 @@
               <a:buAutoNum type="arabicPeriod"/>
             </a:pPr>
             <a:r>
-              <a:rPr lang="en-US" sz="2000" dirty="0" smtClean="0">
+              <a:rPr lang="en-US" sz="2000" dirty="0">
                 <a:solidFill>
                   <a:srgbClr val="FFFF00"/>
                 </a:solidFill>
@@ -4445,7 +7429,7 @@
               <a:buAutoNum type="arabicPeriod"/>
             </a:pPr>
             <a:r>
-              <a:rPr lang="en-US" sz="2000" dirty="0" smtClean="0">
+              <a:rPr lang="en-US" sz="2000" dirty="0">
                 <a:solidFill>
                   <a:srgbClr val="FFFF00"/>
                 </a:solidFill>
@@ -4461,14 +7445,14 @@
               <a:buFont typeface="+mj-lt"/>
               <a:buAutoNum type="arabicPeriod"/>
             </a:pPr>
-            <a:endParaRPr lang="en-US" dirty="0" smtClean="0"/>
+            <a:endParaRPr lang="en-US" dirty="0"/>
           </a:p>
           <a:p>
             <a:pPr marL="971550" lvl="1" indent="-514350">
               <a:buFont typeface="+mj-lt"/>
               <a:buAutoNum type="arabicPeriod"/>
             </a:pPr>
-            <a:endParaRPr lang="en-US" dirty="0" smtClean="0"/>
+            <a:endParaRPr lang="en-US" dirty="0"/>
           </a:p>
           <a:p>
             <a:pPr marL="514350" indent="-514350">
@@ -4512,18 +7496,13 @@
                 <a:latin typeface="Times New Roman" panose="02020603050405020304" pitchFamily="18" charset="0"/>
                 <a:cs typeface="Times New Roman" panose="02020603050405020304" pitchFamily="18" charset="0"/>
               </a:rPr>
-              <a:t>6</a:t>
-            </a:r>
-            <a:r>
-              <a:rPr lang="en-US" sz="2000" dirty="0" smtClean="0">
-                <a:solidFill>
-                  <a:srgbClr val="FFFF00"/>
-                </a:solidFill>
-                <a:latin typeface="Times New Roman" panose="02020603050405020304" pitchFamily="18" charset="0"/>
-                <a:cs typeface="Times New Roman" panose="02020603050405020304" pitchFamily="18" charset="0"/>
-              </a:rPr>
-              <a:t>. Main </a:t>
-            </a:r>
+              <a:t>6. Main Menu</a:t>
+            </a:r>
+          </a:p>
+          <a:p>
+            <a:pPr marL="0" indent="0">
+              <a:buNone/>
+            </a:pPr>
             <a:r>
               <a:rPr lang="en-US" sz="2000" dirty="0">
                 <a:solidFill>
@@ -4532,7 +7511,7 @@
                 <a:latin typeface="Times New Roman" panose="02020603050405020304" pitchFamily="18" charset="0"/>
                 <a:cs typeface="Times New Roman" panose="02020603050405020304" pitchFamily="18" charset="0"/>
               </a:rPr>
-              <a:t>Menu</a:t>
+              <a:t>7. Tutorial</a:t>
             </a:r>
           </a:p>
           <a:p>
@@ -4547,25 +7526,8 @@
                 <a:latin typeface="Times New Roman" panose="02020603050405020304" pitchFamily="18" charset="0"/>
                 <a:cs typeface="Times New Roman" panose="02020603050405020304" pitchFamily="18" charset="0"/>
               </a:rPr>
-              <a:t>7</a:t>
-            </a:r>
-            <a:r>
-              <a:rPr lang="en-US" sz="2000" dirty="0" smtClean="0">
-                <a:solidFill>
-                  <a:srgbClr val="FFFF00"/>
-                </a:solidFill>
-                <a:latin typeface="Times New Roman" panose="02020603050405020304" pitchFamily="18" charset="0"/>
-                <a:cs typeface="Times New Roman" panose="02020603050405020304" pitchFamily="18" charset="0"/>
-              </a:rPr>
-              <a:t>. Tutorial</a:t>
-            </a:r>
-            <a:endParaRPr lang="en-US" sz="2000" dirty="0">
-              <a:solidFill>
-                <a:srgbClr val="FFFF00"/>
-              </a:solidFill>
-              <a:latin typeface="Times New Roman" panose="02020603050405020304" pitchFamily="18" charset="0"/>
-              <a:cs typeface="Times New Roman" panose="02020603050405020304" pitchFamily="18" charset="0"/>
-            </a:endParaRPr>
+              <a:t>8. Death Menu</a:t>
+            </a:r>
           </a:p>
           <a:p>
             <a:pPr marL="0" indent="0">
@@ -4573,41 +7535,6 @@
             </a:pPr>
             <a:r>
               <a:rPr lang="en-US" sz="2000" dirty="0">
-                <a:solidFill>
-                  <a:srgbClr val="FFFF00"/>
-                </a:solidFill>
-                <a:latin typeface="Times New Roman" panose="02020603050405020304" pitchFamily="18" charset="0"/>
-                <a:cs typeface="Times New Roman" panose="02020603050405020304" pitchFamily="18" charset="0"/>
-              </a:rPr>
-              <a:t>8</a:t>
-            </a:r>
-            <a:r>
-              <a:rPr lang="en-US" sz="2000" dirty="0" smtClean="0">
-                <a:solidFill>
-                  <a:srgbClr val="FFFF00"/>
-                </a:solidFill>
-                <a:latin typeface="Times New Roman" panose="02020603050405020304" pitchFamily="18" charset="0"/>
-                <a:cs typeface="Times New Roman" panose="02020603050405020304" pitchFamily="18" charset="0"/>
-              </a:rPr>
-              <a:t>. Death </a:t>
-            </a:r>
-            <a:r>
-              <a:rPr lang="en-US" sz="2000" dirty="0">
-                <a:solidFill>
-                  <a:srgbClr val="FFFF00"/>
-                </a:solidFill>
-                <a:latin typeface="Times New Roman" panose="02020603050405020304" pitchFamily="18" charset="0"/>
-                <a:cs typeface="Times New Roman" panose="02020603050405020304" pitchFamily="18" charset="0"/>
-              </a:rPr>
-              <a:t>Menu</a:t>
-            </a:r>
-          </a:p>
-          <a:p>
-            <a:pPr marL="0" indent="0">
-              <a:buNone/>
-            </a:pPr>
-            <a:r>
-              <a:rPr lang="en-US" sz="2000" dirty="0" smtClean="0">
                 <a:solidFill>
                   <a:srgbClr val="FFFF00"/>
                 </a:solidFill>
@@ -4698,10 +7625,9 @@
           <a:lstStyle/>
           <a:p>
             <a:r>
-              <a:rPr lang="en-US" dirty="0" smtClean="0"/>
+              <a:rPr lang="en-US" dirty="0"/>
               <a:t>New Audio Assets</a:t>
             </a:r>
-            <a:endParaRPr lang="en-US" dirty="0"/>
           </a:p>
         </p:txBody>
       </p:sp>
@@ -4727,7 +7653,7 @@
               <a:buAutoNum type="arabicPeriod"/>
             </a:pPr>
             <a:r>
-              <a:rPr lang="en-US" dirty="0" smtClean="0">
+              <a:rPr lang="en-US" dirty="0">
                 <a:solidFill>
                   <a:schemeClr val="accent1">
                     <a:lumMod val="50000"/>
@@ -4743,7 +7669,7 @@
               <a:buAutoNum type="arabicPeriod"/>
             </a:pPr>
             <a:r>
-              <a:rPr lang="en-US" dirty="0" smtClean="0"/>
+              <a:rPr lang="en-US" dirty="0"/>
               <a:t>Spell Attack Sound Effects</a:t>
             </a:r>
           </a:p>
@@ -4753,7 +7679,7 @@
               <a:buAutoNum type="arabicPeriod"/>
             </a:pPr>
             <a:r>
-              <a:rPr lang="en-US" dirty="0" smtClean="0"/>
+              <a:rPr lang="en-US" dirty="0"/>
               <a:t>Explosion Sound Effect</a:t>
             </a:r>
           </a:p>
@@ -4786,7 +7712,7 @@
               <a:buAutoNum type="arabicPeriod"/>
             </a:pPr>
             <a:r>
-              <a:rPr lang="en-US" dirty="0" smtClean="0">
+              <a:rPr lang="en-US" dirty="0">
                 <a:solidFill>
                   <a:schemeClr val="accent2">
                     <a:lumMod val="50000"/>
@@ -4802,7 +7728,7 @@
               <a:buAutoNum type="arabicPeriod"/>
             </a:pPr>
             <a:r>
-              <a:rPr lang="en-US" dirty="0" smtClean="0"/>
+              <a:rPr lang="en-US" dirty="0"/>
               <a:t>Hurt Sounds</a:t>
             </a:r>
           </a:p>
@@ -4812,7 +7738,7 @@
               <a:buAutoNum type="arabicPeriod"/>
             </a:pPr>
             <a:r>
-              <a:rPr lang="en-US" dirty="0" smtClean="0"/>
+              <a:rPr lang="en-US" dirty="0"/>
               <a:t>Death Sounds</a:t>
             </a:r>
           </a:p>
@@ -4821,14 +7747,14 @@
               <a:buFont typeface="+mj-lt"/>
               <a:buAutoNum type="arabicPeriod"/>
             </a:pPr>
-            <a:endParaRPr lang="en-US" dirty="0" smtClean="0"/>
+            <a:endParaRPr lang="en-US" dirty="0"/>
           </a:p>
           <a:p>
             <a:pPr marL="514350" indent="-514350">
               <a:buFont typeface="+mj-lt"/>
               <a:buAutoNum type="arabicPeriod"/>
             </a:pPr>
-            <a:endParaRPr lang="en-US" dirty="0" smtClean="0"/>
+            <a:endParaRPr lang="en-US" dirty="0"/>
           </a:p>
           <a:p>
             <a:pPr marL="971550" lvl="1" indent="-514350">
@@ -4916,10 +7842,9 @@
           <a:p>
             <a:pPr algn="ctr"/>
             <a:r>
-              <a:rPr lang="en-US" dirty="0" smtClean="0"/>
+              <a:rPr lang="en-US" dirty="0"/>
               <a:t>Sound Effect Showcase</a:t>
             </a:r>
-            <a:endParaRPr lang="en-US" dirty="0"/>
           </a:p>
         </p:txBody>
       </p:sp>
@@ -5002,13 +7927,8 @@
           <a:p>
             <a:r>
               <a:rPr lang="en-US" dirty="0"/>
-              <a:t>New Art </a:t>
-            </a:r>
-            <a:r>
-              <a:rPr lang="en-US" dirty="0" smtClean="0"/>
-              <a:t>Assets</a:t>
-            </a:r>
-            <a:endParaRPr lang="en-US" dirty="0"/>
+              <a:t>New Art Assets</a:t>
+            </a:r>
           </a:p>
         </p:txBody>
       </p:sp>
@@ -5034,7 +7954,7 @@
               <a:buAutoNum type="arabicPeriod"/>
             </a:pPr>
             <a:r>
-              <a:rPr lang="en-US" dirty="0" smtClean="0">
+              <a:rPr lang="en-US" dirty="0">
                 <a:solidFill>
                   <a:schemeClr val="accent1">
                     <a:lumMod val="50000"/>
@@ -5050,7 +7970,7 @@
               <a:buAutoNum type="arabicPeriod"/>
             </a:pPr>
             <a:r>
-              <a:rPr lang="en-US" dirty="0" smtClean="0"/>
+              <a:rPr lang="en-US" dirty="0"/>
               <a:t>Walking Animations</a:t>
             </a:r>
           </a:p>
@@ -5060,7 +7980,7 @@
               <a:buAutoNum type="arabicPeriod"/>
             </a:pPr>
             <a:r>
-              <a:rPr lang="en-US" dirty="0" smtClean="0"/>
+              <a:rPr lang="en-US" dirty="0"/>
               <a:t>Spell Attack Animations</a:t>
             </a:r>
           </a:p>
@@ -5070,7 +7990,7 @@
               <a:buAutoNum type="arabicPeriod"/>
             </a:pPr>
             <a:r>
-              <a:rPr lang="en-US" dirty="0" smtClean="0"/>
+              <a:rPr lang="en-US" dirty="0"/>
               <a:t>Spell Textures</a:t>
             </a:r>
           </a:p>
@@ -5087,7 +8007,7 @@
               <a:buAutoNum type="arabicPeriod"/>
             </a:pPr>
             <a:r>
-              <a:rPr lang="en-US" dirty="0" smtClean="0">
+              <a:rPr lang="en-US" dirty="0">
                 <a:solidFill>
                   <a:schemeClr val="accent4">
                     <a:lumMod val="50000"/>
@@ -5103,7 +8023,7 @@
               <a:buAutoNum type="arabicPeriod"/>
             </a:pPr>
             <a:r>
-              <a:rPr lang="en-US" dirty="0" smtClean="0"/>
+              <a:rPr lang="en-US" dirty="0"/>
               <a:t>Area 1 Tiles</a:t>
             </a:r>
           </a:p>
@@ -5113,7 +8033,7 @@
               <a:buAutoNum type="arabicPeriod"/>
             </a:pPr>
             <a:r>
-              <a:rPr lang="en-US" dirty="0" smtClean="0"/>
+              <a:rPr lang="en-US" dirty="0"/>
               <a:t>Area 2 Tiles</a:t>
             </a:r>
           </a:p>
@@ -5147,7 +8067,7 @@
               <a:buAutoNum type="arabicPeriod"/>
             </a:pPr>
             <a:r>
-              <a:rPr lang="en-US" dirty="0" smtClean="0">
+              <a:rPr lang="en-US" dirty="0">
                 <a:solidFill>
                   <a:schemeClr val="accent2">
                     <a:lumMod val="50000"/>
@@ -5163,7 +8083,7 @@
               <a:buAutoNum type="arabicPeriod"/>
             </a:pPr>
             <a:r>
-              <a:rPr lang="en-US" dirty="0" smtClean="0"/>
+              <a:rPr lang="en-US" dirty="0"/>
               <a:t>Enemy Walking Animations</a:t>
             </a:r>
           </a:p>
@@ -5173,7 +8093,7 @@
               <a:buAutoNum type="arabicPeriod"/>
             </a:pPr>
             <a:r>
-              <a:rPr lang="en-US" dirty="0" smtClean="0"/>
+              <a:rPr lang="en-US" dirty="0"/>
               <a:t>Enemy Attacking Animations</a:t>
             </a:r>
           </a:p>
@@ -5183,10 +8103,9 @@
               <a:buAutoNum type="arabicPeriod"/>
             </a:pPr>
             <a:r>
-              <a:rPr lang="en-US" dirty="0" smtClean="0"/>
+              <a:rPr lang="en-US" dirty="0"/>
               <a:t>Enemy Textures</a:t>
             </a:r>
-            <a:endParaRPr lang="en-US" dirty="0"/>
           </a:p>
           <a:p>
             <a:endParaRPr lang="en-US" dirty="0"/>
@@ -5270,32 +8189,41 @@
           <a:p>
             <a:pPr algn="ctr"/>
             <a:r>
-              <a:rPr lang="en-US" dirty="0" smtClean="0"/>
+              <a:rPr lang="en-US" dirty="0"/>
               <a:t>Art Showcase</a:t>
             </a:r>
-            <a:endParaRPr lang="en-US" dirty="0"/>
-          </a:p>
-        </p:txBody>
-      </p:sp>
-      <p:sp>
-        <p:nvSpPr>
-          <p:cNvPr id="6" name="Content Placeholder 5"/>
-          <p:cNvSpPr>
-            <a:spLocks noGrp="1"/>
-          </p:cNvSpPr>
+          </a:p>
+        </p:txBody>
+      </p:sp>
+      <p:pic>
+        <p:nvPicPr>
+          <p:cNvPr id="2" name="Content Placeholder 1"/>
+          <p:cNvPicPr>
+            <a:picLocks noGrp="1" noChangeAspect="1"/>
+          </p:cNvPicPr>
           <p:nvPr>
             <p:ph idx="1"/>
           </p:nvPr>
-        </p:nvSpPr>
-        <p:spPr/>
-        <p:txBody>
-          <a:bodyPr/>
-          <a:lstStyle/>
-          <a:p>
-            <a:endParaRPr lang="en-US"/>
-          </a:p>
-        </p:txBody>
-      </p:sp>
+        </p:nvPicPr>
+        <p:blipFill>
+          <a:blip r:embed="rId2">
+            <a:extLst>
+              <a:ext uri="{28A0092B-C50C-407E-A947-70E740481C1C}">
+                <a14:useLocalDpi xmlns:a14="http://schemas.microsoft.com/office/drawing/2010/main" val="0"/>
+              </a:ext>
+            </a:extLst>
+          </a:blip>
+          <a:stretch>
+            <a:fillRect/>
+          </a:stretch>
+        </p:blipFill>
+        <p:spPr>
+          <a:xfrm>
+            <a:off x="2070259" y="3391482"/>
+            <a:ext cx="3048425" cy="3048425"/>
+          </a:xfrm>
+        </p:spPr>
+      </p:pic>
       <p:pic>
         <p:nvPicPr>
           <p:cNvPr id="4" name="Picture 3"/>
@@ -5305,7 +8233,7 @@
           <p:nvPr/>
         </p:nvPicPr>
         <p:blipFill>
-          <a:blip r:embed="rId2" cstate="print">
+          <a:blip r:embed="rId3" cstate="print">
             <a:extLst>
               <a:ext uri="{28A0092B-C50C-407E-A947-70E740481C1C}">
                 <a14:useLocalDpi xmlns:a14="http://schemas.microsoft.com/office/drawing/2010/main" val="0"/>
@@ -5326,6 +8254,96 @@
           </a:prstGeom>
         </p:spPr>
       </p:pic>
+      <p:pic>
+        <p:nvPicPr>
+          <p:cNvPr id="7" name="Picture 6"/>
+          <p:cNvPicPr>
+            <a:picLocks noChangeAspect="1"/>
+          </p:cNvPicPr>
+          <p:nvPr/>
+        </p:nvPicPr>
+        <p:blipFill>
+          <a:blip r:embed="rId4">
+            <a:extLst>
+              <a:ext uri="{28A0092B-C50C-407E-A947-70E740481C1C}">
+                <a14:useLocalDpi xmlns:a14="http://schemas.microsoft.com/office/drawing/2010/main" val="0"/>
+              </a:ext>
+            </a:extLst>
+          </a:blip>
+          <a:stretch>
+            <a:fillRect/>
+          </a:stretch>
+        </p:blipFill>
+        <p:spPr>
+          <a:xfrm>
+            <a:off x="2474260" y="1027906"/>
+            <a:ext cx="6734286" cy="2925977"/>
+          </a:xfrm>
+          <a:prstGeom prst="rect">
+            <a:avLst/>
+          </a:prstGeom>
+        </p:spPr>
+      </p:pic>
+      <p:pic>
+        <p:nvPicPr>
+          <p:cNvPr id="11" name="Picture 10"/>
+          <p:cNvPicPr>
+            <a:picLocks noChangeAspect="1"/>
+          </p:cNvPicPr>
+          <p:nvPr/>
+        </p:nvPicPr>
+        <p:blipFill>
+          <a:blip r:embed="rId5">
+            <a:extLst>
+              <a:ext uri="{28A0092B-C50C-407E-A947-70E740481C1C}">
+                <a14:useLocalDpi xmlns:a14="http://schemas.microsoft.com/office/drawing/2010/main" val="0"/>
+              </a:ext>
+            </a:extLst>
+          </a:blip>
+          <a:stretch>
+            <a:fillRect/>
+          </a:stretch>
+        </p:blipFill>
+        <p:spPr>
+          <a:xfrm>
+            <a:off x="4714682" y="3651457"/>
+            <a:ext cx="2762636" cy="3048425"/>
+          </a:xfrm>
+          <a:prstGeom prst="rect">
+            <a:avLst/>
+          </a:prstGeom>
+        </p:spPr>
+      </p:pic>
+      <p:pic>
+        <p:nvPicPr>
+          <p:cNvPr id="13" name="Picture 12"/>
+          <p:cNvPicPr>
+            <a:picLocks noChangeAspect="1"/>
+          </p:cNvPicPr>
+          <p:nvPr/>
+        </p:nvPicPr>
+        <p:blipFill>
+          <a:blip r:embed="rId6">
+            <a:extLst>
+              <a:ext uri="{28A0092B-C50C-407E-A947-70E740481C1C}">
+                <a14:useLocalDpi xmlns:a14="http://schemas.microsoft.com/office/drawing/2010/main" val="0"/>
+              </a:ext>
+            </a:extLst>
+          </a:blip>
+          <a:stretch>
+            <a:fillRect/>
+          </a:stretch>
+        </p:blipFill>
+        <p:spPr>
+          <a:xfrm>
+            <a:off x="7240229" y="4213858"/>
+            <a:ext cx="1419677" cy="1963269"/>
+          </a:xfrm>
+          <a:prstGeom prst="rect">
+            <a:avLst/>
+          </a:prstGeom>
+        </p:spPr>
+      </p:pic>
     </p:spTree>
     <p:extLst>
       <p:ext uri="{BB962C8B-B14F-4D97-AF65-F5344CB8AC3E}">
@@ -5340,9 +8358,9 @@
 </file>
 
 <file path=ppt/theme/theme1.xml><?xml version="1.0" encoding="utf-8"?>
-<a:theme xmlns:a="http://schemas.openxmlformats.org/drawingml/2006/main" name="Office Theme">
+<a:theme xmlns:a="http://schemas.openxmlformats.org/drawingml/2006/main" name="Slate">
   <a:themeElements>
-    <a:clrScheme name="Office">
+    <a:clrScheme name="Slate">
       <a:dk1>
         <a:sysClr val="windowText" lastClr="000000"/>
       </a:dk1>
@@ -5350,52 +8368,52 @@
         <a:sysClr val="window" lastClr="FFFFFF"/>
       </a:lt1>
       <a:dk2>
-        <a:srgbClr val="44546A"/>
+        <a:srgbClr val="212123"/>
       </a:dk2>
       <a:lt2>
-        <a:srgbClr val="E7E6E6"/>
+        <a:srgbClr val="DADADA"/>
       </a:lt2>
       <a:accent1>
-        <a:srgbClr val="5B9BD5"/>
+        <a:srgbClr val="3EC26C"/>
       </a:accent1>
       <a:accent2>
-        <a:srgbClr val="ED7D31"/>
+        <a:srgbClr val="B3D463"/>
       </a:accent2>
       <a:accent3>
-        <a:srgbClr val="A5A5A5"/>
+        <a:srgbClr val="3BBC9D"/>
       </a:accent3>
       <a:accent4>
-        <a:srgbClr val="FFC000"/>
+        <a:srgbClr val="97AF75"/>
       </a:accent4>
       <a:accent5>
-        <a:srgbClr val="4472C4"/>
+        <a:srgbClr val="6BA841"/>
       </a:accent5>
       <a:accent6>
-        <a:srgbClr val="70AD47"/>
+        <a:srgbClr val="79AE90"/>
       </a:accent6>
       <a:hlink>
-        <a:srgbClr val="0563C1"/>
+        <a:srgbClr val="85E4A6"/>
       </a:hlink>
       <a:folHlink>
-        <a:srgbClr val="954F72"/>
+        <a:srgbClr val="BDF3D0"/>
       </a:folHlink>
     </a:clrScheme>
-    <a:fontScheme name="Office">
+    <a:fontScheme name="Slate">
       <a:majorFont>
-        <a:latin typeface="Calibri Light"/>
+        <a:latin typeface="Calisto MT" panose="02040603050505030304"/>
         <a:ea typeface=""/>
         <a:cs typeface=""/>
         <a:font script="Jpan" typeface="ＭＳ Ｐゴシック"/>
-        <a:font script="Hang" typeface="맑은 고딕"/>
-        <a:font script="Hans" typeface="宋体"/>
-        <a:font script="Hant" typeface="新細明體"/>
-        <a:font script="Arab" typeface="Times New Roman"/>
-        <a:font script="Hebr" typeface="Times New Roman"/>
-        <a:font script="Thai" typeface="Angsana New"/>
+        <a:font script="Hang" typeface="돋움"/>
+        <a:font script="Hans" typeface="方正舒体"/>
+        <a:font script="Hant" typeface="微軟正黑體"/>
+        <a:font script="Arab" typeface="Arial"/>
+        <a:font script="Hebr" typeface="Arial"/>
+        <a:font script="Thai" typeface="Cordia New"/>
         <a:font script="Ethi" typeface="Nyala"/>
         <a:font script="Beng" typeface="Vrinda"/>
         <a:font script="Gujr" typeface="Shruti"/>
-        <a:font script="Khmr" typeface="MoolBoran"/>
+        <a:font script="Khmr" typeface="DaunPenh"/>
         <a:font script="Knda" typeface="Tunga"/>
         <a:font script="Guru" typeface="Raavi"/>
         <a:font script="Cans" typeface="Euphemia"/>
@@ -5412,18 +8430,18 @@
         <a:font script="Laoo" typeface="DokChampa"/>
         <a:font script="Sinh" typeface="Iskoola Pota"/>
         <a:font script="Mong" typeface="Mongolian Baiti"/>
-        <a:font script="Viet" typeface="Times New Roman"/>
+        <a:font script="Viet" typeface="Arial"/>
         <a:font script="Uigh" typeface="Microsoft Uighur"/>
         <a:font script="Geor" typeface="Sylfaen"/>
       </a:majorFont>
       <a:minorFont>
-        <a:latin typeface="Calibri"/>
+        <a:latin typeface="Calisto MT" panose="02040603050505030304"/>
         <a:ea typeface=""/>
         <a:cs typeface=""/>
         <a:font script="Jpan" typeface="ＭＳ Ｐゴシック"/>
-        <a:font script="Hang" typeface="맑은 고딕"/>
-        <a:font script="Hans" typeface="宋体"/>
-        <a:font script="Hant" typeface="新細明體"/>
+        <a:font script="Hang" typeface="돋움"/>
+        <a:font script="Hans" typeface="方正舒体"/>
+        <a:font script="Hant" typeface="微軟正黑體"/>
         <a:font script="Arab" typeface="Arial"/>
         <a:font script="Hebr" typeface="Arial"/>
         <a:font script="Thai" typeface="Cordia New"/>
@@ -5452,7 +8470,7 @@
         <a:font script="Geor" typeface="Sylfaen"/>
       </a:minorFont>
     </a:fontScheme>
-    <a:fmtScheme name="Office">
+    <a:fmtScheme name="Slate">
       <a:fillStyleLst>
         <a:solidFill>
           <a:schemeClr val="phClr"/>
@@ -5461,23 +8479,13 @@
           <a:gsLst>
             <a:gs pos="0">
               <a:schemeClr val="phClr">
+                <a:tint val="60000"/>
                 <a:lumMod val="110000"/>
-                <a:satMod val="105000"/>
-                <a:tint val="67000"/>
-              </a:schemeClr>
-            </a:gs>
-            <a:gs pos="50000">
-              <a:schemeClr val="phClr">
-                <a:lumMod val="105000"/>
-                <a:satMod val="103000"/>
-                <a:tint val="73000"/>
               </a:schemeClr>
             </a:gs>
             <a:gs pos="100000">
               <a:schemeClr val="phClr">
-                <a:lumMod val="105000"/>
-                <a:satMod val="109000"/>
-                <a:tint val="81000"/>
+                <a:tint val="88000"/>
               </a:schemeClr>
             </a:gs>
           </a:gsLst>
@@ -5487,23 +8495,14 @@
           <a:gsLst>
             <a:gs pos="0">
               <a:schemeClr val="phClr">
-                <a:satMod val="103000"/>
-                <a:lumMod val="102000"/>
-                <a:tint val="94000"/>
-              </a:schemeClr>
-            </a:gs>
-            <a:gs pos="50000">
-              <a:schemeClr val="phClr">
-                <a:satMod val="110000"/>
-                <a:lumMod val="100000"/>
-                <a:shade val="100000"/>
+                <a:tint val="96000"/>
+                <a:lumMod val="104000"/>
               </a:schemeClr>
             </a:gs>
             <a:gs pos="100000">
               <a:schemeClr val="phClr">
-                <a:lumMod val="99000"/>
-                <a:satMod val="120000"/>
-                <a:shade val="78000"/>
+                <a:shade val="90000"/>
+                <a:lumMod val="90000"/>
               </a:schemeClr>
             </a:gs>
           </a:gsLst>
@@ -5511,26 +8510,25 @@
         </a:gradFill>
       </a:fillStyleLst>
       <a:lnStyleLst>
-        <a:ln w="6350" cap="flat" cmpd="sng" algn="ctr">
+        <a:ln w="9525" cap="rnd" cmpd="sng" algn="ctr">
+          <a:solidFill>
+            <a:schemeClr val="phClr">
+              <a:shade val="90000"/>
+            </a:schemeClr>
+          </a:solidFill>
+          <a:prstDash val="solid"/>
+        </a:ln>
+        <a:ln w="15875" cap="rnd" cmpd="sng" algn="ctr">
           <a:solidFill>
             <a:schemeClr val="phClr"/>
           </a:solidFill>
           <a:prstDash val="solid"/>
-          <a:miter lim="800000"/>
         </a:ln>
-        <a:ln w="12700" cap="flat" cmpd="sng" algn="ctr">
+        <a:ln w="25400" cap="rnd" cmpd="sng" algn="ctr">
           <a:solidFill>
             <a:schemeClr val="phClr"/>
           </a:solidFill>
           <a:prstDash val="solid"/>
-          <a:miter lim="800000"/>
-        </a:ln>
-        <a:ln w="19050" cap="flat" cmpd="sng" algn="ctr">
-          <a:solidFill>
-            <a:schemeClr val="phClr"/>
-          </a:solidFill>
-          <a:prstDash val="solid"/>
-          <a:miter lim="800000"/>
         </a:ln>
       </a:lnStyleLst>
       <a:effectStyleLst>
@@ -5538,16 +8536,33 @@
           <a:effectLst/>
         </a:effectStyle>
         <a:effectStyle>
-          <a:effectLst/>
+          <a:effectLst>
+            <a:outerShdw blurRad="63500" dist="25400" dir="5400000" rotWithShape="0">
+              <a:srgbClr val="000000">
+                <a:alpha val="60000"/>
+              </a:srgbClr>
+            </a:outerShdw>
+          </a:effectLst>
         </a:effectStyle>
         <a:effectStyle>
           <a:effectLst>
-            <a:outerShdw blurRad="57150" dist="19050" dir="5400000" algn="ctr" rotWithShape="0">
+            <a:outerShdw blurRad="76200" dist="38100" dir="5400000" rotWithShape="0">
               <a:srgbClr val="000000">
-                <a:alpha val="63000"/>
+                <a:alpha val="75000"/>
               </a:srgbClr>
             </a:outerShdw>
           </a:effectLst>
+          <a:scene3d>
+            <a:camera prst="orthographicFront">
+              <a:rot lat="0" lon="0" rev="0"/>
+            </a:camera>
+            <a:lightRig rig="threePt" dir="t">
+              <a:rot lat="0" lon="0" rev="1200000"/>
+            </a:lightRig>
+          </a:scene3d>
+          <a:sp3d>
+            <a:bevelT w="63500" h="25400" prst="hardEdge"/>
+          </a:sp3d>
         </a:effectStyle>
       </a:effectStyleLst>
       <a:bgFillStyleLst>
@@ -5555,38 +8570,22 @@
           <a:schemeClr val="phClr"/>
         </a:solidFill>
         <a:solidFill>
-          <a:schemeClr val="phClr">
-            <a:tint val="95000"/>
-            <a:satMod val="170000"/>
-          </a:schemeClr>
+          <a:schemeClr val="phClr"/>
         </a:solidFill>
-        <a:gradFill rotWithShape="1">
-          <a:gsLst>
-            <a:gs pos="0">
+        <a:blipFill rotWithShape="1">
+          <a:blip xmlns:r="http://schemas.openxmlformats.org/officeDocument/2006/relationships" r:embed="rId1">
+            <a:duotone>
               <a:schemeClr val="phClr">
-                <a:tint val="93000"/>
-                <a:satMod val="150000"/>
-                <a:shade val="98000"/>
-                <a:lumMod val="102000"/>
+                <a:shade val="80000"/>
+                <a:lumMod val="80000"/>
               </a:schemeClr>
-            </a:gs>
-            <a:gs pos="50000">
               <a:schemeClr val="phClr">
                 <a:tint val="98000"/>
-                <a:satMod val="130000"/>
-                <a:shade val="90000"/>
-                <a:lumMod val="103000"/>
               </a:schemeClr>
-            </a:gs>
-            <a:gs pos="100000">
-              <a:schemeClr val="phClr">
-                <a:shade val="63000"/>
-                <a:satMod val="120000"/>
-              </a:schemeClr>
-            </a:gs>
-          </a:gsLst>
-          <a:lin ang="5400000" scaled="0"/>
-        </a:gradFill>
+            </a:duotone>
+          </a:blip>
+          <a:stretch/>
+        </a:blipFill>
       </a:bgFillStyleLst>
     </a:fmtScheme>
   </a:themeElements>
@@ -5594,7 +8593,7 @@
   <a:extraClrSchemeLst/>
   <a:extLst>
     <a:ext uri="{05A4C25C-085E-4340-85A3-A5531E510DB2}">
-      <thm15:themeFamily xmlns="" xmlns:thm15="http://schemas.microsoft.com/office/thememl/2012/main" name="Office Theme" id="{62F939B6-93AF-4DB8-9C6B-D6C7DFDC589F}" vid="{4A3C46E8-61CC-4603-A589-7422A47A8E4A}"/>
+      <thm15:themeFamily xmlns:thm15="http://schemas.microsoft.com/office/thememl/2012/main" name="Slate" id="{C3F70B94-7CE9-428E-ADC1-3269CC2C3385}" vid="{43372978-11FE-4814-AC26-BC300187D8C7}"/>
     </a:ext>
   </a:extLst>
 </a:theme>

--- a/Documentation/PresentationAlpha.pptx
+++ b/Documentation/PresentationAlpha.pptx
@@ -117,7 +117,7 @@
   </p:defaultTextStyle>
   <p:extLst>
     <p:ext uri="{EFAFB233-063F-42B5-8137-9DF3F51BA10A}">
-      <p15:sldGuideLst xmlns:p15="http://schemas.microsoft.com/office/powerpoint/2012/main">
+      <p15:sldGuideLst xmlns:p15="http://schemas.microsoft.com/office/powerpoint/2012/main" xmlns="">
         <p15:guide id="1" orient="horz" pos="2160">
           <p15:clr>
             <a:srgbClr val="A4A3A4"/>
@@ -6189,6 +6189,13 @@
   <p:clrMapOvr>
     <a:masterClrMapping/>
   </p:clrMapOvr>
+  <p:timing>
+    <p:tnLst>
+      <p:par>
+        <p:cTn id="1" dur="indefinite" restart="never" nodeType="tmRoot"/>
+      </p:par>
+    </p:tnLst>
+  </p:timing>
 </p:sld>
 </file>
 
@@ -6453,6 +6460,13 @@
   <p:clrMapOvr>
     <a:masterClrMapping/>
   </p:clrMapOvr>
+  <p:timing>
+    <p:tnLst>
+      <p:par>
+        <p:cTn id="1" dur="indefinite" restart="never" nodeType="tmRoot"/>
+      </p:par>
+    </p:tnLst>
+  </p:timing>
 </p:sld>
 </file>
 
@@ -6640,6 +6654,13 @@
   <p:clrMapOvr>
     <a:masterClrMapping/>
   </p:clrMapOvr>
+  <p:timing>
+    <p:tnLst>
+      <p:par>
+        <p:cTn id="1" dur="indefinite" restart="never" nodeType="tmRoot"/>
+      </p:par>
+    </p:tnLst>
+  </p:timing>
 </p:sld>
 </file>
 
@@ -7022,6 +7043,13 @@
   <p:clrMapOvr>
     <a:masterClrMapping/>
   </p:clrMapOvr>
+  <p:timing>
+    <p:tnLst>
+      <p:par>
+        <p:cTn id="1" dur="indefinite" restart="never" nodeType="tmRoot"/>
+      </p:par>
+    </p:tnLst>
+  </p:timing>
 </p:sld>
 </file>
 
@@ -7192,6 +7220,13 @@
   <p:clrMapOvr>
     <a:masterClrMapping/>
   </p:clrMapOvr>
+  <p:timing>
+    <p:tnLst>
+      <p:par>
+        <p:cTn id="1" dur="indefinite" restart="never" nodeType="tmRoot"/>
+      </p:par>
+    </p:tnLst>
+  </p:timing>
 </p:sld>
 </file>
 
@@ -7272,26 +7307,19 @@
   <p:clrMapOvr>
     <a:masterClrMapping/>
   </p:clrMapOvr>
+  <p:timing>
+    <p:tnLst>
+      <p:par>
+        <p:cTn id="1" dur="indefinite" restart="never" nodeType="tmRoot"/>
+      </p:par>
+    </p:tnLst>
+  </p:timing>
 </p:sld>
 </file>
 
 <file path=ppt/slides/slide5.xml><?xml version="1.0" encoding="utf-8"?>
 <p:sld xmlns:a="http://schemas.openxmlformats.org/drawingml/2006/main" xmlns:r="http://schemas.openxmlformats.org/officeDocument/2006/relationships" xmlns:p="http://schemas.openxmlformats.org/presentationml/2006/main">
   <p:cSld>
-    <p:bg>
-      <p:bgPr>
-        <a:blipFill dpi="0" rotWithShape="1">
-          <a:blip r:embed="rId2">
-            <a:lum/>
-          </a:blip>
-          <a:srcRect/>
-          <a:stretch>
-            <a:fillRect t="-39000" b="-39000"/>
-          </a:stretch>
-        </a:blipFill>
-        <a:effectLst/>
-      </p:bgPr>
-    </p:bg>
     <p:spTree>
       <p:nvGrpSpPr>
         <p:cNvPr id="1" name=""/>
@@ -7329,11 +7357,26 @@
             <a:r>
               <a:rPr lang="en-US" dirty="0">
                 <a:solidFill>
-                  <a:srgbClr val="FFFF00"/>
+                  <a:schemeClr val="tx1"/>
                 </a:solidFill>
-                <a:latin typeface="Edwardian Script ITC" panose="030303020407070D0804" pitchFamily="66" charset="0"/>
               </a:rPr>
-              <a:t>New Scripts, Mechanics &amp; Features</a:t>
+              <a:t>New </a:t>
+            </a:r>
+            <a:r>
+              <a:rPr lang="en-US" dirty="0" smtClean="0">
+                <a:solidFill>
+                  <a:schemeClr val="tx1"/>
+                </a:solidFill>
+              </a:rPr>
+              <a:t>Scripts </a:t>
+            </a:r>
+            <a:r>
+              <a:rPr lang="en-US" dirty="0">
+                <a:solidFill>
+                  <a:schemeClr val="tx1"/>
+                </a:solidFill>
+              </a:rPr>
+              <a:t>Mechanics &amp; Features</a:t>
             </a:r>
           </a:p>
         </p:txBody>
@@ -7360,85 +7403,69 @@
           </a:bodyPr>
           <a:lstStyle/>
           <a:p>
-            <a:pPr marL="514350" indent="-514350">
-              <a:buFont typeface="+mj-lt"/>
-              <a:buAutoNum type="arabicPeriod"/>
-            </a:pPr>
+            <a:pPr marL="514350" indent="-514350"/>
             <a:r>
               <a:rPr lang="en-US" sz="2000" dirty="0">
                 <a:solidFill>
-                  <a:srgbClr val="FFFF00"/>
+                  <a:schemeClr val="tx1"/>
                 </a:solidFill>
-                <a:latin typeface="Times New Roman" panose="02020603050405020304" pitchFamily="18" charset="0"/>
                 <a:cs typeface="Times New Roman" panose="02020603050405020304" pitchFamily="18" charset="0"/>
               </a:rPr>
               <a:t>Room Generation</a:t>
             </a:r>
           </a:p>
           <a:p>
-            <a:pPr marL="514350" indent="-514350">
-              <a:buFont typeface="+mj-lt"/>
-              <a:buAutoNum type="arabicPeriod"/>
-            </a:pPr>
+            <a:pPr marL="514350" indent="-514350"/>
             <a:r>
               <a:rPr lang="en-US" sz="2000" dirty="0">
                 <a:solidFill>
-                  <a:srgbClr val="FFFF00"/>
+                  <a:schemeClr val="tx1"/>
                 </a:solidFill>
-                <a:latin typeface="Times New Roman" panose="02020603050405020304" pitchFamily="18" charset="0"/>
                 <a:cs typeface="Times New Roman" panose="02020603050405020304" pitchFamily="18" charset="0"/>
               </a:rPr>
               <a:t>New Player Spells</a:t>
             </a:r>
           </a:p>
           <a:p>
-            <a:pPr marL="514350" indent="-514350">
-              <a:buFont typeface="+mj-lt"/>
-              <a:buAutoNum type="arabicPeriod"/>
-            </a:pPr>
+            <a:pPr marL="514350" indent="-514350"/>
             <a:r>
               <a:rPr lang="en-US" sz="2000" dirty="0">
                 <a:solidFill>
-                  <a:srgbClr val="FFFF00"/>
+                  <a:schemeClr val="tx1"/>
                 </a:solidFill>
-                <a:latin typeface="Times New Roman" panose="02020603050405020304" pitchFamily="18" charset="0"/>
                 <a:cs typeface="Times New Roman" panose="02020603050405020304" pitchFamily="18" charset="0"/>
               </a:rPr>
               <a:t>New Firing Patterns &amp; Mechanics</a:t>
             </a:r>
           </a:p>
           <a:p>
-            <a:pPr marL="514350" indent="-514350">
-              <a:buFont typeface="+mj-lt"/>
-              <a:buAutoNum type="arabicPeriod"/>
-            </a:pPr>
+            <a:pPr marL="514350" indent="-514350"/>
             <a:r>
               <a:rPr lang="en-US" sz="2000" dirty="0">
                 <a:solidFill>
-                  <a:srgbClr val="FFFF00"/>
+                  <a:schemeClr val="tx1"/>
                 </a:solidFill>
-                <a:latin typeface="Times New Roman" panose="02020603050405020304" pitchFamily="18" charset="0"/>
                 <a:cs typeface="Times New Roman" panose="02020603050405020304" pitchFamily="18" charset="0"/>
               </a:rPr>
               <a:t>Bosses</a:t>
             </a:r>
           </a:p>
           <a:p>
-            <a:pPr marL="514350" indent="-514350">
-              <a:buFont typeface="+mj-lt"/>
-              <a:buAutoNum type="arabicPeriod"/>
-            </a:pPr>
+            <a:pPr marL="514350" indent="-514350"/>
             <a:r>
               <a:rPr lang="en-US" sz="2000" dirty="0">
                 <a:solidFill>
-                  <a:srgbClr val="FFFF00"/>
+                  <a:schemeClr val="tx1"/>
                 </a:solidFill>
-                <a:latin typeface="Times New Roman" panose="02020603050405020304" pitchFamily="18" charset="0"/>
                 <a:cs typeface="Times New Roman" panose="02020603050405020304" pitchFamily="18" charset="0"/>
               </a:rPr>
               <a:t>Bug Fixes</a:t>
             </a:r>
-            <a:endParaRPr lang="en-US" dirty="0"/>
+            <a:endParaRPr lang="en-US" dirty="0">
+              <a:solidFill>
+                <a:schemeClr val="tx1"/>
+              </a:solidFill>
+            </a:endParaRPr>
           </a:p>
           <a:p>
             <a:pPr marL="514350" indent="-514350">
@@ -7485,60 +7512,48 @@
           </a:bodyPr>
           <a:lstStyle/>
           <a:p>
-            <a:pPr marL="0" indent="0">
-              <a:buNone/>
-            </a:pPr>
+            <a:pPr indent="-342900"/>
             <a:r>
               <a:rPr lang="en-US" sz="2000" dirty="0">
                 <a:solidFill>
-                  <a:srgbClr val="FFFF00"/>
+                  <a:schemeClr val="tx1"/>
                 </a:solidFill>
-                <a:latin typeface="Times New Roman" panose="02020603050405020304" pitchFamily="18" charset="0"/>
                 <a:cs typeface="Times New Roman" panose="02020603050405020304" pitchFamily="18" charset="0"/>
               </a:rPr>
               <a:t>6. Main Menu</a:t>
             </a:r>
           </a:p>
           <a:p>
-            <a:pPr marL="0" indent="0">
-              <a:buNone/>
-            </a:pPr>
+            <a:pPr indent="-342900"/>
             <a:r>
               <a:rPr lang="en-US" sz="2000" dirty="0">
                 <a:solidFill>
-                  <a:srgbClr val="FFFF00"/>
+                  <a:schemeClr val="tx1"/>
                 </a:solidFill>
-                <a:latin typeface="Times New Roman" panose="02020603050405020304" pitchFamily="18" charset="0"/>
                 <a:cs typeface="Times New Roman" panose="02020603050405020304" pitchFamily="18" charset="0"/>
               </a:rPr>
               <a:t>7. Tutorial</a:t>
             </a:r>
           </a:p>
           <a:p>
-            <a:pPr marL="0" indent="0">
-              <a:buNone/>
-            </a:pPr>
+            <a:pPr indent="-342900"/>
             <a:r>
               <a:rPr lang="en-US" sz="2000" dirty="0">
                 <a:solidFill>
-                  <a:srgbClr val="FFFF00"/>
+                  <a:schemeClr val="tx1"/>
                 </a:solidFill>
-                <a:latin typeface="Times New Roman" panose="02020603050405020304" pitchFamily="18" charset="0"/>
                 <a:cs typeface="Times New Roman" panose="02020603050405020304" pitchFamily="18" charset="0"/>
               </a:rPr>
               <a:t>8. Death Menu</a:t>
             </a:r>
           </a:p>
           <a:p>
-            <a:pPr marL="0" indent="0">
-              <a:buNone/>
-            </a:pPr>
+            <a:pPr indent="-342900"/>
             <a:r>
               <a:rPr lang="en-US" sz="2000" dirty="0">
                 <a:solidFill>
-                  <a:srgbClr val="FFFF00"/>
+                  <a:schemeClr val="tx1"/>
                 </a:solidFill>
-                <a:latin typeface="Times New Roman" panose="02020603050405020304" pitchFamily="18" charset="0"/>
                 <a:cs typeface="Times New Roman" panose="02020603050405020304" pitchFamily="18" charset="0"/>
               </a:rPr>
               <a:t>9. Animations / SFX</a:t>
@@ -7558,7 +7573,7 @@
           <p:nvPr/>
         </p:nvPicPr>
         <p:blipFill>
-          <a:blip r:embed="rId3" cstate="print">
+          <a:blip r:embed="rId2" cstate="print">
             <a:extLst>
               <a:ext uri="{28A0092B-C50C-407E-A947-70E740481C1C}">
                 <a14:useLocalDpi xmlns:a14="http://schemas.microsoft.com/office/drawing/2010/main" val="0"/>
@@ -7589,6 +7604,13 @@
   <p:clrMapOvr>
     <a:masterClrMapping/>
   </p:clrMapOvr>
+  <p:timing>
+    <p:tnLst>
+      <p:par>
+        <p:cTn id="1" dur="indefinite" restart="never" nodeType="tmRoot"/>
+      </p:par>
+    </p:tnLst>
+  </p:timing>
 </p:sld>
 </file>
 
@@ -7805,6 +7827,13 @@
   <p:clrMapOvr>
     <a:masterClrMapping/>
   </p:clrMapOvr>
+  <p:timing>
+    <p:tnLst>
+      <p:par>
+        <p:cTn id="1" dur="indefinite" restart="never" nodeType="tmRoot"/>
+      </p:par>
+    </p:tnLst>
+  </p:timing>
 </p:sld>
 </file>
 
@@ -7857,7 +7886,7 @@
           <p:nvPr/>
         </p:nvPicPr>
         <p:blipFill>
-          <a:blip r:embed="rId2" cstate="print">
+          <a:blip r:embed="rId14" cstate="print">
             <a:extLst>
               <a:ext uri="{28A0092B-C50C-407E-A947-70E740481C1C}">
                 <a14:useLocalDpi xmlns:a14="http://schemas.microsoft.com/office/drawing/2010/main" val="0"/>
@@ -7878,6 +7907,204 @@
           </a:prstGeom>
         </p:spPr>
       </p:pic>
+      <p:pic>
+        <p:nvPicPr>
+          <p:cNvPr id="8" name="Audio_EnemyHurtLow.wav">
+            <a:hlinkClick r:id="" action="ppaction://media"/>
+          </p:cNvPr>
+          <p:cNvPicPr>
+            <a:picLocks noChangeAspect="1"/>
+          </p:cNvPicPr>
+          <p:nvPr>
+            <a:audioFile r:link="rId2"/>
+            <p:extLst>
+              <p:ext uri="{DAA4B4D4-6D71-4841-9C94-3DE7FCFB9230}">
+                <p14:media xmlns:p14="http://schemas.microsoft.com/office/powerpoint/2010/main" r:embed="rId1"/>
+              </p:ext>
+            </p:extLst>
+          </p:nvPr>
+        </p:nvPicPr>
+        <p:blipFill>
+          <a:blip r:embed="rId15"/>
+          <a:stretch>
+            <a:fillRect/>
+          </a:stretch>
+        </p:blipFill>
+        <p:spPr>
+          <a:xfrm>
+            <a:off x="2811236" y="2658835"/>
+            <a:ext cx="609600" cy="609600"/>
+          </a:xfrm>
+          <a:prstGeom prst="rect">
+            <a:avLst/>
+          </a:prstGeom>
+        </p:spPr>
+      </p:pic>
+      <p:pic>
+        <p:nvPicPr>
+          <p:cNvPr id="9" name="Exploding Bullet Impact.wav">
+            <a:hlinkClick r:id="" action="ppaction://media"/>
+          </p:cNvPr>
+          <p:cNvPicPr>
+            <a:picLocks noChangeAspect="1"/>
+          </p:cNvPicPr>
+          <p:nvPr>
+            <a:audioFile r:link="rId4"/>
+            <p:extLst>
+              <p:ext uri="{DAA4B4D4-6D71-4841-9C94-3DE7FCFB9230}">
+                <p14:media xmlns:p14="http://schemas.microsoft.com/office/powerpoint/2010/main" r:embed="rId3"/>
+              </p:ext>
+            </p:extLst>
+          </p:nvPr>
+        </p:nvPicPr>
+        <p:blipFill>
+          <a:blip r:embed="rId16"/>
+          <a:stretch>
+            <a:fillRect/>
+          </a:stretch>
+        </p:blipFill>
+        <p:spPr>
+          <a:xfrm>
+            <a:off x="5080908" y="2658835"/>
+            <a:ext cx="609600" cy="609600"/>
+          </a:xfrm>
+          <a:prstGeom prst="rect">
+            <a:avLst/>
+          </a:prstGeom>
+        </p:spPr>
+      </p:pic>
+      <p:pic>
+        <p:nvPicPr>
+          <p:cNvPr id="10" name="NecromancerAttackSummon.wav">
+            <a:hlinkClick r:id="" action="ppaction://media"/>
+          </p:cNvPr>
+          <p:cNvPicPr>
+            <a:picLocks noChangeAspect="1"/>
+          </p:cNvPicPr>
+          <p:nvPr>
+            <a:audioFile r:link="rId6"/>
+            <p:extLst>
+              <p:ext uri="{DAA4B4D4-6D71-4841-9C94-3DE7FCFB9230}">
+                <p14:media xmlns:p14="http://schemas.microsoft.com/office/powerpoint/2010/main" r:embed="rId5"/>
+              </p:ext>
+            </p:extLst>
+          </p:nvPr>
+        </p:nvPicPr>
+        <p:blipFill>
+          <a:blip r:embed="rId16"/>
+          <a:stretch>
+            <a:fillRect/>
+          </a:stretch>
+        </p:blipFill>
+        <p:spPr>
+          <a:xfrm>
+            <a:off x="2811236" y="3741964"/>
+            <a:ext cx="609600" cy="609600"/>
+          </a:xfrm>
+          <a:prstGeom prst="rect">
+            <a:avLst/>
+          </a:prstGeom>
+        </p:spPr>
+      </p:pic>
+      <p:pic>
+        <p:nvPicPr>
+          <p:cNvPr id="11" name="Audio_BubbleTrap.wav">
+            <a:hlinkClick r:id="" action="ppaction://media"/>
+          </p:cNvPr>
+          <p:cNvPicPr>
+            <a:picLocks noChangeAspect="1"/>
+          </p:cNvPicPr>
+          <p:nvPr>
+            <a:audioFile r:link="rId8"/>
+            <p:extLst>
+              <p:ext uri="{DAA4B4D4-6D71-4841-9C94-3DE7FCFB9230}">
+                <p14:media xmlns:p14="http://schemas.microsoft.com/office/powerpoint/2010/main" r:embed="rId7"/>
+              </p:ext>
+            </p:extLst>
+          </p:nvPr>
+        </p:nvPicPr>
+        <p:blipFill>
+          <a:blip r:embed="rId16"/>
+          <a:stretch>
+            <a:fillRect/>
+          </a:stretch>
+        </p:blipFill>
+        <p:spPr>
+          <a:xfrm>
+            <a:off x="5080908" y="3741964"/>
+            <a:ext cx="609600" cy="609600"/>
+          </a:xfrm>
+          <a:prstGeom prst="rect">
+            <a:avLst/>
+          </a:prstGeom>
+        </p:spPr>
+      </p:pic>
+      <p:pic>
+        <p:nvPicPr>
+          <p:cNvPr id="12" name="Ice Spear Break.wav">
+            <a:hlinkClick r:id="" action="ppaction://media"/>
+          </p:cNvPr>
+          <p:cNvPicPr>
+            <a:picLocks noChangeAspect="1"/>
+          </p:cNvPicPr>
+          <p:nvPr>
+            <a:audioFile r:link="rId10"/>
+            <p:extLst>
+              <p:ext uri="{DAA4B4D4-6D71-4841-9C94-3DE7FCFB9230}">
+                <p14:media xmlns:p14="http://schemas.microsoft.com/office/powerpoint/2010/main" r:embed="rId9"/>
+              </p:ext>
+            </p:extLst>
+          </p:nvPr>
+        </p:nvPicPr>
+        <p:blipFill>
+          <a:blip r:embed="rId16"/>
+          <a:stretch>
+            <a:fillRect/>
+          </a:stretch>
+        </p:blipFill>
+        <p:spPr>
+          <a:xfrm>
+            <a:off x="7375071" y="2658835"/>
+            <a:ext cx="609600" cy="609600"/>
+          </a:xfrm>
+          <a:prstGeom prst="rect">
+            <a:avLst/>
+          </a:prstGeom>
+        </p:spPr>
+      </p:pic>
+      <p:pic>
+        <p:nvPicPr>
+          <p:cNvPr id="13" name="Seeking Arrow.wav">
+            <a:hlinkClick r:id="" action="ppaction://media"/>
+          </p:cNvPr>
+          <p:cNvPicPr>
+            <a:picLocks noChangeAspect="1"/>
+          </p:cNvPicPr>
+          <p:nvPr>
+            <a:audioFile r:link="rId12"/>
+            <p:extLst>
+              <p:ext uri="{DAA4B4D4-6D71-4841-9C94-3DE7FCFB9230}">
+                <p14:media xmlns:p14="http://schemas.microsoft.com/office/powerpoint/2010/main" r:embed="rId11"/>
+              </p:ext>
+            </p:extLst>
+          </p:nvPr>
+        </p:nvPicPr>
+        <p:blipFill>
+          <a:blip r:embed="rId16"/>
+          <a:stretch>
+            <a:fillRect/>
+          </a:stretch>
+        </p:blipFill>
+        <p:spPr>
+          <a:xfrm>
+            <a:off x="7375071" y="3741964"/>
+            <a:ext cx="609600" cy="609600"/>
+          </a:xfrm>
+          <a:prstGeom prst="rect">
+            <a:avLst/>
+          </a:prstGeom>
+        </p:spPr>
+      </p:pic>
     </p:spTree>
     <p:extLst>
       <p:ext uri="{BB962C8B-B14F-4D97-AF65-F5344CB8AC3E}">
@@ -7888,6 +8115,478 @@
   <p:clrMapOvr>
     <a:masterClrMapping/>
   </p:clrMapOvr>
+  <p:timing>
+    <p:tnLst>
+      <p:par>
+        <p:cTn id="1" dur="indefinite" restart="never" nodeType="tmRoot">
+          <p:childTnLst>
+            <p:seq concurrent="1" nextAc="seek">
+              <p:cTn id="2" restart="whenNotActive" fill="hold" evtFilter="cancelBubble" nodeType="interactiveSeq">
+                <p:stCondLst>
+                  <p:cond evt="onClick" delay="0">
+                    <p:tgtEl>
+                      <p:spTgt spid="8"/>
+                    </p:tgtEl>
+                  </p:cond>
+                </p:stCondLst>
+                <p:endSync evt="end" delay="0">
+                  <p:rtn val="all"/>
+                </p:endSync>
+                <p:childTnLst>
+                  <p:par>
+                    <p:cTn id="3" fill="hold">
+                      <p:stCondLst>
+                        <p:cond delay="0"/>
+                      </p:stCondLst>
+                      <p:childTnLst>
+                        <p:par>
+                          <p:cTn id="4" fill="hold">
+                            <p:stCondLst>
+                              <p:cond delay="0"/>
+                            </p:stCondLst>
+                            <p:childTnLst>
+                              <p:par>
+                                <p:cTn id="5" presetID="1" presetClass="mediacall" presetSubtype="0" fill="hold" nodeType="clickEffect">
+                                  <p:stCondLst>
+                                    <p:cond delay="0"/>
+                                  </p:stCondLst>
+                                  <p:childTnLst>
+                                    <p:cmd type="call" cmd="playFrom(0.0)">
+                                      <p:cBhvr>
+                                        <p:cTn id="6" dur="2327" fill="hold"/>
+                                        <p:tgtEl>
+                                          <p:spTgt spid="8"/>
+                                        </p:tgtEl>
+                                      </p:cBhvr>
+                                    </p:cmd>
+                                  </p:childTnLst>
+                                </p:cTn>
+                              </p:par>
+                            </p:childTnLst>
+                          </p:cTn>
+                        </p:par>
+                      </p:childTnLst>
+                    </p:cTn>
+                  </p:par>
+                </p:childTnLst>
+              </p:cTn>
+              <p:nextCondLst>
+                <p:cond evt="onClick" delay="0">
+                  <p:tgtEl>
+                    <p:spTgt spid="8"/>
+                  </p:tgtEl>
+                </p:cond>
+              </p:nextCondLst>
+            </p:seq>
+            <p:audio>
+              <p:cMediaNode vol="80000">
+                <p:cTn id="7" fill="hold" display="0">
+                  <p:stCondLst>
+                    <p:cond delay="indefinite"/>
+                  </p:stCondLst>
+                  <p:endCondLst>
+                    <p:cond evt="onStopAudio" delay="0">
+                      <p:tgtEl>
+                        <p:sldTgt/>
+                      </p:tgtEl>
+                    </p:cond>
+                  </p:endCondLst>
+                </p:cTn>
+                <p:tgtEl>
+                  <p:spTgt spid="8"/>
+                </p:tgtEl>
+              </p:cMediaNode>
+            </p:audio>
+            <p:seq concurrent="1" nextAc="seek">
+              <p:cTn id="8" restart="whenNotActive" fill="hold" evtFilter="cancelBubble" nodeType="interactiveSeq">
+                <p:stCondLst>
+                  <p:cond evt="onClick" delay="0">
+                    <p:tgtEl>
+                      <p:spTgt spid="9"/>
+                    </p:tgtEl>
+                  </p:cond>
+                </p:stCondLst>
+                <p:endSync evt="end" delay="0">
+                  <p:rtn val="all"/>
+                </p:endSync>
+                <p:childTnLst>
+                  <p:par>
+                    <p:cTn id="9" fill="hold">
+                      <p:stCondLst>
+                        <p:cond delay="0"/>
+                      </p:stCondLst>
+                      <p:childTnLst>
+                        <p:par>
+                          <p:cTn id="10" fill="hold">
+                            <p:stCondLst>
+                              <p:cond delay="0"/>
+                            </p:stCondLst>
+                            <p:childTnLst>
+                              <p:par>
+                                <p:cTn id="11" presetID="1" presetClass="mediacall" presetSubtype="0" fill="hold" nodeType="clickEffect">
+                                  <p:stCondLst>
+                                    <p:cond delay="0"/>
+                                  </p:stCondLst>
+                                  <p:childTnLst>
+                                    <p:cmd type="call" cmd="playFrom(0.0)">
+                                      <p:cBhvr>
+                                        <p:cTn id="12" dur="183" fill="hold"/>
+                                        <p:tgtEl>
+                                          <p:spTgt spid="9"/>
+                                        </p:tgtEl>
+                                      </p:cBhvr>
+                                    </p:cmd>
+                                  </p:childTnLst>
+                                </p:cTn>
+                              </p:par>
+                            </p:childTnLst>
+                          </p:cTn>
+                        </p:par>
+                      </p:childTnLst>
+                    </p:cTn>
+                  </p:par>
+                </p:childTnLst>
+              </p:cTn>
+              <p:nextCondLst>
+                <p:cond evt="onClick" delay="0">
+                  <p:tgtEl>
+                    <p:spTgt spid="9"/>
+                  </p:tgtEl>
+                </p:cond>
+              </p:nextCondLst>
+            </p:seq>
+            <p:audio>
+              <p:cMediaNode vol="80000">
+                <p:cTn id="13" fill="hold" display="0">
+                  <p:stCondLst>
+                    <p:cond delay="indefinite"/>
+                  </p:stCondLst>
+                  <p:endCondLst>
+                    <p:cond evt="onStopAudio" delay="0">
+                      <p:tgtEl>
+                        <p:sldTgt/>
+                      </p:tgtEl>
+                    </p:cond>
+                  </p:endCondLst>
+                </p:cTn>
+                <p:tgtEl>
+                  <p:spTgt spid="9"/>
+                </p:tgtEl>
+              </p:cMediaNode>
+            </p:audio>
+            <p:seq concurrent="1" nextAc="seek">
+              <p:cTn id="14" restart="whenNotActive" fill="hold" evtFilter="cancelBubble" nodeType="interactiveSeq">
+                <p:stCondLst>
+                  <p:cond evt="onClick" delay="0">
+                    <p:tgtEl>
+                      <p:spTgt spid="10"/>
+                    </p:tgtEl>
+                  </p:cond>
+                </p:stCondLst>
+                <p:endSync evt="end" delay="0">
+                  <p:rtn val="all"/>
+                </p:endSync>
+                <p:childTnLst>
+                  <p:par>
+                    <p:cTn id="15" fill="hold">
+                      <p:stCondLst>
+                        <p:cond delay="0"/>
+                      </p:stCondLst>
+                      <p:childTnLst>
+                        <p:par>
+                          <p:cTn id="16" fill="hold">
+                            <p:stCondLst>
+                              <p:cond delay="0"/>
+                            </p:stCondLst>
+                            <p:childTnLst>
+                              <p:par>
+                                <p:cTn id="17" presetID="1" presetClass="mediacall" presetSubtype="0" fill="hold" nodeType="clickEffect">
+                                  <p:stCondLst>
+                                    <p:cond delay="0"/>
+                                  </p:stCondLst>
+                                  <p:childTnLst>
+                                    <p:cmd type="call" cmd="playFrom(0.0)">
+                                      <p:cBhvr>
+                                        <p:cTn id="18" dur="1191" fill="hold"/>
+                                        <p:tgtEl>
+                                          <p:spTgt spid="10"/>
+                                        </p:tgtEl>
+                                      </p:cBhvr>
+                                    </p:cmd>
+                                  </p:childTnLst>
+                                </p:cTn>
+                              </p:par>
+                            </p:childTnLst>
+                          </p:cTn>
+                        </p:par>
+                      </p:childTnLst>
+                    </p:cTn>
+                  </p:par>
+                </p:childTnLst>
+              </p:cTn>
+              <p:nextCondLst>
+                <p:cond evt="onClick" delay="0">
+                  <p:tgtEl>
+                    <p:spTgt spid="10"/>
+                  </p:tgtEl>
+                </p:cond>
+              </p:nextCondLst>
+            </p:seq>
+            <p:audio>
+              <p:cMediaNode vol="80000">
+                <p:cTn id="19" fill="hold" display="0">
+                  <p:stCondLst>
+                    <p:cond delay="indefinite"/>
+                  </p:stCondLst>
+                  <p:endCondLst>
+                    <p:cond evt="onStopAudio" delay="0">
+                      <p:tgtEl>
+                        <p:sldTgt/>
+                      </p:tgtEl>
+                    </p:cond>
+                  </p:endCondLst>
+                </p:cTn>
+                <p:tgtEl>
+                  <p:spTgt spid="10"/>
+                </p:tgtEl>
+              </p:cMediaNode>
+            </p:audio>
+            <p:seq concurrent="1" nextAc="seek">
+              <p:cTn id="20" restart="whenNotActive" fill="hold" evtFilter="cancelBubble" nodeType="interactiveSeq">
+                <p:stCondLst>
+                  <p:cond evt="onClick" delay="0">
+                    <p:tgtEl>
+                      <p:spTgt spid="11"/>
+                    </p:tgtEl>
+                  </p:cond>
+                </p:stCondLst>
+                <p:endSync evt="end" delay="0">
+                  <p:rtn val="all"/>
+                </p:endSync>
+                <p:childTnLst>
+                  <p:par>
+                    <p:cTn id="21" fill="hold">
+                      <p:stCondLst>
+                        <p:cond delay="0"/>
+                      </p:stCondLst>
+                      <p:childTnLst>
+                        <p:par>
+                          <p:cTn id="22" fill="hold">
+                            <p:stCondLst>
+                              <p:cond delay="0"/>
+                            </p:stCondLst>
+                            <p:childTnLst>
+                              <p:par>
+                                <p:cTn id="23" presetID="1" presetClass="mediacall" presetSubtype="0" fill="hold" nodeType="clickEffect">
+                                  <p:stCondLst>
+                                    <p:cond delay="0"/>
+                                  </p:stCondLst>
+                                  <p:childTnLst>
+                                    <p:cmd type="call" cmd="playFrom(0.0)">
+                                      <p:cBhvr>
+                                        <p:cTn id="24" dur="2327" fill="hold"/>
+                                        <p:tgtEl>
+                                          <p:spTgt spid="11"/>
+                                        </p:tgtEl>
+                                      </p:cBhvr>
+                                    </p:cmd>
+                                  </p:childTnLst>
+                                </p:cTn>
+                              </p:par>
+                            </p:childTnLst>
+                          </p:cTn>
+                        </p:par>
+                      </p:childTnLst>
+                    </p:cTn>
+                  </p:par>
+                </p:childTnLst>
+              </p:cTn>
+              <p:nextCondLst>
+                <p:cond evt="onClick" delay="0">
+                  <p:tgtEl>
+                    <p:spTgt spid="11"/>
+                  </p:tgtEl>
+                </p:cond>
+              </p:nextCondLst>
+            </p:seq>
+            <p:audio>
+              <p:cMediaNode vol="80000">
+                <p:cTn id="25" fill="hold" display="0">
+                  <p:stCondLst>
+                    <p:cond delay="indefinite"/>
+                  </p:stCondLst>
+                  <p:endCondLst>
+                    <p:cond evt="onStopAudio" delay="0">
+                      <p:tgtEl>
+                        <p:sldTgt/>
+                      </p:tgtEl>
+                    </p:cond>
+                  </p:endCondLst>
+                </p:cTn>
+                <p:tgtEl>
+                  <p:spTgt spid="11"/>
+                </p:tgtEl>
+              </p:cMediaNode>
+            </p:audio>
+            <p:seq concurrent="1" nextAc="seek">
+              <p:cTn id="26" restart="whenNotActive" fill="hold" evtFilter="cancelBubble" nodeType="interactiveSeq">
+                <p:stCondLst>
+                  <p:cond evt="onClick" delay="0">
+                    <p:tgtEl>
+                      <p:spTgt spid="12"/>
+                    </p:tgtEl>
+                  </p:cond>
+                </p:stCondLst>
+                <p:endSync evt="end" delay="0">
+                  <p:rtn val="all"/>
+                </p:endSync>
+                <p:childTnLst>
+                  <p:par>
+                    <p:cTn id="27" fill="hold">
+                      <p:stCondLst>
+                        <p:cond delay="0"/>
+                      </p:stCondLst>
+                      <p:childTnLst>
+                        <p:par>
+                          <p:cTn id="28" fill="hold">
+                            <p:stCondLst>
+                              <p:cond delay="0"/>
+                            </p:stCondLst>
+                            <p:childTnLst>
+                              <p:par>
+                                <p:cTn id="29" presetID="1" presetClass="mediacall" presetSubtype="0" fill="hold" nodeType="clickEffect">
+                                  <p:stCondLst>
+                                    <p:cond delay="0"/>
+                                  </p:stCondLst>
+                                  <p:childTnLst>
+                                    <p:cmd type="call" cmd="playFrom(0.0)">
+                                      <p:cBhvr>
+                                        <p:cTn id="30" dur="101" fill="hold"/>
+                                        <p:tgtEl>
+                                          <p:spTgt spid="12"/>
+                                        </p:tgtEl>
+                                      </p:cBhvr>
+                                    </p:cmd>
+                                  </p:childTnLst>
+                                </p:cTn>
+                              </p:par>
+                            </p:childTnLst>
+                          </p:cTn>
+                        </p:par>
+                      </p:childTnLst>
+                    </p:cTn>
+                  </p:par>
+                </p:childTnLst>
+              </p:cTn>
+              <p:nextCondLst>
+                <p:cond evt="onClick" delay="0">
+                  <p:tgtEl>
+                    <p:spTgt spid="12"/>
+                  </p:tgtEl>
+                </p:cond>
+              </p:nextCondLst>
+            </p:seq>
+            <p:audio>
+              <p:cMediaNode vol="80000">
+                <p:cTn id="31" fill="hold" display="0">
+                  <p:stCondLst>
+                    <p:cond delay="indefinite"/>
+                  </p:stCondLst>
+                  <p:endCondLst>
+                    <p:cond evt="onStopAudio" delay="0">
+                      <p:tgtEl>
+                        <p:sldTgt/>
+                      </p:tgtEl>
+                    </p:cond>
+                  </p:endCondLst>
+                </p:cTn>
+                <p:tgtEl>
+                  <p:spTgt spid="12"/>
+                </p:tgtEl>
+              </p:cMediaNode>
+            </p:audio>
+            <p:seq concurrent="1" nextAc="seek">
+              <p:cTn id="32" restart="whenNotActive" fill="hold" evtFilter="cancelBubble" nodeType="interactiveSeq">
+                <p:stCondLst>
+                  <p:cond evt="onClick" delay="0">
+                    <p:tgtEl>
+                      <p:spTgt spid="13"/>
+                    </p:tgtEl>
+                  </p:cond>
+                </p:stCondLst>
+                <p:endSync evt="end" delay="0">
+                  <p:rtn val="all"/>
+                </p:endSync>
+                <p:childTnLst>
+                  <p:par>
+                    <p:cTn id="33" fill="hold">
+                      <p:stCondLst>
+                        <p:cond delay="0"/>
+                      </p:stCondLst>
+                      <p:childTnLst>
+                        <p:par>
+                          <p:cTn id="34" fill="hold">
+                            <p:stCondLst>
+                              <p:cond delay="0"/>
+                            </p:stCondLst>
+                            <p:childTnLst>
+                              <p:par>
+                                <p:cTn id="35" presetID="1" presetClass="mediacall" presetSubtype="0" fill="hold" nodeType="clickEffect">
+                                  <p:stCondLst>
+                                    <p:cond delay="0"/>
+                                  </p:stCondLst>
+                                  <p:childTnLst>
+                                    <p:cmd type="call" cmd="playFrom(0.0)">
+                                      <p:cBhvr>
+                                        <p:cTn id="36" dur="278" fill="hold"/>
+                                        <p:tgtEl>
+                                          <p:spTgt spid="13"/>
+                                        </p:tgtEl>
+                                      </p:cBhvr>
+                                    </p:cmd>
+                                  </p:childTnLst>
+                                </p:cTn>
+                              </p:par>
+                            </p:childTnLst>
+                          </p:cTn>
+                        </p:par>
+                      </p:childTnLst>
+                    </p:cTn>
+                  </p:par>
+                </p:childTnLst>
+              </p:cTn>
+              <p:nextCondLst>
+                <p:cond evt="onClick" delay="0">
+                  <p:tgtEl>
+                    <p:spTgt spid="13"/>
+                  </p:tgtEl>
+                </p:cond>
+              </p:nextCondLst>
+            </p:seq>
+            <p:audio>
+              <p:cMediaNode vol="80000">
+                <p:cTn id="37" fill="hold" display="0">
+                  <p:stCondLst>
+                    <p:cond delay="indefinite"/>
+                  </p:stCondLst>
+                  <p:endCondLst>
+                    <p:cond evt="onStopAudio" delay="0">
+                      <p:tgtEl>
+                        <p:sldTgt/>
+                      </p:tgtEl>
+                    </p:cond>
+                  </p:endCondLst>
+                </p:cTn>
+                <p:tgtEl>
+                  <p:spTgt spid="13"/>
+                </p:tgtEl>
+              </p:cMediaNode>
+            </p:audio>
+          </p:childTnLst>
+        </p:cTn>
+      </p:par>
+    </p:tnLst>
+  </p:timing>
 </p:sld>
 </file>
 
@@ -8152,6 +8851,13 @@
   <p:clrMapOvr>
     <a:masterClrMapping/>
   </p:clrMapOvr>
+  <p:timing>
+    <p:tnLst>
+      <p:par>
+        <p:cTn id="1" dur="indefinite" restart="never" nodeType="tmRoot"/>
+      </p:par>
+    </p:tnLst>
+  </p:timing>
 </p:sld>
 </file>
 
@@ -8219,7 +8925,7 @@
         </p:blipFill>
         <p:spPr>
           <a:xfrm>
-            <a:off x="2070259" y="3391482"/>
+            <a:off x="3392873" y="2934282"/>
             <a:ext cx="3048425" cy="3048425"/>
           </a:xfrm>
         </p:spPr>
@@ -8306,38 +9012,8 @@
         </p:blipFill>
         <p:spPr>
           <a:xfrm>
-            <a:off x="4714682" y="3651457"/>
+            <a:off x="6894546" y="3324886"/>
             <a:ext cx="2762636" cy="3048425"/>
-          </a:xfrm>
-          <a:prstGeom prst="rect">
-            <a:avLst/>
-          </a:prstGeom>
-        </p:spPr>
-      </p:pic>
-      <p:pic>
-        <p:nvPicPr>
-          <p:cNvPr id="13" name="Picture 12"/>
-          <p:cNvPicPr>
-            <a:picLocks noChangeAspect="1"/>
-          </p:cNvPicPr>
-          <p:nvPr/>
-        </p:nvPicPr>
-        <p:blipFill>
-          <a:blip r:embed="rId6">
-            <a:extLst>
-              <a:ext uri="{28A0092B-C50C-407E-A947-70E740481C1C}">
-                <a14:useLocalDpi xmlns:a14="http://schemas.microsoft.com/office/drawing/2010/main" val="0"/>
-              </a:ext>
-            </a:extLst>
-          </a:blip>
-          <a:stretch>
-            <a:fillRect/>
-          </a:stretch>
-        </p:blipFill>
-        <p:spPr>
-          <a:xfrm>
-            <a:off x="7240229" y="4213858"/>
-            <a:ext cx="1419677" cy="1963269"/>
           </a:xfrm>
           <a:prstGeom prst="rect">
             <a:avLst/>
@@ -8354,6 +9030,13 @@
   <p:clrMapOvr>
     <a:masterClrMapping/>
   </p:clrMapOvr>
+  <p:timing>
+    <p:tnLst>
+      <p:par>
+        <p:cTn id="1" dur="indefinite" restart="never" nodeType="tmRoot"/>
+      </p:par>
+    </p:tnLst>
+  </p:timing>
 </p:sld>
 </file>
 
@@ -8400,7 +9083,7 @@
     </a:clrScheme>
     <a:fontScheme name="Slate">
       <a:majorFont>
-        <a:latin typeface="Calisto MT" panose="02040603050505030304"/>
+        <a:latin typeface="Calisto MT"/>
         <a:ea typeface=""/>
         <a:cs typeface=""/>
         <a:font script="Jpan" typeface="ＭＳ Ｐゴシック"/>
@@ -8435,7 +9118,7 @@
         <a:font script="Geor" typeface="Sylfaen"/>
       </a:majorFont>
       <a:minorFont>
-        <a:latin typeface="Calisto MT" panose="02040603050505030304"/>
+        <a:latin typeface="Calisto MT"/>
         <a:ea typeface=""/>
         <a:cs typeface=""/>
         <a:font script="Jpan" typeface="ＭＳ Ｐゴシック"/>
@@ -8593,7 +9276,7 @@
   <a:extraClrSchemeLst/>
   <a:extLst>
     <a:ext uri="{05A4C25C-085E-4340-85A3-A5531E510DB2}">
-      <thm15:themeFamily xmlns:thm15="http://schemas.microsoft.com/office/thememl/2012/main" name="Slate" id="{C3F70B94-7CE9-428E-ADC1-3269CC2C3385}" vid="{43372978-11FE-4814-AC26-BC300187D8C7}"/>
+      <thm15:themeFamily xmlns:thm15="http://schemas.microsoft.com/office/thememl/2012/main" xmlns="" name="Slate" id="{C3F70B94-7CE9-428E-ADC1-3269CC2C3385}" vid="{43372978-11FE-4814-AC26-BC300187D8C7}"/>
     </a:ext>
   </a:extLst>
 </a:theme>

--- a/Documentation/PresentationAlpha.pptx
+++ b/Documentation/PresentationAlpha.pptx
@@ -117,7 +117,7 @@
   </p:defaultTextStyle>
   <p:extLst>
     <p:ext uri="{EFAFB233-063F-42B5-8137-9DF3F51BA10A}">
-      <p15:sldGuideLst xmlns:p15="http://schemas.microsoft.com/office/powerpoint/2012/main" xmlns="">
+      <p15:sldGuideLst xmlns:p15="http://schemas.microsoft.com/office/powerpoint/2012/main">
         <p15:guide id="1" orient="horz" pos="2160">
           <p15:clr>
             <a:srgbClr val="A4A3A4"/>
@@ -319,7 +319,7 @@
           <a:p>
             <a:fld id="{5CEF22E0-9ED4-437F-9483-C95BD90B631F}" type="datetimeFigureOut">
               <a:rPr lang="en-US" smtClean="0"/>
-              <a:t>4/12/2017</a:t>
+              <a:t>4/13/2017</a:t>
             </a:fld>
             <a:endParaRPr lang="en-US" dirty="0"/>
           </a:p>
@@ -617,7 +617,7 @@
           <a:p>
             <a:fld id="{5CEF22E0-9ED4-437F-9483-C95BD90B631F}" type="datetimeFigureOut">
               <a:rPr lang="en-US" smtClean="0"/>
-              <a:t>4/12/2017</a:t>
+              <a:t>4/13/2017</a:t>
             </a:fld>
             <a:endParaRPr lang="en-US" dirty="0"/>
           </a:p>
@@ -809,7 +809,7 @@
           <a:p>
             <a:fld id="{5CEF22E0-9ED4-437F-9483-C95BD90B631F}" type="datetimeFigureOut">
               <a:rPr lang="en-US" smtClean="0"/>
-              <a:t>4/12/2017</a:t>
+              <a:t>4/13/2017</a:t>
             </a:fld>
             <a:endParaRPr lang="en-US" dirty="0"/>
           </a:p>
@@ -1070,7 +1070,7 @@
           <a:p>
             <a:fld id="{5CEF22E0-9ED4-437F-9483-C95BD90B631F}" type="datetimeFigureOut">
               <a:rPr lang="en-US" smtClean="0"/>
-              <a:t>4/12/2017</a:t>
+              <a:t>4/13/2017</a:t>
             </a:fld>
             <a:endParaRPr lang="en-US" dirty="0"/>
           </a:p>
@@ -1494,7 +1494,7 @@
           <a:p>
             <a:fld id="{5CEF22E0-9ED4-437F-9483-C95BD90B631F}" type="datetimeFigureOut">
               <a:rPr lang="en-US" smtClean="0"/>
-              <a:t>4/12/2017</a:t>
+              <a:t>4/13/2017</a:t>
             </a:fld>
             <a:endParaRPr lang="en-US" dirty="0"/>
           </a:p>
@@ -2031,7 +2031,7 @@
           <a:p>
             <a:fld id="{5CEF22E0-9ED4-437F-9483-C95BD90B631F}" type="datetimeFigureOut">
               <a:rPr lang="en-US" smtClean="0"/>
-              <a:t>4/12/2017</a:t>
+              <a:t>4/13/2017</a:t>
             </a:fld>
             <a:endParaRPr lang="en-US" dirty="0"/>
           </a:p>
@@ -2895,7 +2895,7 @@
           <a:p>
             <a:fld id="{5CEF22E0-9ED4-437F-9483-C95BD90B631F}" type="datetimeFigureOut">
               <a:rPr lang="en-US" smtClean="0"/>
-              <a:t>4/12/2017</a:t>
+              <a:t>4/13/2017</a:t>
             </a:fld>
             <a:endParaRPr lang="en-US" dirty="0"/>
           </a:p>
@@ -3065,7 +3065,7 @@
           <a:p>
             <a:fld id="{5CEF22E0-9ED4-437F-9483-C95BD90B631F}" type="datetimeFigureOut">
               <a:rPr lang="en-US" smtClean="0"/>
-              <a:t>4/12/2017</a:t>
+              <a:t>4/13/2017</a:t>
             </a:fld>
             <a:endParaRPr lang="en-US" dirty="0"/>
           </a:p>
@@ -3249,7 +3249,7 @@
           <a:p>
             <a:fld id="{5CEF22E0-9ED4-437F-9483-C95BD90B631F}" type="datetimeFigureOut">
               <a:rPr lang="en-US" smtClean="0"/>
-              <a:t>4/12/2017</a:t>
+              <a:t>4/13/2017</a:t>
             </a:fld>
             <a:endParaRPr lang="en-US" dirty="0"/>
           </a:p>
@@ -3419,7 +3419,7 @@
           <a:p>
             <a:fld id="{5CEF22E0-9ED4-437F-9483-C95BD90B631F}" type="datetimeFigureOut">
               <a:rPr lang="en-US" smtClean="0"/>
-              <a:t>4/12/2017</a:t>
+              <a:t>4/13/2017</a:t>
             </a:fld>
             <a:endParaRPr lang="en-US" dirty="0"/>
           </a:p>
@@ -3663,7 +3663,7 @@
           <a:p>
             <a:fld id="{5CEF22E0-9ED4-437F-9483-C95BD90B631F}" type="datetimeFigureOut">
               <a:rPr lang="en-US" smtClean="0"/>
-              <a:t>4/12/2017</a:t>
+              <a:t>4/13/2017</a:t>
             </a:fld>
             <a:endParaRPr lang="en-US" dirty="0"/>
           </a:p>
@@ -3899,7 +3899,7 @@
           <a:p>
             <a:fld id="{5CEF22E0-9ED4-437F-9483-C95BD90B631F}" type="datetimeFigureOut">
               <a:rPr lang="en-US" smtClean="0"/>
-              <a:t>4/12/2017</a:t>
+              <a:t>4/13/2017</a:t>
             </a:fld>
             <a:endParaRPr lang="en-US" dirty="0"/>
           </a:p>
@@ -4365,7 +4365,7 @@
           <a:p>
             <a:fld id="{5CEF22E0-9ED4-437F-9483-C95BD90B631F}" type="datetimeFigureOut">
               <a:rPr lang="en-US" smtClean="0"/>
-              <a:t>4/12/2017</a:t>
+              <a:t>4/13/2017</a:t>
             </a:fld>
             <a:endParaRPr lang="en-US" dirty="0"/>
           </a:p>
@@ -4483,7 +4483,7 @@
           <a:p>
             <a:fld id="{5CEF22E0-9ED4-437F-9483-C95BD90B631F}" type="datetimeFigureOut">
               <a:rPr lang="en-US" smtClean="0"/>
-              <a:t>4/12/2017</a:t>
+              <a:t>4/13/2017</a:t>
             </a:fld>
             <a:endParaRPr lang="en-US" dirty="0"/>
           </a:p>
@@ -4578,7 +4578,7 @@
           <a:p>
             <a:fld id="{5CEF22E0-9ED4-437F-9483-C95BD90B631F}" type="datetimeFigureOut">
               <a:rPr lang="en-US" smtClean="0"/>
-              <a:t>4/12/2017</a:t>
+              <a:t>4/13/2017</a:t>
             </a:fld>
             <a:endParaRPr lang="en-US" dirty="0"/>
           </a:p>
@@ -4833,7 +4833,7 @@
           <a:p>
             <a:fld id="{5CEF22E0-9ED4-437F-9483-C95BD90B631F}" type="datetimeFigureOut">
               <a:rPr lang="en-US" smtClean="0"/>
-              <a:t>4/12/2017</a:t>
+              <a:t>4/13/2017</a:t>
             </a:fld>
             <a:endParaRPr lang="en-US" dirty="0"/>
           </a:p>
@@ -5133,7 +5133,7 @@
           <a:p>
             <a:fld id="{5CEF22E0-9ED4-437F-9483-C95BD90B631F}" type="datetimeFigureOut">
               <a:rPr lang="en-US" smtClean="0"/>
-              <a:t>4/12/2017</a:t>
+              <a:t>4/13/2017</a:t>
             </a:fld>
             <a:endParaRPr lang="en-US" dirty="0"/>
           </a:p>
@@ -5367,7 +5367,7 @@
           <a:p>
             <a:fld id="{5CEF22E0-9ED4-437F-9483-C95BD90B631F}" type="datetimeFigureOut">
               <a:rPr lang="en-US" smtClean="0"/>
-              <a:t>4/12/2017</a:t>
+              <a:t>4/13/2017</a:t>
             </a:fld>
             <a:endParaRPr lang="en-US" dirty="0"/>
           </a:p>
@@ -8925,7 +8925,7 @@
         </p:blipFill>
         <p:spPr>
           <a:xfrm>
-            <a:off x="3392873" y="2934282"/>
+            <a:off x="3042251" y="3046425"/>
             <a:ext cx="3048425" cy="3048425"/>
           </a:xfrm>
         </p:spPr>
@@ -9012,7 +9012,7 @@
         </p:blipFill>
         <p:spPr>
           <a:xfrm>
-            <a:off x="6894546" y="3324886"/>
+            <a:off x="6288678" y="3393897"/>
             <a:ext cx="2762636" cy="3048425"/>
           </a:xfrm>
           <a:prstGeom prst="rect">
@@ -9276,7 +9276,7 @@
   <a:extraClrSchemeLst/>
   <a:extLst>
     <a:ext uri="{05A4C25C-085E-4340-85A3-A5531E510DB2}">
-      <thm15:themeFamily xmlns:thm15="http://schemas.microsoft.com/office/thememl/2012/main" xmlns="" name="Slate" id="{C3F70B94-7CE9-428E-ADC1-3269CC2C3385}" vid="{43372978-11FE-4814-AC26-BC300187D8C7}"/>
+      <thm15:themeFamily xmlns:thm15="http://schemas.microsoft.com/office/thememl/2012/main" name="Slate" id="{C3F70B94-7CE9-428E-ADC1-3269CC2C3385}" vid="{43372978-11FE-4814-AC26-BC300187D8C7}"/>
     </a:ext>
   </a:extLst>
 </a:theme>

--- a/Documentation/PresentationAlpha.pptx
+++ b/Documentation/PresentationAlpha.pptx
@@ -6090,7 +6090,7 @@
             <a:r>
               <a:rPr lang="en-US" dirty="0" err="1">
                 <a:solidFill>
-                  <a:schemeClr val="bg2">
+                  <a:schemeClr val="tx2">
                     <a:lumMod val="50000"/>
                   </a:schemeClr>
                 </a:solidFill>
@@ -6099,7 +6099,7 @@
             </a:r>
             <a:endParaRPr lang="en-US" dirty="0">
               <a:solidFill>
-                <a:schemeClr val="bg2">
+                <a:schemeClr val="tx2">
                   <a:lumMod val="50000"/>
                 </a:schemeClr>
               </a:solidFill>
@@ -6171,7 +6171,7 @@
         </p:blipFill>
         <p:spPr>
           <a:xfrm>
-            <a:off x="3567855" y="-96785"/>
+            <a:off x="3649546" y="-83515"/>
             <a:ext cx="4882328" cy="4882328"/>
           </a:xfrm>
           <a:prstGeom prst="rect">
@@ -6930,7 +6930,7 @@
             <a:r>
               <a:rPr lang="en-US" dirty="0" err="1">
                 <a:solidFill>
-                  <a:schemeClr val="bg2">
+                  <a:schemeClr val="tx2">
                     <a:lumMod val="50000"/>
                   </a:schemeClr>
                 </a:solidFill>
@@ -6939,7 +6939,7 @@
             </a:r>
             <a:endParaRPr lang="en-US" dirty="0">
               <a:solidFill>
-                <a:schemeClr val="bg2">
+                <a:schemeClr val="tx2">
                   <a:lumMod val="50000"/>
                 </a:schemeClr>
               </a:solidFill>

--- a/Documentation/PresentationAlpha.pptx
+++ b/Documentation/PresentationAlpha.pptx
@@ -8105,6 +8105,192 @@
           </a:prstGeom>
         </p:spPr>
       </p:pic>
+      <p:sp>
+        <p:nvSpPr>
+          <p:cNvPr id="5" name="TextBox 4"/>
+          <p:cNvSpPr txBox="1"/>
+          <p:nvPr/>
+        </p:nvSpPr>
+        <p:spPr>
+          <a:xfrm>
+            <a:off x="2363711" y="2289503"/>
+            <a:ext cx="1340495" cy="369332"/>
+          </a:xfrm>
+          <a:prstGeom prst="rect">
+            <a:avLst/>
+          </a:prstGeom>
+          <a:noFill/>
+        </p:spPr>
+        <p:txBody>
+          <a:bodyPr wrap="none" rtlCol="0">
+            <a:spAutoFit/>
+          </a:bodyPr>
+          <a:lstStyle/>
+          <a:p>
+            <a:r>
+              <a:rPr lang="en-US" dirty="0" smtClean="0"/>
+              <a:t>Hurt Sound</a:t>
+            </a:r>
+            <a:endParaRPr lang="en-US" dirty="0"/>
+          </a:p>
+        </p:txBody>
+      </p:sp>
+      <p:sp>
+        <p:nvSpPr>
+          <p:cNvPr id="6" name="TextBox 5"/>
+          <p:cNvSpPr txBox="1"/>
+          <p:nvPr/>
+        </p:nvSpPr>
+        <p:spPr>
+          <a:xfrm>
+            <a:off x="4469431" y="2289503"/>
+            <a:ext cx="1832553" cy="369332"/>
+          </a:xfrm>
+          <a:prstGeom prst="rect">
+            <a:avLst/>
+          </a:prstGeom>
+          <a:noFill/>
+        </p:spPr>
+        <p:txBody>
+          <a:bodyPr wrap="none" rtlCol="0">
+            <a:spAutoFit/>
+          </a:bodyPr>
+          <a:lstStyle/>
+          <a:p>
+            <a:r>
+              <a:rPr lang="en-US" dirty="0" smtClean="0"/>
+              <a:t>Exploding Bullet</a:t>
+            </a:r>
+            <a:endParaRPr lang="en-US" dirty="0"/>
+          </a:p>
+        </p:txBody>
+      </p:sp>
+      <p:sp>
+        <p:nvSpPr>
+          <p:cNvPr id="7" name="TextBox 6"/>
+          <p:cNvSpPr txBox="1"/>
+          <p:nvPr/>
+        </p:nvSpPr>
+        <p:spPr>
+          <a:xfrm>
+            <a:off x="7134306" y="2289503"/>
+            <a:ext cx="1088760" cy="646331"/>
+          </a:xfrm>
+          <a:prstGeom prst="rect">
+            <a:avLst/>
+          </a:prstGeom>
+          <a:noFill/>
+        </p:spPr>
+        <p:txBody>
+          <a:bodyPr wrap="none" rtlCol="0">
+            <a:spAutoFit/>
+          </a:bodyPr>
+          <a:lstStyle/>
+          <a:p>
+            <a:r>
+              <a:rPr lang="en-US" dirty="0" smtClean="0"/>
+              <a:t>Ice Spear</a:t>
+            </a:r>
+          </a:p>
+          <a:p>
+            <a:endParaRPr lang="en-US" dirty="0"/>
+          </a:p>
+        </p:txBody>
+      </p:sp>
+      <p:sp>
+        <p:nvSpPr>
+          <p:cNvPr id="14" name="TextBox 13"/>
+          <p:cNvSpPr txBox="1"/>
+          <p:nvPr/>
+        </p:nvSpPr>
+        <p:spPr>
+          <a:xfrm>
+            <a:off x="2002590" y="3368288"/>
+            <a:ext cx="2226892" cy="646331"/>
+          </a:xfrm>
+          <a:prstGeom prst="rect">
+            <a:avLst/>
+          </a:prstGeom>
+          <a:noFill/>
+        </p:spPr>
+        <p:txBody>
+          <a:bodyPr wrap="none" rtlCol="0">
+            <a:spAutoFit/>
+          </a:bodyPr>
+          <a:lstStyle/>
+          <a:p>
+            <a:r>
+              <a:rPr lang="en-US" dirty="0" smtClean="0"/>
+              <a:t>Necromancer Attack</a:t>
+            </a:r>
+          </a:p>
+          <a:p>
+            <a:endParaRPr lang="en-US" dirty="0"/>
+          </a:p>
+        </p:txBody>
+      </p:sp>
+      <p:sp>
+        <p:nvSpPr>
+          <p:cNvPr id="15" name="TextBox 14"/>
+          <p:cNvSpPr txBox="1"/>
+          <p:nvPr/>
+        </p:nvSpPr>
+        <p:spPr>
+          <a:xfrm>
+            <a:off x="4701064" y="3368288"/>
+            <a:ext cx="1369286" cy="646331"/>
+          </a:xfrm>
+          <a:prstGeom prst="rect">
+            <a:avLst/>
+          </a:prstGeom>
+          <a:noFill/>
+        </p:spPr>
+        <p:txBody>
+          <a:bodyPr wrap="none" rtlCol="0">
+            <a:spAutoFit/>
+          </a:bodyPr>
+          <a:lstStyle/>
+          <a:p>
+            <a:r>
+              <a:rPr lang="en-US" dirty="0" smtClean="0"/>
+              <a:t>Bubble Shot</a:t>
+            </a:r>
+          </a:p>
+          <a:p>
+            <a:endParaRPr lang="en-US" dirty="0"/>
+          </a:p>
+        </p:txBody>
+      </p:sp>
+      <p:sp>
+        <p:nvSpPr>
+          <p:cNvPr id="16" name="TextBox 15"/>
+          <p:cNvSpPr txBox="1"/>
+          <p:nvPr/>
+        </p:nvSpPr>
+        <p:spPr>
+          <a:xfrm>
+            <a:off x="6857082" y="3372632"/>
+            <a:ext cx="1643207" cy="369332"/>
+          </a:xfrm>
+          <a:prstGeom prst="rect">
+            <a:avLst/>
+          </a:prstGeom>
+          <a:noFill/>
+        </p:spPr>
+        <p:txBody>
+          <a:bodyPr wrap="none" rtlCol="0">
+            <a:spAutoFit/>
+          </a:bodyPr>
+          <a:lstStyle/>
+          <a:p>
+            <a:r>
+              <a:rPr lang="en-US" dirty="0" smtClean="0"/>
+              <a:t>Seeking Arrow</a:t>
+            </a:r>
+            <a:endParaRPr lang="en-US" dirty="0"/>
+          </a:p>
+        </p:txBody>
+      </p:sp>
     </p:spTree>
     <p:extLst>
       <p:ext uri="{BB962C8B-B14F-4D97-AF65-F5344CB8AC3E}">
